--- a/Share/游戏设计理论.pptx
+++ b/Share/游戏设计理论.pptx
@@ -250,7 +250,7 @@
           <a:p>
             <a:fld id="{D2A48B96-639E-45A3-A0BA-2464DFDB1FAA}" type="datetimeFigureOut">
               <a:rPr lang="zh-CN" altLang="en-US" smtClean="0"/>
-              <a:t>2018/3/13</a:t>
+              <a:t>2018/3/14</a:t>
             </a:fld>
             <a:endParaRPr lang="zh-CN" altLang="en-US"/>
           </a:p>
@@ -649,7 +649,7 @@
           <a:p>
             <a:fld id="{D997B5FA-0921-464F-AAE1-844C04324D75}" type="datetimeFigureOut">
               <a:rPr lang="zh-CN" altLang="en-US" smtClean="0"/>
-              <a:t>2018/3/13</a:t>
+              <a:t>2018/3/14</a:t>
             </a:fld>
             <a:endParaRPr lang="zh-CN" altLang="en-US"/>
           </a:p>
@@ -818,7 +818,7 @@
           <a:p>
             <a:fld id="{D997B5FA-0921-464F-AAE1-844C04324D75}" type="datetimeFigureOut">
               <a:rPr lang="zh-CN" altLang="en-US" smtClean="0"/>
-              <a:t>2018/3/13</a:t>
+              <a:t>2018/3/14</a:t>
             </a:fld>
             <a:endParaRPr lang="zh-CN" altLang="en-US"/>
           </a:p>
@@ -997,7 +997,7 @@
           <a:p>
             <a:fld id="{D997B5FA-0921-464F-AAE1-844C04324D75}" type="datetimeFigureOut">
               <a:rPr lang="zh-CN" altLang="en-US" smtClean="0"/>
-              <a:t>2018/3/13</a:t>
+              <a:t>2018/3/14</a:t>
             </a:fld>
             <a:endParaRPr lang="zh-CN" altLang="en-US"/>
           </a:p>
@@ -1166,7 +1166,7 @@
           <a:p>
             <a:fld id="{D997B5FA-0921-464F-AAE1-844C04324D75}" type="datetimeFigureOut">
               <a:rPr lang="zh-CN" altLang="en-US" smtClean="0"/>
-              <a:t>2018/3/13</a:t>
+              <a:t>2018/3/14</a:t>
             </a:fld>
             <a:endParaRPr lang="zh-CN" altLang="en-US"/>
           </a:p>
@@ -1411,7 +1411,7 @@
           <a:p>
             <a:fld id="{D997B5FA-0921-464F-AAE1-844C04324D75}" type="datetimeFigureOut">
               <a:rPr lang="zh-CN" altLang="en-US" smtClean="0"/>
-              <a:t>2018/3/13</a:t>
+              <a:t>2018/3/14</a:t>
             </a:fld>
             <a:endParaRPr lang="zh-CN" altLang="en-US"/>
           </a:p>
@@ -1642,7 +1642,7 @@
           <a:p>
             <a:fld id="{D997B5FA-0921-464F-AAE1-844C04324D75}" type="datetimeFigureOut">
               <a:rPr lang="zh-CN" altLang="en-US" smtClean="0"/>
-              <a:t>2018/3/13</a:t>
+              <a:t>2018/3/14</a:t>
             </a:fld>
             <a:endParaRPr lang="zh-CN" altLang="en-US"/>
           </a:p>
@@ -2008,7 +2008,7 @@
           <a:p>
             <a:fld id="{D997B5FA-0921-464F-AAE1-844C04324D75}" type="datetimeFigureOut">
               <a:rPr lang="zh-CN" altLang="en-US" smtClean="0"/>
-              <a:t>2018/3/13</a:t>
+              <a:t>2018/3/14</a:t>
             </a:fld>
             <a:endParaRPr lang="zh-CN" altLang="en-US"/>
           </a:p>
@@ -2125,7 +2125,7 @@
           <a:p>
             <a:fld id="{D997B5FA-0921-464F-AAE1-844C04324D75}" type="datetimeFigureOut">
               <a:rPr lang="zh-CN" altLang="en-US" smtClean="0"/>
-              <a:t>2018/3/13</a:t>
+              <a:t>2018/3/14</a:t>
             </a:fld>
             <a:endParaRPr lang="zh-CN" altLang="en-US"/>
           </a:p>
@@ -2219,7 +2219,7 @@
           <a:p>
             <a:fld id="{D997B5FA-0921-464F-AAE1-844C04324D75}" type="datetimeFigureOut">
               <a:rPr lang="zh-CN" altLang="en-US" smtClean="0"/>
-              <a:t>2018/3/13</a:t>
+              <a:t>2018/3/14</a:t>
             </a:fld>
             <a:endParaRPr lang="zh-CN" altLang="en-US"/>
           </a:p>
@@ -2495,7 +2495,7 @@
           <a:p>
             <a:fld id="{D997B5FA-0921-464F-AAE1-844C04324D75}" type="datetimeFigureOut">
               <a:rPr lang="zh-CN" altLang="en-US" smtClean="0"/>
-              <a:t>2018/3/13</a:t>
+              <a:t>2018/3/14</a:t>
             </a:fld>
             <a:endParaRPr lang="zh-CN" altLang="en-US"/>
           </a:p>
@@ -2747,7 +2747,7 @@
           <a:p>
             <a:fld id="{D997B5FA-0921-464F-AAE1-844C04324D75}" type="datetimeFigureOut">
               <a:rPr lang="zh-CN" altLang="en-US" smtClean="0"/>
-              <a:t>2018/3/13</a:t>
+              <a:t>2018/3/14</a:t>
             </a:fld>
             <a:endParaRPr lang="zh-CN" altLang="en-US"/>
           </a:p>
@@ -2959,7 +2959,7 @@
           <a:p>
             <a:fld id="{D997B5FA-0921-464F-AAE1-844C04324D75}" type="datetimeFigureOut">
               <a:rPr lang="zh-CN" altLang="en-US" smtClean="0"/>
-              <a:t>2018/3/13</a:t>
+              <a:t>2018/3/14</a:t>
             </a:fld>
             <a:endParaRPr lang="zh-CN" altLang="en-US"/>
           </a:p>
@@ -3876,11 +3876,6 @@
               </a:rPr>
               <a:t>二</a:t>
             </a:r>
-            <a:endParaRPr lang="zh-CN" altLang="en-US" dirty="0">
-              <a:solidFill>
-                <a:prstClr val="white"/>
-              </a:solidFill>
-            </a:endParaRPr>
           </a:p>
         </p:txBody>
       </p:sp>
@@ -5036,7 +5031,6 @@
               <a:rPr lang="zh-CN" altLang="en-US" sz="3000" dirty="0"/>
               <a:t>易于理解</a:t>
             </a:r>
-            <a:endParaRPr lang="zh-CN" altLang="en-US" sz="3000" dirty="0"/>
           </a:p>
         </p:txBody>
       </p:sp>
@@ -6932,11 +6926,6 @@
               </a:rPr>
               <a:t>游戏、棋类游戏、学渣解题</a:t>
             </a:r>
-            <a:endParaRPr lang="zh-CN" altLang="en-US" sz="2500" dirty="0">
-              <a:solidFill>
-                <a:schemeClr val="accent2"/>
-              </a:solidFill>
-            </a:endParaRPr>
           </a:p>
         </p:txBody>
       </p:sp>

--- a/Share/游戏设计理论.pptx
+++ b/Share/游戏设计理论.pptx
@@ -5,7 +5,7 @@
     <p:sldMasterId id="2147483648" r:id="rId1"/>
   </p:sldMasterIdLst>
   <p:notesMasterIdLst>
-    <p:notesMasterId r:id="rId21"/>
+    <p:notesMasterId r:id="rId27"/>
   </p:notesMasterIdLst>
   <p:sldIdLst>
     <p:sldId id="256" r:id="rId2"/>
@@ -27,6 +27,12 @@
     <p:sldId id="275" r:id="rId18"/>
     <p:sldId id="276" r:id="rId19"/>
     <p:sldId id="277" r:id="rId20"/>
+    <p:sldId id="280" r:id="rId21"/>
+    <p:sldId id="282" r:id="rId22"/>
+    <p:sldId id="281" r:id="rId23"/>
+    <p:sldId id="284" r:id="rId24"/>
+    <p:sldId id="285" r:id="rId25"/>
+    <p:sldId id="283" r:id="rId26"/>
   </p:sldIdLst>
   <p:sldSz cx="12192000" cy="6858000"/>
   <p:notesSz cx="6858000" cy="9144000"/>
@@ -159,6 +165,16 @@
             <p14:sldId id="277"/>
           </p14:sldIdLst>
         </p14:section>
+        <p14:section name="节奏感" id="{3BC8169F-01AD-4F26-9B16-3044EF11FE78}">
+          <p14:sldIdLst>
+            <p14:sldId id="280"/>
+            <p14:sldId id="282"/>
+            <p14:sldId id="281"/>
+            <p14:sldId id="284"/>
+            <p14:sldId id="285"/>
+            <p14:sldId id="283"/>
+          </p14:sldIdLst>
+        </p14:section>
       </p14:sectionLst>
     </p:ext>
     <p:ext uri="{EFAFB233-063F-42B5-8137-9DF3F51BA10A}">
@@ -250,7 +266,7 @@
           <a:p>
             <a:fld id="{D2A48B96-639E-45A3-A0BA-2464DFDB1FAA}" type="datetimeFigureOut">
               <a:rPr lang="zh-CN" altLang="en-US" smtClean="0"/>
-              <a:t>2018/3/14</a:t>
+              <a:t>2018/3/15</a:t>
             </a:fld>
             <a:endParaRPr lang="zh-CN" altLang="en-US"/>
           </a:p>
@@ -649,7 +665,7 @@
           <a:p>
             <a:fld id="{D997B5FA-0921-464F-AAE1-844C04324D75}" type="datetimeFigureOut">
               <a:rPr lang="zh-CN" altLang="en-US" smtClean="0"/>
-              <a:t>2018/3/14</a:t>
+              <a:t>2018/3/15</a:t>
             </a:fld>
             <a:endParaRPr lang="zh-CN" altLang="en-US"/>
           </a:p>
@@ -818,7 +834,7 @@
           <a:p>
             <a:fld id="{D997B5FA-0921-464F-AAE1-844C04324D75}" type="datetimeFigureOut">
               <a:rPr lang="zh-CN" altLang="en-US" smtClean="0"/>
-              <a:t>2018/3/14</a:t>
+              <a:t>2018/3/15</a:t>
             </a:fld>
             <a:endParaRPr lang="zh-CN" altLang="en-US"/>
           </a:p>
@@ -997,7 +1013,7 @@
           <a:p>
             <a:fld id="{D997B5FA-0921-464F-AAE1-844C04324D75}" type="datetimeFigureOut">
               <a:rPr lang="zh-CN" altLang="en-US" smtClean="0"/>
-              <a:t>2018/3/14</a:t>
+              <a:t>2018/3/15</a:t>
             </a:fld>
             <a:endParaRPr lang="zh-CN" altLang="en-US"/>
           </a:p>
@@ -1166,7 +1182,7 @@
           <a:p>
             <a:fld id="{D997B5FA-0921-464F-AAE1-844C04324D75}" type="datetimeFigureOut">
               <a:rPr lang="zh-CN" altLang="en-US" smtClean="0"/>
-              <a:t>2018/3/14</a:t>
+              <a:t>2018/3/15</a:t>
             </a:fld>
             <a:endParaRPr lang="zh-CN" altLang="en-US"/>
           </a:p>
@@ -1411,7 +1427,7 @@
           <a:p>
             <a:fld id="{D997B5FA-0921-464F-AAE1-844C04324D75}" type="datetimeFigureOut">
               <a:rPr lang="zh-CN" altLang="en-US" smtClean="0"/>
-              <a:t>2018/3/14</a:t>
+              <a:t>2018/3/15</a:t>
             </a:fld>
             <a:endParaRPr lang="zh-CN" altLang="en-US"/>
           </a:p>
@@ -1642,7 +1658,7 @@
           <a:p>
             <a:fld id="{D997B5FA-0921-464F-AAE1-844C04324D75}" type="datetimeFigureOut">
               <a:rPr lang="zh-CN" altLang="en-US" smtClean="0"/>
-              <a:t>2018/3/14</a:t>
+              <a:t>2018/3/15</a:t>
             </a:fld>
             <a:endParaRPr lang="zh-CN" altLang="en-US"/>
           </a:p>
@@ -2008,7 +2024,7 @@
           <a:p>
             <a:fld id="{D997B5FA-0921-464F-AAE1-844C04324D75}" type="datetimeFigureOut">
               <a:rPr lang="zh-CN" altLang="en-US" smtClean="0"/>
-              <a:t>2018/3/14</a:t>
+              <a:t>2018/3/15</a:t>
             </a:fld>
             <a:endParaRPr lang="zh-CN" altLang="en-US"/>
           </a:p>
@@ -2125,7 +2141,7 @@
           <a:p>
             <a:fld id="{D997B5FA-0921-464F-AAE1-844C04324D75}" type="datetimeFigureOut">
               <a:rPr lang="zh-CN" altLang="en-US" smtClean="0"/>
-              <a:t>2018/3/14</a:t>
+              <a:t>2018/3/15</a:t>
             </a:fld>
             <a:endParaRPr lang="zh-CN" altLang="en-US"/>
           </a:p>
@@ -2219,7 +2235,7 @@
           <a:p>
             <a:fld id="{D997B5FA-0921-464F-AAE1-844C04324D75}" type="datetimeFigureOut">
               <a:rPr lang="zh-CN" altLang="en-US" smtClean="0"/>
-              <a:t>2018/3/14</a:t>
+              <a:t>2018/3/15</a:t>
             </a:fld>
             <a:endParaRPr lang="zh-CN" altLang="en-US"/>
           </a:p>
@@ -2495,7 +2511,7 @@
           <a:p>
             <a:fld id="{D997B5FA-0921-464F-AAE1-844C04324D75}" type="datetimeFigureOut">
               <a:rPr lang="zh-CN" altLang="en-US" smtClean="0"/>
-              <a:t>2018/3/14</a:t>
+              <a:t>2018/3/15</a:t>
             </a:fld>
             <a:endParaRPr lang="zh-CN" altLang="en-US"/>
           </a:p>
@@ -2747,7 +2763,7 @@
           <a:p>
             <a:fld id="{D997B5FA-0921-464F-AAE1-844C04324D75}" type="datetimeFigureOut">
               <a:rPr lang="zh-CN" altLang="en-US" smtClean="0"/>
-              <a:t>2018/3/14</a:t>
+              <a:t>2018/3/15</a:t>
             </a:fld>
             <a:endParaRPr lang="zh-CN" altLang="en-US"/>
           </a:p>
@@ -2959,7 +2975,7 @@
           <a:p>
             <a:fld id="{D997B5FA-0921-464F-AAE1-844C04324D75}" type="datetimeFigureOut">
               <a:rPr lang="zh-CN" altLang="en-US" smtClean="0"/>
-              <a:t>2018/3/14</a:t>
+              <a:t>2018/3/15</a:t>
             </a:fld>
             <a:endParaRPr lang="zh-CN" altLang="en-US"/>
           </a:p>
@@ -7868,6 +7884,2724 @@
     <p:extLst>
       <p:ext uri="{BB962C8B-B14F-4D97-AF65-F5344CB8AC3E}">
         <p14:creationId xmlns:p14="http://schemas.microsoft.com/office/powerpoint/2010/main" val="605382092"/>
+      </p:ext>
+    </p:extLst>
+  </p:cSld>
+  <p:clrMapOvr>
+    <a:masterClrMapping/>
+  </p:clrMapOvr>
+  <p:timing>
+    <p:tnLst>
+      <p:par>
+        <p:cTn id="1" dur="indefinite" restart="never" nodeType="tmRoot"/>
+      </p:par>
+    </p:tnLst>
+  </p:timing>
+</p:sld>
+</file>
+
+<file path=ppt/slides/slide20.xml><?xml version="1.0" encoding="utf-8"?>
+<p:sld xmlns:a="http://schemas.openxmlformats.org/drawingml/2006/main" xmlns:r="http://schemas.openxmlformats.org/officeDocument/2006/relationships" xmlns:p="http://schemas.openxmlformats.org/presentationml/2006/main">
+  <p:cSld>
+    <p:bg>
+      <p:bgPr>
+        <a:solidFill>
+          <a:schemeClr val="tx1">
+            <a:lumMod val="65000"/>
+            <a:lumOff val="35000"/>
+          </a:schemeClr>
+        </a:solidFill>
+        <a:effectLst/>
+      </p:bgPr>
+    </p:bg>
+    <p:spTree>
+      <p:nvGrpSpPr>
+        <p:cNvPr id="1" name=""/>
+        <p:cNvGrpSpPr/>
+        <p:nvPr/>
+      </p:nvGrpSpPr>
+      <p:grpSpPr>
+        <a:xfrm>
+          <a:off x="0" y="0"/>
+          <a:ext cx="0" cy="0"/>
+          <a:chOff x="0" y="0"/>
+          <a:chExt cx="0" cy="0"/>
+        </a:xfrm>
+      </p:grpSpPr>
+      <p:sp>
+        <p:nvSpPr>
+          <p:cNvPr id="5" name="Rectangle 4"/>
+          <p:cNvSpPr/>
+          <p:nvPr/>
+        </p:nvSpPr>
+        <p:spPr>
+          <a:xfrm>
+            <a:off x="4965107" y="2879933"/>
+            <a:ext cx="2640649" cy="1085316"/>
+          </a:xfrm>
+          <a:prstGeom prst="rect">
+            <a:avLst/>
+          </a:prstGeom>
+          <a:noFill/>
+          <a:ln w="19050">
+            <a:solidFill>
+              <a:schemeClr val="bg1"/>
+            </a:solidFill>
+          </a:ln>
+        </p:spPr>
+        <p:style>
+          <a:lnRef idx="2">
+            <a:schemeClr val="accent1">
+              <a:shade val="50000"/>
+            </a:schemeClr>
+          </a:lnRef>
+          <a:fillRef idx="1">
+            <a:schemeClr val="accent1"/>
+          </a:fillRef>
+          <a:effectRef idx="0">
+            <a:schemeClr val="accent1"/>
+          </a:effectRef>
+          <a:fontRef idx="minor">
+            <a:schemeClr val="lt1"/>
+          </a:fontRef>
+        </p:style>
+        <p:txBody>
+          <a:bodyPr rtlCol="0" anchor="ctr"/>
+          <a:lstStyle/>
+          <a:p>
+            <a:pPr algn="ctr"/>
+            <a:r>
+              <a:rPr lang="zh-CN" altLang="en-US" sz="5000" dirty="0">
+                <a:solidFill>
+                  <a:prstClr val="white"/>
+                </a:solidFill>
+              </a:rPr>
+              <a:t>节奏感</a:t>
+            </a:r>
+          </a:p>
+        </p:txBody>
+      </p:sp>
+      <p:sp>
+        <p:nvSpPr>
+          <p:cNvPr id="10" name="Diamond 9"/>
+          <p:cNvSpPr/>
+          <p:nvPr/>
+        </p:nvSpPr>
+        <p:spPr>
+          <a:xfrm>
+            <a:off x="5835431" y="61978"/>
+            <a:ext cx="900000" cy="900000"/>
+          </a:xfrm>
+          <a:prstGeom prst="diamond">
+            <a:avLst/>
+          </a:prstGeom>
+          <a:noFill/>
+          <a:ln w="28575">
+            <a:solidFill>
+              <a:schemeClr val="bg1"/>
+            </a:solidFill>
+          </a:ln>
+        </p:spPr>
+        <p:style>
+          <a:lnRef idx="2">
+            <a:schemeClr val="accent1">
+              <a:shade val="50000"/>
+            </a:schemeClr>
+          </a:lnRef>
+          <a:fillRef idx="1">
+            <a:schemeClr val="accent1"/>
+          </a:fillRef>
+          <a:effectRef idx="0">
+            <a:schemeClr val="accent1"/>
+          </a:effectRef>
+          <a:fontRef idx="minor">
+            <a:schemeClr val="lt1"/>
+          </a:fontRef>
+        </p:style>
+        <p:txBody>
+          <a:bodyPr rtlCol="0" anchor="ctr"/>
+          <a:lstStyle/>
+          <a:p>
+            <a:pPr algn="ctr"/>
+            <a:r>
+              <a:rPr lang="zh-CN" altLang="en-US" dirty="0" smtClean="0">
+                <a:solidFill>
+                  <a:prstClr val="white"/>
+                </a:solidFill>
+              </a:rPr>
+              <a:t>三</a:t>
+            </a:r>
+            <a:endParaRPr lang="zh-CN" altLang="en-US" dirty="0">
+              <a:solidFill>
+                <a:prstClr val="white"/>
+              </a:solidFill>
+            </a:endParaRPr>
+          </a:p>
+        </p:txBody>
+      </p:sp>
+    </p:spTree>
+    <p:extLst>
+      <p:ext uri="{BB962C8B-B14F-4D97-AF65-F5344CB8AC3E}">
+        <p14:creationId xmlns:p14="http://schemas.microsoft.com/office/powerpoint/2010/main" val="2716299925"/>
+      </p:ext>
+    </p:extLst>
+  </p:cSld>
+  <p:clrMapOvr>
+    <a:masterClrMapping/>
+  </p:clrMapOvr>
+  <p:timing>
+    <p:tnLst>
+      <p:par>
+        <p:cTn id="1" dur="indefinite" restart="never" nodeType="tmRoot"/>
+      </p:par>
+    </p:tnLst>
+  </p:timing>
+</p:sld>
+</file>
+
+<file path=ppt/slides/slide21.xml><?xml version="1.0" encoding="utf-8"?>
+<p:sld xmlns:a="http://schemas.openxmlformats.org/drawingml/2006/main" xmlns:r="http://schemas.openxmlformats.org/officeDocument/2006/relationships" xmlns:p="http://schemas.openxmlformats.org/presentationml/2006/main">
+  <p:cSld>
+    <p:bg>
+      <p:bgPr>
+        <a:solidFill>
+          <a:schemeClr val="tx1">
+            <a:lumMod val="65000"/>
+            <a:lumOff val="35000"/>
+          </a:schemeClr>
+        </a:solidFill>
+        <a:effectLst/>
+      </p:bgPr>
+    </p:bg>
+    <p:spTree>
+      <p:nvGrpSpPr>
+        <p:cNvPr id="1" name=""/>
+        <p:cNvGrpSpPr/>
+        <p:nvPr/>
+      </p:nvGrpSpPr>
+      <p:grpSpPr>
+        <a:xfrm>
+          <a:off x="0" y="0"/>
+          <a:ext cx="0" cy="0"/>
+          <a:chOff x="0" y="0"/>
+          <a:chExt cx="0" cy="0"/>
+        </a:xfrm>
+      </p:grpSpPr>
+      <p:cxnSp>
+        <p:nvCxnSpPr>
+          <p:cNvPr id="11" name="Straight Connector 10"/>
+          <p:cNvCxnSpPr/>
+          <p:nvPr/>
+        </p:nvCxnSpPr>
+        <p:spPr>
+          <a:xfrm>
+            <a:off x="1453415" y="0"/>
+            <a:ext cx="0" cy="6858000"/>
+          </a:xfrm>
+          <a:prstGeom prst="line">
+            <a:avLst/>
+          </a:prstGeom>
+          <a:ln w="28575">
+            <a:solidFill>
+              <a:schemeClr val="bg1"/>
+            </a:solidFill>
+          </a:ln>
+        </p:spPr>
+        <p:style>
+          <a:lnRef idx="1">
+            <a:schemeClr val="accent1"/>
+          </a:lnRef>
+          <a:fillRef idx="0">
+            <a:schemeClr val="accent1"/>
+          </a:fillRef>
+          <a:effectRef idx="0">
+            <a:schemeClr val="accent1"/>
+          </a:effectRef>
+          <a:fontRef idx="minor">
+            <a:schemeClr val="tx1"/>
+          </a:fontRef>
+        </p:style>
+      </p:cxnSp>
+      <p:sp>
+        <p:nvSpPr>
+          <p:cNvPr id="2" name="TextBox 1"/>
+          <p:cNvSpPr txBox="1"/>
+          <p:nvPr/>
+        </p:nvSpPr>
+        <p:spPr>
+          <a:xfrm>
+            <a:off x="291411" y="2018950"/>
+            <a:ext cx="933650" cy="3170099"/>
+          </a:xfrm>
+          <a:prstGeom prst="rect">
+            <a:avLst/>
+          </a:prstGeom>
+          <a:noFill/>
+        </p:spPr>
+        <p:txBody>
+          <a:bodyPr wrap="square" rtlCol="0">
+            <a:spAutoFit/>
+          </a:bodyPr>
+          <a:lstStyle/>
+          <a:p>
+            <a:pPr algn="ctr"/>
+            <a:r>
+              <a:rPr lang="zh-CN" altLang="en-US" sz="4000" dirty="0" smtClean="0">
+                <a:solidFill>
+                  <a:prstClr val="white"/>
+                </a:solidFill>
+              </a:rPr>
+              <a:t>什么是</a:t>
+            </a:r>
+            <a:endParaRPr lang="en-US" altLang="zh-CN" sz="4000" dirty="0" smtClean="0">
+              <a:solidFill>
+                <a:prstClr val="white"/>
+              </a:solidFill>
+            </a:endParaRPr>
+          </a:p>
+          <a:p>
+            <a:pPr algn="ctr"/>
+            <a:r>
+              <a:rPr lang="zh-CN" altLang="en-US" sz="4000" dirty="0" smtClean="0">
+                <a:solidFill>
+                  <a:prstClr val="white"/>
+                </a:solidFill>
+              </a:rPr>
+              <a:t>节奏</a:t>
+            </a:r>
+            <a:endParaRPr lang="en-US" altLang="zh-CN" sz="4000" dirty="0" smtClean="0">
+              <a:solidFill>
+                <a:prstClr val="white"/>
+              </a:solidFill>
+            </a:endParaRPr>
+          </a:p>
+        </p:txBody>
+      </p:sp>
+      <p:grpSp>
+        <p:nvGrpSpPr>
+          <p:cNvPr id="3" name="Group 2"/>
+          <p:cNvGrpSpPr/>
+          <p:nvPr/>
+        </p:nvGrpSpPr>
+        <p:grpSpPr>
+          <a:xfrm>
+            <a:off x="0" y="0"/>
+            <a:ext cx="1453415" cy="572703"/>
+            <a:chOff x="0" y="6285297"/>
+            <a:chExt cx="1453415" cy="572703"/>
+          </a:xfrm>
+        </p:grpSpPr>
+        <p:sp>
+          <p:nvSpPr>
+            <p:cNvPr id="13" name="Rectangle 12"/>
+            <p:cNvSpPr/>
+            <p:nvPr/>
+          </p:nvSpPr>
+          <p:spPr>
+            <a:xfrm>
+              <a:off x="0" y="6285297"/>
+              <a:ext cx="1453415" cy="572703"/>
+            </a:xfrm>
+            <a:prstGeom prst="rect">
+              <a:avLst/>
+            </a:prstGeom>
+            <a:solidFill>
+              <a:schemeClr val="bg1"/>
+            </a:solidFill>
+            <a:ln w="19050">
+              <a:solidFill>
+                <a:schemeClr val="bg1"/>
+              </a:solidFill>
+            </a:ln>
+          </p:spPr>
+          <p:style>
+            <a:lnRef idx="2">
+              <a:schemeClr val="accent1">
+                <a:shade val="50000"/>
+              </a:schemeClr>
+            </a:lnRef>
+            <a:fillRef idx="1">
+              <a:schemeClr val="accent1"/>
+            </a:fillRef>
+            <a:effectRef idx="0">
+              <a:schemeClr val="accent1"/>
+            </a:effectRef>
+            <a:fontRef idx="minor">
+              <a:schemeClr val="lt1"/>
+            </a:fontRef>
+          </p:style>
+          <p:txBody>
+            <a:bodyPr rtlCol="0" anchor="ctr"/>
+            <a:lstStyle/>
+            <a:p>
+              <a:pPr algn="ctr"/>
+              <a:endParaRPr lang="zh-CN" altLang="en-US" sz="3500" dirty="0">
+                <a:solidFill>
+                  <a:prstClr val="black">
+                    <a:lumMod val="65000"/>
+                    <a:lumOff val="35000"/>
+                  </a:prstClr>
+                </a:solidFill>
+              </a:endParaRPr>
+            </a:p>
+          </p:txBody>
+        </p:sp>
+        <p:sp>
+          <p:nvSpPr>
+            <p:cNvPr id="15" name="Diamond 14"/>
+            <p:cNvSpPr/>
+            <p:nvPr/>
+          </p:nvSpPr>
+          <p:spPr>
+            <a:xfrm>
+              <a:off x="456707" y="6304547"/>
+              <a:ext cx="540000" cy="540000"/>
+            </a:xfrm>
+            <a:prstGeom prst="diamond">
+              <a:avLst/>
+            </a:prstGeom>
+            <a:noFill/>
+            <a:ln w="28575">
+              <a:solidFill>
+                <a:schemeClr val="accent6"/>
+              </a:solidFill>
+            </a:ln>
+          </p:spPr>
+          <p:style>
+            <a:lnRef idx="2">
+              <a:schemeClr val="accent1">
+                <a:shade val="50000"/>
+              </a:schemeClr>
+            </a:lnRef>
+            <a:fillRef idx="1">
+              <a:schemeClr val="accent1"/>
+            </a:fillRef>
+            <a:effectRef idx="0">
+              <a:schemeClr val="accent1"/>
+            </a:effectRef>
+            <a:fontRef idx="minor">
+              <a:schemeClr val="lt1"/>
+            </a:fontRef>
+          </p:style>
+          <p:txBody>
+            <a:bodyPr rtlCol="0" anchor="ctr"/>
+            <a:lstStyle/>
+            <a:p>
+              <a:pPr algn="ctr"/>
+              <a:r>
+                <a:rPr lang="en-US" altLang="zh-CN" dirty="0" smtClean="0">
+                  <a:solidFill>
+                    <a:srgbClr val="5B9BD5"/>
+                  </a:solidFill>
+                </a:rPr>
+                <a:t>1</a:t>
+              </a:r>
+              <a:endParaRPr lang="zh-CN" altLang="en-US" dirty="0">
+                <a:solidFill>
+                  <a:srgbClr val="5B9BD5"/>
+                </a:solidFill>
+              </a:endParaRPr>
+            </a:p>
+          </p:txBody>
+        </p:sp>
+      </p:grpSp>
+      <p:sp>
+        <p:nvSpPr>
+          <p:cNvPr id="4" name="Rectangle 3"/>
+          <p:cNvSpPr/>
+          <p:nvPr/>
+        </p:nvSpPr>
+        <p:spPr>
+          <a:xfrm>
+            <a:off x="2823754" y="2715975"/>
+            <a:ext cx="8089225" cy="1209818"/>
+          </a:xfrm>
+          <a:prstGeom prst="rect">
+            <a:avLst/>
+          </a:prstGeom>
+        </p:spPr>
+        <p:txBody>
+          <a:bodyPr wrap="square">
+            <a:spAutoFit/>
+          </a:bodyPr>
+          <a:lstStyle/>
+          <a:p>
+            <a:pPr>
+              <a:lnSpc>
+                <a:spcPts val="3000"/>
+              </a:lnSpc>
+            </a:pPr>
+            <a:r>
+              <a:rPr lang="zh-CN" altLang="en-US" sz="2000" dirty="0" smtClean="0">
+                <a:solidFill>
+                  <a:schemeClr val="bg1"/>
+                </a:solidFill>
+              </a:rPr>
+              <a:t>受</a:t>
+            </a:r>
+            <a:r>
+              <a:rPr lang="zh-CN" altLang="en-US" sz="2000" dirty="0">
+                <a:solidFill>
+                  <a:schemeClr val="bg1"/>
+                </a:solidFill>
+              </a:rPr>
+              <a:t>众在一定的时间点需要一个庇护来给他们安全感，让他们在再一次被推倒情绪巅峰之前给他们时间来喘息。这种在高点和低点之间的起伏就是“节奏</a:t>
+            </a:r>
+            <a:r>
+              <a:rPr lang="zh-CN" altLang="en-US" sz="2000" dirty="0" smtClean="0">
+                <a:solidFill>
+                  <a:schemeClr val="bg1"/>
+                </a:solidFill>
+              </a:rPr>
+              <a:t>”，它是</a:t>
+            </a:r>
+            <a:r>
+              <a:rPr lang="zh-CN" altLang="en-US" sz="2000" dirty="0">
+                <a:solidFill>
+                  <a:schemeClr val="bg1"/>
+                </a:solidFill>
+              </a:rPr>
+              <a:t>保持受众参与感的关键。</a:t>
+            </a:r>
+          </a:p>
+        </p:txBody>
+      </p:sp>
+    </p:spTree>
+    <p:extLst>
+      <p:ext uri="{BB962C8B-B14F-4D97-AF65-F5344CB8AC3E}">
+        <p14:creationId xmlns:p14="http://schemas.microsoft.com/office/powerpoint/2010/main" val="1718012411"/>
+      </p:ext>
+    </p:extLst>
+  </p:cSld>
+  <p:clrMapOvr>
+    <a:masterClrMapping/>
+  </p:clrMapOvr>
+  <p:timing>
+    <p:tnLst>
+      <p:par>
+        <p:cTn id="1" dur="indefinite" restart="never" nodeType="tmRoot"/>
+      </p:par>
+    </p:tnLst>
+  </p:timing>
+</p:sld>
+</file>
+
+<file path=ppt/slides/slide22.xml><?xml version="1.0" encoding="utf-8"?>
+<p:sld xmlns:a="http://schemas.openxmlformats.org/drawingml/2006/main" xmlns:r="http://schemas.openxmlformats.org/officeDocument/2006/relationships" xmlns:p="http://schemas.openxmlformats.org/presentationml/2006/main">
+  <p:cSld>
+    <p:bg>
+      <p:bgPr>
+        <a:solidFill>
+          <a:schemeClr val="tx1">
+            <a:lumMod val="65000"/>
+            <a:lumOff val="35000"/>
+          </a:schemeClr>
+        </a:solidFill>
+        <a:effectLst/>
+      </p:bgPr>
+    </p:bg>
+    <p:spTree>
+      <p:nvGrpSpPr>
+        <p:cNvPr id="1" name=""/>
+        <p:cNvGrpSpPr/>
+        <p:nvPr/>
+      </p:nvGrpSpPr>
+      <p:grpSpPr>
+        <a:xfrm>
+          <a:off x="0" y="0"/>
+          <a:ext cx="0" cy="0"/>
+          <a:chOff x="0" y="0"/>
+          <a:chExt cx="0" cy="0"/>
+        </a:xfrm>
+      </p:grpSpPr>
+      <p:cxnSp>
+        <p:nvCxnSpPr>
+          <p:cNvPr id="11" name="Straight Connector 10"/>
+          <p:cNvCxnSpPr/>
+          <p:nvPr/>
+        </p:nvCxnSpPr>
+        <p:spPr>
+          <a:xfrm>
+            <a:off x="1453415" y="0"/>
+            <a:ext cx="0" cy="6858000"/>
+          </a:xfrm>
+          <a:prstGeom prst="line">
+            <a:avLst/>
+          </a:prstGeom>
+          <a:ln w="28575">
+            <a:solidFill>
+              <a:schemeClr val="bg1"/>
+            </a:solidFill>
+          </a:ln>
+        </p:spPr>
+        <p:style>
+          <a:lnRef idx="1">
+            <a:schemeClr val="accent1"/>
+          </a:lnRef>
+          <a:fillRef idx="0">
+            <a:schemeClr val="accent1"/>
+          </a:fillRef>
+          <a:effectRef idx="0">
+            <a:schemeClr val="accent1"/>
+          </a:effectRef>
+          <a:fontRef idx="minor">
+            <a:schemeClr val="tx1"/>
+          </a:fontRef>
+        </p:style>
+      </p:cxnSp>
+      <p:sp>
+        <p:nvSpPr>
+          <p:cNvPr id="2" name="TextBox 1"/>
+          <p:cNvSpPr txBox="1"/>
+          <p:nvPr/>
+        </p:nvSpPr>
+        <p:spPr>
+          <a:xfrm>
+            <a:off x="257296" y="2322750"/>
+            <a:ext cx="933650" cy="2554545"/>
+          </a:xfrm>
+          <a:prstGeom prst="rect">
+            <a:avLst/>
+          </a:prstGeom>
+          <a:noFill/>
+        </p:spPr>
+        <p:txBody>
+          <a:bodyPr wrap="square" rtlCol="0">
+            <a:spAutoFit/>
+          </a:bodyPr>
+          <a:lstStyle/>
+          <a:p>
+            <a:pPr algn="ctr"/>
+            <a:r>
+              <a:rPr lang="zh-CN" altLang="en-US" sz="4000" dirty="0" smtClean="0">
+                <a:solidFill>
+                  <a:prstClr val="white"/>
+                </a:solidFill>
+              </a:rPr>
+              <a:t>节奏曲线</a:t>
+            </a:r>
+            <a:endParaRPr lang="en-US" altLang="zh-CN" sz="4000" dirty="0" smtClean="0">
+              <a:solidFill>
+                <a:prstClr val="white"/>
+              </a:solidFill>
+            </a:endParaRPr>
+          </a:p>
+        </p:txBody>
+      </p:sp>
+      <p:grpSp>
+        <p:nvGrpSpPr>
+          <p:cNvPr id="3" name="Group 2"/>
+          <p:cNvGrpSpPr/>
+          <p:nvPr/>
+        </p:nvGrpSpPr>
+        <p:grpSpPr>
+          <a:xfrm>
+            <a:off x="0" y="0"/>
+            <a:ext cx="1453415" cy="572703"/>
+            <a:chOff x="0" y="6285297"/>
+            <a:chExt cx="1453415" cy="572703"/>
+          </a:xfrm>
+        </p:grpSpPr>
+        <p:sp>
+          <p:nvSpPr>
+            <p:cNvPr id="13" name="Rectangle 12"/>
+            <p:cNvSpPr/>
+            <p:nvPr/>
+          </p:nvSpPr>
+          <p:spPr>
+            <a:xfrm>
+              <a:off x="0" y="6285297"/>
+              <a:ext cx="1453415" cy="572703"/>
+            </a:xfrm>
+            <a:prstGeom prst="rect">
+              <a:avLst/>
+            </a:prstGeom>
+            <a:solidFill>
+              <a:schemeClr val="bg1"/>
+            </a:solidFill>
+            <a:ln w="19050">
+              <a:solidFill>
+                <a:schemeClr val="bg1"/>
+              </a:solidFill>
+            </a:ln>
+          </p:spPr>
+          <p:style>
+            <a:lnRef idx="2">
+              <a:schemeClr val="accent1">
+                <a:shade val="50000"/>
+              </a:schemeClr>
+            </a:lnRef>
+            <a:fillRef idx="1">
+              <a:schemeClr val="accent1"/>
+            </a:fillRef>
+            <a:effectRef idx="0">
+              <a:schemeClr val="accent1"/>
+            </a:effectRef>
+            <a:fontRef idx="minor">
+              <a:schemeClr val="lt1"/>
+            </a:fontRef>
+          </p:style>
+          <p:txBody>
+            <a:bodyPr rtlCol="0" anchor="ctr"/>
+            <a:lstStyle/>
+            <a:p>
+              <a:pPr algn="ctr"/>
+              <a:endParaRPr lang="zh-CN" altLang="en-US" sz="3500" dirty="0">
+                <a:solidFill>
+                  <a:prstClr val="black">
+                    <a:lumMod val="65000"/>
+                    <a:lumOff val="35000"/>
+                  </a:prstClr>
+                </a:solidFill>
+              </a:endParaRPr>
+            </a:p>
+          </p:txBody>
+        </p:sp>
+        <p:sp>
+          <p:nvSpPr>
+            <p:cNvPr id="15" name="Diamond 14"/>
+            <p:cNvSpPr/>
+            <p:nvPr/>
+          </p:nvSpPr>
+          <p:spPr>
+            <a:xfrm>
+              <a:off x="456707" y="6304547"/>
+              <a:ext cx="540000" cy="540000"/>
+            </a:xfrm>
+            <a:prstGeom prst="diamond">
+              <a:avLst/>
+            </a:prstGeom>
+            <a:noFill/>
+            <a:ln w="28575">
+              <a:solidFill>
+                <a:schemeClr val="accent6"/>
+              </a:solidFill>
+            </a:ln>
+          </p:spPr>
+          <p:style>
+            <a:lnRef idx="2">
+              <a:schemeClr val="accent1">
+                <a:shade val="50000"/>
+              </a:schemeClr>
+            </a:lnRef>
+            <a:fillRef idx="1">
+              <a:schemeClr val="accent1"/>
+            </a:fillRef>
+            <a:effectRef idx="0">
+              <a:schemeClr val="accent1"/>
+            </a:effectRef>
+            <a:fontRef idx="minor">
+              <a:schemeClr val="lt1"/>
+            </a:fontRef>
+          </p:style>
+          <p:txBody>
+            <a:bodyPr rtlCol="0" anchor="ctr"/>
+            <a:lstStyle/>
+            <a:p>
+              <a:pPr algn="ctr"/>
+              <a:r>
+                <a:rPr lang="en-US" altLang="zh-CN" dirty="0">
+                  <a:solidFill>
+                    <a:srgbClr val="5B9BD5"/>
+                  </a:solidFill>
+                </a:rPr>
+                <a:t>2</a:t>
+              </a:r>
+              <a:endParaRPr lang="zh-CN" altLang="en-US" dirty="0">
+                <a:solidFill>
+                  <a:srgbClr val="5B9BD5"/>
+                </a:solidFill>
+              </a:endParaRPr>
+            </a:p>
+          </p:txBody>
+        </p:sp>
+      </p:grpSp>
+      <p:cxnSp>
+        <p:nvCxnSpPr>
+          <p:cNvPr id="7" name="Straight Arrow Connector 6"/>
+          <p:cNvCxnSpPr/>
+          <p:nvPr/>
+        </p:nvCxnSpPr>
+        <p:spPr>
+          <a:xfrm>
+            <a:off x="7084463" y="5388336"/>
+            <a:ext cx="4546362" cy="0"/>
+          </a:xfrm>
+          <a:prstGeom prst="straightConnector1">
+            <a:avLst/>
+          </a:prstGeom>
+          <a:ln w="28575">
+            <a:solidFill>
+              <a:schemeClr val="bg1"/>
+            </a:solidFill>
+            <a:tailEnd type="triangle"/>
+          </a:ln>
+        </p:spPr>
+        <p:style>
+          <a:lnRef idx="1">
+            <a:schemeClr val="accent1"/>
+          </a:lnRef>
+          <a:fillRef idx="0">
+            <a:schemeClr val="accent1"/>
+          </a:fillRef>
+          <a:effectRef idx="0">
+            <a:schemeClr val="accent1"/>
+          </a:effectRef>
+          <a:fontRef idx="minor">
+            <a:schemeClr val="tx1"/>
+          </a:fontRef>
+        </p:style>
+      </p:cxnSp>
+      <p:cxnSp>
+        <p:nvCxnSpPr>
+          <p:cNvPr id="10" name="Straight Arrow Connector 9"/>
+          <p:cNvCxnSpPr/>
+          <p:nvPr/>
+        </p:nvCxnSpPr>
+        <p:spPr>
+          <a:xfrm flipV="1">
+            <a:off x="7101555" y="1813204"/>
+            <a:ext cx="0" cy="3573638"/>
+          </a:xfrm>
+          <a:prstGeom prst="straightConnector1">
+            <a:avLst/>
+          </a:prstGeom>
+          <a:ln w="28575">
+            <a:solidFill>
+              <a:schemeClr val="bg1"/>
+            </a:solidFill>
+            <a:tailEnd type="triangle"/>
+          </a:ln>
+        </p:spPr>
+        <p:style>
+          <a:lnRef idx="1">
+            <a:schemeClr val="accent1"/>
+          </a:lnRef>
+          <a:fillRef idx="0">
+            <a:schemeClr val="accent1"/>
+          </a:fillRef>
+          <a:effectRef idx="0">
+            <a:schemeClr val="accent1"/>
+          </a:effectRef>
+          <a:fontRef idx="minor">
+            <a:schemeClr val="tx1"/>
+          </a:fontRef>
+        </p:style>
+      </p:cxnSp>
+      <p:cxnSp>
+        <p:nvCxnSpPr>
+          <p:cNvPr id="19" name="Straight Connector 18"/>
+          <p:cNvCxnSpPr/>
+          <p:nvPr/>
+        </p:nvCxnSpPr>
+        <p:spPr>
+          <a:xfrm flipV="1">
+            <a:off x="7118648" y="4340835"/>
+            <a:ext cx="1452783" cy="232660"/>
+          </a:xfrm>
+          <a:prstGeom prst="line">
+            <a:avLst/>
+          </a:prstGeom>
+          <a:ln w="28575">
+            <a:solidFill>
+              <a:schemeClr val="bg1"/>
+            </a:solidFill>
+          </a:ln>
+        </p:spPr>
+        <p:style>
+          <a:lnRef idx="1">
+            <a:schemeClr val="accent1"/>
+          </a:lnRef>
+          <a:fillRef idx="0">
+            <a:schemeClr val="accent1"/>
+          </a:fillRef>
+          <a:effectRef idx="0">
+            <a:schemeClr val="accent1"/>
+          </a:effectRef>
+          <a:fontRef idx="minor">
+            <a:schemeClr val="tx1"/>
+          </a:fontRef>
+        </p:style>
+      </p:cxnSp>
+      <p:cxnSp>
+        <p:nvCxnSpPr>
+          <p:cNvPr id="21" name="Straight Connector 20"/>
+          <p:cNvCxnSpPr/>
+          <p:nvPr/>
+        </p:nvCxnSpPr>
+        <p:spPr>
+          <a:xfrm flipV="1">
+            <a:off x="8571431" y="3513817"/>
+            <a:ext cx="1350236" cy="822854"/>
+          </a:xfrm>
+          <a:prstGeom prst="line">
+            <a:avLst/>
+          </a:prstGeom>
+          <a:ln w="28575">
+            <a:solidFill>
+              <a:schemeClr val="bg1"/>
+            </a:solidFill>
+          </a:ln>
+        </p:spPr>
+        <p:style>
+          <a:lnRef idx="1">
+            <a:schemeClr val="accent1"/>
+          </a:lnRef>
+          <a:fillRef idx="0">
+            <a:schemeClr val="accent1"/>
+          </a:fillRef>
+          <a:effectRef idx="0">
+            <a:schemeClr val="accent1"/>
+          </a:effectRef>
+          <a:fontRef idx="minor">
+            <a:schemeClr val="tx1"/>
+          </a:fontRef>
+        </p:style>
+      </p:cxnSp>
+      <p:cxnSp>
+        <p:nvCxnSpPr>
+          <p:cNvPr id="24" name="Straight Connector 23"/>
+          <p:cNvCxnSpPr/>
+          <p:nvPr/>
+        </p:nvCxnSpPr>
+        <p:spPr>
+          <a:xfrm flipV="1">
+            <a:off x="9895400" y="3127040"/>
+            <a:ext cx="1316052" cy="393855"/>
+          </a:xfrm>
+          <a:prstGeom prst="line">
+            <a:avLst/>
+          </a:prstGeom>
+          <a:ln w="28575">
+            <a:solidFill>
+              <a:schemeClr val="bg1"/>
+            </a:solidFill>
+          </a:ln>
+        </p:spPr>
+        <p:style>
+          <a:lnRef idx="1">
+            <a:schemeClr val="accent1"/>
+          </a:lnRef>
+          <a:fillRef idx="0">
+            <a:schemeClr val="accent1"/>
+          </a:fillRef>
+          <a:effectRef idx="0">
+            <a:schemeClr val="accent1"/>
+          </a:effectRef>
+          <a:fontRef idx="minor">
+            <a:schemeClr val="tx1"/>
+          </a:fontRef>
+        </p:style>
+      </p:cxnSp>
+      <p:cxnSp>
+        <p:nvCxnSpPr>
+          <p:cNvPr id="33" name="Straight Connector 32"/>
+          <p:cNvCxnSpPr/>
+          <p:nvPr/>
+        </p:nvCxnSpPr>
+        <p:spPr>
+          <a:xfrm>
+            <a:off x="8571431" y="2097359"/>
+            <a:ext cx="0" cy="3270897"/>
+          </a:xfrm>
+          <a:prstGeom prst="line">
+            <a:avLst/>
+          </a:prstGeom>
+          <a:ln>
+            <a:solidFill>
+              <a:schemeClr val="bg1"/>
+            </a:solidFill>
+            <a:prstDash val="dash"/>
+          </a:ln>
+        </p:spPr>
+        <p:style>
+          <a:lnRef idx="1">
+            <a:schemeClr val="accent1"/>
+          </a:lnRef>
+          <a:fillRef idx="0">
+            <a:schemeClr val="accent1"/>
+          </a:fillRef>
+          <a:effectRef idx="0">
+            <a:schemeClr val="accent1"/>
+          </a:effectRef>
+          <a:fontRef idx="minor">
+            <a:schemeClr val="tx1"/>
+          </a:fontRef>
+        </p:style>
+      </p:cxnSp>
+      <p:cxnSp>
+        <p:nvCxnSpPr>
+          <p:cNvPr id="34" name="Straight Connector 33"/>
+          <p:cNvCxnSpPr/>
+          <p:nvPr/>
+        </p:nvCxnSpPr>
+        <p:spPr>
+          <a:xfrm>
+            <a:off x="9895400" y="2115945"/>
+            <a:ext cx="0" cy="3270897"/>
+          </a:xfrm>
+          <a:prstGeom prst="line">
+            <a:avLst/>
+          </a:prstGeom>
+          <a:ln>
+            <a:solidFill>
+              <a:schemeClr val="bg1"/>
+            </a:solidFill>
+            <a:prstDash val="dash"/>
+          </a:ln>
+        </p:spPr>
+        <p:style>
+          <a:lnRef idx="1">
+            <a:schemeClr val="accent1"/>
+          </a:lnRef>
+          <a:fillRef idx="0">
+            <a:schemeClr val="accent1"/>
+          </a:fillRef>
+          <a:effectRef idx="0">
+            <a:schemeClr val="accent1"/>
+          </a:effectRef>
+          <a:fontRef idx="minor">
+            <a:schemeClr val="tx1"/>
+          </a:fontRef>
+        </p:style>
+      </p:cxnSp>
+      <p:sp>
+        <p:nvSpPr>
+          <p:cNvPr id="35" name="TextBox 34"/>
+          <p:cNvSpPr txBox="1"/>
+          <p:nvPr/>
+        </p:nvSpPr>
+        <p:spPr>
+          <a:xfrm>
+            <a:off x="7583336" y="3520895"/>
+            <a:ext cx="506314" cy="369332"/>
+          </a:xfrm>
+          <a:prstGeom prst="rect">
+            <a:avLst/>
+          </a:prstGeom>
+          <a:noFill/>
+        </p:spPr>
+        <p:txBody>
+          <a:bodyPr wrap="square" rtlCol="0">
+            <a:spAutoFit/>
+          </a:bodyPr>
+          <a:lstStyle/>
+          <a:p>
+            <a:r>
+              <a:rPr lang="zh-CN" altLang="en-US" dirty="0" smtClean="0">
+                <a:solidFill>
+                  <a:schemeClr val="bg1"/>
+                </a:solidFill>
+              </a:rPr>
+              <a:t>序</a:t>
+            </a:r>
+            <a:endParaRPr lang="zh-CN" altLang="en-US" dirty="0">
+              <a:solidFill>
+                <a:schemeClr val="bg1"/>
+              </a:solidFill>
+            </a:endParaRPr>
+          </a:p>
+        </p:txBody>
+      </p:sp>
+      <p:sp>
+        <p:nvSpPr>
+          <p:cNvPr id="36" name="TextBox 35"/>
+          <p:cNvSpPr txBox="1"/>
+          <p:nvPr/>
+        </p:nvSpPr>
+        <p:spPr>
+          <a:xfrm>
+            <a:off x="8993392" y="2842928"/>
+            <a:ext cx="506314" cy="369332"/>
+          </a:xfrm>
+          <a:prstGeom prst="rect">
+            <a:avLst/>
+          </a:prstGeom>
+          <a:noFill/>
+        </p:spPr>
+        <p:txBody>
+          <a:bodyPr wrap="square" rtlCol="0">
+            <a:spAutoFit/>
+          </a:bodyPr>
+          <a:lstStyle/>
+          <a:p>
+            <a:r>
+              <a:rPr lang="zh-CN" altLang="en-US" dirty="0" smtClean="0">
+                <a:solidFill>
+                  <a:schemeClr val="bg1"/>
+                </a:solidFill>
+              </a:rPr>
+              <a:t>破</a:t>
+            </a:r>
+            <a:endParaRPr lang="zh-CN" altLang="en-US" dirty="0">
+              <a:solidFill>
+                <a:schemeClr val="bg1"/>
+              </a:solidFill>
+            </a:endParaRPr>
+          </a:p>
+        </p:txBody>
+      </p:sp>
+      <p:sp>
+        <p:nvSpPr>
+          <p:cNvPr id="37" name="TextBox 36"/>
+          <p:cNvSpPr txBox="1"/>
+          <p:nvPr/>
+        </p:nvSpPr>
+        <p:spPr>
+          <a:xfrm>
+            <a:off x="10300269" y="2350288"/>
+            <a:ext cx="506314" cy="369332"/>
+          </a:xfrm>
+          <a:prstGeom prst="rect">
+            <a:avLst/>
+          </a:prstGeom>
+          <a:noFill/>
+        </p:spPr>
+        <p:txBody>
+          <a:bodyPr wrap="square" rtlCol="0">
+            <a:spAutoFit/>
+          </a:bodyPr>
+          <a:lstStyle/>
+          <a:p>
+            <a:r>
+              <a:rPr lang="zh-CN" altLang="en-US" dirty="0" smtClean="0">
+                <a:solidFill>
+                  <a:schemeClr val="bg1"/>
+                </a:solidFill>
+              </a:rPr>
+              <a:t>急</a:t>
+            </a:r>
+            <a:endParaRPr lang="zh-CN" altLang="en-US" dirty="0">
+              <a:solidFill>
+                <a:schemeClr val="bg1"/>
+              </a:solidFill>
+            </a:endParaRPr>
+          </a:p>
+        </p:txBody>
+      </p:sp>
+      <p:sp>
+        <p:nvSpPr>
+          <p:cNvPr id="38" name="TextBox 37"/>
+          <p:cNvSpPr txBox="1"/>
+          <p:nvPr/>
+        </p:nvSpPr>
+        <p:spPr>
+          <a:xfrm>
+            <a:off x="2091905" y="1647557"/>
+            <a:ext cx="4510777" cy="3970318"/>
+          </a:xfrm>
+          <a:prstGeom prst="rect">
+            <a:avLst/>
+          </a:prstGeom>
+          <a:noFill/>
+        </p:spPr>
+        <p:txBody>
+          <a:bodyPr wrap="square" rtlCol="0">
+            <a:spAutoFit/>
+          </a:bodyPr>
+          <a:lstStyle/>
+          <a:p>
+            <a:r>
+              <a:rPr lang="zh-CN" altLang="en-US" dirty="0" smtClean="0">
+                <a:solidFill>
+                  <a:schemeClr val="accent2"/>
+                </a:solidFill>
+              </a:rPr>
+              <a:t>序：</a:t>
+            </a:r>
+            <a:endParaRPr lang="en-US" altLang="zh-CN" dirty="0" smtClean="0">
+              <a:solidFill>
+                <a:schemeClr val="accent2"/>
+              </a:solidFill>
+            </a:endParaRPr>
+          </a:p>
+          <a:p>
+            <a:r>
+              <a:rPr lang="zh-CN" altLang="en-US" dirty="0">
+                <a:solidFill>
+                  <a:schemeClr val="bg1"/>
+                </a:solidFill>
+              </a:rPr>
+              <a:t>这是整个过程的开始。这个时</a:t>
+            </a:r>
+            <a:r>
+              <a:rPr lang="zh-CN" altLang="en-US" dirty="0" smtClean="0">
+                <a:solidFill>
+                  <a:schemeClr val="bg1"/>
+                </a:solidFill>
+              </a:rPr>
+              <a:t>候的</a:t>
+            </a:r>
+            <a:r>
+              <a:rPr lang="zh-CN" altLang="en-US" dirty="0">
+                <a:solidFill>
+                  <a:schemeClr val="bg1"/>
+                </a:solidFill>
+              </a:rPr>
+              <a:t>能量处在一个非常平静和克制的状态，但是慢慢开始积</a:t>
+            </a:r>
+            <a:r>
+              <a:rPr lang="zh-CN" altLang="en-US" dirty="0" smtClean="0">
+                <a:solidFill>
+                  <a:schemeClr val="bg1"/>
+                </a:solidFill>
+              </a:rPr>
+              <a:t>蓄</a:t>
+            </a:r>
+            <a:endParaRPr lang="en-US" altLang="zh-CN" dirty="0" smtClean="0">
+              <a:solidFill>
+                <a:schemeClr val="bg1"/>
+              </a:solidFill>
+            </a:endParaRPr>
+          </a:p>
+          <a:p>
+            <a:endParaRPr lang="en-US" altLang="zh-CN" dirty="0">
+              <a:solidFill>
+                <a:schemeClr val="bg1"/>
+              </a:solidFill>
+            </a:endParaRPr>
+          </a:p>
+          <a:p>
+            <a:r>
+              <a:rPr lang="zh-CN" altLang="en-US" dirty="0" smtClean="0">
+                <a:solidFill>
+                  <a:schemeClr val="accent2"/>
+                </a:solidFill>
+              </a:rPr>
+              <a:t>破</a:t>
+            </a:r>
+            <a:r>
+              <a:rPr lang="zh-CN" altLang="en-US" dirty="0" smtClean="0">
+                <a:solidFill>
+                  <a:schemeClr val="accent2"/>
+                </a:solidFill>
+              </a:rPr>
+              <a:t>：</a:t>
+            </a:r>
+            <a:endParaRPr lang="en-US" altLang="zh-CN" dirty="0" smtClean="0">
+              <a:solidFill>
+                <a:schemeClr val="accent2"/>
+              </a:solidFill>
+            </a:endParaRPr>
+          </a:p>
+          <a:p>
+            <a:r>
+              <a:rPr lang="zh-CN" altLang="en-US" dirty="0">
+                <a:solidFill>
+                  <a:schemeClr val="bg1"/>
+                </a:solidFill>
+              </a:rPr>
+              <a:t>也就是“序”时期开始积蓄的能量已经建立起一种紧张感，并且最终突然达到“破”的程度并迅速进入更激烈的行动时</a:t>
+            </a:r>
+            <a:r>
+              <a:rPr lang="zh-CN" altLang="en-US" dirty="0" smtClean="0">
+                <a:solidFill>
+                  <a:schemeClr val="bg1"/>
+                </a:solidFill>
+              </a:rPr>
+              <a:t>期</a:t>
+            </a:r>
+            <a:endParaRPr lang="en-US" altLang="zh-CN" dirty="0" smtClean="0">
+              <a:solidFill>
+                <a:schemeClr val="bg1"/>
+              </a:solidFill>
+            </a:endParaRPr>
+          </a:p>
+          <a:p>
+            <a:endParaRPr lang="en-US" altLang="zh-CN" dirty="0">
+              <a:solidFill>
+                <a:schemeClr val="bg1"/>
+              </a:solidFill>
+            </a:endParaRPr>
+          </a:p>
+          <a:p>
+            <a:r>
+              <a:rPr lang="zh-CN" altLang="en-US" dirty="0" smtClean="0">
+                <a:solidFill>
+                  <a:schemeClr val="accent2"/>
+                </a:solidFill>
+              </a:rPr>
+              <a:t>急：</a:t>
+            </a:r>
+            <a:endParaRPr lang="en-US" altLang="zh-CN" dirty="0" smtClean="0">
+              <a:solidFill>
+                <a:schemeClr val="accent2"/>
+              </a:solidFill>
+            </a:endParaRPr>
+          </a:p>
+          <a:p>
+            <a:r>
+              <a:rPr lang="zh-CN" altLang="en-US" dirty="0">
+                <a:solidFill>
+                  <a:schemeClr val="bg1"/>
+                </a:solidFill>
+              </a:rPr>
+              <a:t>也就是“破”时期的能量持续爆发，直到有一个最终的动作释放了在这一点上聚集的所有能量和情绪张力。</a:t>
+            </a:r>
+            <a:endParaRPr lang="en-US" altLang="zh-CN" dirty="0" smtClean="0">
+              <a:solidFill>
+                <a:schemeClr val="bg1"/>
+              </a:solidFill>
+            </a:endParaRPr>
+          </a:p>
+        </p:txBody>
+      </p:sp>
+    </p:spTree>
+    <p:extLst>
+      <p:ext uri="{BB962C8B-B14F-4D97-AF65-F5344CB8AC3E}">
+        <p14:creationId xmlns:p14="http://schemas.microsoft.com/office/powerpoint/2010/main" val="2312521884"/>
+      </p:ext>
+    </p:extLst>
+  </p:cSld>
+  <p:clrMapOvr>
+    <a:masterClrMapping/>
+  </p:clrMapOvr>
+  <p:timing>
+    <p:tnLst>
+      <p:par>
+        <p:cTn id="1" dur="indefinite" restart="never" nodeType="tmRoot"/>
+      </p:par>
+    </p:tnLst>
+  </p:timing>
+</p:sld>
+</file>
+
+<file path=ppt/slides/slide23.xml><?xml version="1.0" encoding="utf-8"?>
+<p:sld xmlns:a="http://schemas.openxmlformats.org/drawingml/2006/main" xmlns:r="http://schemas.openxmlformats.org/officeDocument/2006/relationships" xmlns:p="http://schemas.openxmlformats.org/presentationml/2006/main">
+  <p:cSld>
+    <p:bg>
+      <p:bgPr>
+        <a:solidFill>
+          <a:schemeClr val="tx1">
+            <a:lumMod val="65000"/>
+            <a:lumOff val="35000"/>
+          </a:schemeClr>
+        </a:solidFill>
+        <a:effectLst/>
+      </p:bgPr>
+    </p:bg>
+    <p:spTree>
+      <p:nvGrpSpPr>
+        <p:cNvPr id="1" name=""/>
+        <p:cNvGrpSpPr/>
+        <p:nvPr/>
+      </p:nvGrpSpPr>
+      <p:grpSpPr>
+        <a:xfrm>
+          <a:off x="0" y="0"/>
+          <a:ext cx="0" cy="0"/>
+          <a:chOff x="0" y="0"/>
+          <a:chExt cx="0" cy="0"/>
+        </a:xfrm>
+      </p:grpSpPr>
+      <p:cxnSp>
+        <p:nvCxnSpPr>
+          <p:cNvPr id="11" name="Straight Connector 10"/>
+          <p:cNvCxnSpPr/>
+          <p:nvPr/>
+        </p:nvCxnSpPr>
+        <p:spPr>
+          <a:xfrm>
+            <a:off x="1453415" y="0"/>
+            <a:ext cx="0" cy="6858000"/>
+          </a:xfrm>
+          <a:prstGeom prst="line">
+            <a:avLst/>
+          </a:prstGeom>
+          <a:ln w="28575">
+            <a:solidFill>
+              <a:schemeClr val="bg1"/>
+            </a:solidFill>
+          </a:ln>
+        </p:spPr>
+        <p:style>
+          <a:lnRef idx="1">
+            <a:schemeClr val="accent1"/>
+          </a:lnRef>
+          <a:fillRef idx="0">
+            <a:schemeClr val="accent1"/>
+          </a:fillRef>
+          <a:effectRef idx="0">
+            <a:schemeClr val="accent1"/>
+          </a:effectRef>
+          <a:fontRef idx="minor">
+            <a:schemeClr val="tx1"/>
+          </a:fontRef>
+        </p:style>
+      </p:cxnSp>
+      <p:sp>
+        <p:nvSpPr>
+          <p:cNvPr id="2" name="TextBox 1"/>
+          <p:cNvSpPr txBox="1"/>
+          <p:nvPr/>
+        </p:nvSpPr>
+        <p:spPr>
+          <a:xfrm>
+            <a:off x="257296" y="2322750"/>
+            <a:ext cx="933650" cy="2554545"/>
+          </a:xfrm>
+          <a:prstGeom prst="rect">
+            <a:avLst/>
+          </a:prstGeom>
+          <a:noFill/>
+        </p:spPr>
+        <p:txBody>
+          <a:bodyPr wrap="square" rtlCol="0">
+            <a:spAutoFit/>
+          </a:bodyPr>
+          <a:lstStyle/>
+          <a:p>
+            <a:pPr algn="ctr"/>
+            <a:r>
+              <a:rPr lang="zh-CN" altLang="en-US" sz="4000" dirty="0" smtClean="0">
+                <a:solidFill>
+                  <a:prstClr val="white"/>
+                </a:solidFill>
+              </a:rPr>
+              <a:t>一些例子</a:t>
+            </a:r>
+            <a:endParaRPr lang="en-US" altLang="zh-CN" sz="4000" dirty="0" smtClean="0">
+              <a:solidFill>
+                <a:prstClr val="white"/>
+              </a:solidFill>
+            </a:endParaRPr>
+          </a:p>
+        </p:txBody>
+      </p:sp>
+      <p:grpSp>
+        <p:nvGrpSpPr>
+          <p:cNvPr id="3" name="Group 2"/>
+          <p:cNvGrpSpPr/>
+          <p:nvPr/>
+        </p:nvGrpSpPr>
+        <p:grpSpPr>
+          <a:xfrm>
+            <a:off x="0" y="0"/>
+            <a:ext cx="1453415" cy="572703"/>
+            <a:chOff x="0" y="6285297"/>
+            <a:chExt cx="1453415" cy="572703"/>
+          </a:xfrm>
+        </p:grpSpPr>
+        <p:sp>
+          <p:nvSpPr>
+            <p:cNvPr id="13" name="Rectangle 12"/>
+            <p:cNvSpPr/>
+            <p:nvPr/>
+          </p:nvSpPr>
+          <p:spPr>
+            <a:xfrm>
+              <a:off x="0" y="6285297"/>
+              <a:ext cx="1453415" cy="572703"/>
+            </a:xfrm>
+            <a:prstGeom prst="rect">
+              <a:avLst/>
+            </a:prstGeom>
+            <a:solidFill>
+              <a:schemeClr val="bg1"/>
+            </a:solidFill>
+            <a:ln w="19050">
+              <a:solidFill>
+                <a:schemeClr val="bg1"/>
+              </a:solidFill>
+            </a:ln>
+          </p:spPr>
+          <p:style>
+            <a:lnRef idx="2">
+              <a:schemeClr val="accent1">
+                <a:shade val="50000"/>
+              </a:schemeClr>
+            </a:lnRef>
+            <a:fillRef idx="1">
+              <a:schemeClr val="accent1"/>
+            </a:fillRef>
+            <a:effectRef idx="0">
+              <a:schemeClr val="accent1"/>
+            </a:effectRef>
+            <a:fontRef idx="minor">
+              <a:schemeClr val="lt1"/>
+            </a:fontRef>
+          </p:style>
+          <p:txBody>
+            <a:bodyPr rtlCol="0" anchor="ctr"/>
+            <a:lstStyle/>
+            <a:p>
+              <a:pPr algn="ctr"/>
+              <a:endParaRPr lang="zh-CN" altLang="en-US" sz="3500" dirty="0">
+                <a:solidFill>
+                  <a:prstClr val="black">
+                    <a:lumMod val="65000"/>
+                    <a:lumOff val="35000"/>
+                  </a:prstClr>
+                </a:solidFill>
+              </a:endParaRPr>
+            </a:p>
+          </p:txBody>
+        </p:sp>
+        <p:sp>
+          <p:nvSpPr>
+            <p:cNvPr id="15" name="Diamond 14"/>
+            <p:cNvSpPr/>
+            <p:nvPr/>
+          </p:nvSpPr>
+          <p:spPr>
+            <a:xfrm>
+              <a:off x="456707" y="6304547"/>
+              <a:ext cx="540000" cy="540000"/>
+            </a:xfrm>
+            <a:prstGeom prst="diamond">
+              <a:avLst/>
+            </a:prstGeom>
+            <a:noFill/>
+            <a:ln w="28575">
+              <a:solidFill>
+                <a:schemeClr val="accent6"/>
+              </a:solidFill>
+            </a:ln>
+          </p:spPr>
+          <p:style>
+            <a:lnRef idx="2">
+              <a:schemeClr val="accent1">
+                <a:shade val="50000"/>
+              </a:schemeClr>
+            </a:lnRef>
+            <a:fillRef idx="1">
+              <a:schemeClr val="accent1"/>
+            </a:fillRef>
+            <a:effectRef idx="0">
+              <a:schemeClr val="accent1"/>
+            </a:effectRef>
+            <a:fontRef idx="minor">
+              <a:schemeClr val="lt1"/>
+            </a:fontRef>
+          </p:style>
+          <p:txBody>
+            <a:bodyPr rtlCol="0" anchor="ctr"/>
+            <a:lstStyle/>
+            <a:p>
+              <a:pPr algn="ctr"/>
+              <a:r>
+                <a:rPr lang="en-US" altLang="zh-CN" dirty="0" smtClean="0">
+                  <a:solidFill>
+                    <a:srgbClr val="5B9BD5"/>
+                  </a:solidFill>
+                </a:rPr>
+                <a:t>3</a:t>
+              </a:r>
+              <a:endParaRPr lang="zh-CN" altLang="en-US" dirty="0">
+                <a:solidFill>
+                  <a:srgbClr val="5B9BD5"/>
+                </a:solidFill>
+              </a:endParaRPr>
+            </a:p>
+          </p:txBody>
+        </p:sp>
+      </p:grpSp>
+      <p:sp>
+        <p:nvSpPr>
+          <p:cNvPr id="18" name="Rectangle 17"/>
+          <p:cNvSpPr/>
+          <p:nvPr/>
+        </p:nvSpPr>
+        <p:spPr>
+          <a:xfrm>
+            <a:off x="4738011" y="860810"/>
+            <a:ext cx="4542721" cy="5478423"/>
+          </a:xfrm>
+          <a:prstGeom prst="rect">
+            <a:avLst/>
+          </a:prstGeom>
+        </p:spPr>
+        <p:txBody>
+          <a:bodyPr wrap="square">
+            <a:spAutoFit/>
+          </a:bodyPr>
+          <a:lstStyle/>
+          <a:p>
+            <a:pPr>
+              <a:lnSpc>
+                <a:spcPts val="3000"/>
+              </a:lnSpc>
+            </a:pPr>
+            <a:r>
+              <a:rPr lang="en-US" altLang="zh-CN" sz="2000" dirty="0" smtClean="0">
+                <a:solidFill>
+                  <a:schemeClr val="accent2"/>
+                </a:solidFill>
+              </a:rPr>
+              <a:t>《</a:t>
+            </a:r>
+            <a:r>
+              <a:rPr lang="zh-CN" altLang="en-US" sz="2000" dirty="0" smtClean="0">
+                <a:solidFill>
+                  <a:schemeClr val="accent2"/>
+                </a:solidFill>
+              </a:rPr>
+              <a:t>皇室战争</a:t>
+            </a:r>
+            <a:r>
+              <a:rPr lang="en-US" altLang="zh-CN" sz="2000" dirty="0" smtClean="0">
+                <a:solidFill>
+                  <a:schemeClr val="accent2"/>
+                </a:solidFill>
+              </a:rPr>
+              <a:t>》</a:t>
+            </a:r>
+          </a:p>
+          <a:p>
+            <a:pPr marL="342900" indent="-342900">
+              <a:lnSpc>
+                <a:spcPts val="3000"/>
+              </a:lnSpc>
+              <a:buFont typeface="Wingdings" panose="05000000000000000000" pitchFamily="2" charset="2"/>
+              <a:buChar char="Ø"/>
+            </a:pPr>
+            <a:r>
+              <a:rPr lang="en-US" altLang="zh-CN" sz="2000" dirty="0" smtClean="0">
+                <a:solidFill>
+                  <a:schemeClr val="bg1"/>
+                </a:solidFill>
+              </a:rPr>
+              <a:t>2min—</a:t>
+            </a:r>
+            <a:r>
+              <a:rPr lang="zh-CN" altLang="en-US" sz="2000" dirty="0" smtClean="0">
+                <a:solidFill>
+                  <a:schemeClr val="bg1"/>
+                </a:solidFill>
+              </a:rPr>
+              <a:t>正常速度，正常规则</a:t>
+            </a:r>
+            <a:endParaRPr lang="en-US" altLang="zh-CN" sz="2000" dirty="0" smtClean="0">
+              <a:solidFill>
+                <a:schemeClr val="bg1"/>
+              </a:solidFill>
+            </a:endParaRPr>
+          </a:p>
+          <a:p>
+            <a:pPr marL="342900" indent="-342900">
+              <a:lnSpc>
+                <a:spcPts val="3000"/>
+              </a:lnSpc>
+              <a:buFont typeface="Wingdings" panose="05000000000000000000" pitchFamily="2" charset="2"/>
+              <a:buChar char="Ø"/>
+            </a:pPr>
+            <a:r>
+              <a:rPr lang="en-US" altLang="zh-CN" sz="2000" dirty="0" smtClean="0">
+                <a:solidFill>
+                  <a:schemeClr val="bg1"/>
+                </a:solidFill>
+              </a:rPr>
+              <a:t>1min—</a:t>
+            </a:r>
+            <a:r>
+              <a:rPr lang="zh-CN" altLang="en-US" sz="2000" dirty="0" smtClean="0">
+                <a:solidFill>
+                  <a:schemeClr val="bg1"/>
+                </a:solidFill>
+              </a:rPr>
+              <a:t>双倍速度，正常规则</a:t>
+            </a:r>
+            <a:endParaRPr lang="en-US" altLang="zh-CN" sz="2000" dirty="0" smtClean="0">
+              <a:solidFill>
+                <a:schemeClr val="bg1"/>
+              </a:solidFill>
+            </a:endParaRPr>
+          </a:p>
+          <a:p>
+            <a:pPr marL="342900" indent="-342900">
+              <a:lnSpc>
+                <a:spcPts val="3000"/>
+              </a:lnSpc>
+              <a:buFont typeface="Wingdings" panose="05000000000000000000" pitchFamily="2" charset="2"/>
+              <a:buChar char="Ø"/>
+            </a:pPr>
+            <a:r>
+              <a:rPr lang="en-US" altLang="zh-CN" sz="2000" dirty="0" smtClean="0">
+                <a:solidFill>
+                  <a:schemeClr val="bg1"/>
+                </a:solidFill>
+              </a:rPr>
+              <a:t>1min—</a:t>
+            </a:r>
+            <a:r>
+              <a:rPr lang="zh-CN" altLang="en-US" sz="2000" dirty="0" smtClean="0">
+                <a:solidFill>
+                  <a:schemeClr val="bg1"/>
+                </a:solidFill>
+              </a:rPr>
+              <a:t>双倍速度，一塔制胜</a:t>
+            </a:r>
+            <a:endParaRPr lang="en-US" altLang="zh-CN" sz="2000" dirty="0" smtClean="0">
+              <a:solidFill>
+                <a:schemeClr val="bg1"/>
+              </a:solidFill>
+            </a:endParaRPr>
+          </a:p>
+          <a:p>
+            <a:pPr>
+              <a:lnSpc>
+                <a:spcPts val="3000"/>
+              </a:lnSpc>
+            </a:pPr>
+            <a:endParaRPr lang="en-US" altLang="zh-CN" sz="2000" dirty="0">
+              <a:solidFill>
+                <a:schemeClr val="bg1"/>
+              </a:solidFill>
+            </a:endParaRPr>
+          </a:p>
+          <a:p>
+            <a:pPr>
+              <a:lnSpc>
+                <a:spcPts val="3000"/>
+              </a:lnSpc>
+            </a:pPr>
+            <a:r>
+              <a:rPr lang="en-US" altLang="zh-CN" sz="2000" dirty="0" smtClean="0">
+                <a:solidFill>
+                  <a:schemeClr val="accent2"/>
+                </a:solidFill>
+              </a:rPr>
+              <a:t>《MOBA》</a:t>
+            </a:r>
+          </a:p>
+          <a:p>
+            <a:pPr marL="342900" indent="-342900">
+              <a:lnSpc>
+                <a:spcPts val="3000"/>
+              </a:lnSpc>
+              <a:buFont typeface="Wingdings" panose="05000000000000000000" pitchFamily="2" charset="2"/>
+              <a:buChar char="Ø"/>
+            </a:pPr>
+            <a:r>
+              <a:rPr lang="zh-CN" altLang="en-US" sz="2000" dirty="0">
+                <a:solidFill>
+                  <a:schemeClr val="bg1"/>
+                </a:solidFill>
+              </a:rPr>
+              <a:t>金</a:t>
+            </a:r>
+            <a:r>
+              <a:rPr lang="zh-CN" altLang="en-US" sz="2000" dirty="0" smtClean="0">
+                <a:solidFill>
+                  <a:schemeClr val="bg1"/>
+                </a:solidFill>
+              </a:rPr>
+              <a:t>钱产出遵循三段式</a:t>
+            </a:r>
+            <a:endParaRPr lang="en-US" altLang="zh-CN" sz="2000" dirty="0" smtClean="0">
+              <a:solidFill>
+                <a:schemeClr val="bg1"/>
+              </a:solidFill>
+            </a:endParaRPr>
+          </a:p>
+          <a:p>
+            <a:pPr marL="342900" indent="-342900">
+              <a:lnSpc>
+                <a:spcPts val="3000"/>
+              </a:lnSpc>
+              <a:buFont typeface="Wingdings" panose="05000000000000000000" pitchFamily="2" charset="2"/>
+              <a:buChar char="Ø"/>
+            </a:pPr>
+            <a:r>
+              <a:rPr lang="zh-CN" altLang="en-US" sz="2000" dirty="0">
+                <a:solidFill>
+                  <a:schemeClr val="bg1"/>
+                </a:solidFill>
+              </a:rPr>
+              <a:t>伤</a:t>
+            </a:r>
+            <a:r>
+              <a:rPr lang="zh-CN" altLang="en-US" sz="2000" dirty="0" smtClean="0">
+                <a:solidFill>
+                  <a:schemeClr val="bg1"/>
+                </a:solidFill>
+              </a:rPr>
+              <a:t>害成长遵循三段式</a:t>
+            </a:r>
+            <a:endParaRPr lang="en-US" altLang="zh-CN" sz="2000" dirty="0" smtClean="0">
+              <a:solidFill>
+                <a:schemeClr val="bg1"/>
+              </a:solidFill>
+            </a:endParaRPr>
+          </a:p>
+          <a:p>
+            <a:pPr marL="342900" indent="-342900">
+              <a:lnSpc>
+                <a:spcPts val="3000"/>
+              </a:lnSpc>
+              <a:buFont typeface="Wingdings" panose="05000000000000000000" pitchFamily="2" charset="2"/>
+              <a:buChar char="Ø"/>
+            </a:pPr>
+            <a:r>
+              <a:rPr lang="en-US" altLang="zh-CN" sz="2000" dirty="0" smtClean="0">
+                <a:solidFill>
+                  <a:schemeClr val="bg1"/>
+                </a:solidFill>
+              </a:rPr>
+              <a:t>……</a:t>
+            </a:r>
+          </a:p>
+          <a:p>
+            <a:pPr>
+              <a:lnSpc>
+                <a:spcPts val="3000"/>
+              </a:lnSpc>
+            </a:pPr>
+            <a:endParaRPr lang="en-US" altLang="zh-CN" sz="2000" dirty="0" smtClean="0">
+              <a:solidFill>
+                <a:schemeClr val="bg1"/>
+              </a:solidFill>
+            </a:endParaRPr>
+          </a:p>
+          <a:p>
+            <a:pPr>
+              <a:lnSpc>
+                <a:spcPts val="3000"/>
+              </a:lnSpc>
+            </a:pPr>
+            <a:r>
+              <a:rPr lang="en-US" altLang="zh-CN" sz="2000" dirty="0" smtClean="0">
+                <a:solidFill>
+                  <a:schemeClr val="accent2"/>
+                </a:solidFill>
+              </a:rPr>
+              <a:t>《</a:t>
+            </a:r>
+            <a:r>
+              <a:rPr lang="zh-CN" altLang="en-US" sz="2000" dirty="0" smtClean="0">
+                <a:solidFill>
+                  <a:schemeClr val="accent2"/>
+                </a:solidFill>
+              </a:rPr>
+              <a:t>吃鸡</a:t>
+            </a:r>
+            <a:r>
+              <a:rPr lang="en-US" altLang="zh-CN" sz="2000" dirty="0" smtClean="0">
+                <a:solidFill>
+                  <a:schemeClr val="accent2"/>
+                </a:solidFill>
+              </a:rPr>
+              <a:t>》</a:t>
+            </a:r>
+          </a:p>
+          <a:p>
+            <a:pPr marL="342900" indent="-342900">
+              <a:lnSpc>
+                <a:spcPts val="3000"/>
+              </a:lnSpc>
+              <a:buFont typeface="Wingdings" panose="05000000000000000000" pitchFamily="2" charset="2"/>
+              <a:buChar char="Ø"/>
+            </a:pPr>
+            <a:r>
+              <a:rPr lang="zh-CN" altLang="en-US" sz="2000" dirty="0" smtClean="0">
+                <a:solidFill>
+                  <a:schemeClr val="bg1"/>
+                </a:solidFill>
+              </a:rPr>
+              <a:t>缩圈时间遵循三段式</a:t>
+            </a:r>
+            <a:endParaRPr lang="en-US" altLang="zh-CN" sz="2000" dirty="0" smtClean="0">
+              <a:solidFill>
+                <a:schemeClr val="bg1"/>
+              </a:solidFill>
+            </a:endParaRPr>
+          </a:p>
+          <a:p>
+            <a:pPr marL="342900" indent="-342900">
+              <a:lnSpc>
+                <a:spcPts val="3000"/>
+              </a:lnSpc>
+              <a:buFont typeface="Wingdings" panose="05000000000000000000" pitchFamily="2" charset="2"/>
+              <a:buChar char="Ø"/>
+            </a:pPr>
+            <a:r>
+              <a:rPr lang="zh-CN" altLang="en-US" sz="2000" dirty="0">
+                <a:solidFill>
+                  <a:schemeClr val="bg1"/>
+                </a:solidFill>
+              </a:rPr>
+              <a:t>毒</a:t>
+            </a:r>
+            <a:r>
+              <a:rPr lang="zh-CN" altLang="en-US" sz="2000" dirty="0" smtClean="0">
+                <a:solidFill>
+                  <a:schemeClr val="bg1"/>
+                </a:solidFill>
+              </a:rPr>
+              <a:t>气伤害遵循三段式</a:t>
+            </a:r>
+            <a:endParaRPr lang="en-US" altLang="zh-CN" sz="2000" dirty="0" smtClean="0">
+              <a:solidFill>
+                <a:schemeClr val="bg1"/>
+              </a:solidFill>
+            </a:endParaRPr>
+          </a:p>
+          <a:p>
+            <a:pPr marL="342900" indent="-342900">
+              <a:lnSpc>
+                <a:spcPts val="3000"/>
+              </a:lnSpc>
+              <a:buFont typeface="Wingdings" panose="05000000000000000000" pitchFamily="2" charset="2"/>
+              <a:buChar char="Ø"/>
+            </a:pPr>
+            <a:r>
+              <a:rPr lang="en-US" altLang="zh-CN" sz="2000" dirty="0">
+                <a:solidFill>
+                  <a:schemeClr val="bg1"/>
+                </a:solidFill>
+              </a:rPr>
+              <a:t>……</a:t>
+            </a:r>
+            <a:endParaRPr lang="zh-CN" altLang="en-US" sz="2000" dirty="0">
+              <a:solidFill>
+                <a:schemeClr val="bg1"/>
+              </a:solidFill>
+            </a:endParaRPr>
+          </a:p>
+        </p:txBody>
+      </p:sp>
+    </p:spTree>
+    <p:extLst>
+      <p:ext uri="{BB962C8B-B14F-4D97-AF65-F5344CB8AC3E}">
+        <p14:creationId xmlns:p14="http://schemas.microsoft.com/office/powerpoint/2010/main" val="564371671"/>
+      </p:ext>
+    </p:extLst>
+  </p:cSld>
+  <p:clrMapOvr>
+    <a:masterClrMapping/>
+  </p:clrMapOvr>
+  <p:timing>
+    <p:tnLst>
+      <p:par>
+        <p:cTn id="1" dur="indefinite" restart="never" nodeType="tmRoot"/>
+      </p:par>
+    </p:tnLst>
+  </p:timing>
+</p:sld>
+</file>
+
+<file path=ppt/slides/slide24.xml><?xml version="1.0" encoding="utf-8"?>
+<p:sld xmlns:a="http://schemas.openxmlformats.org/drawingml/2006/main" xmlns:r="http://schemas.openxmlformats.org/officeDocument/2006/relationships" xmlns:p="http://schemas.openxmlformats.org/presentationml/2006/main">
+  <p:cSld>
+    <p:bg>
+      <p:bgPr>
+        <a:solidFill>
+          <a:schemeClr val="tx1">
+            <a:lumMod val="65000"/>
+            <a:lumOff val="35000"/>
+          </a:schemeClr>
+        </a:solidFill>
+        <a:effectLst/>
+      </p:bgPr>
+    </p:bg>
+    <p:spTree>
+      <p:nvGrpSpPr>
+        <p:cNvPr id="1" name=""/>
+        <p:cNvGrpSpPr/>
+        <p:nvPr/>
+      </p:nvGrpSpPr>
+      <p:grpSpPr>
+        <a:xfrm>
+          <a:off x="0" y="0"/>
+          <a:ext cx="0" cy="0"/>
+          <a:chOff x="0" y="0"/>
+          <a:chExt cx="0" cy="0"/>
+        </a:xfrm>
+      </p:grpSpPr>
+      <p:cxnSp>
+        <p:nvCxnSpPr>
+          <p:cNvPr id="11" name="Straight Connector 10"/>
+          <p:cNvCxnSpPr/>
+          <p:nvPr/>
+        </p:nvCxnSpPr>
+        <p:spPr>
+          <a:xfrm>
+            <a:off x="1453415" y="0"/>
+            <a:ext cx="0" cy="6858000"/>
+          </a:xfrm>
+          <a:prstGeom prst="line">
+            <a:avLst/>
+          </a:prstGeom>
+          <a:ln w="28575">
+            <a:solidFill>
+              <a:schemeClr val="bg1"/>
+            </a:solidFill>
+          </a:ln>
+        </p:spPr>
+        <p:style>
+          <a:lnRef idx="1">
+            <a:schemeClr val="accent1"/>
+          </a:lnRef>
+          <a:fillRef idx="0">
+            <a:schemeClr val="accent1"/>
+          </a:fillRef>
+          <a:effectRef idx="0">
+            <a:schemeClr val="accent1"/>
+          </a:effectRef>
+          <a:fontRef idx="minor">
+            <a:schemeClr val="tx1"/>
+          </a:fontRef>
+        </p:style>
+      </p:cxnSp>
+      <p:sp>
+        <p:nvSpPr>
+          <p:cNvPr id="2" name="TextBox 1"/>
+          <p:cNvSpPr txBox="1"/>
+          <p:nvPr/>
+        </p:nvSpPr>
+        <p:spPr>
+          <a:xfrm>
+            <a:off x="257296" y="2322750"/>
+            <a:ext cx="933650" cy="2554545"/>
+          </a:xfrm>
+          <a:prstGeom prst="rect">
+            <a:avLst/>
+          </a:prstGeom>
+          <a:noFill/>
+        </p:spPr>
+        <p:txBody>
+          <a:bodyPr wrap="square" rtlCol="0">
+            <a:spAutoFit/>
+          </a:bodyPr>
+          <a:lstStyle/>
+          <a:p>
+            <a:pPr algn="ctr"/>
+            <a:r>
+              <a:rPr lang="zh-CN" altLang="en-US" sz="4000" dirty="0" smtClean="0">
+                <a:solidFill>
+                  <a:prstClr val="white"/>
+                </a:solidFill>
+              </a:rPr>
+              <a:t>节奏嵌套</a:t>
+            </a:r>
+            <a:endParaRPr lang="en-US" altLang="zh-CN" sz="4000" dirty="0" smtClean="0">
+              <a:solidFill>
+                <a:prstClr val="white"/>
+              </a:solidFill>
+            </a:endParaRPr>
+          </a:p>
+        </p:txBody>
+      </p:sp>
+      <p:grpSp>
+        <p:nvGrpSpPr>
+          <p:cNvPr id="3" name="Group 2"/>
+          <p:cNvGrpSpPr/>
+          <p:nvPr/>
+        </p:nvGrpSpPr>
+        <p:grpSpPr>
+          <a:xfrm>
+            <a:off x="0" y="0"/>
+            <a:ext cx="1453415" cy="572703"/>
+            <a:chOff x="0" y="6285297"/>
+            <a:chExt cx="1453415" cy="572703"/>
+          </a:xfrm>
+        </p:grpSpPr>
+        <p:sp>
+          <p:nvSpPr>
+            <p:cNvPr id="13" name="Rectangle 12"/>
+            <p:cNvSpPr/>
+            <p:nvPr/>
+          </p:nvSpPr>
+          <p:spPr>
+            <a:xfrm>
+              <a:off x="0" y="6285297"/>
+              <a:ext cx="1453415" cy="572703"/>
+            </a:xfrm>
+            <a:prstGeom prst="rect">
+              <a:avLst/>
+            </a:prstGeom>
+            <a:solidFill>
+              <a:schemeClr val="bg1"/>
+            </a:solidFill>
+            <a:ln w="19050">
+              <a:solidFill>
+                <a:schemeClr val="bg1"/>
+              </a:solidFill>
+            </a:ln>
+          </p:spPr>
+          <p:style>
+            <a:lnRef idx="2">
+              <a:schemeClr val="accent1">
+                <a:shade val="50000"/>
+              </a:schemeClr>
+            </a:lnRef>
+            <a:fillRef idx="1">
+              <a:schemeClr val="accent1"/>
+            </a:fillRef>
+            <a:effectRef idx="0">
+              <a:schemeClr val="accent1"/>
+            </a:effectRef>
+            <a:fontRef idx="minor">
+              <a:schemeClr val="lt1"/>
+            </a:fontRef>
+          </p:style>
+          <p:txBody>
+            <a:bodyPr rtlCol="0" anchor="ctr"/>
+            <a:lstStyle/>
+            <a:p>
+              <a:pPr algn="ctr"/>
+              <a:endParaRPr lang="zh-CN" altLang="en-US" sz="3500" dirty="0">
+                <a:solidFill>
+                  <a:prstClr val="black">
+                    <a:lumMod val="65000"/>
+                    <a:lumOff val="35000"/>
+                  </a:prstClr>
+                </a:solidFill>
+              </a:endParaRPr>
+            </a:p>
+          </p:txBody>
+        </p:sp>
+        <p:sp>
+          <p:nvSpPr>
+            <p:cNvPr id="15" name="Diamond 14"/>
+            <p:cNvSpPr/>
+            <p:nvPr/>
+          </p:nvSpPr>
+          <p:spPr>
+            <a:xfrm>
+              <a:off x="456707" y="6304547"/>
+              <a:ext cx="540000" cy="540000"/>
+            </a:xfrm>
+            <a:prstGeom prst="diamond">
+              <a:avLst/>
+            </a:prstGeom>
+            <a:noFill/>
+            <a:ln w="28575">
+              <a:solidFill>
+                <a:schemeClr val="accent6"/>
+              </a:solidFill>
+            </a:ln>
+          </p:spPr>
+          <p:style>
+            <a:lnRef idx="2">
+              <a:schemeClr val="accent1">
+                <a:shade val="50000"/>
+              </a:schemeClr>
+            </a:lnRef>
+            <a:fillRef idx="1">
+              <a:schemeClr val="accent1"/>
+            </a:fillRef>
+            <a:effectRef idx="0">
+              <a:schemeClr val="accent1"/>
+            </a:effectRef>
+            <a:fontRef idx="minor">
+              <a:schemeClr val="lt1"/>
+            </a:fontRef>
+          </p:style>
+          <p:txBody>
+            <a:bodyPr rtlCol="0" anchor="ctr"/>
+            <a:lstStyle/>
+            <a:p>
+              <a:pPr algn="ctr"/>
+              <a:r>
+                <a:rPr lang="en-US" altLang="zh-CN" dirty="0">
+                  <a:solidFill>
+                    <a:srgbClr val="5B9BD5"/>
+                  </a:solidFill>
+                </a:rPr>
+                <a:t>4</a:t>
+              </a:r>
+              <a:endParaRPr lang="zh-CN" altLang="en-US" dirty="0">
+                <a:solidFill>
+                  <a:srgbClr val="5B9BD5"/>
+                </a:solidFill>
+              </a:endParaRPr>
+            </a:p>
+          </p:txBody>
+        </p:sp>
+      </p:grpSp>
+      <p:sp>
+        <p:nvSpPr>
+          <p:cNvPr id="4" name="TextBox 3"/>
+          <p:cNvSpPr txBox="1"/>
+          <p:nvPr/>
+        </p:nvSpPr>
+        <p:spPr>
+          <a:xfrm>
+            <a:off x="3009380" y="3280125"/>
+            <a:ext cx="8664175" cy="477054"/>
+          </a:xfrm>
+          <a:prstGeom prst="rect">
+            <a:avLst/>
+          </a:prstGeom>
+          <a:noFill/>
+        </p:spPr>
+        <p:txBody>
+          <a:bodyPr wrap="square" rtlCol="0">
+            <a:spAutoFit/>
+          </a:bodyPr>
+          <a:lstStyle/>
+          <a:p>
+            <a:r>
+              <a:rPr lang="zh-CN" altLang="en-US" sz="2500" dirty="0" smtClean="0">
+                <a:solidFill>
+                  <a:schemeClr val="bg1"/>
+                </a:solidFill>
+              </a:rPr>
+              <a:t>时间较长游戏中大三段式的每一段，可由小三段组成</a:t>
+            </a:r>
+            <a:endParaRPr lang="zh-CN" altLang="en-US" sz="2500" dirty="0">
+              <a:solidFill>
+                <a:schemeClr val="bg1"/>
+              </a:solidFill>
+            </a:endParaRPr>
+          </a:p>
+        </p:txBody>
+      </p:sp>
+    </p:spTree>
+    <p:extLst>
+      <p:ext uri="{BB962C8B-B14F-4D97-AF65-F5344CB8AC3E}">
+        <p14:creationId xmlns:p14="http://schemas.microsoft.com/office/powerpoint/2010/main" val="3053567190"/>
+      </p:ext>
+    </p:extLst>
+  </p:cSld>
+  <p:clrMapOvr>
+    <a:masterClrMapping/>
+  </p:clrMapOvr>
+  <p:timing>
+    <p:tnLst>
+      <p:par>
+        <p:cTn id="1" dur="indefinite" restart="never" nodeType="tmRoot"/>
+      </p:par>
+    </p:tnLst>
+  </p:timing>
+</p:sld>
+</file>
+
+<file path=ppt/slides/slide25.xml><?xml version="1.0" encoding="utf-8"?>
+<p:sld xmlns:a="http://schemas.openxmlformats.org/drawingml/2006/main" xmlns:r="http://schemas.openxmlformats.org/officeDocument/2006/relationships" xmlns:p="http://schemas.openxmlformats.org/presentationml/2006/main">
+  <p:cSld>
+    <p:bg>
+      <p:bgPr>
+        <a:solidFill>
+          <a:schemeClr val="tx1">
+            <a:lumMod val="65000"/>
+            <a:lumOff val="35000"/>
+          </a:schemeClr>
+        </a:solidFill>
+        <a:effectLst/>
+      </p:bgPr>
+    </p:bg>
+    <p:spTree>
+      <p:nvGrpSpPr>
+        <p:cNvPr id="1" name=""/>
+        <p:cNvGrpSpPr/>
+        <p:nvPr/>
+      </p:nvGrpSpPr>
+      <p:grpSpPr>
+        <a:xfrm>
+          <a:off x="0" y="0"/>
+          <a:ext cx="0" cy="0"/>
+          <a:chOff x="0" y="0"/>
+          <a:chExt cx="0" cy="0"/>
+        </a:xfrm>
+      </p:grpSpPr>
+      <p:cxnSp>
+        <p:nvCxnSpPr>
+          <p:cNvPr id="11" name="Straight Connector 10"/>
+          <p:cNvCxnSpPr/>
+          <p:nvPr/>
+        </p:nvCxnSpPr>
+        <p:spPr>
+          <a:xfrm>
+            <a:off x="1453415" y="0"/>
+            <a:ext cx="0" cy="6858000"/>
+          </a:xfrm>
+          <a:prstGeom prst="line">
+            <a:avLst/>
+          </a:prstGeom>
+          <a:ln w="28575">
+            <a:solidFill>
+              <a:schemeClr val="bg1"/>
+            </a:solidFill>
+          </a:ln>
+        </p:spPr>
+        <p:style>
+          <a:lnRef idx="1">
+            <a:schemeClr val="accent1"/>
+          </a:lnRef>
+          <a:fillRef idx="0">
+            <a:schemeClr val="accent1"/>
+          </a:fillRef>
+          <a:effectRef idx="0">
+            <a:schemeClr val="accent1"/>
+          </a:effectRef>
+          <a:fontRef idx="minor">
+            <a:schemeClr val="tx1"/>
+          </a:fontRef>
+        </p:style>
+      </p:cxnSp>
+      <p:sp>
+        <p:nvSpPr>
+          <p:cNvPr id="2" name="TextBox 1"/>
+          <p:cNvSpPr txBox="1"/>
+          <p:nvPr/>
+        </p:nvSpPr>
+        <p:spPr>
+          <a:xfrm>
+            <a:off x="291411" y="2018950"/>
+            <a:ext cx="933650" cy="2554545"/>
+          </a:xfrm>
+          <a:prstGeom prst="rect">
+            <a:avLst/>
+          </a:prstGeom>
+          <a:noFill/>
+        </p:spPr>
+        <p:txBody>
+          <a:bodyPr wrap="square" rtlCol="0">
+            <a:spAutoFit/>
+          </a:bodyPr>
+          <a:lstStyle/>
+          <a:p>
+            <a:pPr algn="ctr"/>
+            <a:r>
+              <a:rPr lang="zh-CN" altLang="en-US" sz="4000" dirty="0" smtClean="0">
+                <a:solidFill>
+                  <a:prstClr val="white"/>
+                </a:solidFill>
+              </a:rPr>
+              <a:t>适用范围</a:t>
+            </a:r>
+            <a:endParaRPr lang="en-US" altLang="zh-CN" sz="4000" dirty="0" smtClean="0">
+              <a:solidFill>
+                <a:prstClr val="white"/>
+              </a:solidFill>
+            </a:endParaRPr>
+          </a:p>
+        </p:txBody>
+      </p:sp>
+      <p:grpSp>
+        <p:nvGrpSpPr>
+          <p:cNvPr id="3" name="Group 2"/>
+          <p:cNvGrpSpPr/>
+          <p:nvPr/>
+        </p:nvGrpSpPr>
+        <p:grpSpPr>
+          <a:xfrm>
+            <a:off x="0" y="0"/>
+            <a:ext cx="1453415" cy="572703"/>
+            <a:chOff x="0" y="6285297"/>
+            <a:chExt cx="1453415" cy="572703"/>
+          </a:xfrm>
+        </p:grpSpPr>
+        <p:sp>
+          <p:nvSpPr>
+            <p:cNvPr id="13" name="Rectangle 12"/>
+            <p:cNvSpPr/>
+            <p:nvPr/>
+          </p:nvSpPr>
+          <p:spPr>
+            <a:xfrm>
+              <a:off x="0" y="6285297"/>
+              <a:ext cx="1453415" cy="572703"/>
+            </a:xfrm>
+            <a:prstGeom prst="rect">
+              <a:avLst/>
+            </a:prstGeom>
+            <a:solidFill>
+              <a:schemeClr val="bg1"/>
+            </a:solidFill>
+            <a:ln w="19050">
+              <a:solidFill>
+                <a:schemeClr val="bg1"/>
+              </a:solidFill>
+            </a:ln>
+          </p:spPr>
+          <p:style>
+            <a:lnRef idx="2">
+              <a:schemeClr val="accent1">
+                <a:shade val="50000"/>
+              </a:schemeClr>
+            </a:lnRef>
+            <a:fillRef idx="1">
+              <a:schemeClr val="accent1"/>
+            </a:fillRef>
+            <a:effectRef idx="0">
+              <a:schemeClr val="accent1"/>
+            </a:effectRef>
+            <a:fontRef idx="minor">
+              <a:schemeClr val="lt1"/>
+            </a:fontRef>
+          </p:style>
+          <p:txBody>
+            <a:bodyPr rtlCol="0" anchor="ctr"/>
+            <a:lstStyle/>
+            <a:p>
+              <a:pPr algn="ctr"/>
+              <a:endParaRPr lang="zh-CN" altLang="en-US" sz="3500" dirty="0">
+                <a:solidFill>
+                  <a:prstClr val="black">
+                    <a:lumMod val="65000"/>
+                    <a:lumOff val="35000"/>
+                  </a:prstClr>
+                </a:solidFill>
+              </a:endParaRPr>
+            </a:p>
+          </p:txBody>
+        </p:sp>
+        <p:sp>
+          <p:nvSpPr>
+            <p:cNvPr id="15" name="Diamond 14"/>
+            <p:cNvSpPr/>
+            <p:nvPr/>
+          </p:nvSpPr>
+          <p:spPr>
+            <a:xfrm>
+              <a:off x="456707" y="6304547"/>
+              <a:ext cx="540000" cy="540000"/>
+            </a:xfrm>
+            <a:prstGeom prst="diamond">
+              <a:avLst/>
+            </a:prstGeom>
+            <a:noFill/>
+            <a:ln w="28575">
+              <a:solidFill>
+                <a:schemeClr val="accent6"/>
+              </a:solidFill>
+            </a:ln>
+          </p:spPr>
+          <p:style>
+            <a:lnRef idx="2">
+              <a:schemeClr val="accent1">
+                <a:shade val="50000"/>
+              </a:schemeClr>
+            </a:lnRef>
+            <a:fillRef idx="1">
+              <a:schemeClr val="accent1"/>
+            </a:fillRef>
+            <a:effectRef idx="0">
+              <a:schemeClr val="accent1"/>
+            </a:effectRef>
+            <a:fontRef idx="minor">
+              <a:schemeClr val="lt1"/>
+            </a:fontRef>
+          </p:style>
+          <p:txBody>
+            <a:bodyPr rtlCol="0" anchor="ctr"/>
+            <a:lstStyle/>
+            <a:p>
+              <a:pPr algn="ctr"/>
+              <a:r>
+                <a:rPr lang="en-US" altLang="zh-CN" dirty="0">
+                  <a:solidFill>
+                    <a:srgbClr val="5B9BD5"/>
+                  </a:solidFill>
+                </a:rPr>
+                <a:t>5</a:t>
+              </a:r>
+              <a:endParaRPr lang="zh-CN" altLang="en-US" dirty="0">
+                <a:solidFill>
+                  <a:srgbClr val="5B9BD5"/>
+                </a:solidFill>
+              </a:endParaRPr>
+            </a:p>
+          </p:txBody>
+        </p:sp>
+      </p:grpSp>
+      <p:sp>
+        <p:nvSpPr>
+          <p:cNvPr id="16" name="Rounded Rectangle 15"/>
+          <p:cNvSpPr/>
+          <p:nvPr/>
+        </p:nvSpPr>
+        <p:spPr>
+          <a:xfrm>
+            <a:off x="3457116" y="2003062"/>
+            <a:ext cx="2376000" cy="1040400"/>
+          </a:xfrm>
+          <a:prstGeom prst="roundRect">
+            <a:avLst>
+              <a:gd name="adj" fmla="val 12557"/>
+            </a:avLst>
+          </a:prstGeom>
+          <a:noFill/>
+          <a:ln w="19050">
+            <a:solidFill>
+              <a:schemeClr val="bg1"/>
+            </a:solidFill>
+          </a:ln>
+        </p:spPr>
+        <p:style>
+          <a:lnRef idx="2">
+            <a:schemeClr val="accent1">
+              <a:shade val="50000"/>
+            </a:schemeClr>
+          </a:lnRef>
+          <a:fillRef idx="1">
+            <a:schemeClr val="accent1"/>
+          </a:fillRef>
+          <a:effectRef idx="0">
+            <a:schemeClr val="accent1"/>
+          </a:effectRef>
+          <a:fontRef idx="minor">
+            <a:schemeClr val="lt1"/>
+          </a:fontRef>
+        </p:style>
+        <p:txBody>
+          <a:bodyPr rtlCol="0" anchor="ctr"/>
+          <a:lstStyle/>
+          <a:p>
+            <a:pPr algn="ctr"/>
+            <a:r>
+              <a:rPr lang="zh-CN" altLang="en-US" sz="3000" dirty="0" smtClean="0">
+                <a:solidFill>
+                  <a:schemeClr val="accent2"/>
+                </a:solidFill>
+              </a:rPr>
+              <a:t>音乐领域</a:t>
+            </a:r>
+            <a:endParaRPr lang="zh-CN" altLang="en-US" sz="3000" dirty="0">
+              <a:solidFill>
+                <a:schemeClr val="accent2"/>
+              </a:solidFill>
+            </a:endParaRPr>
+          </a:p>
+        </p:txBody>
+      </p:sp>
+      <p:sp>
+        <p:nvSpPr>
+          <p:cNvPr id="17" name="Rounded Rectangle 16"/>
+          <p:cNvSpPr/>
+          <p:nvPr/>
+        </p:nvSpPr>
+        <p:spPr>
+          <a:xfrm>
+            <a:off x="7836816" y="2018950"/>
+            <a:ext cx="2376000" cy="1040400"/>
+          </a:xfrm>
+          <a:prstGeom prst="roundRect">
+            <a:avLst>
+              <a:gd name="adj" fmla="val 12557"/>
+            </a:avLst>
+          </a:prstGeom>
+          <a:noFill/>
+          <a:ln w="19050">
+            <a:solidFill>
+              <a:schemeClr val="bg1"/>
+            </a:solidFill>
+          </a:ln>
+        </p:spPr>
+        <p:style>
+          <a:lnRef idx="2">
+            <a:schemeClr val="accent1">
+              <a:shade val="50000"/>
+            </a:schemeClr>
+          </a:lnRef>
+          <a:fillRef idx="1">
+            <a:schemeClr val="accent1"/>
+          </a:fillRef>
+          <a:effectRef idx="0">
+            <a:schemeClr val="accent1"/>
+          </a:effectRef>
+          <a:fontRef idx="minor">
+            <a:schemeClr val="lt1"/>
+          </a:fontRef>
+        </p:style>
+        <p:txBody>
+          <a:bodyPr rtlCol="0" anchor="ctr"/>
+          <a:lstStyle/>
+          <a:p>
+            <a:pPr algn="ctr"/>
+            <a:r>
+              <a:rPr lang="zh-CN" altLang="en-US" sz="3000" dirty="0" smtClean="0">
+                <a:solidFill>
+                  <a:schemeClr val="accent2"/>
+                </a:solidFill>
+              </a:rPr>
+              <a:t>影视领域</a:t>
+            </a:r>
+            <a:endParaRPr lang="zh-CN" altLang="en-US" sz="3000" dirty="0">
+              <a:solidFill>
+                <a:schemeClr val="accent2"/>
+              </a:solidFill>
+            </a:endParaRPr>
+          </a:p>
+        </p:txBody>
+      </p:sp>
+      <p:sp>
+        <p:nvSpPr>
+          <p:cNvPr id="18" name="Rounded Rectangle 17"/>
+          <p:cNvSpPr/>
+          <p:nvPr/>
+        </p:nvSpPr>
+        <p:spPr>
+          <a:xfrm>
+            <a:off x="3457116" y="3580828"/>
+            <a:ext cx="2376000" cy="1040400"/>
+          </a:xfrm>
+          <a:prstGeom prst="roundRect">
+            <a:avLst>
+              <a:gd name="adj" fmla="val 12557"/>
+            </a:avLst>
+          </a:prstGeom>
+          <a:noFill/>
+          <a:ln w="19050">
+            <a:solidFill>
+              <a:schemeClr val="bg1"/>
+            </a:solidFill>
+          </a:ln>
+        </p:spPr>
+        <p:style>
+          <a:lnRef idx="2">
+            <a:schemeClr val="accent1">
+              <a:shade val="50000"/>
+            </a:schemeClr>
+          </a:lnRef>
+          <a:fillRef idx="1">
+            <a:schemeClr val="accent1"/>
+          </a:fillRef>
+          <a:effectRef idx="0">
+            <a:schemeClr val="accent1"/>
+          </a:effectRef>
+          <a:fontRef idx="minor">
+            <a:schemeClr val="lt1"/>
+          </a:fontRef>
+        </p:style>
+        <p:txBody>
+          <a:bodyPr rtlCol="0" anchor="ctr"/>
+          <a:lstStyle/>
+          <a:p>
+            <a:pPr algn="ctr"/>
+            <a:r>
+              <a:rPr lang="zh-CN" altLang="en-US" sz="3000" dirty="0" smtClean="0">
+                <a:solidFill>
+                  <a:schemeClr val="accent2"/>
+                </a:solidFill>
+              </a:rPr>
+              <a:t>小说领域</a:t>
+            </a:r>
+            <a:endParaRPr lang="zh-CN" altLang="en-US" sz="3000" dirty="0">
+              <a:solidFill>
+                <a:schemeClr val="accent2"/>
+              </a:solidFill>
+            </a:endParaRPr>
+          </a:p>
+        </p:txBody>
+      </p:sp>
+      <p:sp>
+        <p:nvSpPr>
+          <p:cNvPr id="20" name="Rounded Rectangle 19"/>
+          <p:cNvSpPr/>
+          <p:nvPr/>
+        </p:nvSpPr>
+        <p:spPr>
+          <a:xfrm>
+            <a:off x="7836816" y="3580828"/>
+            <a:ext cx="2376000" cy="1040400"/>
+          </a:xfrm>
+          <a:prstGeom prst="roundRect">
+            <a:avLst>
+              <a:gd name="adj" fmla="val 12557"/>
+            </a:avLst>
+          </a:prstGeom>
+          <a:noFill/>
+          <a:ln w="19050">
+            <a:solidFill>
+              <a:schemeClr val="bg1"/>
+            </a:solidFill>
+          </a:ln>
+        </p:spPr>
+        <p:style>
+          <a:lnRef idx="2">
+            <a:schemeClr val="accent1">
+              <a:shade val="50000"/>
+            </a:schemeClr>
+          </a:lnRef>
+          <a:fillRef idx="1">
+            <a:schemeClr val="accent1"/>
+          </a:fillRef>
+          <a:effectRef idx="0">
+            <a:schemeClr val="accent1"/>
+          </a:effectRef>
+          <a:fontRef idx="minor">
+            <a:schemeClr val="lt1"/>
+          </a:fontRef>
+        </p:style>
+        <p:txBody>
+          <a:bodyPr rtlCol="0" anchor="ctr"/>
+          <a:lstStyle/>
+          <a:p>
+            <a:pPr algn="ctr"/>
+            <a:r>
+              <a:rPr lang="zh-CN" altLang="en-US" sz="3000" dirty="0" smtClean="0">
+                <a:solidFill>
+                  <a:schemeClr val="accent2"/>
+                </a:solidFill>
+              </a:rPr>
+              <a:t>游戏领域 </a:t>
+            </a:r>
+            <a:endParaRPr lang="zh-CN" altLang="en-US" sz="3000" dirty="0">
+              <a:solidFill>
+                <a:schemeClr val="accent2"/>
+              </a:solidFill>
+            </a:endParaRPr>
+          </a:p>
+        </p:txBody>
+      </p:sp>
+      <p:sp>
+        <p:nvSpPr>
+          <p:cNvPr id="22" name="Rounded Rectangle 21"/>
+          <p:cNvSpPr/>
+          <p:nvPr/>
+        </p:nvSpPr>
+        <p:spPr>
+          <a:xfrm>
+            <a:off x="5652539" y="2791945"/>
+            <a:ext cx="2376000" cy="1040400"/>
+          </a:xfrm>
+          <a:prstGeom prst="roundRect">
+            <a:avLst>
+              <a:gd name="adj" fmla="val 12557"/>
+            </a:avLst>
+          </a:prstGeom>
+          <a:noFill/>
+          <a:ln w="19050">
+            <a:solidFill>
+              <a:schemeClr val="bg1"/>
+            </a:solidFill>
+          </a:ln>
+        </p:spPr>
+        <p:style>
+          <a:lnRef idx="2">
+            <a:schemeClr val="accent1">
+              <a:shade val="50000"/>
+            </a:schemeClr>
+          </a:lnRef>
+          <a:fillRef idx="1">
+            <a:schemeClr val="accent1"/>
+          </a:fillRef>
+          <a:effectRef idx="0">
+            <a:schemeClr val="accent1"/>
+          </a:effectRef>
+          <a:fontRef idx="minor">
+            <a:schemeClr val="lt1"/>
+          </a:fontRef>
+        </p:style>
+        <p:txBody>
+          <a:bodyPr rtlCol="0" anchor="ctr"/>
+          <a:lstStyle/>
+          <a:p>
+            <a:pPr algn="ctr"/>
+            <a:r>
+              <a:rPr lang="zh-CN" altLang="en-US" sz="3000" dirty="0" smtClean="0">
+                <a:solidFill>
+                  <a:schemeClr val="accent2"/>
+                </a:solidFill>
+              </a:rPr>
+              <a:t>其他领域</a:t>
+            </a:r>
+            <a:endParaRPr lang="zh-CN" altLang="en-US" sz="3000" dirty="0">
+              <a:solidFill>
+                <a:schemeClr val="accent2"/>
+              </a:solidFill>
+            </a:endParaRPr>
+          </a:p>
+        </p:txBody>
+      </p:sp>
+    </p:spTree>
+    <p:extLst>
+      <p:ext uri="{BB962C8B-B14F-4D97-AF65-F5344CB8AC3E}">
+        <p14:creationId xmlns:p14="http://schemas.microsoft.com/office/powerpoint/2010/main" val="1046946988"/>
       </p:ext>
     </p:extLst>
   </p:cSld>

--- a/Share/游戏设计理论.pptx
+++ b/Share/游戏设计理论.pptx
@@ -5,7 +5,7 @@
     <p:sldMasterId id="2147483648" r:id="rId1"/>
   </p:sldMasterIdLst>
   <p:notesMasterIdLst>
-    <p:notesMasterId r:id="rId27"/>
+    <p:notesMasterId r:id="rId33"/>
   </p:notesMasterIdLst>
   <p:sldIdLst>
     <p:sldId id="256" r:id="rId2"/>
@@ -33,6 +33,12 @@
     <p:sldId id="284" r:id="rId24"/>
     <p:sldId id="285" r:id="rId25"/>
     <p:sldId id="283" r:id="rId26"/>
+    <p:sldId id="286" r:id="rId27"/>
+    <p:sldId id="287" r:id="rId28"/>
+    <p:sldId id="288" r:id="rId29"/>
+    <p:sldId id="289" r:id="rId30"/>
+    <p:sldId id="290" r:id="rId31"/>
+    <p:sldId id="291" r:id="rId32"/>
   </p:sldIdLst>
   <p:sldSz cx="12192000" cy="6858000"/>
   <p:notesSz cx="6858000" cy="9144000"/>
@@ -175,6 +181,16 @@
             <p14:sldId id="283"/>
           </p14:sldIdLst>
         </p14:section>
+        <p14:section name="沉浸" id="{FBDE84B6-71C2-4A57-9468-03117F0ACED3}">
+          <p14:sldIdLst>
+            <p14:sldId id="286"/>
+            <p14:sldId id="287"/>
+            <p14:sldId id="288"/>
+            <p14:sldId id="289"/>
+            <p14:sldId id="290"/>
+            <p14:sldId id="291"/>
+          </p14:sldIdLst>
+        </p14:section>
       </p14:sectionLst>
     </p:ext>
     <p:ext uri="{EFAFB233-063F-42B5-8137-9DF3F51BA10A}">
@@ -266,7 +282,7 @@
           <a:p>
             <a:fld id="{D2A48B96-639E-45A3-A0BA-2464DFDB1FAA}" type="datetimeFigureOut">
               <a:rPr lang="zh-CN" altLang="en-US" smtClean="0"/>
-              <a:t>2018/3/15</a:t>
+              <a:t>2018/3/19</a:t>
             </a:fld>
             <a:endParaRPr lang="zh-CN" altLang="en-US"/>
           </a:p>
@@ -665,7 +681,7 @@
           <a:p>
             <a:fld id="{D997B5FA-0921-464F-AAE1-844C04324D75}" type="datetimeFigureOut">
               <a:rPr lang="zh-CN" altLang="en-US" smtClean="0"/>
-              <a:t>2018/3/15</a:t>
+              <a:t>2018/3/19</a:t>
             </a:fld>
             <a:endParaRPr lang="zh-CN" altLang="en-US"/>
           </a:p>
@@ -834,7 +850,7 @@
           <a:p>
             <a:fld id="{D997B5FA-0921-464F-AAE1-844C04324D75}" type="datetimeFigureOut">
               <a:rPr lang="zh-CN" altLang="en-US" smtClean="0"/>
-              <a:t>2018/3/15</a:t>
+              <a:t>2018/3/19</a:t>
             </a:fld>
             <a:endParaRPr lang="zh-CN" altLang="en-US"/>
           </a:p>
@@ -1013,7 +1029,7 @@
           <a:p>
             <a:fld id="{D997B5FA-0921-464F-AAE1-844C04324D75}" type="datetimeFigureOut">
               <a:rPr lang="zh-CN" altLang="en-US" smtClean="0"/>
-              <a:t>2018/3/15</a:t>
+              <a:t>2018/3/19</a:t>
             </a:fld>
             <a:endParaRPr lang="zh-CN" altLang="en-US"/>
           </a:p>
@@ -1182,7 +1198,7 @@
           <a:p>
             <a:fld id="{D997B5FA-0921-464F-AAE1-844C04324D75}" type="datetimeFigureOut">
               <a:rPr lang="zh-CN" altLang="en-US" smtClean="0"/>
-              <a:t>2018/3/15</a:t>
+              <a:t>2018/3/19</a:t>
             </a:fld>
             <a:endParaRPr lang="zh-CN" altLang="en-US"/>
           </a:p>
@@ -1427,7 +1443,7 @@
           <a:p>
             <a:fld id="{D997B5FA-0921-464F-AAE1-844C04324D75}" type="datetimeFigureOut">
               <a:rPr lang="zh-CN" altLang="en-US" smtClean="0"/>
-              <a:t>2018/3/15</a:t>
+              <a:t>2018/3/19</a:t>
             </a:fld>
             <a:endParaRPr lang="zh-CN" altLang="en-US"/>
           </a:p>
@@ -1658,7 +1674,7 @@
           <a:p>
             <a:fld id="{D997B5FA-0921-464F-AAE1-844C04324D75}" type="datetimeFigureOut">
               <a:rPr lang="zh-CN" altLang="en-US" smtClean="0"/>
-              <a:t>2018/3/15</a:t>
+              <a:t>2018/3/19</a:t>
             </a:fld>
             <a:endParaRPr lang="zh-CN" altLang="en-US"/>
           </a:p>
@@ -2024,7 +2040,7 @@
           <a:p>
             <a:fld id="{D997B5FA-0921-464F-AAE1-844C04324D75}" type="datetimeFigureOut">
               <a:rPr lang="zh-CN" altLang="en-US" smtClean="0"/>
-              <a:t>2018/3/15</a:t>
+              <a:t>2018/3/19</a:t>
             </a:fld>
             <a:endParaRPr lang="zh-CN" altLang="en-US"/>
           </a:p>
@@ -2141,7 +2157,7 @@
           <a:p>
             <a:fld id="{D997B5FA-0921-464F-AAE1-844C04324D75}" type="datetimeFigureOut">
               <a:rPr lang="zh-CN" altLang="en-US" smtClean="0"/>
-              <a:t>2018/3/15</a:t>
+              <a:t>2018/3/19</a:t>
             </a:fld>
             <a:endParaRPr lang="zh-CN" altLang="en-US"/>
           </a:p>
@@ -2235,7 +2251,7 @@
           <a:p>
             <a:fld id="{D997B5FA-0921-464F-AAE1-844C04324D75}" type="datetimeFigureOut">
               <a:rPr lang="zh-CN" altLang="en-US" smtClean="0"/>
-              <a:t>2018/3/15</a:t>
+              <a:t>2018/3/19</a:t>
             </a:fld>
             <a:endParaRPr lang="zh-CN" altLang="en-US"/>
           </a:p>
@@ -2511,7 +2527,7 @@
           <a:p>
             <a:fld id="{D997B5FA-0921-464F-AAE1-844C04324D75}" type="datetimeFigureOut">
               <a:rPr lang="zh-CN" altLang="en-US" smtClean="0"/>
-              <a:t>2018/3/15</a:t>
+              <a:t>2018/3/19</a:t>
             </a:fld>
             <a:endParaRPr lang="zh-CN" altLang="en-US"/>
           </a:p>
@@ -2763,7 +2779,7 @@
           <a:p>
             <a:fld id="{D997B5FA-0921-464F-AAE1-844C04324D75}" type="datetimeFigureOut">
               <a:rPr lang="zh-CN" altLang="en-US" smtClean="0"/>
-              <a:t>2018/3/15</a:t>
+              <a:t>2018/3/19</a:t>
             </a:fld>
             <a:endParaRPr lang="zh-CN" altLang="en-US"/>
           </a:p>
@@ -2975,7 +2991,7 @@
           <a:p>
             <a:fld id="{D997B5FA-0921-464F-AAE1-844C04324D75}" type="datetimeFigureOut">
               <a:rPr lang="zh-CN" altLang="en-US" smtClean="0"/>
-              <a:t>2018/3/15</a:t>
+              <a:t>2018/3/19</a:t>
             </a:fld>
             <a:endParaRPr lang="zh-CN" altLang="en-US"/>
           </a:p>
@@ -9068,15 +9084,7 @@
                   <a:schemeClr val="accent2"/>
                 </a:solidFill>
               </a:rPr>
-              <a:t>破</a:t>
-            </a:r>
-            <a:r>
-              <a:rPr lang="zh-CN" altLang="en-US" dirty="0" smtClean="0">
-                <a:solidFill>
-                  <a:schemeClr val="accent2"/>
-                </a:solidFill>
-              </a:rPr>
-              <a:t>：</a:t>
+              <a:t>破：</a:t>
             </a:r>
             <a:endParaRPr lang="en-US" altLang="zh-CN" dirty="0" smtClean="0">
               <a:solidFill>
@@ -10618,6 +10626,1161 @@
 </p:sld>
 </file>
 
+<file path=ppt/slides/slide26.xml><?xml version="1.0" encoding="utf-8"?>
+<p:sld xmlns:a="http://schemas.openxmlformats.org/drawingml/2006/main" xmlns:r="http://schemas.openxmlformats.org/officeDocument/2006/relationships" xmlns:p="http://schemas.openxmlformats.org/presentationml/2006/main">
+  <p:cSld>
+    <p:bg>
+      <p:bgPr>
+        <a:solidFill>
+          <a:schemeClr val="tx1">
+            <a:lumMod val="65000"/>
+            <a:lumOff val="35000"/>
+          </a:schemeClr>
+        </a:solidFill>
+        <a:effectLst/>
+      </p:bgPr>
+    </p:bg>
+    <p:spTree>
+      <p:nvGrpSpPr>
+        <p:cNvPr id="1" name=""/>
+        <p:cNvGrpSpPr/>
+        <p:nvPr/>
+      </p:nvGrpSpPr>
+      <p:grpSpPr>
+        <a:xfrm>
+          <a:off x="0" y="0"/>
+          <a:ext cx="0" cy="0"/>
+          <a:chOff x="0" y="0"/>
+          <a:chExt cx="0" cy="0"/>
+        </a:xfrm>
+      </p:grpSpPr>
+      <p:sp>
+        <p:nvSpPr>
+          <p:cNvPr id="5" name="Rectangle 4"/>
+          <p:cNvSpPr/>
+          <p:nvPr/>
+        </p:nvSpPr>
+        <p:spPr>
+          <a:xfrm>
+            <a:off x="4965107" y="2879933"/>
+            <a:ext cx="2640649" cy="1085316"/>
+          </a:xfrm>
+          <a:prstGeom prst="rect">
+            <a:avLst/>
+          </a:prstGeom>
+          <a:noFill/>
+          <a:ln w="19050">
+            <a:solidFill>
+              <a:schemeClr val="bg1"/>
+            </a:solidFill>
+          </a:ln>
+        </p:spPr>
+        <p:style>
+          <a:lnRef idx="2">
+            <a:schemeClr val="accent1">
+              <a:shade val="50000"/>
+            </a:schemeClr>
+          </a:lnRef>
+          <a:fillRef idx="1">
+            <a:schemeClr val="accent1"/>
+          </a:fillRef>
+          <a:effectRef idx="0">
+            <a:schemeClr val="accent1"/>
+          </a:effectRef>
+          <a:fontRef idx="minor">
+            <a:schemeClr val="lt1"/>
+          </a:fontRef>
+        </p:style>
+        <p:txBody>
+          <a:bodyPr rtlCol="0" anchor="ctr"/>
+          <a:lstStyle/>
+          <a:p>
+            <a:pPr algn="ctr"/>
+            <a:r>
+              <a:rPr lang="zh-CN" altLang="en-US" sz="5000" dirty="0">
+                <a:solidFill>
+                  <a:prstClr val="white"/>
+                </a:solidFill>
+              </a:rPr>
+              <a:t>沉浸</a:t>
+            </a:r>
+          </a:p>
+        </p:txBody>
+      </p:sp>
+      <p:sp>
+        <p:nvSpPr>
+          <p:cNvPr id="10" name="Diamond 9"/>
+          <p:cNvSpPr/>
+          <p:nvPr/>
+        </p:nvSpPr>
+        <p:spPr>
+          <a:xfrm>
+            <a:off x="5835431" y="61978"/>
+            <a:ext cx="900000" cy="900000"/>
+          </a:xfrm>
+          <a:prstGeom prst="diamond">
+            <a:avLst/>
+          </a:prstGeom>
+          <a:noFill/>
+          <a:ln w="28575">
+            <a:solidFill>
+              <a:schemeClr val="bg1"/>
+            </a:solidFill>
+          </a:ln>
+        </p:spPr>
+        <p:style>
+          <a:lnRef idx="2">
+            <a:schemeClr val="accent1">
+              <a:shade val="50000"/>
+            </a:schemeClr>
+          </a:lnRef>
+          <a:fillRef idx="1">
+            <a:schemeClr val="accent1"/>
+          </a:fillRef>
+          <a:effectRef idx="0">
+            <a:schemeClr val="accent1"/>
+          </a:effectRef>
+          <a:fontRef idx="minor">
+            <a:schemeClr val="lt1"/>
+          </a:fontRef>
+        </p:style>
+        <p:txBody>
+          <a:bodyPr rtlCol="0" anchor="ctr"/>
+          <a:lstStyle/>
+          <a:p>
+            <a:pPr algn="ctr"/>
+            <a:r>
+              <a:rPr lang="zh-CN" altLang="en-US" dirty="0">
+                <a:solidFill>
+                  <a:prstClr val="white"/>
+                </a:solidFill>
+              </a:rPr>
+              <a:t>四</a:t>
+            </a:r>
+            <a:endParaRPr lang="zh-CN" altLang="en-US" dirty="0">
+              <a:solidFill>
+                <a:prstClr val="white"/>
+              </a:solidFill>
+            </a:endParaRPr>
+          </a:p>
+        </p:txBody>
+      </p:sp>
+      <p:sp>
+        <p:nvSpPr>
+          <p:cNvPr id="2" name="TextBox 1"/>
+          <p:cNvSpPr txBox="1"/>
+          <p:nvPr/>
+        </p:nvSpPr>
+        <p:spPr>
+          <a:xfrm>
+            <a:off x="5503491" y="4195986"/>
+            <a:ext cx="1555335" cy="369332"/>
+          </a:xfrm>
+          <a:prstGeom prst="rect">
+            <a:avLst/>
+          </a:prstGeom>
+          <a:noFill/>
+        </p:spPr>
+        <p:txBody>
+          <a:bodyPr wrap="square" rtlCol="0">
+            <a:spAutoFit/>
+          </a:bodyPr>
+          <a:lstStyle/>
+          <a:p>
+            <a:r>
+              <a:rPr lang="zh-CN" altLang="en-US" dirty="0" smtClean="0">
+                <a:solidFill>
+                  <a:schemeClr val="bg1"/>
+                </a:solidFill>
+              </a:rPr>
+              <a:t>（某些游戏）</a:t>
+            </a:r>
+            <a:endParaRPr lang="zh-CN" altLang="en-US" dirty="0">
+              <a:solidFill>
+                <a:schemeClr val="bg1"/>
+              </a:solidFill>
+            </a:endParaRPr>
+          </a:p>
+        </p:txBody>
+      </p:sp>
+    </p:spTree>
+    <p:extLst>
+      <p:ext uri="{BB962C8B-B14F-4D97-AF65-F5344CB8AC3E}">
+        <p14:creationId xmlns:p14="http://schemas.microsoft.com/office/powerpoint/2010/main" val="829339714"/>
+      </p:ext>
+    </p:extLst>
+  </p:cSld>
+  <p:clrMapOvr>
+    <a:masterClrMapping/>
+  </p:clrMapOvr>
+  <p:timing>
+    <p:tnLst>
+      <p:par>
+        <p:cTn id="1" dur="indefinite" restart="never" nodeType="tmRoot"/>
+      </p:par>
+    </p:tnLst>
+  </p:timing>
+</p:sld>
+</file>
+
+<file path=ppt/slides/slide27.xml><?xml version="1.0" encoding="utf-8"?>
+<p:sld xmlns:a="http://schemas.openxmlformats.org/drawingml/2006/main" xmlns:r="http://schemas.openxmlformats.org/officeDocument/2006/relationships" xmlns:p="http://schemas.openxmlformats.org/presentationml/2006/main">
+  <p:cSld>
+    <p:bg>
+      <p:bgPr>
+        <a:solidFill>
+          <a:schemeClr val="tx1">
+            <a:lumMod val="65000"/>
+            <a:lumOff val="35000"/>
+          </a:schemeClr>
+        </a:solidFill>
+        <a:effectLst/>
+      </p:bgPr>
+    </p:bg>
+    <p:spTree>
+      <p:nvGrpSpPr>
+        <p:cNvPr id="1" name=""/>
+        <p:cNvGrpSpPr/>
+        <p:nvPr/>
+      </p:nvGrpSpPr>
+      <p:grpSpPr>
+        <a:xfrm>
+          <a:off x="0" y="0"/>
+          <a:ext cx="0" cy="0"/>
+          <a:chOff x="0" y="0"/>
+          <a:chExt cx="0" cy="0"/>
+        </a:xfrm>
+      </p:grpSpPr>
+      <p:cxnSp>
+        <p:nvCxnSpPr>
+          <p:cNvPr id="11" name="Straight Connector 10"/>
+          <p:cNvCxnSpPr/>
+          <p:nvPr/>
+        </p:nvCxnSpPr>
+        <p:spPr>
+          <a:xfrm>
+            <a:off x="1453415" y="0"/>
+            <a:ext cx="0" cy="6858000"/>
+          </a:xfrm>
+          <a:prstGeom prst="line">
+            <a:avLst/>
+          </a:prstGeom>
+          <a:ln w="28575">
+            <a:solidFill>
+              <a:schemeClr val="bg1"/>
+            </a:solidFill>
+          </a:ln>
+        </p:spPr>
+        <p:style>
+          <a:lnRef idx="1">
+            <a:schemeClr val="accent1"/>
+          </a:lnRef>
+          <a:fillRef idx="0">
+            <a:schemeClr val="accent1"/>
+          </a:fillRef>
+          <a:effectRef idx="0">
+            <a:schemeClr val="accent1"/>
+          </a:effectRef>
+          <a:fontRef idx="minor">
+            <a:schemeClr val="tx1"/>
+          </a:fontRef>
+        </p:style>
+      </p:cxnSp>
+      <p:sp>
+        <p:nvSpPr>
+          <p:cNvPr id="2" name="TextBox 1"/>
+          <p:cNvSpPr txBox="1"/>
+          <p:nvPr/>
+        </p:nvSpPr>
+        <p:spPr>
+          <a:xfrm>
+            <a:off x="291411" y="1933602"/>
+            <a:ext cx="933650" cy="3170099"/>
+          </a:xfrm>
+          <a:prstGeom prst="rect">
+            <a:avLst/>
+          </a:prstGeom>
+          <a:noFill/>
+        </p:spPr>
+        <p:txBody>
+          <a:bodyPr wrap="square" rtlCol="0">
+            <a:spAutoFit/>
+          </a:bodyPr>
+          <a:lstStyle/>
+          <a:p>
+            <a:pPr algn="ctr"/>
+            <a:r>
+              <a:rPr lang="zh-CN" altLang="en-US" sz="4000" dirty="0" smtClean="0">
+                <a:solidFill>
+                  <a:prstClr val="white"/>
+                </a:solidFill>
+              </a:rPr>
+              <a:t>什么是沉浸</a:t>
+            </a:r>
+            <a:endParaRPr lang="en-US" altLang="zh-CN" sz="4000" dirty="0" smtClean="0">
+              <a:solidFill>
+                <a:prstClr val="white"/>
+              </a:solidFill>
+            </a:endParaRPr>
+          </a:p>
+        </p:txBody>
+      </p:sp>
+      <p:grpSp>
+        <p:nvGrpSpPr>
+          <p:cNvPr id="3" name="Group 2"/>
+          <p:cNvGrpSpPr/>
+          <p:nvPr/>
+        </p:nvGrpSpPr>
+        <p:grpSpPr>
+          <a:xfrm>
+            <a:off x="0" y="0"/>
+            <a:ext cx="1453415" cy="572703"/>
+            <a:chOff x="0" y="6285297"/>
+            <a:chExt cx="1453415" cy="572703"/>
+          </a:xfrm>
+        </p:grpSpPr>
+        <p:sp>
+          <p:nvSpPr>
+            <p:cNvPr id="13" name="Rectangle 12"/>
+            <p:cNvSpPr/>
+            <p:nvPr/>
+          </p:nvSpPr>
+          <p:spPr>
+            <a:xfrm>
+              <a:off x="0" y="6285297"/>
+              <a:ext cx="1453415" cy="572703"/>
+            </a:xfrm>
+            <a:prstGeom prst="rect">
+              <a:avLst/>
+            </a:prstGeom>
+            <a:solidFill>
+              <a:schemeClr val="bg1"/>
+            </a:solidFill>
+            <a:ln w="19050">
+              <a:solidFill>
+                <a:schemeClr val="bg1"/>
+              </a:solidFill>
+            </a:ln>
+          </p:spPr>
+          <p:style>
+            <a:lnRef idx="2">
+              <a:schemeClr val="accent1">
+                <a:shade val="50000"/>
+              </a:schemeClr>
+            </a:lnRef>
+            <a:fillRef idx="1">
+              <a:schemeClr val="accent1"/>
+            </a:fillRef>
+            <a:effectRef idx="0">
+              <a:schemeClr val="accent1"/>
+            </a:effectRef>
+            <a:fontRef idx="minor">
+              <a:schemeClr val="lt1"/>
+            </a:fontRef>
+          </p:style>
+          <p:txBody>
+            <a:bodyPr rtlCol="0" anchor="ctr"/>
+            <a:lstStyle/>
+            <a:p>
+              <a:pPr algn="ctr"/>
+              <a:endParaRPr lang="zh-CN" altLang="en-US" sz="3500" dirty="0">
+                <a:solidFill>
+                  <a:prstClr val="black">
+                    <a:lumMod val="65000"/>
+                    <a:lumOff val="35000"/>
+                  </a:prstClr>
+                </a:solidFill>
+              </a:endParaRPr>
+            </a:p>
+          </p:txBody>
+        </p:sp>
+        <p:sp>
+          <p:nvSpPr>
+            <p:cNvPr id="15" name="Diamond 14"/>
+            <p:cNvSpPr/>
+            <p:nvPr/>
+          </p:nvSpPr>
+          <p:spPr>
+            <a:xfrm>
+              <a:off x="456707" y="6304547"/>
+              <a:ext cx="540000" cy="540000"/>
+            </a:xfrm>
+            <a:prstGeom prst="diamond">
+              <a:avLst/>
+            </a:prstGeom>
+            <a:noFill/>
+            <a:ln w="28575">
+              <a:solidFill>
+                <a:srgbClr val="7030A0"/>
+              </a:solidFill>
+            </a:ln>
+          </p:spPr>
+          <p:style>
+            <a:lnRef idx="2">
+              <a:schemeClr val="accent1">
+                <a:shade val="50000"/>
+              </a:schemeClr>
+            </a:lnRef>
+            <a:fillRef idx="1">
+              <a:schemeClr val="accent1"/>
+            </a:fillRef>
+            <a:effectRef idx="0">
+              <a:schemeClr val="accent1"/>
+            </a:effectRef>
+            <a:fontRef idx="minor">
+              <a:schemeClr val="lt1"/>
+            </a:fontRef>
+          </p:style>
+          <p:txBody>
+            <a:bodyPr rtlCol="0" anchor="ctr"/>
+            <a:lstStyle/>
+            <a:p>
+              <a:pPr algn="ctr"/>
+              <a:r>
+                <a:rPr lang="en-US" altLang="zh-CN" dirty="0" smtClean="0">
+                  <a:solidFill>
+                    <a:srgbClr val="5B9BD5"/>
+                  </a:solidFill>
+                </a:rPr>
+                <a:t>1</a:t>
+              </a:r>
+              <a:endParaRPr lang="zh-CN" altLang="en-US" dirty="0">
+                <a:solidFill>
+                  <a:srgbClr val="5B9BD5"/>
+                </a:solidFill>
+              </a:endParaRPr>
+            </a:p>
+          </p:txBody>
+        </p:sp>
+      </p:grpSp>
+      <p:sp>
+        <p:nvSpPr>
+          <p:cNvPr id="4" name="TextBox 3"/>
+          <p:cNvSpPr txBox="1"/>
+          <p:nvPr/>
+        </p:nvSpPr>
+        <p:spPr>
+          <a:xfrm>
+            <a:off x="2906831" y="2887019"/>
+            <a:ext cx="8766724" cy="1246495"/>
+          </a:xfrm>
+          <a:prstGeom prst="rect">
+            <a:avLst/>
+          </a:prstGeom>
+          <a:noFill/>
+        </p:spPr>
+        <p:txBody>
+          <a:bodyPr wrap="square" rtlCol="0">
+            <a:spAutoFit/>
+          </a:bodyPr>
+          <a:lstStyle/>
+          <a:p>
+            <a:r>
+              <a:rPr lang="zh-CN" altLang="en-US" sz="2500" dirty="0" smtClean="0">
+                <a:solidFill>
+                  <a:prstClr val="white"/>
+                </a:solidFill>
+              </a:rPr>
+              <a:t>玩家的思维和游戏中角色的思维融为一体，此时游戏中发生的事件就好像真是的发生在玩家自己身上一样。</a:t>
+            </a:r>
+            <a:endParaRPr lang="en-US" altLang="zh-CN" sz="2500" dirty="0" smtClean="0">
+              <a:solidFill>
+                <a:prstClr val="white"/>
+              </a:solidFill>
+            </a:endParaRPr>
+          </a:p>
+          <a:p>
+            <a:endParaRPr lang="en-US" altLang="zh-CN" sz="2500" dirty="0" smtClean="0">
+              <a:solidFill>
+                <a:prstClr val="white"/>
+              </a:solidFill>
+            </a:endParaRPr>
+          </a:p>
+        </p:txBody>
+      </p:sp>
+      <p:sp>
+        <p:nvSpPr>
+          <p:cNvPr id="5" name="TextBox 4"/>
+          <p:cNvSpPr txBox="1"/>
+          <p:nvPr/>
+        </p:nvSpPr>
+        <p:spPr>
+          <a:xfrm>
+            <a:off x="5956419" y="1751888"/>
+            <a:ext cx="4230168" cy="630942"/>
+          </a:xfrm>
+          <a:prstGeom prst="rect">
+            <a:avLst/>
+          </a:prstGeom>
+          <a:noFill/>
+        </p:spPr>
+        <p:txBody>
+          <a:bodyPr wrap="square" rtlCol="0">
+            <a:spAutoFit/>
+          </a:bodyPr>
+          <a:lstStyle/>
+          <a:p>
+            <a:r>
+              <a:rPr lang="zh-CN" altLang="en-US" sz="3500" dirty="0">
+                <a:solidFill>
+                  <a:schemeClr val="bg1"/>
+                </a:solidFill>
+              </a:rPr>
+              <a:t>身临其境</a:t>
+            </a:r>
+          </a:p>
+        </p:txBody>
+      </p:sp>
+    </p:spTree>
+    <p:extLst>
+      <p:ext uri="{BB962C8B-B14F-4D97-AF65-F5344CB8AC3E}">
+        <p14:creationId xmlns:p14="http://schemas.microsoft.com/office/powerpoint/2010/main" val="3249369232"/>
+      </p:ext>
+    </p:extLst>
+  </p:cSld>
+  <p:clrMapOvr>
+    <a:masterClrMapping/>
+  </p:clrMapOvr>
+  <p:timing>
+    <p:tnLst>
+      <p:par>
+        <p:cTn id="1" dur="indefinite" restart="never" nodeType="tmRoot"/>
+      </p:par>
+    </p:tnLst>
+  </p:timing>
+</p:sld>
+</file>
+
+<file path=ppt/slides/slide28.xml><?xml version="1.0" encoding="utf-8"?>
+<p:sld xmlns:a="http://schemas.openxmlformats.org/drawingml/2006/main" xmlns:r="http://schemas.openxmlformats.org/officeDocument/2006/relationships" xmlns:p="http://schemas.openxmlformats.org/presentationml/2006/main">
+  <p:cSld>
+    <p:bg>
+      <p:bgPr>
+        <a:solidFill>
+          <a:schemeClr val="tx1">
+            <a:lumMod val="65000"/>
+            <a:lumOff val="35000"/>
+          </a:schemeClr>
+        </a:solidFill>
+        <a:effectLst/>
+      </p:bgPr>
+    </p:bg>
+    <p:spTree>
+      <p:nvGrpSpPr>
+        <p:cNvPr id="1" name=""/>
+        <p:cNvGrpSpPr/>
+        <p:nvPr/>
+      </p:nvGrpSpPr>
+      <p:grpSpPr>
+        <a:xfrm>
+          <a:off x="0" y="0"/>
+          <a:ext cx="0" cy="0"/>
+          <a:chOff x="0" y="0"/>
+          <a:chExt cx="0" cy="0"/>
+        </a:xfrm>
+      </p:grpSpPr>
+      <p:cxnSp>
+        <p:nvCxnSpPr>
+          <p:cNvPr id="11" name="Straight Connector 10"/>
+          <p:cNvCxnSpPr/>
+          <p:nvPr/>
+        </p:nvCxnSpPr>
+        <p:spPr>
+          <a:xfrm>
+            <a:off x="1453415" y="0"/>
+            <a:ext cx="0" cy="6858000"/>
+          </a:xfrm>
+          <a:prstGeom prst="line">
+            <a:avLst/>
+          </a:prstGeom>
+          <a:ln w="28575">
+            <a:solidFill>
+              <a:schemeClr val="bg1"/>
+            </a:solidFill>
+          </a:ln>
+        </p:spPr>
+        <p:style>
+          <a:lnRef idx="1">
+            <a:schemeClr val="accent1"/>
+          </a:lnRef>
+          <a:fillRef idx="0">
+            <a:schemeClr val="accent1"/>
+          </a:fillRef>
+          <a:effectRef idx="0">
+            <a:schemeClr val="accent1"/>
+          </a:effectRef>
+          <a:fontRef idx="minor">
+            <a:schemeClr val="tx1"/>
+          </a:fontRef>
+        </p:style>
+      </p:cxnSp>
+      <p:sp>
+        <p:nvSpPr>
+          <p:cNvPr id="2" name="TextBox 1"/>
+          <p:cNvSpPr txBox="1"/>
+          <p:nvPr/>
+        </p:nvSpPr>
+        <p:spPr>
+          <a:xfrm>
+            <a:off x="291411" y="1933602"/>
+            <a:ext cx="933650" cy="3785652"/>
+          </a:xfrm>
+          <a:prstGeom prst="rect">
+            <a:avLst/>
+          </a:prstGeom>
+          <a:noFill/>
+        </p:spPr>
+        <p:txBody>
+          <a:bodyPr wrap="square" rtlCol="0">
+            <a:spAutoFit/>
+          </a:bodyPr>
+          <a:lstStyle/>
+          <a:p>
+            <a:pPr algn="ctr"/>
+            <a:r>
+              <a:rPr lang="zh-CN" altLang="en-US" sz="4000" dirty="0">
+                <a:solidFill>
+                  <a:prstClr val="white"/>
+                </a:solidFill>
+              </a:rPr>
+              <a:t>沉</a:t>
+            </a:r>
+            <a:r>
+              <a:rPr lang="zh-CN" altLang="en-US" sz="4000" dirty="0" smtClean="0">
+                <a:solidFill>
+                  <a:prstClr val="white"/>
+                </a:solidFill>
+              </a:rPr>
+              <a:t>浸如何产生</a:t>
+            </a:r>
+            <a:endParaRPr lang="en-US" altLang="zh-CN" sz="4000" dirty="0" smtClean="0">
+              <a:solidFill>
+                <a:prstClr val="white"/>
+              </a:solidFill>
+            </a:endParaRPr>
+          </a:p>
+        </p:txBody>
+      </p:sp>
+      <p:grpSp>
+        <p:nvGrpSpPr>
+          <p:cNvPr id="3" name="Group 2"/>
+          <p:cNvGrpSpPr/>
+          <p:nvPr/>
+        </p:nvGrpSpPr>
+        <p:grpSpPr>
+          <a:xfrm>
+            <a:off x="0" y="0"/>
+            <a:ext cx="1453415" cy="572703"/>
+            <a:chOff x="0" y="6285297"/>
+            <a:chExt cx="1453415" cy="572703"/>
+          </a:xfrm>
+        </p:grpSpPr>
+        <p:sp>
+          <p:nvSpPr>
+            <p:cNvPr id="13" name="Rectangle 12"/>
+            <p:cNvSpPr/>
+            <p:nvPr/>
+          </p:nvSpPr>
+          <p:spPr>
+            <a:xfrm>
+              <a:off x="0" y="6285297"/>
+              <a:ext cx="1453415" cy="572703"/>
+            </a:xfrm>
+            <a:prstGeom prst="rect">
+              <a:avLst/>
+            </a:prstGeom>
+            <a:solidFill>
+              <a:schemeClr val="bg1"/>
+            </a:solidFill>
+            <a:ln w="19050">
+              <a:solidFill>
+                <a:schemeClr val="bg1"/>
+              </a:solidFill>
+            </a:ln>
+          </p:spPr>
+          <p:style>
+            <a:lnRef idx="2">
+              <a:schemeClr val="accent1">
+                <a:shade val="50000"/>
+              </a:schemeClr>
+            </a:lnRef>
+            <a:fillRef idx="1">
+              <a:schemeClr val="accent1"/>
+            </a:fillRef>
+            <a:effectRef idx="0">
+              <a:schemeClr val="accent1"/>
+            </a:effectRef>
+            <a:fontRef idx="minor">
+              <a:schemeClr val="lt1"/>
+            </a:fontRef>
+          </p:style>
+          <p:txBody>
+            <a:bodyPr rtlCol="0" anchor="ctr"/>
+            <a:lstStyle/>
+            <a:p>
+              <a:pPr algn="ctr"/>
+              <a:endParaRPr lang="zh-CN" altLang="en-US" sz="3500" dirty="0">
+                <a:solidFill>
+                  <a:prstClr val="black">
+                    <a:lumMod val="65000"/>
+                    <a:lumOff val="35000"/>
+                  </a:prstClr>
+                </a:solidFill>
+              </a:endParaRPr>
+            </a:p>
+          </p:txBody>
+        </p:sp>
+        <p:sp>
+          <p:nvSpPr>
+            <p:cNvPr id="15" name="Diamond 14"/>
+            <p:cNvSpPr/>
+            <p:nvPr/>
+          </p:nvSpPr>
+          <p:spPr>
+            <a:xfrm>
+              <a:off x="456707" y="6304547"/>
+              <a:ext cx="540000" cy="540000"/>
+            </a:xfrm>
+            <a:prstGeom prst="diamond">
+              <a:avLst/>
+            </a:prstGeom>
+            <a:noFill/>
+            <a:ln w="28575">
+              <a:solidFill>
+                <a:srgbClr val="7030A0"/>
+              </a:solidFill>
+            </a:ln>
+          </p:spPr>
+          <p:style>
+            <a:lnRef idx="2">
+              <a:schemeClr val="accent1">
+                <a:shade val="50000"/>
+              </a:schemeClr>
+            </a:lnRef>
+            <a:fillRef idx="1">
+              <a:schemeClr val="accent1"/>
+            </a:fillRef>
+            <a:effectRef idx="0">
+              <a:schemeClr val="accent1"/>
+            </a:effectRef>
+            <a:fontRef idx="minor">
+              <a:schemeClr val="lt1"/>
+            </a:fontRef>
+          </p:style>
+          <p:txBody>
+            <a:bodyPr rtlCol="0" anchor="ctr"/>
+            <a:lstStyle/>
+            <a:p>
+              <a:pPr algn="ctr"/>
+              <a:r>
+                <a:rPr lang="en-US" altLang="zh-CN" dirty="0">
+                  <a:solidFill>
+                    <a:srgbClr val="5B9BD5"/>
+                  </a:solidFill>
+                </a:rPr>
+                <a:t>2</a:t>
+              </a:r>
+              <a:endParaRPr lang="zh-CN" altLang="en-US" dirty="0">
+                <a:solidFill>
+                  <a:srgbClr val="5B9BD5"/>
+                </a:solidFill>
+              </a:endParaRPr>
+            </a:p>
+          </p:txBody>
+        </p:sp>
+      </p:grpSp>
+      <p:sp>
+        <p:nvSpPr>
+          <p:cNvPr id="4" name="TextBox 3"/>
+          <p:cNvSpPr txBox="1"/>
+          <p:nvPr/>
+        </p:nvSpPr>
+        <p:spPr>
+          <a:xfrm>
+            <a:off x="2678476" y="3190473"/>
+            <a:ext cx="8766724" cy="477054"/>
+          </a:xfrm>
+          <a:prstGeom prst="rect">
+            <a:avLst/>
+          </a:prstGeom>
+          <a:noFill/>
+        </p:spPr>
+        <p:txBody>
+          <a:bodyPr wrap="square" rtlCol="0">
+            <a:spAutoFit/>
+          </a:bodyPr>
+          <a:lstStyle/>
+          <a:p>
+            <a:r>
+              <a:rPr lang="zh-CN" altLang="en-US" sz="2500" dirty="0">
+                <a:solidFill>
+                  <a:prstClr val="white"/>
+                </a:solidFill>
+              </a:rPr>
+              <a:t>游</a:t>
+            </a:r>
+            <a:r>
+              <a:rPr lang="zh-CN" altLang="en-US" sz="2500" dirty="0" smtClean="0">
+                <a:solidFill>
+                  <a:prstClr val="white"/>
+                </a:solidFill>
+              </a:rPr>
+              <a:t>戏中角色的感受与玩家的感受一致，玩家就会产生沉浸体验</a:t>
+            </a:r>
+            <a:endParaRPr lang="zh-CN" altLang="en-US" sz="2500" dirty="0">
+              <a:solidFill>
+                <a:prstClr val="white"/>
+              </a:solidFill>
+            </a:endParaRPr>
+          </a:p>
+        </p:txBody>
+      </p:sp>
+    </p:spTree>
+    <p:extLst>
+      <p:ext uri="{BB962C8B-B14F-4D97-AF65-F5344CB8AC3E}">
+        <p14:creationId xmlns:p14="http://schemas.microsoft.com/office/powerpoint/2010/main" val="1486226884"/>
+      </p:ext>
+    </p:extLst>
+  </p:cSld>
+  <p:clrMapOvr>
+    <a:masterClrMapping/>
+  </p:clrMapOvr>
+  <p:timing>
+    <p:tnLst>
+      <p:par>
+        <p:cTn id="1" dur="indefinite" restart="never" nodeType="tmRoot"/>
+      </p:par>
+    </p:tnLst>
+  </p:timing>
+</p:sld>
+</file>
+
+<file path=ppt/slides/slide29.xml><?xml version="1.0" encoding="utf-8"?>
+<p:sld xmlns:a="http://schemas.openxmlformats.org/drawingml/2006/main" xmlns:r="http://schemas.openxmlformats.org/officeDocument/2006/relationships" xmlns:p="http://schemas.openxmlformats.org/presentationml/2006/main">
+  <p:cSld>
+    <p:bg>
+      <p:bgPr>
+        <a:solidFill>
+          <a:schemeClr val="tx1">
+            <a:lumMod val="65000"/>
+            <a:lumOff val="35000"/>
+          </a:schemeClr>
+        </a:solidFill>
+        <a:effectLst/>
+      </p:bgPr>
+    </p:bg>
+    <p:spTree>
+      <p:nvGrpSpPr>
+        <p:cNvPr id="1" name=""/>
+        <p:cNvGrpSpPr/>
+        <p:nvPr/>
+      </p:nvGrpSpPr>
+      <p:grpSpPr>
+        <a:xfrm>
+          <a:off x="0" y="0"/>
+          <a:ext cx="0" cy="0"/>
+          <a:chOff x="0" y="0"/>
+          <a:chExt cx="0" cy="0"/>
+        </a:xfrm>
+      </p:grpSpPr>
+      <p:cxnSp>
+        <p:nvCxnSpPr>
+          <p:cNvPr id="11" name="Straight Connector 10"/>
+          <p:cNvCxnSpPr/>
+          <p:nvPr/>
+        </p:nvCxnSpPr>
+        <p:spPr>
+          <a:xfrm>
+            <a:off x="1453415" y="0"/>
+            <a:ext cx="0" cy="6858000"/>
+          </a:xfrm>
+          <a:prstGeom prst="line">
+            <a:avLst/>
+          </a:prstGeom>
+          <a:ln w="28575">
+            <a:solidFill>
+              <a:schemeClr val="bg1"/>
+            </a:solidFill>
+          </a:ln>
+        </p:spPr>
+        <p:style>
+          <a:lnRef idx="1">
+            <a:schemeClr val="accent1"/>
+          </a:lnRef>
+          <a:fillRef idx="0">
+            <a:schemeClr val="accent1"/>
+          </a:fillRef>
+          <a:effectRef idx="0">
+            <a:schemeClr val="accent1"/>
+          </a:effectRef>
+          <a:fontRef idx="minor">
+            <a:schemeClr val="tx1"/>
+          </a:fontRef>
+        </p:style>
+      </p:cxnSp>
+      <p:sp>
+        <p:nvSpPr>
+          <p:cNvPr id="2" name="TextBox 1"/>
+          <p:cNvSpPr txBox="1"/>
+          <p:nvPr/>
+        </p:nvSpPr>
+        <p:spPr>
+          <a:xfrm>
+            <a:off x="291411" y="2309617"/>
+            <a:ext cx="933650" cy="2554545"/>
+          </a:xfrm>
+          <a:prstGeom prst="rect">
+            <a:avLst/>
+          </a:prstGeom>
+          <a:noFill/>
+        </p:spPr>
+        <p:txBody>
+          <a:bodyPr wrap="square" rtlCol="0">
+            <a:spAutoFit/>
+          </a:bodyPr>
+          <a:lstStyle/>
+          <a:p>
+            <a:pPr algn="ctr"/>
+            <a:r>
+              <a:rPr lang="zh-CN" altLang="en-US" sz="4000" dirty="0" smtClean="0">
+                <a:solidFill>
+                  <a:prstClr val="white"/>
+                </a:solidFill>
+              </a:rPr>
+              <a:t>一个理论</a:t>
+            </a:r>
+            <a:endParaRPr lang="en-US" altLang="zh-CN" sz="4000" dirty="0" smtClean="0">
+              <a:solidFill>
+                <a:prstClr val="white"/>
+              </a:solidFill>
+            </a:endParaRPr>
+          </a:p>
+        </p:txBody>
+      </p:sp>
+      <p:grpSp>
+        <p:nvGrpSpPr>
+          <p:cNvPr id="3" name="Group 2"/>
+          <p:cNvGrpSpPr/>
+          <p:nvPr/>
+        </p:nvGrpSpPr>
+        <p:grpSpPr>
+          <a:xfrm>
+            <a:off x="0" y="0"/>
+            <a:ext cx="1453415" cy="572703"/>
+            <a:chOff x="0" y="6285297"/>
+            <a:chExt cx="1453415" cy="572703"/>
+          </a:xfrm>
+        </p:grpSpPr>
+        <p:sp>
+          <p:nvSpPr>
+            <p:cNvPr id="13" name="Rectangle 12"/>
+            <p:cNvSpPr/>
+            <p:nvPr/>
+          </p:nvSpPr>
+          <p:spPr>
+            <a:xfrm>
+              <a:off x="0" y="6285297"/>
+              <a:ext cx="1453415" cy="572703"/>
+            </a:xfrm>
+            <a:prstGeom prst="rect">
+              <a:avLst/>
+            </a:prstGeom>
+            <a:solidFill>
+              <a:schemeClr val="bg1"/>
+            </a:solidFill>
+            <a:ln w="19050">
+              <a:solidFill>
+                <a:schemeClr val="bg1"/>
+              </a:solidFill>
+            </a:ln>
+          </p:spPr>
+          <p:style>
+            <a:lnRef idx="2">
+              <a:schemeClr val="accent1">
+                <a:shade val="50000"/>
+              </a:schemeClr>
+            </a:lnRef>
+            <a:fillRef idx="1">
+              <a:schemeClr val="accent1"/>
+            </a:fillRef>
+            <a:effectRef idx="0">
+              <a:schemeClr val="accent1"/>
+            </a:effectRef>
+            <a:fontRef idx="minor">
+              <a:schemeClr val="lt1"/>
+            </a:fontRef>
+          </p:style>
+          <p:txBody>
+            <a:bodyPr rtlCol="0" anchor="ctr"/>
+            <a:lstStyle/>
+            <a:p>
+              <a:pPr algn="ctr"/>
+              <a:endParaRPr lang="zh-CN" altLang="en-US" sz="3500" dirty="0">
+                <a:solidFill>
+                  <a:prstClr val="black">
+                    <a:lumMod val="65000"/>
+                    <a:lumOff val="35000"/>
+                  </a:prstClr>
+                </a:solidFill>
+              </a:endParaRPr>
+            </a:p>
+          </p:txBody>
+        </p:sp>
+        <p:sp>
+          <p:nvSpPr>
+            <p:cNvPr id="15" name="Diamond 14"/>
+            <p:cNvSpPr/>
+            <p:nvPr/>
+          </p:nvSpPr>
+          <p:spPr>
+            <a:xfrm>
+              <a:off x="456707" y="6304547"/>
+              <a:ext cx="540000" cy="540000"/>
+            </a:xfrm>
+            <a:prstGeom prst="diamond">
+              <a:avLst/>
+            </a:prstGeom>
+            <a:noFill/>
+            <a:ln w="28575">
+              <a:solidFill>
+                <a:srgbClr val="7030A0"/>
+              </a:solidFill>
+            </a:ln>
+          </p:spPr>
+          <p:style>
+            <a:lnRef idx="2">
+              <a:schemeClr val="accent1">
+                <a:shade val="50000"/>
+              </a:schemeClr>
+            </a:lnRef>
+            <a:fillRef idx="1">
+              <a:schemeClr val="accent1"/>
+            </a:fillRef>
+            <a:effectRef idx="0">
+              <a:schemeClr val="accent1"/>
+            </a:effectRef>
+            <a:fontRef idx="minor">
+              <a:schemeClr val="lt1"/>
+            </a:fontRef>
+          </p:style>
+          <p:txBody>
+            <a:bodyPr rtlCol="0" anchor="ctr"/>
+            <a:lstStyle/>
+            <a:p>
+              <a:pPr algn="ctr"/>
+              <a:r>
+                <a:rPr lang="en-US" altLang="zh-CN" dirty="0" smtClean="0">
+                  <a:solidFill>
+                    <a:srgbClr val="5B9BD5"/>
+                  </a:solidFill>
+                </a:rPr>
+                <a:t>3</a:t>
+              </a:r>
+              <a:endParaRPr lang="zh-CN" altLang="en-US" dirty="0">
+                <a:solidFill>
+                  <a:srgbClr val="5B9BD5"/>
+                </a:solidFill>
+              </a:endParaRPr>
+            </a:p>
+          </p:txBody>
+        </p:sp>
+      </p:grpSp>
+      <p:sp>
+        <p:nvSpPr>
+          <p:cNvPr id="4" name="TextBox 3"/>
+          <p:cNvSpPr txBox="1"/>
+          <p:nvPr/>
+        </p:nvSpPr>
+        <p:spPr>
+          <a:xfrm>
+            <a:off x="2678476" y="2489718"/>
+            <a:ext cx="8766724" cy="477054"/>
+          </a:xfrm>
+          <a:prstGeom prst="rect">
+            <a:avLst/>
+          </a:prstGeom>
+          <a:noFill/>
+        </p:spPr>
+        <p:txBody>
+          <a:bodyPr wrap="square" rtlCol="0">
+            <a:spAutoFit/>
+          </a:bodyPr>
+          <a:lstStyle/>
+          <a:p>
+            <a:r>
+              <a:rPr lang="zh-CN" altLang="en-US" sz="2500" dirty="0" smtClean="0">
+                <a:solidFill>
+                  <a:prstClr val="white"/>
+                </a:solidFill>
+              </a:rPr>
+              <a:t>情绪是由生理唤醒和认知因素两部分组成的。</a:t>
+            </a:r>
+            <a:endParaRPr lang="zh-CN" altLang="en-US" sz="2500" dirty="0">
+              <a:solidFill>
+                <a:prstClr val="white"/>
+              </a:solidFill>
+            </a:endParaRPr>
+          </a:p>
+        </p:txBody>
+      </p:sp>
+      <p:sp>
+        <p:nvSpPr>
+          <p:cNvPr id="8" name="TextBox 7"/>
+          <p:cNvSpPr txBox="1"/>
+          <p:nvPr/>
+        </p:nvSpPr>
+        <p:spPr>
+          <a:xfrm>
+            <a:off x="2678476" y="1435693"/>
+            <a:ext cx="4230168" cy="630942"/>
+          </a:xfrm>
+          <a:prstGeom prst="rect">
+            <a:avLst/>
+          </a:prstGeom>
+          <a:noFill/>
+        </p:spPr>
+        <p:txBody>
+          <a:bodyPr wrap="square" rtlCol="0">
+            <a:spAutoFit/>
+          </a:bodyPr>
+          <a:lstStyle/>
+          <a:p>
+            <a:r>
+              <a:rPr lang="zh-CN" altLang="en-US" sz="3500" dirty="0" smtClean="0">
+                <a:solidFill>
+                  <a:schemeClr val="bg1"/>
+                </a:solidFill>
+              </a:rPr>
+              <a:t>情绪二因论</a:t>
+            </a:r>
+            <a:endParaRPr lang="zh-CN" altLang="en-US" sz="3500" dirty="0">
+              <a:solidFill>
+                <a:schemeClr val="bg1"/>
+              </a:solidFill>
+            </a:endParaRPr>
+          </a:p>
+        </p:txBody>
+      </p:sp>
+    </p:spTree>
+    <p:extLst>
+      <p:ext uri="{BB962C8B-B14F-4D97-AF65-F5344CB8AC3E}">
+        <p14:creationId xmlns:p14="http://schemas.microsoft.com/office/powerpoint/2010/main" val="2556290959"/>
+      </p:ext>
+    </p:extLst>
+  </p:cSld>
+  <p:clrMapOvr>
+    <a:masterClrMapping/>
+  </p:clrMapOvr>
+  <p:timing>
+    <p:tnLst>
+      <p:par>
+        <p:cTn id="1" dur="indefinite" restart="never" nodeType="tmRoot"/>
+      </p:par>
+    </p:tnLst>
+  </p:timing>
+</p:sld>
+</file>
+
 <file path=ppt/slides/slide3.xml><?xml version="1.0" encoding="utf-8"?>
 <p:sld xmlns:a="http://schemas.openxmlformats.org/drawingml/2006/main" xmlns:r="http://schemas.openxmlformats.org/officeDocument/2006/relationships" xmlns:p="http://schemas.openxmlformats.org/presentationml/2006/main">
   <p:cSld>
@@ -11063,6 +12226,749 @@
     <p:extLst>
       <p:ext uri="{BB962C8B-B14F-4D97-AF65-F5344CB8AC3E}">
         <p14:creationId xmlns:p14="http://schemas.microsoft.com/office/powerpoint/2010/main" val="548737791"/>
+      </p:ext>
+    </p:extLst>
+  </p:cSld>
+  <p:clrMapOvr>
+    <a:masterClrMapping/>
+  </p:clrMapOvr>
+  <p:timing>
+    <p:tnLst>
+      <p:par>
+        <p:cTn id="1" dur="indefinite" restart="never" nodeType="tmRoot"/>
+      </p:par>
+    </p:tnLst>
+  </p:timing>
+</p:sld>
+</file>
+
+<file path=ppt/slides/slide30.xml><?xml version="1.0" encoding="utf-8"?>
+<p:sld xmlns:a="http://schemas.openxmlformats.org/drawingml/2006/main" xmlns:r="http://schemas.openxmlformats.org/officeDocument/2006/relationships" xmlns:p="http://schemas.openxmlformats.org/presentationml/2006/main">
+  <p:cSld>
+    <p:bg>
+      <p:bgPr>
+        <a:solidFill>
+          <a:schemeClr val="tx1">
+            <a:lumMod val="65000"/>
+            <a:lumOff val="35000"/>
+          </a:schemeClr>
+        </a:solidFill>
+        <a:effectLst/>
+      </p:bgPr>
+    </p:bg>
+    <p:spTree>
+      <p:nvGrpSpPr>
+        <p:cNvPr id="1" name=""/>
+        <p:cNvGrpSpPr/>
+        <p:nvPr/>
+      </p:nvGrpSpPr>
+      <p:grpSpPr>
+        <a:xfrm>
+          <a:off x="0" y="0"/>
+          <a:ext cx="0" cy="0"/>
+          <a:chOff x="0" y="0"/>
+          <a:chExt cx="0" cy="0"/>
+        </a:xfrm>
+      </p:grpSpPr>
+      <p:cxnSp>
+        <p:nvCxnSpPr>
+          <p:cNvPr id="11" name="Straight Connector 10"/>
+          <p:cNvCxnSpPr/>
+          <p:nvPr/>
+        </p:nvCxnSpPr>
+        <p:spPr>
+          <a:xfrm>
+            <a:off x="1453415" y="0"/>
+            <a:ext cx="0" cy="6858000"/>
+          </a:xfrm>
+          <a:prstGeom prst="line">
+            <a:avLst/>
+          </a:prstGeom>
+          <a:ln w="28575">
+            <a:solidFill>
+              <a:schemeClr val="bg1"/>
+            </a:solidFill>
+          </a:ln>
+        </p:spPr>
+        <p:style>
+          <a:lnRef idx="1">
+            <a:schemeClr val="accent1"/>
+          </a:lnRef>
+          <a:fillRef idx="0">
+            <a:schemeClr val="accent1"/>
+          </a:fillRef>
+          <a:effectRef idx="0">
+            <a:schemeClr val="accent1"/>
+          </a:effectRef>
+          <a:fontRef idx="minor">
+            <a:schemeClr val="tx1"/>
+          </a:fontRef>
+        </p:style>
+      </p:cxnSp>
+      <p:sp>
+        <p:nvSpPr>
+          <p:cNvPr id="2" name="TextBox 1"/>
+          <p:cNvSpPr txBox="1"/>
+          <p:nvPr/>
+        </p:nvSpPr>
+        <p:spPr>
+          <a:xfrm>
+            <a:off x="291411" y="2309617"/>
+            <a:ext cx="933650" cy="2554545"/>
+          </a:xfrm>
+          <a:prstGeom prst="rect">
+            <a:avLst/>
+          </a:prstGeom>
+          <a:noFill/>
+        </p:spPr>
+        <p:txBody>
+          <a:bodyPr wrap="square" rtlCol="0">
+            <a:spAutoFit/>
+          </a:bodyPr>
+          <a:lstStyle/>
+          <a:p>
+            <a:pPr algn="ctr"/>
+            <a:r>
+              <a:rPr lang="zh-CN" altLang="en-US" sz="4000" dirty="0" smtClean="0">
+                <a:solidFill>
+                  <a:prstClr val="white"/>
+                </a:solidFill>
+              </a:rPr>
+              <a:t>构造沉浸</a:t>
+            </a:r>
+            <a:endParaRPr lang="en-US" altLang="zh-CN" sz="4000" dirty="0" smtClean="0">
+              <a:solidFill>
+                <a:prstClr val="white"/>
+              </a:solidFill>
+            </a:endParaRPr>
+          </a:p>
+        </p:txBody>
+      </p:sp>
+      <p:grpSp>
+        <p:nvGrpSpPr>
+          <p:cNvPr id="3" name="Group 2"/>
+          <p:cNvGrpSpPr/>
+          <p:nvPr/>
+        </p:nvGrpSpPr>
+        <p:grpSpPr>
+          <a:xfrm>
+            <a:off x="0" y="0"/>
+            <a:ext cx="1453415" cy="572703"/>
+            <a:chOff x="0" y="6285297"/>
+            <a:chExt cx="1453415" cy="572703"/>
+          </a:xfrm>
+        </p:grpSpPr>
+        <p:sp>
+          <p:nvSpPr>
+            <p:cNvPr id="13" name="Rectangle 12"/>
+            <p:cNvSpPr/>
+            <p:nvPr/>
+          </p:nvSpPr>
+          <p:spPr>
+            <a:xfrm>
+              <a:off x="0" y="6285297"/>
+              <a:ext cx="1453415" cy="572703"/>
+            </a:xfrm>
+            <a:prstGeom prst="rect">
+              <a:avLst/>
+            </a:prstGeom>
+            <a:solidFill>
+              <a:schemeClr val="bg1"/>
+            </a:solidFill>
+            <a:ln w="19050">
+              <a:solidFill>
+                <a:schemeClr val="bg1"/>
+              </a:solidFill>
+            </a:ln>
+          </p:spPr>
+          <p:style>
+            <a:lnRef idx="2">
+              <a:schemeClr val="accent1">
+                <a:shade val="50000"/>
+              </a:schemeClr>
+            </a:lnRef>
+            <a:fillRef idx="1">
+              <a:schemeClr val="accent1"/>
+            </a:fillRef>
+            <a:effectRef idx="0">
+              <a:schemeClr val="accent1"/>
+            </a:effectRef>
+            <a:fontRef idx="minor">
+              <a:schemeClr val="lt1"/>
+            </a:fontRef>
+          </p:style>
+          <p:txBody>
+            <a:bodyPr rtlCol="0" anchor="ctr"/>
+            <a:lstStyle/>
+            <a:p>
+              <a:pPr algn="ctr"/>
+              <a:endParaRPr lang="zh-CN" altLang="en-US" sz="3500" dirty="0">
+                <a:solidFill>
+                  <a:prstClr val="black">
+                    <a:lumMod val="65000"/>
+                    <a:lumOff val="35000"/>
+                  </a:prstClr>
+                </a:solidFill>
+              </a:endParaRPr>
+            </a:p>
+          </p:txBody>
+        </p:sp>
+        <p:sp>
+          <p:nvSpPr>
+            <p:cNvPr id="15" name="Diamond 14"/>
+            <p:cNvSpPr/>
+            <p:nvPr/>
+          </p:nvSpPr>
+          <p:spPr>
+            <a:xfrm>
+              <a:off x="456707" y="6304547"/>
+              <a:ext cx="540000" cy="540000"/>
+            </a:xfrm>
+            <a:prstGeom prst="diamond">
+              <a:avLst/>
+            </a:prstGeom>
+            <a:noFill/>
+            <a:ln w="28575">
+              <a:solidFill>
+                <a:srgbClr val="7030A0"/>
+              </a:solidFill>
+            </a:ln>
+          </p:spPr>
+          <p:style>
+            <a:lnRef idx="2">
+              <a:schemeClr val="accent1">
+                <a:shade val="50000"/>
+              </a:schemeClr>
+            </a:lnRef>
+            <a:fillRef idx="1">
+              <a:schemeClr val="accent1"/>
+            </a:fillRef>
+            <a:effectRef idx="0">
+              <a:schemeClr val="accent1"/>
+            </a:effectRef>
+            <a:fontRef idx="minor">
+              <a:schemeClr val="lt1"/>
+            </a:fontRef>
+          </p:style>
+          <p:txBody>
+            <a:bodyPr rtlCol="0" anchor="ctr"/>
+            <a:lstStyle/>
+            <a:p>
+              <a:pPr algn="ctr"/>
+              <a:r>
+                <a:rPr lang="en-US" altLang="zh-CN" dirty="0">
+                  <a:solidFill>
+                    <a:srgbClr val="5B9BD5"/>
+                  </a:solidFill>
+                </a:rPr>
+                <a:t>4</a:t>
+              </a:r>
+              <a:endParaRPr lang="zh-CN" altLang="en-US" dirty="0">
+                <a:solidFill>
+                  <a:srgbClr val="5B9BD5"/>
+                </a:solidFill>
+              </a:endParaRPr>
+            </a:p>
+          </p:txBody>
+        </p:sp>
+      </p:grpSp>
+      <p:sp>
+        <p:nvSpPr>
+          <p:cNvPr id="4" name="TextBox 3"/>
+          <p:cNvSpPr txBox="1"/>
+          <p:nvPr/>
+        </p:nvSpPr>
+        <p:spPr>
+          <a:xfrm>
+            <a:off x="2815209" y="1651590"/>
+            <a:ext cx="8766724" cy="3554819"/>
+          </a:xfrm>
+          <a:prstGeom prst="rect">
+            <a:avLst/>
+          </a:prstGeom>
+          <a:noFill/>
+        </p:spPr>
+        <p:txBody>
+          <a:bodyPr wrap="square" rtlCol="0">
+            <a:spAutoFit/>
+          </a:bodyPr>
+          <a:lstStyle/>
+          <a:p>
+            <a:r>
+              <a:rPr lang="zh-CN" altLang="en-US" sz="2500" dirty="0" smtClean="0">
+                <a:solidFill>
+                  <a:prstClr val="white"/>
+                </a:solidFill>
+              </a:rPr>
+              <a:t>第一步：</a:t>
+            </a:r>
+            <a:endParaRPr lang="en-US" altLang="zh-CN" sz="2500" dirty="0" smtClean="0">
+              <a:solidFill>
+                <a:prstClr val="white"/>
+              </a:solidFill>
+            </a:endParaRPr>
+          </a:p>
+          <a:p>
+            <a:r>
+              <a:rPr lang="zh-CN" altLang="en-US" sz="2500" dirty="0" smtClean="0">
+                <a:solidFill>
+                  <a:prstClr val="white"/>
+                </a:solidFill>
+              </a:rPr>
+              <a:t>制造心流，把真实世界从玩家脑海里剥离出去。</a:t>
+            </a:r>
+            <a:endParaRPr lang="en-US" altLang="zh-CN" sz="2500" dirty="0" smtClean="0">
+              <a:solidFill>
+                <a:prstClr val="white"/>
+              </a:solidFill>
+            </a:endParaRPr>
+          </a:p>
+          <a:p>
+            <a:endParaRPr lang="en-US" altLang="zh-CN" sz="2500" dirty="0">
+              <a:solidFill>
+                <a:prstClr val="white"/>
+              </a:solidFill>
+            </a:endParaRPr>
+          </a:p>
+          <a:p>
+            <a:r>
+              <a:rPr lang="zh-CN" altLang="en-US" sz="2500" dirty="0" smtClean="0">
+                <a:solidFill>
+                  <a:prstClr val="white"/>
+                </a:solidFill>
+              </a:rPr>
+              <a:t>第二步：</a:t>
+            </a:r>
+            <a:endParaRPr lang="en-US" altLang="zh-CN" sz="2500" dirty="0" smtClean="0">
+              <a:solidFill>
+                <a:prstClr val="white"/>
+              </a:solidFill>
+            </a:endParaRPr>
+          </a:p>
+          <a:p>
+            <a:r>
+              <a:rPr lang="zh-CN" altLang="en-US" sz="2500" dirty="0">
+                <a:solidFill>
+                  <a:prstClr val="white"/>
+                </a:solidFill>
+              </a:rPr>
+              <a:t>通</a:t>
+            </a:r>
+            <a:r>
+              <a:rPr lang="zh-CN" altLang="en-US" sz="2500" dirty="0" smtClean="0">
+                <a:solidFill>
+                  <a:prstClr val="white"/>
+                </a:solidFill>
+              </a:rPr>
+              <a:t>过游戏</a:t>
+            </a:r>
+            <a:r>
+              <a:rPr lang="zh-CN" altLang="en-US" sz="2500" dirty="0">
+                <a:solidFill>
+                  <a:prstClr val="white"/>
+                </a:solidFill>
+              </a:rPr>
+              <a:t>机</a:t>
+            </a:r>
+            <a:r>
+              <a:rPr lang="zh-CN" altLang="en-US" sz="2500" dirty="0" smtClean="0">
+                <a:solidFill>
+                  <a:prstClr val="white"/>
+                </a:solidFill>
+              </a:rPr>
+              <a:t>制（威胁和挑战），激发唤醒状态。</a:t>
+            </a:r>
+            <a:endParaRPr lang="en-US" altLang="zh-CN" sz="2500" dirty="0" smtClean="0">
+              <a:solidFill>
+                <a:prstClr val="white"/>
+              </a:solidFill>
+            </a:endParaRPr>
+          </a:p>
+          <a:p>
+            <a:endParaRPr lang="en-US" altLang="zh-CN" sz="2500" dirty="0">
+              <a:solidFill>
+                <a:prstClr val="white"/>
+              </a:solidFill>
+            </a:endParaRPr>
+          </a:p>
+          <a:p>
+            <a:r>
+              <a:rPr lang="zh-CN" altLang="en-US" sz="2500" dirty="0" smtClean="0">
+                <a:solidFill>
+                  <a:prstClr val="white"/>
+                </a:solidFill>
+              </a:rPr>
+              <a:t>第三步：</a:t>
+            </a:r>
+            <a:endParaRPr lang="en-US" altLang="zh-CN" sz="2500" dirty="0" smtClean="0">
+              <a:solidFill>
+                <a:prstClr val="white"/>
+              </a:solidFill>
+            </a:endParaRPr>
+          </a:p>
+          <a:p>
+            <a:r>
+              <a:rPr lang="zh-CN" altLang="en-US" sz="2500" dirty="0">
+                <a:solidFill>
+                  <a:prstClr val="white"/>
+                </a:solidFill>
+              </a:rPr>
+              <a:t>利</a:t>
+            </a:r>
+            <a:r>
+              <a:rPr lang="zh-CN" altLang="en-US" sz="2500" dirty="0" smtClean="0">
+                <a:solidFill>
+                  <a:prstClr val="white"/>
+                </a:solidFill>
+              </a:rPr>
+              <a:t>用表现层标识唤醒状态，从而使玩家感受和游戏角色感受完全匹配。</a:t>
+            </a:r>
+            <a:endParaRPr lang="en-US" altLang="zh-CN" sz="2500" dirty="0" smtClean="0">
+              <a:solidFill>
+                <a:prstClr val="white"/>
+              </a:solidFill>
+            </a:endParaRPr>
+          </a:p>
+        </p:txBody>
+      </p:sp>
+    </p:spTree>
+    <p:extLst>
+      <p:ext uri="{BB962C8B-B14F-4D97-AF65-F5344CB8AC3E}">
+        <p14:creationId xmlns:p14="http://schemas.microsoft.com/office/powerpoint/2010/main" val="2289502890"/>
+      </p:ext>
+    </p:extLst>
+  </p:cSld>
+  <p:clrMapOvr>
+    <a:masterClrMapping/>
+  </p:clrMapOvr>
+  <p:timing>
+    <p:tnLst>
+      <p:par>
+        <p:cTn id="1" dur="indefinite" restart="never" nodeType="tmRoot"/>
+      </p:par>
+    </p:tnLst>
+  </p:timing>
+</p:sld>
+</file>
+
+<file path=ppt/slides/slide31.xml><?xml version="1.0" encoding="utf-8"?>
+<p:sld xmlns:a="http://schemas.openxmlformats.org/drawingml/2006/main" xmlns:r="http://schemas.openxmlformats.org/officeDocument/2006/relationships" xmlns:p="http://schemas.openxmlformats.org/presentationml/2006/main">
+  <p:cSld>
+    <p:bg>
+      <p:bgPr>
+        <a:solidFill>
+          <a:schemeClr val="tx1">
+            <a:lumMod val="65000"/>
+            <a:lumOff val="35000"/>
+          </a:schemeClr>
+        </a:solidFill>
+        <a:effectLst/>
+      </p:bgPr>
+    </p:bg>
+    <p:spTree>
+      <p:nvGrpSpPr>
+        <p:cNvPr id="1" name=""/>
+        <p:cNvGrpSpPr/>
+        <p:nvPr/>
+      </p:nvGrpSpPr>
+      <p:grpSpPr>
+        <a:xfrm>
+          <a:off x="0" y="0"/>
+          <a:ext cx="0" cy="0"/>
+          <a:chOff x="0" y="0"/>
+          <a:chExt cx="0" cy="0"/>
+        </a:xfrm>
+      </p:grpSpPr>
+      <p:cxnSp>
+        <p:nvCxnSpPr>
+          <p:cNvPr id="11" name="Straight Connector 10"/>
+          <p:cNvCxnSpPr/>
+          <p:nvPr/>
+        </p:nvCxnSpPr>
+        <p:spPr>
+          <a:xfrm>
+            <a:off x="1453415" y="0"/>
+            <a:ext cx="0" cy="6858000"/>
+          </a:xfrm>
+          <a:prstGeom prst="line">
+            <a:avLst/>
+          </a:prstGeom>
+          <a:ln w="28575">
+            <a:solidFill>
+              <a:schemeClr val="bg1"/>
+            </a:solidFill>
+          </a:ln>
+        </p:spPr>
+        <p:style>
+          <a:lnRef idx="1">
+            <a:schemeClr val="accent1"/>
+          </a:lnRef>
+          <a:fillRef idx="0">
+            <a:schemeClr val="accent1"/>
+          </a:fillRef>
+          <a:effectRef idx="0">
+            <a:schemeClr val="accent1"/>
+          </a:effectRef>
+          <a:fontRef idx="minor">
+            <a:schemeClr val="tx1"/>
+          </a:fontRef>
+        </p:style>
+      </p:cxnSp>
+      <p:sp>
+        <p:nvSpPr>
+          <p:cNvPr id="2" name="TextBox 1"/>
+          <p:cNvSpPr txBox="1"/>
+          <p:nvPr/>
+        </p:nvSpPr>
+        <p:spPr>
+          <a:xfrm>
+            <a:off x="291411" y="2309617"/>
+            <a:ext cx="933650" cy="2554545"/>
+          </a:xfrm>
+          <a:prstGeom prst="rect">
+            <a:avLst/>
+          </a:prstGeom>
+          <a:noFill/>
+        </p:spPr>
+        <p:txBody>
+          <a:bodyPr wrap="square" rtlCol="0">
+            <a:spAutoFit/>
+          </a:bodyPr>
+          <a:lstStyle/>
+          <a:p>
+            <a:pPr algn="ctr"/>
+            <a:r>
+              <a:rPr lang="zh-CN" altLang="en-US" sz="4000" dirty="0" smtClean="0">
+                <a:solidFill>
+                  <a:prstClr val="white"/>
+                </a:solidFill>
+              </a:rPr>
+              <a:t>下期分享</a:t>
+            </a:r>
+            <a:endParaRPr lang="en-US" altLang="zh-CN" sz="4000" dirty="0" smtClean="0">
+              <a:solidFill>
+                <a:prstClr val="white"/>
+              </a:solidFill>
+            </a:endParaRPr>
+          </a:p>
+        </p:txBody>
+      </p:sp>
+      <p:grpSp>
+        <p:nvGrpSpPr>
+          <p:cNvPr id="3" name="Group 2"/>
+          <p:cNvGrpSpPr/>
+          <p:nvPr/>
+        </p:nvGrpSpPr>
+        <p:grpSpPr>
+          <a:xfrm>
+            <a:off x="0" y="0"/>
+            <a:ext cx="1453415" cy="572703"/>
+            <a:chOff x="0" y="6285297"/>
+            <a:chExt cx="1453415" cy="572703"/>
+          </a:xfrm>
+        </p:grpSpPr>
+        <p:sp>
+          <p:nvSpPr>
+            <p:cNvPr id="13" name="Rectangle 12"/>
+            <p:cNvSpPr/>
+            <p:nvPr/>
+          </p:nvSpPr>
+          <p:spPr>
+            <a:xfrm>
+              <a:off x="0" y="6285297"/>
+              <a:ext cx="1453415" cy="572703"/>
+            </a:xfrm>
+            <a:prstGeom prst="rect">
+              <a:avLst/>
+            </a:prstGeom>
+            <a:solidFill>
+              <a:schemeClr val="bg1"/>
+            </a:solidFill>
+            <a:ln w="19050">
+              <a:solidFill>
+                <a:schemeClr val="bg1"/>
+              </a:solidFill>
+            </a:ln>
+          </p:spPr>
+          <p:style>
+            <a:lnRef idx="2">
+              <a:schemeClr val="accent1">
+                <a:shade val="50000"/>
+              </a:schemeClr>
+            </a:lnRef>
+            <a:fillRef idx="1">
+              <a:schemeClr val="accent1"/>
+            </a:fillRef>
+            <a:effectRef idx="0">
+              <a:schemeClr val="accent1"/>
+            </a:effectRef>
+            <a:fontRef idx="minor">
+              <a:schemeClr val="lt1"/>
+            </a:fontRef>
+          </p:style>
+          <p:txBody>
+            <a:bodyPr rtlCol="0" anchor="ctr"/>
+            <a:lstStyle/>
+            <a:p>
+              <a:pPr algn="ctr"/>
+              <a:endParaRPr lang="zh-CN" altLang="en-US" sz="3500" dirty="0">
+                <a:solidFill>
+                  <a:prstClr val="black">
+                    <a:lumMod val="65000"/>
+                    <a:lumOff val="35000"/>
+                  </a:prstClr>
+                </a:solidFill>
+              </a:endParaRPr>
+            </a:p>
+          </p:txBody>
+        </p:sp>
+        <p:sp>
+          <p:nvSpPr>
+            <p:cNvPr id="15" name="Diamond 14"/>
+            <p:cNvSpPr/>
+            <p:nvPr/>
+          </p:nvSpPr>
+          <p:spPr>
+            <a:xfrm>
+              <a:off x="456707" y="6304547"/>
+              <a:ext cx="540000" cy="540000"/>
+            </a:xfrm>
+            <a:prstGeom prst="diamond">
+              <a:avLst/>
+            </a:prstGeom>
+            <a:noFill/>
+            <a:ln w="28575">
+              <a:solidFill>
+                <a:srgbClr val="7030A0"/>
+              </a:solidFill>
+            </a:ln>
+          </p:spPr>
+          <p:style>
+            <a:lnRef idx="2">
+              <a:schemeClr val="accent1">
+                <a:shade val="50000"/>
+              </a:schemeClr>
+            </a:lnRef>
+            <a:fillRef idx="1">
+              <a:schemeClr val="accent1"/>
+            </a:fillRef>
+            <a:effectRef idx="0">
+              <a:schemeClr val="accent1"/>
+            </a:effectRef>
+            <a:fontRef idx="minor">
+              <a:schemeClr val="lt1"/>
+            </a:fontRef>
+          </p:style>
+          <p:txBody>
+            <a:bodyPr rtlCol="0" anchor="ctr"/>
+            <a:lstStyle/>
+            <a:p>
+              <a:pPr algn="ctr"/>
+              <a:r>
+                <a:rPr lang="en-US" altLang="zh-CN" dirty="0" smtClean="0">
+                  <a:solidFill>
+                    <a:srgbClr val="5B9BD5"/>
+                  </a:solidFill>
+                </a:rPr>
+                <a:t>5</a:t>
+              </a:r>
+              <a:endParaRPr lang="zh-CN" altLang="en-US" dirty="0">
+                <a:solidFill>
+                  <a:srgbClr val="5B9BD5"/>
+                </a:solidFill>
+              </a:endParaRPr>
+            </a:p>
+          </p:txBody>
+        </p:sp>
+      </p:grpSp>
+      <p:sp>
+        <p:nvSpPr>
+          <p:cNvPr id="4" name="TextBox 3"/>
+          <p:cNvSpPr txBox="1"/>
+          <p:nvPr/>
+        </p:nvSpPr>
+        <p:spPr>
+          <a:xfrm>
+            <a:off x="2678476" y="2899916"/>
+            <a:ext cx="4423079" cy="477054"/>
+          </a:xfrm>
+          <a:prstGeom prst="rect">
+            <a:avLst/>
+          </a:prstGeom>
+          <a:noFill/>
+        </p:spPr>
+        <p:txBody>
+          <a:bodyPr wrap="square" rtlCol="0">
+            <a:spAutoFit/>
+          </a:bodyPr>
+          <a:lstStyle/>
+          <a:p>
+            <a:r>
+              <a:rPr lang="zh-CN" altLang="en-US" sz="2500" dirty="0" smtClean="0">
+                <a:solidFill>
+                  <a:prstClr val="white"/>
+                </a:solidFill>
+              </a:rPr>
+              <a:t>奖励和目标的设计和提炼方法</a:t>
+            </a:r>
+            <a:endParaRPr lang="zh-CN" altLang="en-US" sz="2500" dirty="0">
+              <a:solidFill>
+                <a:prstClr val="white"/>
+              </a:solidFill>
+            </a:endParaRPr>
+          </a:p>
+        </p:txBody>
+      </p:sp>
+      <p:sp>
+        <p:nvSpPr>
+          <p:cNvPr id="8" name="TextBox 7"/>
+          <p:cNvSpPr txBox="1"/>
+          <p:nvPr/>
+        </p:nvSpPr>
+        <p:spPr>
+          <a:xfrm>
+            <a:off x="2678476" y="1845891"/>
+            <a:ext cx="7627752" cy="630942"/>
+          </a:xfrm>
+          <a:prstGeom prst="rect">
+            <a:avLst/>
+          </a:prstGeom>
+          <a:noFill/>
+        </p:spPr>
+        <p:txBody>
+          <a:bodyPr wrap="square" rtlCol="0">
+            <a:spAutoFit/>
+          </a:bodyPr>
+          <a:lstStyle/>
+          <a:p>
+            <a:r>
+              <a:rPr lang="zh-CN" altLang="en-US" sz="3500" dirty="0" smtClean="0">
+                <a:solidFill>
+                  <a:prstClr val="white"/>
+                </a:solidFill>
+              </a:rPr>
+              <a:t>游戏中的  </a:t>
+            </a:r>
+            <a:r>
+              <a:rPr lang="zh-CN" altLang="en-US" sz="3500" dirty="0" smtClean="0">
+                <a:solidFill>
+                  <a:schemeClr val="accent2"/>
+                </a:solidFill>
+              </a:rPr>
+              <a:t>奖励和目标</a:t>
+            </a:r>
+            <a:endParaRPr lang="zh-CN" altLang="en-US" sz="3500" dirty="0">
+              <a:solidFill>
+                <a:schemeClr val="accent2"/>
+              </a:solidFill>
+            </a:endParaRPr>
+          </a:p>
+        </p:txBody>
+      </p:sp>
+    </p:spTree>
+    <p:extLst>
+      <p:ext uri="{BB962C8B-B14F-4D97-AF65-F5344CB8AC3E}">
+        <p14:creationId xmlns:p14="http://schemas.microsoft.com/office/powerpoint/2010/main" val="677774871"/>
       </p:ext>
     </p:extLst>
   </p:cSld>

--- a/Share/游戏设计理论.pptx
+++ b/Share/游戏设计理论.pptx
@@ -5,7 +5,7 @@
     <p:sldMasterId id="2147483648" r:id="rId1"/>
   </p:sldMasterIdLst>
   <p:notesMasterIdLst>
-    <p:notesMasterId r:id="rId47"/>
+    <p:notesMasterId r:id="rId56"/>
   </p:notesMasterIdLst>
   <p:sldIdLst>
     <p:sldId id="256" r:id="rId2"/>
@@ -53,6 +53,15 @@
     <p:sldId id="294" r:id="rId44"/>
     <p:sldId id="295" r:id="rId45"/>
     <p:sldId id="296" r:id="rId46"/>
+    <p:sldId id="307" r:id="rId47"/>
+    <p:sldId id="308" r:id="rId48"/>
+    <p:sldId id="309" r:id="rId49"/>
+    <p:sldId id="310" r:id="rId50"/>
+    <p:sldId id="311" r:id="rId51"/>
+    <p:sldId id="312" r:id="rId52"/>
+    <p:sldId id="313" r:id="rId53"/>
+    <p:sldId id="314" r:id="rId54"/>
+    <p:sldId id="315" r:id="rId55"/>
   </p:sldIdLst>
   <p:sldSz cx="12192000" cy="6858000"/>
   <p:notesSz cx="6858000" cy="9144000"/>
@@ -227,6 +236,19 @@
             <p14:sldId id="296"/>
           </p14:sldIdLst>
         </p14:section>
+        <p14:section name="界面（UI）" id="{2720F00C-A96F-464A-B291-AB6C018D1155}">
+          <p14:sldIdLst>
+            <p14:sldId id="307"/>
+            <p14:sldId id="308"/>
+            <p14:sldId id="309"/>
+            <p14:sldId id="310"/>
+            <p14:sldId id="311"/>
+            <p14:sldId id="312"/>
+            <p14:sldId id="313"/>
+            <p14:sldId id="314"/>
+            <p14:sldId id="315"/>
+          </p14:sldIdLst>
+        </p14:section>
       </p14:sectionLst>
     </p:ext>
     <p:ext uri="{EFAFB233-063F-42B5-8137-9DF3F51BA10A}">
@@ -318,7 +340,7 @@
           <a:p>
             <a:fld id="{D2A48B96-639E-45A3-A0BA-2464DFDB1FAA}" type="datetimeFigureOut">
               <a:rPr lang="zh-CN" altLang="en-US" smtClean="0"/>
-              <a:t>2018/3/26</a:t>
+              <a:t>2018/3/30</a:t>
             </a:fld>
             <a:endParaRPr lang="zh-CN" altLang="en-US"/>
           </a:p>
@@ -717,7 +739,7 @@
           <a:p>
             <a:fld id="{D997B5FA-0921-464F-AAE1-844C04324D75}" type="datetimeFigureOut">
               <a:rPr lang="zh-CN" altLang="en-US" smtClean="0"/>
-              <a:t>2018/3/26</a:t>
+              <a:t>2018/3/30</a:t>
             </a:fld>
             <a:endParaRPr lang="zh-CN" altLang="en-US"/>
           </a:p>
@@ -886,7 +908,7 @@
           <a:p>
             <a:fld id="{D997B5FA-0921-464F-AAE1-844C04324D75}" type="datetimeFigureOut">
               <a:rPr lang="zh-CN" altLang="en-US" smtClean="0"/>
-              <a:t>2018/3/26</a:t>
+              <a:t>2018/3/30</a:t>
             </a:fld>
             <a:endParaRPr lang="zh-CN" altLang="en-US"/>
           </a:p>
@@ -1065,7 +1087,7 @@
           <a:p>
             <a:fld id="{D997B5FA-0921-464F-AAE1-844C04324D75}" type="datetimeFigureOut">
               <a:rPr lang="zh-CN" altLang="en-US" smtClean="0"/>
-              <a:t>2018/3/26</a:t>
+              <a:t>2018/3/30</a:t>
             </a:fld>
             <a:endParaRPr lang="zh-CN" altLang="en-US"/>
           </a:p>
@@ -1234,7 +1256,7 @@
           <a:p>
             <a:fld id="{D997B5FA-0921-464F-AAE1-844C04324D75}" type="datetimeFigureOut">
               <a:rPr lang="zh-CN" altLang="en-US" smtClean="0"/>
-              <a:t>2018/3/26</a:t>
+              <a:t>2018/3/30</a:t>
             </a:fld>
             <a:endParaRPr lang="zh-CN" altLang="en-US"/>
           </a:p>
@@ -1479,7 +1501,7 @@
           <a:p>
             <a:fld id="{D997B5FA-0921-464F-AAE1-844C04324D75}" type="datetimeFigureOut">
               <a:rPr lang="zh-CN" altLang="en-US" smtClean="0"/>
-              <a:t>2018/3/26</a:t>
+              <a:t>2018/3/30</a:t>
             </a:fld>
             <a:endParaRPr lang="zh-CN" altLang="en-US"/>
           </a:p>
@@ -1710,7 +1732,7 @@
           <a:p>
             <a:fld id="{D997B5FA-0921-464F-AAE1-844C04324D75}" type="datetimeFigureOut">
               <a:rPr lang="zh-CN" altLang="en-US" smtClean="0"/>
-              <a:t>2018/3/26</a:t>
+              <a:t>2018/3/30</a:t>
             </a:fld>
             <a:endParaRPr lang="zh-CN" altLang="en-US"/>
           </a:p>
@@ -2076,7 +2098,7 @@
           <a:p>
             <a:fld id="{D997B5FA-0921-464F-AAE1-844C04324D75}" type="datetimeFigureOut">
               <a:rPr lang="zh-CN" altLang="en-US" smtClean="0"/>
-              <a:t>2018/3/26</a:t>
+              <a:t>2018/3/30</a:t>
             </a:fld>
             <a:endParaRPr lang="zh-CN" altLang="en-US"/>
           </a:p>
@@ -2193,7 +2215,7 @@
           <a:p>
             <a:fld id="{D997B5FA-0921-464F-AAE1-844C04324D75}" type="datetimeFigureOut">
               <a:rPr lang="zh-CN" altLang="en-US" smtClean="0"/>
-              <a:t>2018/3/26</a:t>
+              <a:t>2018/3/30</a:t>
             </a:fld>
             <a:endParaRPr lang="zh-CN" altLang="en-US"/>
           </a:p>
@@ -2287,7 +2309,7 @@
           <a:p>
             <a:fld id="{D997B5FA-0921-464F-AAE1-844C04324D75}" type="datetimeFigureOut">
               <a:rPr lang="zh-CN" altLang="en-US" smtClean="0"/>
-              <a:t>2018/3/26</a:t>
+              <a:t>2018/3/30</a:t>
             </a:fld>
             <a:endParaRPr lang="zh-CN" altLang="en-US"/>
           </a:p>
@@ -2563,7 +2585,7 @@
           <a:p>
             <a:fld id="{D997B5FA-0921-464F-AAE1-844C04324D75}" type="datetimeFigureOut">
               <a:rPr lang="zh-CN" altLang="en-US" smtClean="0"/>
-              <a:t>2018/3/26</a:t>
+              <a:t>2018/3/30</a:t>
             </a:fld>
             <a:endParaRPr lang="zh-CN" altLang="en-US"/>
           </a:p>
@@ -2815,7 +2837,7 @@
           <a:p>
             <a:fld id="{D997B5FA-0921-464F-AAE1-844C04324D75}" type="datetimeFigureOut">
               <a:rPr lang="zh-CN" altLang="en-US" smtClean="0"/>
-              <a:t>2018/3/26</a:t>
+              <a:t>2018/3/30</a:t>
             </a:fld>
             <a:endParaRPr lang="zh-CN" altLang="en-US"/>
           </a:p>
@@ -3027,7 +3049,7 @@
           <a:p>
             <a:fld id="{D997B5FA-0921-464F-AAE1-844C04324D75}" type="datetimeFigureOut">
               <a:rPr lang="zh-CN" altLang="en-US" smtClean="0"/>
-              <a:t>2018/3/26</a:t>
+              <a:t>2018/3/30</a:t>
             </a:fld>
             <a:endParaRPr lang="zh-CN" altLang="en-US"/>
           </a:p>
@@ -4501,11 +4523,6 @@
               </a:rPr>
               <a:t>二</a:t>
             </a:r>
-            <a:endParaRPr lang="zh-CN" altLang="en-US" dirty="0">
-              <a:solidFill>
-                <a:schemeClr val="bg1"/>
-              </a:solidFill>
-            </a:endParaRPr>
           </a:p>
         </p:txBody>
       </p:sp>
@@ -8703,11 +8720,6 @@
               </a:rPr>
               <a:t>三</a:t>
             </a:r>
-            <a:endParaRPr lang="zh-CN" altLang="en-US" dirty="0">
-              <a:solidFill>
-                <a:prstClr val="white"/>
-              </a:solidFill>
-            </a:endParaRPr>
           </a:p>
         </p:txBody>
       </p:sp>
@@ -13112,11 +13124,6 @@
               </a:rPr>
               <a:t>四</a:t>
             </a:r>
-            <a:endParaRPr lang="zh-CN" altLang="en-US" dirty="0">
-              <a:solidFill>
-                <a:prstClr val="white"/>
-              </a:solidFill>
-            </a:endParaRPr>
           </a:p>
         </p:txBody>
       </p:sp>
@@ -15822,11 +15829,6 @@
               </a:rPr>
               <a:t>五</a:t>
             </a:r>
-            <a:endParaRPr lang="zh-CN" altLang="en-US" dirty="0">
-              <a:solidFill>
-                <a:prstClr val="white"/>
-              </a:solidFill>
-            </a:endParaRPr>
           </a:p>
         </p:txBody>
       </p:sp>
@@ -17118,15 +17120,7 @@
                   <a:schemeClr val="bg1"/>
                 </a:solidFill>
               </a:rPr>
-              <a:t>简单的机制可</a:t>
-            </a:r>
-            <a:r>
-              <a:rPr lang="zh-CN" altLang="en-US" sz="3500" dirty="0" smtClean="0">
-                <a:solidFill>
-                  <a:schemeClr val="bg1"/>
-                </a:solidFill>
-              </a:rPr>
-              <a:t>能是优雅的</a:t>
+              <a:t>简单的机制可能是优雅的</a:t>
             </a:r>
             <a:endParaRPr lang="en-US" altLang="zh-CN" sz="3500" dirty="0" smtClean="0">
               <a:solidFill>
@@ -17820,11 +17814,6 @@
               </a:rPr>
               <a:t>六</a:t>
             </a:r>
-            <a:endParaRPr lang="zh-CN" altLang="en-US" dirty="0">
-              <a:solidFill>
-                <a:prstClr val="white"/>
-              </a:solidFill>
-            </a:endParaRPr>
           </a:p>
         </p:txBody>
       </p:sp>
@@ -19301,6 +19290,1409 @@
 </p:sld>
 </file>
 
+<file path=ppt/slides/slide46.xml><?xml version="1.0" encoding="utf-8"?>
+<p:sld xmlns:a="http://schemas.openxmlformats.org/drawingml/2006/main" xmlns:r="http://schemas.openxmlformats.org/officeDocument/2006/relationships" xmlns:p="http://schemas.openxmlformats.org/presentationml/2006/main">
+  <p:cSld>
+    <p:bg>
+      <p:bgPr>
+        <a:solidFill>
+          <a:schemeClr val="tx1">
+            <a:lumMod val="65000"/>
+            <a:lumOff val="35000"/>
+          </a:schemeClr>
+        </a:solidFill>
+        <a:effectLst/>
+      </p:bgPr>
+    </p:bg>
+    <p:spTree>
+      <p:nvGrpSpPr>
+        <p:cNvPr id="1" name=""/>
+        <p:cNvGrpSpPr/>
+        <p:nvPr/>
+      </p:nvGrpSpPr>
+      <p:grpSpPr>
+        <a:xfrm>
+          <a:off x="0" y="0"/>
+          <a:ext cx="0" cy="0"/>
+          <a:chOff x="0" y="0"/>
+          <a:chExt cx="0" cy="0"/>
+        </a:xfrm>
+      </p:grpSpPr>
+      <p:sp>
+        <p:nvSpPr>
+          <p:cNvPr id="5" name="Rectangle 4"/>
+          <p:cNvSpPr/>
+          <p:nvPr/>
+        </p:nvSpPr>
+        <p:spPr>
+          <a:xfrm>
+            <a:off x="4473723" y="2879933"/>
+            <a:ext cx="3623416" cy="1085316"/>
+          </a:xfrm>
+          <a:prstGeom prst="rect">
+            <a:avLst/>
+          </a:prstGeom>
+          <a:noFill/>
+          <a:ln w="19050">
+            <a:solidFill>
+              <a:schemeClr val="bg1"/>
+            </a:solidFill>
+          </a:ln>
+        </p:spPr>
+        <p:style>
+          <a:lnRef idx="2">
+            <a:schemeClr val="accent1">
+              <a:shade val="50000"/>
+            </a:schemeClr>
+          </a:lnRef>
+          <a:fillRef idx="1">
+            <a:schemeClr val="accent1"/>
+          </a:fillRef>
+          <a:effectRef idx="0">
+            <a:schemeClr val="accent1"/>
+          </a:effectRef>
+          <a:fontRef idx="minor">
+            <a:schemeClr val="lt1"/>
+          </a:fontRef>
+        </p:style>
+        <p:txBody>
+          <a:bodyPr rtlCol="0" anchor="ctr"/>
+          <a:lstStyle/>
+          <a:p>
+            <a:pPr algn="ctr"/>
+            <a:r>
+              <a:rPr lang="zh-CN" altLang="en-US" sz="5000" dirty="0" smtClean="0">
+                <a:solidFill>
+                  <a:prstClr val="white"/>
+                </a:solidFill>
+              </a:rPr>
+              <a:t>信息传递</a:t>
+            </a:r>
+            <a:endParaRPr lang="zh-CN" altLang="en-US" sz="5000" dirty="0">
+              <a:solidFill>
+                <a:prstClr val="white"/>
+              </a:solidFill>
+            </a:endParaRPr>
+          </a:p>
+        </p:txBody>
+      </p:sp>
+      <p:sp>
+        <p:nvSpPr>
+          <p:cNvPr id="10" name="Diamond 9"/>
+          <p:cNvSpPr/>
+          <p:nvPr/>
+        </p:nvSpPr>
+        <p:spPr>
+          <a:xfrm>
+            <a:off x="5835431" y="61978"/>
+            <a:ext cx="900000" cy="900000"/>
+          </a:xfrm>
+          <a:prstGeom prst="diamond">
+            <a:avLst/>
+          </a:prstGeom>
+          <a:noFill/>
+          <a:ln w="28575">
+            <a:solidFill>
+              <a:schemeClr val="bg1"/>
+            </a:solidFill>
+          </a:ln>
+        </p:spPr>
+        <p:style>
+          <a:lnRef idx="2">
+            <a:schemeClr val="accent1">
+              <a:shade val="50000"/>
+            </a:schemeClr>
+          </a:lnRef>
+          <a:fillRef idx="1">
+            <a:schemeClr val="accent1"/>
+          </a:fillRef>
+          <a:effectRef idx="0">
+            <a:schemeClr val="accent1"/>
+          </a:effectRef>
+          <a:fontRef idx="minor">
+            <a:schemeClr val="lt1"/>
+          </a:fontRef>
+        </p:style>
+        <p:txBody>
+          <a:bodyPr rtlCol="0" anchor="ctr"/>
+          <a:lstStyle/>
+          <a:p>
+            <a:pPr algn="ctr"/>
+            <a:r>
+              <a:rPr lang="zh-CN" altLang="en-US" dirty="0" smtClean="0">
+                <a:solidFill>
+                  <a:prstClr val="white"/>
+                </a:solidFill>
+              </a:rPr>
+              <a:t>七</a:t>
+            </a:r>
+            <a:endParaRPr lang="zh-CN" altLang="en-US" dirty="0">
+              <a:solidFill>
+                <a:prstClr val="white"/>
+              </a:solidFill>
+            </a:endParaRPr>
+          </a:p>
+        </p:txBody>
+      </p:sp>
+    </p:spTree>
+    <p:extLst>
+      <p:ext uri="{BB962C8B-B14F-4D97-AF65-F5344CB8AC3E}">
+        <p14:creationId xmlns:p14="http://schemas.microsoft.com/office/powerpoint/2010/main" val="449269495"/>
+      </p:ext>
+    </p:extLst>
+  </p:cSld>
+  <p:clrMapOvr>
+    <a:masterClrMapping/>
+  </p:clrMapOvr>
+  <p:timing>
+    <p:tnLst>
+      <p:par>
+        <p:cTn id="1" dur="indefinite" restart="never" nodeType="tmRoot"/>
+      </p:par>
+    </p:tnLst>
+  </p:timing>
+</p:sld>
+</file>
+
+<file path=ppt/slides/slide47.xml><?xml version="1.0" encoding="utf-8"?>
+<p:sld xmlns:a="http://schemas.openxmlformats.org/drawingml/2006/main" xmlns:r="http://schemas.openxmlformats.org/officeDocument/2006/relationships" xmlns:p="http://schemas.openxmlformats.org/presentationml/2006/main">
+  <p:cSld>
+    <p:bg>
+      <p:bgPr>
+        <a:solidFill>
+          <a:schemeClr val="tx1">
+            <a:lumMod val="65000"/>
+            <a:lumOff val="35000"/>
+          </a:schemeClr>
+        </a:solidFill>
+        <a:effectLst/>
+      </p:bgPr>
+    </p:bg>
+    <p:spTree>
+      <p:nvGrpSpPr>
+        <p:cNvPr id="1" name=""/>
+        <p:cNvGrpSpPr/>
+        <p:nvPr/>
+      </p:nvGrpSpPr>
+      <p:grpSpPr>
+        <a:xfrm>
+          <a:off x="0" y="0"/>
+          <a:ext cx="0" cy="0"/>
+          <a:chOff x="0" y="0"/>
+          <a:chExt cx="0" cy="0"/>
+        </a:xfrm>
+      </p:grpSpPr>
+      <p:cxnSp>
+        <p:nvCxnSpPr>
+          <p:cNvPr id="11" name="Straight Connector 10"/>
+          <p:cNvCxnSpPr/>
+          <p:nvPr/>
+        </p:nvCxnSpPr>
+        <p:spPr>
+          <a:xfrm>
+            <a:off x="1453415" y="0"/>
+            <a:ext cx="0" cy="6858000"/>
+          </a:xfrm>
+          <a:prstGeom prst="line">
+            <a:avLst/>
+          </a:prstGeom>
+          <a:ln w="28575">
+            <a:solidFill>
+              <a:schemeClr val="bg1"/>
+            </a:solidFill>
+          </a:ln>
+        </p:spPr>
+        <p:style>
+          <a:lnRef idx="1">
+            <a:schemeClr val="accent1"/>
+          </a:lnRef>
+          <a:fillRef idx="0">
+            <a:schemeClr val="accent1"/>
+          </a:fillRef>
+          <a:effectRef idx="0">
+            <a:schemeClr val="accent1"/>
+          </a:effectRef>
+          <a:fontRef idx="minor">
+            <a:schemeClr val="tx1"/>
+          </a:fontRef>
+        </p:style>
+      </p:cxnSp>
+      <p:sp>
+        <p:nvSpPr>
+          <p:cNvPr id="2" name="TextBox 1"/>
+          <p:cNvSpPr txBox="1"/>
+          <p:nvPr/>
+        </p:nvSpPr>
+        <p:spPr>
+          <a:xfrm>
+            <a:off x="291411" y="2790849"/>
+            <a:ext cx="933650" cy="1323439"/>
+          </a:xfrm>
+          <a:prstGeom prst="rect">
+            <a:avLst/>
+          </a:prstGeom>
+          <a:noFill/>
+        </p:spPr>
+        <p:txBody>
+          <a:bodyPr wrap="square" rtlCol="0">
+            <a:spAutoFit/>
+          </a:bodyPr>
+          <a:lstStyle/>
+          <a:p>
+            <a:pPr algn="ctr"/>
+            <a:r>
+              <a:rPr lang="zh-CN" altLang="en-US" sz="4000" dirty="0" smtClean="0">
+                <a:solidFill>
+                  <a:prstClr val="white"/>
+                </a:solidFill>
+              </a:rPr>
+              <a:t>象征</a:t>
+            </a:r>
+            <a:endParaRPr lang="en-US" altLang="zh-CN" sz="4000" dirty="0" smtClean="0">
+              <a:solidFill>
+                <a:prstClr val="white"/>
+              </a:solidFill>
+            </a:endParaRPr>
+          </a:p>
+        </p:txBody>
+      </p:sp>
+      <p:grpSp>
+        <p:nvGrpSpPr>
+          <p:cNvPr id="3" name="Group 2"/>
+          <p:cNvGrpSpPr/>
+          <p:nvPr/>
+        </p:nvGrpSpPr>
+        <p:grpSpPr>
+          <a:xfrm>
+            <a:off x="0" y="0"/>
+            <a:ext cx="1453415" cy="572703"/>
+            <a:chOff x="0" y="6285297"/>
+            <a:chExt cx="1453415" cy="572703"/>
+          </a:xfrm>
+        </p:grpSpPr>
+        <p:sp>
+          <p:nvSpPr>
+            <p:cNvPr id="13" name="Rectangle 12"/>
+            <p:cNvSpPr/>
+            <p:nvPr/>
+          </p:nvSpPr>
+          <p:spPr>
+            <a:xfrm>
+              <a:off x="0" y="6285297"/>
+              <a:ext cx="1453415" cy="572703"/>
+            </a:xfrm>
+            <a:prstGeom prst="rect">
+              <a:avLst/>
+            </a:prstGeom>
+            <a:solidFill>
+              <a:schemeClr val="bg1"/>
+            </a:solidFill>
+            <a:ln w="19050">
+              <a:solidFill>
+                <a:schemeClr val="bg1"/>
+              </a:solidFill>
+            </a:ln>
+          </p:spPr>
+          <p:style>
+            <a:lnRef idx="2">
+              <a:schemeClr val="accent1">
+                <a:shade val="50000"/>
+              </a:schemeClr>
+            </a:lnRef>
+            <a:fillRef idx="1">
+              <a:schemeClr val="accent1"/>
+            </a:fillRef>
+            <a:effectRef idx="0">
+              <a:schemeClr val="accent1"/>
+            </a:effectRef>
+            <a:fontRef idx="minor">
+              <a:schemeClr val="lt1"/>
+            </a:fontRef>
+          </p:style>
+          <p:txBody>
+            <a:bodyPr rtlCol="0" anchor="ctr"/>
+            <a:lstStyle/>
+            <a:p>
+              <a:pPr algn="ctr"/>
+              <a:endParaRPr lang="zh-CN" altLang="en-US" sz="3500" dirty="0">
+                <a:solidFill>
+                  <a:prstClr val="black">
+                    <a:lumMod val="65000"/>
+                    <a:lumOff val="35000"/>
+                  </a:prstClr>
+                </a:solidFill>
+              </a:endParaRPr>
+            </a:p>
+          </p:txBody>
+        </p:sp>
+        <p:sp>
+          <p:nvSpPr>
+            <p:cNvPr id="15" name="Diamond 14"/>
+            <p:cNvSpPr/>
+            <p:nvPr/>
+          </p:nvSpPr>
+          <p:spPr>
+            <a:xfrm>
+              <a:off x="456707" y="6304547"/>
+              <a:ext cx="540000" cy="540000"/>
+            </a:xfrm>
+            <a:prstGeom prst="diamond">
+              <a:avLst/>
+            </a:prstGeom>
+            <a:noFill/>
+            <a:ln w="28575">
+              <a:solidFill>
+                <a:schemeClr val="accent6">
+                  <a:lumMod val="75000"/>
+                </a:schemeClr>
+              </a:solidFill>
+            </a:ln>
+          </p:spPr>
+          <p:style>
+            <a:lnRef idx="2">
+              <a:schemeClr val="accent1">
+                <a:shade val="50000"/>
+              </a:schemeClr>
+            </a:lnRef>
+            <a:fillRef idx="1">
+              <a:schemeClr val="accent1"/>
+            </a:fillRef>
+            <a:effectRef idx="0">
+              <a:schemeClr val="accent1"/>
+            </a:effectRef>
+            <a:fontRef idx="minor">
+              <a:schemeClr val="lt1"/>
+            </a:fontRef>
+          </p:style>
+          <p:txBody>
+            <a:bodyPr rtlCol="0" anchor="ctr"/>
+            <a:lstStyle/>
+            <a:p>
+              <a:pPr algn="ctr"/>
+              <a:r>
+                <a:rPr lang="en-US" altLang="zh-CN" dirty="0">
+                  <a:solidFill>
+                    <a:srgbClr val="5B9BD5"/>
+                  </a:solidFill>
+                </a:rPr>
+                <a:t>1</a:t>
+              </a:r>
+              <a:endParaRPr lang="zh-CN" altLang="en-US" dirty="0">
+                <a:solidFill>
+                  <a:srgbClr val="5B9BD5"/>
+                </a:solidFill>
+              </a:endParaRPr>
+            </a:p>
+          </p:txBody>
+        </p:sp>
+      </p:grpSp>
+      <p:sp>
+        <p:nvSpPr>
+          <p:cNvPr id="10" name="Rectangle 9"/>
+          <p:cNvSpPr/>
+          <p:nvPr/>
+        </p:nvSpPr>
+        <p:spPr>
+          <a:xfrm>
+            <a:off x="1453415" y="6332434"/>
+            <a:ext cx="10738585" cy="525566"/>
+          </a:xfrm>
+          <a:prstGeom prst="rect">
+            <a:avLst/>
+          </a:prstGeom>
+          <a:solidFill>
+            <a:schemeClr val="bg1"/>
+          </a:solidFill>
+          <a:ln w="19050">
+            <a:solidFill>
+              <a:schemeClr val="bg1"/>
+            </a:solidFill>
+          </a:ln>
+        </p:spPr>
+        <p:style>
+          <a:lnRef idx="2">
+            <a:schemeClr val="accent1">
+              <a:shade val="50000"/>
+            </a:schemeClr>
+          </a:lnRef>
+          <a:fillRef idx="1">
+            <a:schemeClr val="accent1"/>
+          </a:fillRef>
+          <a:effectRef idx="0">
+            <a:schemeClr val="accent1"/>
+          </a:effectRef>
+          <a:fontRef idx="minor">
+            <a:schemeClr val="lt1"/>
+          </a:fontRef>
+        </p:style>
+        <p:txBody>
+          <a:bodyPr rtlCol="0" anchor="ctr"/>
+          <a:lstStyle/>
+          <a:p>
+            <a:pPr algn="ctr"/>
+            <a:r>
+              <a:rPr lang="zh-CN" altLang="en-US" sz="2500" dirty="0" smtClean="0">
+                <a:solidFill>
+                  <a:srgbClr val="ED7D31"/>
+                </a:solidFill>
+              </a:rPr>
+              <a:t>例   </a:t>
+            </a:r>
+            <a:r>
+              <a:rPr lang="en-US" altLang="zh-CN" sz="2500" dirty="0" smtClean="0">
+                <a:solidFill>
+                  <a:srgbClr val="ED7D31"/>
+                </a:solidFill>
+              </a:rPr>
+              <a:t>《</a:t>
+            </a:r>
+            <a:r>
+              <a:rPr lang="zh-CN" altLang="en-US" sz="2500" dirty="0">
+                <a:solidFill>
+                  <a:srgbClr val="ED7D31"/>
+                </a:solidFill>
+              </a:rPr>
+              <a:t>饥荒</a:t>
+            </a:r>
+            <a:r>
+              <a:rPr lang="en-US" altLang="zh-CN" sz="2500" dirty="0" smtClean="0">
+                <a:solidFill>
+                  <a:srgbClr val="ED7D31"/>
+                </a:solidFill>
+              </a:rPr>
+              <a:t>》</a:t>
+            </a:r>
+            <a:endParaRPr lang="zh-CN" altLang="en-US" sz="2500" dirty="0">
+              <a:solidFill>
+                <a:srgbClr val="ED7D31"/>
+              </a:solidFill>
+            </a:endParaRPr>
+          </a:p>
+        </p:txBody>
+      </p:sp>
+      <p:pic>
+        <p:nvPicPr>
+          <p:cNvPr id="4" name="Picture 3"/>
+          <p:cNvPicPr>
+            <a:picLocks noChangeAspect="1"/>
+          </p:cNvPicPr>
+          <p:nvPr/>
+        </p:nvPicPr>
+        <p:blipFill>
+          <a:blip r:embed="rId2"/>
+          <a:stretch>
+            <a:fillRect/>
+          </a:stretch>
+        </p:blipFill>
+        <p:spPr>
+          <a:xfrm>
+            <a:off x="2913574" y="988052"/>
+            <a:ext cx="7361558" cy="4557155"/>
+          </a:xfrm>
+          <a:prstGeom prst="rect">
+            <a:avLst/>
+          </a:prstGeom>
+        </p:spPr>
+      </p:pic>
+    </p:spTree>
+    <p:extLst>
+      <p:ext uri="{BB962C8B-B14F-4D97-AF65-F5344CB8AC3E}">
+        <p14:creationId xmlns:p14="http://schemas.microsoft.com/office/powerpoint/2010/main" val="2509686572"/>
+      </p:ext>
+    </p:extLst>
+  </p:cSld>
+  <p:clrMapOvr>
+    <a:masterClrMapping/>
+  </p:clrMapOvr>
+  <p:timing>
+    <p:tnLst>
+      <p:par>
+        <p:cTn id="1" dur="indefinite" restart="never" nodeType="tmRoot"/>
+      </p:par>
+    </p:tnLst>
+  </p:timing>
+</p:sld>
+</file>
+
+<file path=ppt/slides/slide48.xml><?xml version="1.0" encoding="utf-8"?>
+<p:sld xmlns:a="http://schemas.openxmlformats.org/drawingml/2006/main" xmlns:r="http://schemas.openxmlformats.org/officeDocument/2006/relationships" xmlns:p="http://schemas.openxmlformats.org/presentationml/2006/main">
+  <p:cSld>
+    <p:bg>
+      <p:bgPr>
+        <a:solidFill>
+          <a:schemeClr val="tx1">
+            <a:lumMod val="65000"/>
+            <a:lumOff val="35000"/>
+          </a:schemeClr>
+        </a:solidFill>
+        <a:effectLst/>
+      </p:bgPr>
+    </p:bg>
+    <p:spTree>
+      <p:nvGrpSpPr>
+        <p:cNvPr id="1" name=""/>
+        <p:cNvGrpSpPr/>
+        <p:nvPr/>
+      </p:nvGrpSpPr>
+      <p:grpSpPr>
+        <a:xfrm>
+          <a:off x="0" y="0"/>
+          <a:ext cx="0" cy="0"/>
+          <a:chOff x="0" y="0"/>
+          <a:chExt cx="0" cy="0"/>
+        </a:xfrm>
+      </p:grpSpPr>
+      <p:cxnSp>
+        <p:nvCxnSpPr>
+          <p:cNvPr id="11" name="Straight Connector 10"/>
+          <p:cNvCxnSpPr/>
+          <p:nvPr/>
+        </p:nvCxnSpPr>
+        <p:spPr>
+          <a:xfrm>
+            <a:off x="1453415" y="0"/>
+            <a:ext cx="0" cy="6858000"/>
+          </a:xfrm>
+          <a:prstGeom prst="line">
+            <a:avLst/>
+          </a:prstGeom>
+          <a:ln w="28575">
+            <a:solidFill>
+              <a:schemeClr val="bg1"/>
+            </a:solidFill>
+          </a:ln>
+        </p:spPr>
+        <p:style>
+          <a:lnRef idx="1">
+            <a:schemeClr val="accent1"/>
+          </a:lnRef>
+          <a:fillRef idx="0">
+            <a:schemeClr val="accent1"/>
+          </a:fillRef>
+          <a:effectRef idx="0">
+            <a:schemeClr val="accent1"/>
+          </a:effectRef>
+          <a:fontRef idx="minor">
+            <a:schemeClr val="tx1"/>
+          </a:fontRef>
+        </p:style>
+      </p:cxnSp>
+      <p:sp>
+        <p:nvSpPr>
+          <p:cNvPr id="2" name="TextBox 1"/>
+          <p:cNvSpPr txBox="1"/>
+          <p:nvPr/>
+        </p:nvSpPr>
+        <p:spPr>
+          <a:xfrm>
+            <a:off x="256511" y="1620075"/>
+            <a:ext cx="933650" cy="3785652"/>
+          </a:xfrm>
+          <a:prstGeom prst="rect">
+            <a:avLst/>
+          </a:prstGeom>
+          <a:noFill/>
+        </p:spPr>
+        <p:txBody>
+          <a:bodyPr wrap="square" rtlCol="0">
+            <a:spAutoFit/>
+          </a:bodyPr>
+          <a:lstStyle/>
+          <a:p>
+            <a:pPr algn="ctr"/>
+            <a:r>
+              <a:rPr lang="zh-CN" altLang="en-US" sz="4000" dirty="0" smtClean="0">
+                <a:solidFill>
+                  <a:prstClr val="white"/>
+                </a:solidFill>
+              </a:rPr>
+              <a:t>尽量避免噪声</a:t>
+            </a:r>
+            <a:endParaRPr lang="en-US" altLang="zh-CN" sz="4000" dirty="0" smtClean="0">
+              <a:solidFill>
+                <a:prstClr val="white"/>
+              </a:solidFill>
+            </a:endParaRPr>
+          </a:p>
+        </p:txBody>
+      </p:sp>
+      <p:grpSp>
+        <p:nvGrpSpPr>
+          <p:cNvPr id="3" name="Group 2"/>
+          <p:cNvGrpSpPr/>
+          <p:nvPr/>
+        </p:nvGrpSpPr>
+        <p:grpSpPr>
+          <a:xfrm>
+            <a:off x="0" y="0"/>
+            <a:ext cx="1453415" cy="572703"/>
+            <a:chOff x="0" y="6285297"/>
+            <a:chExt cx="1453415" cy="572703"/>
+          </a:xfrm>
+        </p:grpSpPr>
+        <p:sp>
+          <p:nvSpPr>
+            <p:cNvPr id="13" name="Rectangle 12"/>
+            <p:cNvSpPr/>
+            <p:nvPr/>
+          </p:nvSpPr>
+          <p:spPr>
+            <a:xfrm>
+              <a:off x="0" y="6285297"/>
+              <a:ext cx="1453415" cy="572703"/>
+            </a:xfrm>
+            <a:prstGeom prst="rect">
+              <a:avLst/>
+            </a:prstGeom>
+            <a:solidFill>
+              <a:schemeClr val="bg1"/>
+            </a:solidFill>
+            <a:ln w="19050">
+              <a:solidFill>
+                <a:schemeClr val="bg1"/>
+              </a:solidFill>
+            </a:ln>
+          </p:spPr>
+          <p:style>
+            <a:lnRef idx="2">
+              <a:schemeClr val="accent1">
+                <a:shade val="50000"/>
+              </a:schemeClr>
+            </a:lnRef>
+            <a:fillRef idx="1">
+              <a:schemeClr val="accent1"/>
+            </a:fillRef>
+            <a:effectRef idx="0">
+              <a:schemeClr val="accent1"/>
+            </a:effectRef>
+            <a:fontRef idx="minor">
+              <a:schemeClr val="lt1"/>
+            </a:fontRef>
+          </p:style>
+          <p:txBody>
+            <a:bodyPr rtlCol="0" anchor="ctr"/>
+            <a:lstStyle/>
+            <a:p>
+              <a:pPr algn="ctr"/>
+              <a:endParaRPr lang="zh-CN" altLang="en-US" sz="3500" dirty="0">
+                <a:solidFill>
+                  <a:prstClr val="black">
+                    <a:lumMod val="65000"/>
+                    <a:lumOff val="35000"/>
+                  </a:prstClr>
+                </a:solidFill>
+              </a:endParaRPr>
+            </a:p>
+          </p:txBody>
+        </p:sp>
+        <p:sp>
+          <p:nvSpPr>
+            <p:cNvPr id="15" name="Diamond 14"/>
+            <p:cNvSpPr/>
+            <p:nvPr/>
+          </p:nvSpPr>
+          <p:spPr>
+            <a:xfrm>
+              <a:off x="456707" y="6304547"/>
+              <a:ext cx="540000" cy="540000"/>
+            </a:xfrm>
+            <a:prstGeom prst="diamond">
+              <a:avLst/>
+            </a:prstGeom>
+            <a:noFill/>
+            <a:ln w="28575">
+              <a:solidFill>
+                <a:schemeClr val="accent6">
+                  <a:lumMod val="75000"/>
+                </a:schemeClr>
+              </a:solidFill>
+            </a:ln>
+          </p:spPr>
+          <p:style>
+            <a:lnRef idx="2">
+              <a:schemeClr val="accent1">
+                <a:shade val="50000"/>
+              </a:schemeClr>
+            </a:lnRef>
+            <a:fillRef idx="1">
+              <a:schemeClr val="accent1"/>
+            </a:fillRef>
+            <a:effectRef idx="0">
+              <a:schemeClr val="accent1"/>
+            </a:effectRef>
+            <a:fontRef idx="minor">
+              <a:schemeClr val="lt1"/>
+            </a:fontRef>
+          </p:style>
+          <p:txBody>
+            <a:bodyPr rtlCol="0" anchor="ctr"/>
+            <a:lstStyle/>
+            <a:p>
+              <a:pPr algn="ctr"/>
+              <a:r>
+                <a:rPr lang="en-US" altLang="zh-CN" dirty="0" smtClean="0">
+                  <a:solidFill>
+                    <a:srgbClr val="5B9BD5"/>
+                  </a:solidFill>
+                </a:rPr>
+                <a:t>2</a:t>
+              </a:r>
+              <a:endParaRPr lang="zh-CN" altLang="en-US" dirty="0">
+                <a:solidFill>
+                  <a:srgbClr val="5B9BD5"/>
+                </a:solidFill>
+              </a:endParaRPr>
+            </a:p>
+          </p:txBody>
+        </p:sp>
+      </p:grpSp>
+      <p:sp>
+        <p:nvSpPr>
+          <p:cNvPr id="10" name="Rectangle 9"/>
+          <p:cNvSpPr/>
+          <p:nvPr/>
+        </p:nvSpPr>
+        <p:spPr>
+          <a:xfrm>
+            <a:off x="1453415" y="6332434"/>
+            <a:ext cx="10738585" cy="525566"/>
+          </a:xfrm>
+          <a:prstGeom prst="rect">
+            <a:avLst/>
+          </a:prstGeom>
+          <a:solidFill>
+            <a:schemeClr val="bg1"/>
+          </a:solidFill>
+          <a:ln w="19050">
+            <a:solidFill>
+              <a:schemeClr val="bg1"/>
+            </a:solidFill>
+          </a:ln>
+        </p:spPr>
+        <p:style>
+          <a:lnRef idx="2">
+            <a:schemeClr val="accent1">
+              <a:shade val="50000"/>
+            </a:schemeClr>
+          </a:lnRef>
+          <a:fillRef idx="1">
+            <a:schemeClr val="accent1"/>
+          </a:fillRef>
+          <a:effectRef idx="0">
+            <a:schemeClr val="accent1"/>
+          </a:effectRef>
+          <a:fontRef idx="minor">
+            <a:schemeClr val="lt1"/>
+          </a:fontRef>
+        </p:style>
+        <p:txBody>
+          <a:bodyPr rtlCol="0" anchor="ctr"/>
+          <a:lstStyle/>
+          <a:p>
+            <a:pPr algn="ctr"/>
+            <a:r>
+              <a:rPr lang="zh-CN" altLang="en-US" sz="2500" dirty="0" smtClean="0">
+                <a:solidFill>
+                  <a:srgbClr val="ED7D31"/>
+                </a:solidFill>
+              </a:rPr>
+              <a:t>例   </a:t>
+            </a:r>
+            <a:r>
+              <a:rPr lang="en-US" altLang="zh-CN" sz="2500" dirty="0" smtClean="0">
+                <a:solidFill>
+                  <a:srgbClr val="ED7D31"/>
+                </a:solidFill>
+              </a:rPr>
+              <a:t>《</a:t>
+            </a:r>
+            <a:r>
+              <a:rPr lang="zh-CN" altLang="en-US" sz="2500" dirty="0">
+                <a:solidFill>
+                  <a:srgbClr val="ED7D31"/>
+                </a:solidFill>
+              </a:rPr>
+              <a:t>饥荒</a:t>
+            </a:r>
+            <a:r>
+              <a:rPr lang="en-US" altLang="zh-CN" sz="2500" dirty="0" smtClean="0">
+                <a:solidFill>
+                  <a:srgbClr val="ED7D31"/>
+                </a:solidFill>
+              </a:rPr>
+              <a:t>》</a:t>
+            </a:r>
+            <a:endParaRPr lang="zh-CN" altLang="en-US" sz="2500" dirty="0">
+              <a:solidFill>
+                <a:srgbClr val="ED7D31"/>
+              </a:solidFill>
+            </a:endParaRPr>
+          </a:p>
+        </p:txBody>
+      </p:sp>
+      <p:sp>
+        <p:nvSpPr>
+          <p:cNvPr id="5" name="TextBox 4"/>
+          <p:cNvSpPr txBox="1"/>
+          <p:nvPr/>
+        </p:nvSpPr>
+        <p:spPr>
+          <a:xfrm>
+            <a:off x="4170348" y="1965889"/>
+            <a:ext cx="6067514" cy="2400657"/>
+          </a:xfrm>
+          <a:prstGeom prst="rect">
+            <a:avLst/>
+          </a:prstGeom>
+          <a:noFill/>
+        </p:spPr>
+        <p:txBody>
+          <a:bodyPr wrap="square" rtlCol="0">
+            <a:spAutoFit/>
+          </a:bodyPr>
+          <a:lstStyle/>
+          <a:p>
+            <a:pPr>
+              <a:lnSpc>
+                <a:spcPts val="3000"/>
+              </a:lnSpc>
+            </a:pPr>
+            <a:r>
+              <a:rPr lang="zh-CN" altLang="en-US" sz="2000" dirty="0" smtClean="0">
+                <a:solidFill>
+                  <a:schemeClr val="bg1"/>
+                </a:solidFill>
+              </a:rPr>
+              <a:t>什么是噪声？</a:t>
+            </a:r>
+            <a:endParaRPr lang="en-US" altLang="zh-CN" sz="2000" dirty="0" smtClean="0">
+              <a:solidFill>
+                <a:schemeClr val="bg1"/>
+              </a:solidFill>
+            </a:endParaRPr>
+          </a:p>
+          <a:p>
+            <a:pPr>
+              <a:lnSpc>
+                <a:spcPts val="3000"/>
+              </a:lnSpc>
+            </a:pPr>
+            <a:r>
+              <a:rPr lang="zh-CN" altLang="en-US" sz="2000" dirty="0">
+                <a:solidFill>
+                  <a:schemeClr val="bg1"/>
+                </a:solidFill>
+              </a:rPr>
+              <a:t>传</a:t>
+            </a:r>
+            <a:r>
+              <a:rPr lang="zh-CN" altLang="en-US" sz="2000" dirty="0" smtClean="0">
+                <a:solidFill>
+                  <a:schemeClr val="bg1"/>
+                </a:solidFill>
+              </a:rPr>
+              <a:t>递给玩家的无意义的信息就是噪声</a:t>
+            </a:r>
+            <a:endParaRPr lang="en-US" altLang="zh-CN" sz="2000" dirty="0" smtClean="0">
+              <a:solidFill>
+                <a:schemeClr val="bg1"/>
+              </a:solidFill>
+            </a:endParaRPr>
+          </a:p>
+          <a:p>
+            <a:pPr>
+              <a:lnSpc>
+                <a:spcPts val="3000"/>
+              </a:lnSpc>
+            </a:pPr>
+            <a:endParaRPr lang="en-US" altLang="zh-CN" sz="2000" dirty="0">
+              <a:solidFill>
+                <a:schemeClr val="bg1"/>
+              </a:solidFill>
+            </a:endParaRPr>
+          </a:p>
+          <a:p>
+            <a:pPr>
+              <a:lnSpc>
+                <a:spcPts val="3000"/>
+              </a:lnSpc>
+            </a:pPr>
+            <a:endParaRPr lang="en-US" altLang="zh-CN" sz="2000" dirty="0" smtClean="0">
+              <a:solidFill>
+                <a:schemeClr val="bg1"/>
+              </a:solidFill>
+            </a:endParaRPr>
+          </a:p>
+          <a:p>
+            <a:pPr>
+              <a:lnSpc>
+                <a:spcPts val="3000"/>
+              </a:lnSpc>
+            </a:pPr>
+            <a:r>
+              <a:rPr lang="zh-CN" altLang="en-US" sz="2000" dirty="0">
+                <a:solidFill>
+                  <a:schemeClr val="bg1"/>
+                </a:solidFill>
+              </a:rPr>
+              <a:t>噪</a:t>
+            </a:r>
+            <a:r>
+              <a:rPr lang="zh-CN" altLang="en-US" sz="2000" dirty="0" smtClean="0">
+                <a:solidFill>
+                  <a:schemeClr val="bg1"/>
+                </a:solidFill>
+              </a:rPr>
+              <a:t>声产生的原因？</a:t>
+            </a:r>
+            <a:endParaRPr lang="en-US" altLang="zh-CN" sz="2000" dirty="0" smtClean="0">
+              <a:solidFill>
+                <a:schemeClr val="bg1"/>
+              </a:solidFill>
+            </a:endParaRPr>
+          </a:p>
+          <a:p>
+            <a:pPr>
+              <a:lnSpc>
+                <a:spcPts val="3000"/>
+              </a:lnSpc>
+            </a:pPr>
+            <a:r>
+              <a:rPr lang="zh-CN" altLang="en-US" sz="2000" dirty="0">
+                <a:solidFill>
+                  <a:schemeClr val="bg1"/>
+                </a:solidFill>
+              </a:rPr>
+              <a:t>复</a:t>
+            </a:r>
+            <a:r>
+              <a:rPr lang="zh-CN" altLang="en-US" sz="2000" dirty="0" smtClean="0">
+                <a:solidFill>
+                  <a:schemeClr val="bg1"/>
+                </a:solidFill>
+              </a:rPr>
+              <a:t>杂的美术效果和过多的信息</a:t>
+            </a:r>
+            <a:endParaRPr lang="zh-CN" altLang="en-US" sz="2000" dirty="0">
+              <a:solidFill>
+                <a:schemeClr val="bg1"/>
+              </a:solidFill>
+            </a:endParaRPr>
+          </a:p>
+        </p:txBody>
+      </p:sp>
+    </p:spTree>
+    <p:extLst>
+      <p:ext uri="{BB962C8B-B14F-4D97-AF65-F5344CB8AC3E}">
+        <p14:creationId xmlns:p14="http://schemas.microsoft.com/office/powerpoint/2010/main" val="1168368990"/>
+      </p:ext>
+    </p:extLst>
+  </p:cSld>
+  <p:clrMapOvr>
+    <a:masterClrMapping/>
+  </p:clrMapOvr>
+  <p:timing>
+    <p:tnLst>
+      <p:par>
+        <p:cTn id="1" dur="indefinite" restart="never" nodeType="tmRoot"/>
+      </p:par>
+    </p:tnLst>
+  </p:timing>
+</p:sld>
+</file>
+
+<file path=ppt/slides/slide49.xml><?xml version="1.0" encoding="utf-8"?>
+<p:sld xmlns:a="http://schemas.openxmlformats.org/drawingml/2006/main" xmlns:r="http://schemas.openxmlformats.org/officeDocument/2006/relationships" xmlns:p="http://schemas.openxmlformats.org/presentationml/2006/main">
+  <p:cSld>
+    <p:bg>
+      <p:bgPr>
+        <a:solidFill>
+          <a:schemeClr val="tx1">
+            <a:lumMod val="65000"/>
+            <a:lumOff val="35000"/>
+          </a:schemeClr>
+        </a:solidFill>
+        <a:effectLst/>
+      </p:bgPr>
+    </p:bg>
+    <p:spTree>
+      <p:nvGrpSpPr>
+        <p:cNvPr id="1" name=""/>
+        <p:cNvGrpSpPr/>
+        <p:nvPr/>
+      </p:nvGrpSpPr>
+      <p:grpSpPr>
+        <a:xfrm>
+          <a:off x="0" y="0"/>
+          <a:ext cx="0" cy="0"/>
+          <a:chOff x="0" y="0"/>
+          <a:chExt cx="0" cy="0"/>
+        </a:xfrm>
+      </p:grpSpPr>
+      <p:cxnSp>
+        <p:nvCxnSpPr>
+          <p:cNvPr id="11" name="Straight Connector 10"/>
+          <p:cNvCxnSpPr/>
+          <p:nvPr/>
+        </p:nvCxnSpPr>
+        <p:spPr>
+          <a:xfrm>
+            <a:off x="1453415" y="0"/>
+            <a:ext cx="0" cy="6858000"/>
+          </a:xfrm>
+          <a:prstGeom prst="line">
+            <a:avLst/>
+          </a:prstGeom>
+          <a:ln w="28575">
+            <a:solidFill>
+              <a:schemeClr val="bg1"/>
+            </a:solidFill>
+          </a:ln>
+        </p:spPr>
+        <p:style>
+          <a:lnRef idx="1">
+            <a:schemeClr val="accent1"/>
+          </a:lnRef>
+          <a:fillRef idx="0">
+            <a:schemeClr val="accent1"/>
+          </a:fillRef>
+          <a:effectRef idx="0">
+            <a:schemeClr val="accent1"/>
+          </a:effectRef>
+          <a:fontRef idx="minor">
+            <a:schemeClr val="tx1"/>
+          </a:fontRef>
+        </p:style>
+      </p:cxnSp>
+      <p:sp>
+        <p:nvSpPr>
+          <p:cNvPr id="2" name="TextBox 1"/>
+          <p:cNvSpPr txBox="1"/>
+          <p:nvPr/>
+        </p:nvSpPr>
+        <p:spPr>
+          <a:xfrm>
+            <a:off x="256511" y="1620075"/>
+            <a:ext cx="933650" cy="3170099"/>
+          </a:xfrm>
+          <a:prstGeom prst="rect">
+            <a:avLst/>
+          </a:prstGeom>
+          <a:noFill/>
+        </p:spPr>
+        <p:txBody>
+          <a:bodyPr wrap="square" rtlCol="0">
+            <a:spAutoFit/>
+          </a:bodyPr>
+          <a:lstStyle/>
+          <a:p>
+            <a:pPr algn="ctr"/>
+            <a:r>
+              <a:rPr lang="zh-CN" altLang="en-US" sz="4000" dirty="0">
+                <a:solidFill>
+                  <a:prstClr val="white"/>
+                </a:solidFill>
+              </a:rPr>
+              <a:t>噪</a:t>
+            </a:r>
+            <a:r>
+              <a:rPr lang="zh-CN" altLang="en-US" sz="4000" dirty="0" smtClean="0">
+                <a:solidFill>
+                  <a:prstClr val="white"/>
+                </a:solidFill>
+              </a:rPr>
+              <a:t>声的反例</a:t>
+            </a:r>
+            <a:endParaRPr lang="en-US" altLang="zh-CN" sz="4000" dirty="0" smtClean="0">
+              <a:solidFill>
+                <a:prstClr val="white"/>
+              </a:solidFill>
+            </a:endParaRPr>
+          </a:p>
+        </p:txBody>
+      </p:sp>
+      <p:grpSp>
+        <p:nvGrpSpPr>
+          <p:cNvPr id="3" name="Group 2"/>
+          <p:cNvGrpSpPr/>
+          <p:nvPr/>
+        </p:nvGrpSpPr>
+        <p:grpSpPr>
+          <a:xfrm>
+            <a:off x="0" y="0"/>
+            <a:ext cx="1453415" cy="572703"/>
+            <a:chOff x="0" y="6285297"/>
+            <a:chExt cx="1453415" cy="572703"/>
+          </a:xfrm>
+        </p:grpSpPr>
+        <p:sp>
+          <p:nvSpPr>
+            <p:cNvPr id="13" name="Rectangle 12"/>
+            <p:cNvSpPr/>
+            <p:nvPr/>
+          </p:nvSpPr>
+          <p:spPr>
+            <a:xfrm>
+              <a:off x="0" y="6285297"/>
+              <a:ext cx="1453415" cy="572703"/>
+            </a:xfrm>
+            <a:prstGeom prst="rect">
+              <a:avLst/>
+            </a:prstGeom>
+            <a:solidFill>
+              <a:schemeClr val="bg1"/>
+            </a:solidFill>
+            <a:ln w="19050">
+              <a:solidFill>
+                <a:schemeClr val="bg1"/>
+              </a:solidFill>
+            </a:ln>
+          </p:spPr>
+          <p:style>
+            <a:lnRef idx="2">
+              <a:schemeClr val="accent1">
+                <a:shade val="50000"/>
+              </a:schemeClr>
+            </a:lnRef>
+            <a:fillRef idx="1">
+              <a:schemeClr val="accent1"/>
+            </a:fillRef>
+            <a:effectRef idx="0">
+              <a:schemeClr val="accent1"/>
+            </a:effectRef>
+            <a:fontRef idx="minor">
+              <a:schemeClr val="lt1"/>
+            </a:fontRef>
+          </p:style>
+          <p:txBody>
+            <a:bodyPr rtlCol="0" anchor="ctr"/>
+            <a:lstStyle/>
+            <a:p>
+              <a:pPr algn="ctr"/>
+              <a:endParaRPr lang="zh-CN" altLang="en-US" sz="3500" dirty="0">
+                <a:solidFill>
+                  <a:prstClr val="black">
+                    <a:lumMod val="65000"/>
+                    <a:lumOff val="35000"/>
+                  </a:prstClr>
+                </a:solidFill>
+              </a:endParaRPr>
+            </a:p>
+          </p:txBody>
+        </p:sp>
+        <p:sp>
+          <p:nvSpPr>
+            <p:cNvPr id="15" name="Diamond 14"/>
+            <p:cNvSpPr/>
+            <p:nvPr/>
+          </p:nvSpPr>
+          <p:spPr>
+            <a:xfrm>
+              <a:off x="456707" y="6304547"/>
+              <a:ext cx="540000" cy="540000"/>
+            </a:xfrm>
+            <a:prstGeom prst="diamond">
+              <a:avLst/>
+            </a:prstGeom>
+            <a:noFill/>
+            <a:ln w="28575">
+              <a:solidFill>
+                <a:schemeClr val="accent6">
+                  <a:lumMod val="75000"/>
+                </a:schemeClr>
+              </a:solidFill>
+            </a:ln>
+          </p:spPr>
+          <p:style>
+            <a:lnRef idx="2">
+              <a:schemeClr val="accent1">
+                <a:shade val="50000"/>
+              </a:schemeClr>
+            </a:lnRef>
+            <a:fillRef idx="1">
+              <a:schemeClr val="accent1"/>
+            </a:fillRef>
+            <a:effectRef idx="0">
+              <a:schemeClr val="accent1"/>
+            </a:effectRef>
+            <a:fontRef idx="minor">
+              <a:schemeClr val="lt1"/>
+            </a:fontRef>
+          </p:style>
+          <p:txBody>
+            <a:bodyPr rtlCol="0" anchor="ctr"/>
+            <a:lstStyle/>
+            <a:p>
+              <a:pPr algn="ctr"/>
+              <a:r>
+                <a:rPr lang="en-US" altLang="zh-CN" dirty="0">
+                  <a:solidFill>
+                    <a:srgbClr val="5B9BD5"/>
+                  </a:solidFill>
+                </a:rPr>
+                <a:t>3</a:t>
+              </a:r>
+              <a:endParaRPr lang="zh-CN" altLang="en-US" dirty="0">
+                <a:solidFill>
+                  <a:srgbClr val="5B9BD5"/>
+                </a:solidFill>
+              </a:endParaRPr>
+            </a:p>
+          </p:txBody>
+        </p:sp>
+      </p:grpSp>
+      <p:sp>
+        <p:nvSpPr>
+          <p:cNvPr id="10" name="Rectangle 9"/>
+          <p:cNvSpPr/>
+          <p:nvPr/>
+        </p:nvSpPr>
+        <p:spPr>
+          <a:xfrm>
+            <a:off x="1453415" y="6332434"/>
+            <a:ext cx="10738585" cy="525566"/>
+          </a:xfrm>
+          <a:prstGeom prst="rect">
+            <a:avLst/>
+          </a:prstGeom>
+          <a:solidFill>
+            <a:schemeClr val="bg1"/>
+          </a:solidFill>
+          <a:ln w="19050">
+            <a:solidFill>
+              <a:schemeClr val="bg1"/>
+            </a:solidFill>
+          </a:ln>
+        </p:spPr>
+        <p:style>
+          <a:lnRef idx="2">
+            <a:schemeClr val="accent1">
+              <a:shade val="50000"/>
+            </a:schemeClr>
+          </a:lnRef>
+          <a:fillRef idx="1">
+            <a:schemeClr val="accent1"/>
+          </a:fillRef>
+          <a:effectRef idx="0">
+            <a:schemeClr val="accent1"/>
+          </a:effectRef>
+          <a:fontRef idx="minor">
+            <a:schemeClr val="lt1"/>
+          </a:fontRef>
+        </p:style>
+        <p:txBody>
+          <a:bodyPr rtlCol="0" anchor="ctr"/>
+          <a:lstStyle/>
+          <a:p>
+            <a:pPr algn="ctr"/>
+            <a:r>
+              <a:rPr lang="zh-CN" altLang="en-US" sz="2500" dirty="0" smtClean="0">
+                <a:solidFill>
+                  <a:srgbClr val="ED7D31"/>
+                </a:solidFill>
+              </a:rPr>
+              <a:t>例   </a:t>
+            </a:r>
+            <a:r>
+              <a:rPr lang="en-US" altLang="zh-CN" sz="2500" dirty="0" smtClean="0">
+                <a:solidFill>
+                  <a:srgbClr val="ED7D31"/>
+                </a:solidFill>
+              </a:rPr>
+              <a:t>《</a:t>
+            </a:r>
+            <a:r>
+              <a:rPr lang="zh-CN" altLang="en-US" sz="2500" dirty="0">
+                <a:solidFill>
+                  <a:srgbClr val="ED7D31"/>
+                </a:solidFill>
+              </a:rPr>
+              <a:t>传奇</a:t>
+            </a:r>
+            <a:r>
+              <a:rPr lang="en-US" altLang="zh-CN" sz="2500" dirty="0" smtClean="0">
+                <a:solidFill>
+                  <a:srgbClr val="ED7D31"/>
+                </a:solidFill>
+              </a:rPr>
+              <a:t>》</a:t>
+            </a:r>
+            <a:endParaRPr lang="zh-CN" altLang="en-US" sz="2500" dirty="0">
+              <a:solidFill>
+                <a:srgbClr val="ED7D31"/>
+              </a:solidFill>
+            </a:endParaRPr>
+          </a:p>
+        </p:txBody>
+      </p:sp>
+      <p:pic>
+        <p:nvPicPr>
+          <p:cNvPr id="4" name="Picture 3"/>
+          <p:cNvPicPr>
+            <a:picLocks noChangeAspect="1"/>
+          </p:cNvPicPr>
+          <p:nvPr/>
+        </p:nvPicPr>
+        <p:blipFill>
+          <a:blip r:embed="rId2"/>
+          <a:stretch>
+            <a:fillRect/>
+          </a:stretch>
+        </p:blipFill>
+        <p:spPr>
+          <a:xfrm>
+            <a:off x="1863737" y="736095"/>
+            <a:ext cx="4695715" cy="3523252"/>
+          </a:xfrm>
+          <a:prstGeom prst="rect">
+            <a:avLst/>
+          </a:prstGeom>
+        </p:spPr>
+      </p:pic>
+      <p:pic>
+        <p:nvPicPr>
+          <p:cNvPr id="6" name="Picture 5"/>
+          <p:cNvPicPr>
+            <a:picLocks noChangeAspect="1"/>
+          </p:cNvPicPr>
+          <p:nvPr/>
+        </p:nvPicPr>
+        <p:blipFill>
+          <a:blip r:embed="rId3"/>
+          <a:stretch>
+            <a:fillRect/>
+          </a:stretch>
+        </p:blipFill>
+        <p:spPr>
+          <a:xfrm>
+            <a:off x="5904748" y="2238998"/>
+            <a:ext cx="5556144" cy="3703831"/>
+          </a:xfrm>
+          <a:prstGeom prst="rect">
+            <a:avLst/>
+          </a:prstGeom>
+        </p:spPr>
+      </p:pic>
+    </p:spTree>
+    <p:extLst>
+      <p:ext uri="{BB962C8B-B14F-4D97-AF65-F5344CB8AC3E}">
+        <p14:creationId xmlns:p14="http://schemas.microsoft.com/office/powerpoint/2010/main" val="3558413431"/>
+      </p:ext>
+    </p:extLst>
+  </p:cSld>
+  <p:clrMapOvr>
+    <a:masterClrMapping/>
+  </p:clrMapOvr>
+  <p:timing>
+    <p:tnLst>
+      <p:par>
+        <p:cTn id="1" dur="indefinite" restart="never" nodeType="tmRoot"/>
+      </p:par>
+    </p:tnLst>
+  </p:timing>
+</p:sld>
+</file>
+
 <file path=ppt/slides/slide5.xml><?xml version="1.0" encoding="utf-8"?>
 <p:sld xmlns:a="http://schemas.openxmlformats.org/drawingml/2006/main" xmlns:r="http://schemas.openxmlformats.org/officeDocument/2006/relationships" xmlns:p="http://schemas.openxmlformats.org/presentationml/2006/main">
   <p:cSld>
@@ -19706,6 +21098,2610 @@
     <p:extLst>
       <p:ext uri="{BB962C8B-B14F-4D97-AF65-F5344CB8AC3E}">
         <p14:creationId xmlns:p14="http://schemas.microsoft.com/office/powerpoint/2010/main" val="3609008468"/>
+      </p:ext>
+    </p:extLst>
+  </p:cSld>
+  <p:clrMapOvr>
+    <a:masterClrMapping/>
+  </p:clrMapOvr>
+  <p:timing>
+    <p:tnLst>
+      <p:par>
+        <p:cTn id="1" dur="indefinite" restart="never" nodeType="tmRoot"/>
+      </p:par>
+    </p:tnLst>
+  </p:timing>
+</p:sld>
+</file>
+
+<file path=ppt/slides/slide50.xml><?xml version="1.0" encoding="utf-8"?>
+<p:sld xmlns:a="http://schemas.openxmlformats.org/drawingml/2006/main" xmlns:r="http://schemas.openxmlformats.org/officeDocument/2006/relationships" xmlns:p="http://schemas.openxmlformats.org/presentationml/2006/main">
+  <p:cSld>
+    <p:bg>
+      <p:bgPr>
+        <a:solidFill>
+          <a:schemeClr val="tx1">
+            <a:lumMod val="65000"/>
+            <a:lumOff val="35000"/>
+          </a:schemeClr>
+        </a:solidFill>
+        <a:effectLst/>
+      </p:bgPr>
+    </p:bg>
+    <p:spTree>
+      <p:nvGrpSpPr>
+        <p:cNvPr id="1" name=""/>
+        <p:cNvGrpSpPr/>
+        <p:nvPr/>
+      </p:nvGrpSpPr>
+      <p:grpSpPr>
+        <a:xfrm>
+          <a:off x="0" y="0"/>
+          <a:ext cx="0" cy="0"/>
+          <a:chOff x="0" y="0"/>
+          <a:chExt cx="0" cy="0"/>
+        </a:xfrm>
+      </p:grpSpPr>
+      <p:cxnSp>
+        <p:nvCxnSpPr>
+          <p:cNvPr id="11" name="Straight Connector 10"/>
+          <p:cNvCxnSpPr/>
+          <p:nvPr/>
+        </p:nvCxnSpPr>
+        <p:spPr>
+          <a:xfrm>
+            <a:off x="1453415" y="0"/>
+            <a:ext cx="0" cy="6858000"/>
+          </a:xfrm>
+          <a:prstGeom prst="line">
+            <a:avLst/>
+          </a:prstGeom>
+          <a:ln w="28575">
+            <a:solidFill>
+              <a:schemeClr val="bg1"/>
+            </a:solidFill>
+          </a:ln>
+        </p:spPr>
+        <p:style>
+          <a:lnRef idx="1">
+            <a:schemeClr val="accent1"/>
+          </a:lnRef>
+          <a:fillRef idx="0">
+            <a:schemeClr val="accent1"/>
+          </a:fillRef>
+          <a:effectRef idx="0">
+            <a:schemeClr val="accent1"/>
+          </a:effectRef>
+          <a:fontRef idx="minor">
+            <a:schemeClr val="tx1"/>
+          </a:fontRef>
+        </p:style>
+      </p:cxnSp>
+      <p:sp>
+        <p:nvSpPr>
+          <p:cNvPr id="2" name="TextBox 1"/>
+          <p:cNvSpPr txBox="1"/>
+          <p:nvPr/>
+        </p:nvSpPr>
+        <p:spPr>
+          <a:xfrm>
+            <a:off x="259882" y="2047365"/>
+            <a:ext cx="933650" cy="2554545"/>
+          </a:xfrm>
+          <a:prstGeom prst="rect">
+            <a:avLst/>
+          </a:prstGeom>
+          <a:noFill/>
+        </p:spPr>
+        <p:txBody>
+          <a:bodyPr wrap="square" rtlCol="0">
+            <a:spAutoFit/>
+          </a:bodyPr>
+          <a:lstStyle/>
+          <a:p>
+            <a:pPr algn="ctr"/>
+            <a:r>
+              <a:rPr lang="zh-CN" altLang="en-US" sz="4000" dirty="0">
+                <a:solidFill>
+                  <a:prstClr val="white"/>
+                </a:solidFill>
+              </a:rPr>
+              <a:t>视</a:t>
+            </a:r>
+            <a:r>
+              <a:rPr lang="zh-CN" altLang="en-US" sz="4000" dirty="0" smtClean="0">
+                <a:solidFill>
+                  <a:prstClr val="white"/>
+                </a:solidFill>
+              </a:rPr>
+              <a:t>觉层次</a:t>
+            </a:r>
+            <a:endParaRPr lang="en-US" altLang="zh-CN" sz="4000" dirty="0" smtClean="0">
+              <a:solidFill>
+                <a:prstClr val="white"/>
+              </a:solidFill>
+            </a:endParaRPr>
+          </a:p>
+        </p:txBody>
+      </p:sp>
+      <p:grpSp>
+        <p:nvGrpSpPr>
+          <p:cNvPr id="3" name="Group 2"/>
+          <p:cNvGrpSpPr/>
+          <p:nvPr/>
+        </p:nvGrpSpPr>
+        <p:grpSpPr>
+          <a:xfrm>
+            <a:off x="0" y="0"/>
+            <a:ext cx="1453415" cy="572703"/>
+            <a:chOff x="0" y="6285297"/>
+            <a:chExt cx="1453415" cy="572703"/>
+          </a:xfrm>
+        </p:grpSpPr>
+        <p:sp>
+          <p:nvSpPr>
+            <p:cNvPr id="13" name="Rectangle 12"/>
+            <p:cNvSpPr/>
+            <p:nvPr/>
+          </p:nvSpPr>
+          <p:spPr>
+            <a:xfrm>
+              <a:off x="0" y="6285297"/>
+              <a:ext cx="1453415" cy="572703"/>
+            </a:xfrm>
+            <a:prstGeom prst="rect">
+              <a:avLst/>
+            </a:prstGeom>
+            <a:solidFill>
+              <a:schemeClr val="bg1"/>
+            </a:solidFill>
+            <a:ln w="19050">
+              <a:solidFill>
+                <a:schemeClr val="bg1"/>
+              </a:solidFill>
+            </a:ln>
+          </p:spPr>
+          <p:style>
+            <a:lnRef idx="2">
+              <a:schemeClr val="accent1">
+                <a:shade val="50000"/>
+              </a:schemeClr>
+            </a:lnRef>
+            <a:fillRef idx="1">
+              <a:schemeClr val="accent1"/>
+            </a:fillRef>
+            <a:effectRef idx="0">
+              <a:schemeClr val="accent1"/>
+            </a:effectRef>
+            <a:fontRef idx="minor">
+              <a:schemeClr val="lt1"/>
+            </a:fontRef>
+          </p:style>
+          <p:txBody>
+            <a:bodyPr rtlCol="0" anchor="ctr"/>
+            <a:lstStyle/>
+            <a:p>
+              <a:pPr algn="ctr"/>
+              <a:endParaRPr lang="zh-CN" altLang="en-US" sz="3500" dirty="0">
+                <a:solidFill>
+                  <a:prstClr val="black">
+                    <a:lumMod val="65000"/>
+                    <a:lumOff val="35000"/>
+                  </a:prstClr>
+                </a:solidFill>
+              </a:endParaRPr>
+            </a:p>
+          </p:txBody>
+        </p:sp>
+        <p:sp>
+          <p:nvSpPr>
+            <p:cNvPr id="15" name="Diamond 14"/>
+            <p:cNvSpPr/>
+            <p:nvPr/>
+          </p:nvSpPr>
+          <p:spPr>
+            <a:xfrm>
+              <a:off x="456707" y="6304547"/>
+              <a:ext cx="540000" cy="540000"/>
+            </a:xfrm>
+            <a:prstGeom prst="diamond">
+              <a:avLst/>
+            </a:prstGeom>
+            <a:noFill/>
+            <a:ln w="28575">
+              <a:solidFill>
+                <a:schemeClr val="accent6">
+                  <a:lumMod val="75000"/>
+                </a:schemeClr>
+              </a:solidFill>
+            </a:ln>
+          </p:spPr>
+          <p:style>
+            <a:lnRef idx="2">
+              <a:schemeClr val="accent1">
+                <a:shade val="50000"/>
+              </a:schemeClr>
+            </a:lnRef>
+            <a:fillRef idx="1">
+              <a:schemeClr val="accent1"/>
+            </a:fillRef>
+            <a:effectRef idx="0">
+              <a:schemeClr val="accent1"/>
+            </a:effectRef>
+            <a:fontRef idx="minor">
+              <a:schemeClr val="lt1"/>
+            </a:fontRef>
+          </p:style>
+          <p:txBody>
+            <a:bodyPr rtlCol="0" anchor="ctr"/>
+            <a:lstStyle/>
+            <a:p>
+              <a:pPr algn="ctr"/>
+              <a:r>
+                <a:rPr lang="en-US" altLang="zh-CN" dirty="0">
+                  <a:solidFill>
+                    <a:srgbClr val="5B9BD5"/>
+                  </a:solidFill>
+                </a:rPr>
+                <a:t>4</a:t>
+              </a:r>
+              <a:endParaRPr lang="zh-CN" altLang="en-US" dirty="0">
+                <a:solidFill>
+                  <a:srgbClr val="5B9BD5"/>
+                </a:solidFill>
+              </a:endParaRPr>
+            </a:p>
+          </p:txBody>
+        </p:sp>
+      </p:grpSp>
+      <p:sp>
+        <p:nvSpPr>
+          <p:cNvPr id="5" name="TextBox 4"/>
+          <p:cNvSpPr txBox="1"/>
+          <p:nvPr/>
+        </p:nvSpPr>
+        <p:spPr>
+          <a:xfrm>
+            <a:off x="2908733" y="1376229"/>
+            <a:ext cx="7827948" cy="861774"/>
+          </a:xfrm>
+          <a:prstGeom prst="rect">
+            <a:avLst/>
+          </a:prstGeom>
+          <a:noFill/>
+        </p:spPr>
+        <p:txBody>
+          <a:bodyPr wrap="square" rtlCol="0">
+            <a:spAutoFit/>
+          </a:bodyPr>
+          <a:lstStyle/>
+          <a:p>
+            <a:pPr>
+              <a:lnSpc>
+                <a:spcPts val="3000"/>
+              </a:lnSpc>
+            </a:pPr>
+            <a:r>
+              <a:rPr lang="zh-CN" altLang="en-US" sz="2000" dirty="0" smtClean="0">
+                <a:solidFill>
+                  <a:prstClr val="white"/>
+                </a:solidFill>
+              </a:rPr>
+              <a:t>玩家在同一时刻只能接受一定数量的信息。如果信息的数量超过玩家能接受的上限，这些信息就会被玩家遗漏，并最终成为噪声。</a:t>
+            </a:r>
+            <a:endParaRPr lang="zh-CN" altLang="en-US" sz="2000" dirty="0">
+              <a:solidFill>
+                <a:prstClr val="white"/>
+              </a:solidFill>
+            </a:endParaRPr>
+          </a:p>
+        </p:txBody>
+      </p:sp>
+      <p:sp>
+        <p:nvSpPr>
+          <p:cNvPr id="9" name="TextBox 8"/>
+          <p:cNvSpPr txBox="1"/>
+          <p:nvPr/>
+        </p:nvSpPr>
+        <p:spPr>
+          <a:xfrm>
+            <a:off x="2906831" y="2992557"/>
+            <a:ext cx="7827948" cy="861774"/>
+          </a:xfrm>
+          <a:prstGeom prst="rect">
+            <a:avLst/>
+          </a:prstGeom>
+          <a:noFill/>
+        </p:spPr>
+        <p:txBody>
+          <a:bodyPr wrap="square" rtlCol="0">
+            <a:spAutoFit/>
+          </a:bodyPr>
+          <a:lstStyle/>
+          <a:p>
+            <a:pPr>
+              <a:lnSpc>
+                <a:spcPts val="3000"/>
+              </a:lnSpc>
+            </a:pPr>
+            <a:r>
+              <a:rPr lang="zh-CN" altLang="en-US" sz="2000" dirty="0" smtClean="0">
+                <a:solidFill>
+                  <a:prstClr val="white"/>
+                </a:solidFill>
+              </a:rPr>
+              <a:t>在视觉层次中，所有的东西都会立即出现，但是更重要的信息会更加显眼，以便玩家在第一时间就能够注意到它们。</a:t>
+            </a:r>
+            <a:endParaRPr lang="zh-CN" altLang="en-US" sz="2000" dirty="0">
+              <a:solidFill>
+                <a:prstClr val="white"/>
+              </a:solidFill>
+            </a:endParaRPr>
+          </a:p>
+        </p:txBody>
+      </p:sp>
+    </p:spTree>
+    <p:extLst>
+      <p:ext uri="{BB962C8B-B14F-4D97-AF65-F5344CB8AC3E}">
+        <p14:creationId xmlns:p14="http://schemas.microsoft.com/office/powerpoint/2010/main" val="3053182460"/>
+      </p:ext>
+    </p:extLst>
+  </p:cSld>
+  <p:clrMapOvr>
+    <a:masterClrMapping/>
+  </p:clrMapOvr>
+  <p:timing>
+    <p:tnLst>
+      <p:par>
+        <p:cTn id="1" dur="indefinite" restart="never" nodeType="tmRoot"/>
+      </p:par>
+    </p:tnLst>
+  </p:timing>
+</p:sld>
+</file>
+
+<file path=ppt/slides/slide51.xml><?xml version="1.0" encoding="utf-8"?>
+<p:sld xmlns:a="http://schemas.openxmlformats.org/drawingml/2006/main" xmlns:r="http://schemas.openxmlformats.org/officeDocument/2006/relationships" xmlns:p="http://schemas.openxmlformats.org/presentationml/2006/main">
+  <p:cSld>
+    <p:bg>
+      <p:bgPr>
+        <a:solidFill>
+          <a:schemeClr val="tx1">
+            <a:lumMod val="65000"/>
+            <a:lumOff val="35000"/>
+          </a:schemeClr>
+        </a:solidFill>
+        <a:effectLst/>
+      </p:bgPr>
+    </p:bg>
+    <p:spTree>
+      <p:nvGrpSpPr>
+        <p:cNvPr id="1" name=""/>
+        <p:cNvGrpSpPr/>
+        <p:nvPr/>
+      </p:nvGrpSpPr>
+      <p:grpSpPr>
+        <a:xfrm>
+          <a:off x="0" y="0"/>
+          <a:ext cx="0" cy="0"/>
+          <a:chOff x="0" y="0"/>
+          <a:chExt cx="0" cy="0"/>
+        </a:xfrm>
+      </p:grpSpPr>
+      <p:cxnSp>
+        <p:nvCxnSpPr>
+          <p:cNvPr id="11" name="Straight Connector 10"/>
+          <p:cNvCxnSpPr/>
+          <p:nvPr/>
+        </p:nvCxnSpPr>
+        <p:spPr>
+          <a:xfrm>
+            <a:off x="1453415" y="0"/>
+            <a:ext cx="0" cy="6858000"/>
+          </a:xfrm>
+          <a:prstGeom prst="line">
+            <a:avLst/>
+          </a:prstGeom>
+          <a:ln w="28575">
+            <a:solidFill>
+              <a:schemeClr val="bg1"/>
+            </a:solidFill>
+          </a:ln>
+        </p:spPr>
+        <p:style>
+          <a:lnRef idx="1">
+            <a:schemeClr val="accent1"/>
+          </a:lnRef>
+          <a:fillRef idx="0">
+            <a:schemeClr val="accent1"/>
+          </a:fillRef>
+          <a:effectRef idx="0">
+            <a:schemeClr val="accent1"/>
+          </a:effectRef>
+          <a:fontRef idx="minor">
+            <a:schemeClr val="tx1"/>
+          </a:fontRef>
+        </p:style>
+      </p:cxnSp>
+      <p:sp>
+        <p:nvSpPr>
+          <p:cNvPr id="2" name="TextBox 1"/>
+          <p:cNvSpPr txBox="1"/>
+          <p:nvPr/>
+        </p:nvSpPr>
+        <p:spPr>
+          <a:xfrm>
+            <a:off x="256511" y="1620075"/>
+            <a:ext cx="933650" cy="3785652"/>
+          </a:xfrm>
+          <a:prstGeom prst="rect">
+            <a:avLst/>
+          </a:prstGeom>
+          <a:noFill/>
+        </p:spPr>
+        <p:txBody>
+          <a:bodyPr wrap="square" rtlCol="0">
+            <a:spAutoFit/>
+          </a:bodyPr>
+          <a:lstStyle/>
+          <a:p>
+            <a:pPr algn="ctr"/>
+            <a:r>
+              <a:rPr lang="zh-CN" altLang="en-US" sz="4000" dirty="0" smtClean="0">
+                <a:solidFill>
+                  <a:prstClr val="white"/>
+                </a:solidFill>
+              </a:rPr>
+              <a:t>视觉层次例子</a:t>
+            </a:r>
+            <a:endParaRPr lang="en-US" altLang="zh-CN" sz="4000" dirty="0" smtClean="0">
+              <a:solidFill>
+                <a:prstClr val="white"/>
+              </a:solidFill>
+            </a:endParaRPr>
+          </a:p>
+        </p:txBody>
+      </p:sp>
+      <p:grpSp>
+        <p:nvGrpSpPr>
+          <p:cNvPr id="3" name="Group 2"/>
+          <p:cNvGrpSpPr/>
+          <p:nvPr/>
+        </p:nvGrpSpPr>
+        <p:grpSpPr>
+          <a:xfrm>
+            <a:off x="0" y="0"/>
+            <a:ext cx="1453415" cy="572703"/>
+            <a:chOff x="0" y="6285297"/>
+            <a:chExt cx="1453415" cy="572703"/>
+          </a:xfrm>
+        </p:grpSpPr>
+        <p:sp>
+          <p:nvSpPr>
+            <p:cNvPr id="13" name="Rectangle 12"/>
+            <p:cNvSpPr/>
+            <p:nvPr/>
+          </p:nvSpPr>
+          <p:spPr>
+            <a:xfrm>
+              <a:off x="0" y="6285297"/>
+              <a:ext cx="1453415" cy="572703"/>
+            </a:xfrm>
+            <a:prstGeom prst="rect">
+              <a:avLst/>
+            </a:prstGeom>
+            <a:solidFill>
+              <a:schemeClr val="bg1"/>
+            </a:solidFill>
+            <a:ln w="19050">
+              <a:solidFill>
+                <a:schemeClr val="bg1"/>
+              </a:solidFill>
+            </a:ln>
+          </p:spPr>
+          <p:style>
+            <a:lnRef idx="2">
+              <a:schemeClr val="accent1">
+                <a:shade val="50000"/>
+              </a:schemeClr>
+            </a:lnRef>
+            <a:fillRef idx="1">
+              <a:schemeClr val="accent1"/>
+            </a:fillRef>
+            <a:effectRef idx="0">
+              <a:schemeClr val="accent1"/>
+            </a:effectRef>
+            <a:fontRef idx="minor">
+              <a:schemeClr val="lt1"/>
+            </a:fontRef>
+          </p:style>
+          <p:txBody>
+            <a:bodyPr rtlCol="0" anchor="ctr"/>
+            <a:lstStyle/>
+            <a:p>
+              <a:pPr algn="ctr"/>
+              <a:endParaRPr lang="zh-CN" altLang="en-US" sz="3500" dirty="0">
+                <a:solidFill>
+                  <a:prstClr val="black">
+                    <a:lumMod val="65000"/>
+                    <a:lumOff val="35000"/>
+                  </a:prstClr>
+                </a:solidFill>
+              </a:endParaRPr>
+            </a:p>
+          </p:txBody>
+        </p:sp>
+        <p:sp>
+          <p:nvSpPr>
+            <p:cNvPr id="15" name="Diamond 14"/>
+            <p:cNvSpPr/>
+            <p:nvPr/>
+          </p:nvSpPr>
+          <p:spPr>
+            <a:xfrm>
+              <a:off x="456707" y="6304547"/>
+              <a:ext cx="540000" cy="540000"/>
+            </a:xfrm>
+            <a:prstGeom prst="diamond">
+              <a:avLst/>
+            </a:prstGeom>
+            <a:noFill/>
+            <a:ln w="28575">
+              <a:solidFill>
+                <a:schemeClr val="accent6">
+                  <a:lumMod val="75000"/>
+                </a:schemeClr>
+              </a:solidFill>
+            </a:ln>
+          </p:spPr>
+          <p:style>
+            <a:lnRef idx="2">
+              <a:schemeClr val="accent1">
+                <a:shade val="50000"/>
+              </a:schemeClr>
+            </a:lnRef>
+            <a:fillRef idx="1">
+              <a:schemeClr val="accent1"/>
+            </a:fillRef>
+            <a:effectRef idx="0">
+              <a:schemeClr val="accent1"/>
+            </a:effectRef>
+            <a:fontRef idx="minor">
+              <a:schemeClr val="lt1"/>
+            </a:fontRef>
+          </p:style>
+          <p:txBody>
+            <a:bodyPr rtlCol="0" anchor="ctr"/>
+            <a:lstStyle/>
+            <a:p>
+              <a:pPr algn="ctr"/>
+              <a:r>
+                <a:rPr lang="en-US" altLang="zh-CN" dirty="0">
+                  <a:solidFill>
+                    <a:srgbClr val="5B9BD5"/>
+                  </a:solidFill>
+                </a:rPr>
+                <a:t>5</a:t>
+              </a:r>
+              <a:endParaRPr lang="zh-CN" altLang="en-US" dirty="0">
+                <a:solidFill>
+                  <a:srgbClr val="5B9BD5"/>
+                </a:solidFill>
+              </a:endParaRPr>
+            </a:p>
+          </p:txBody>
+        </p:sp>
+      </p:grpSp>
+      <p:sp>
+        <p:nvSpPr>
+          <p:cNvPr id="10" name="Rectangle 9"/>
+          <p:cNvSpPr/>
+          <p:nvPr/>
+        </p:nvSpPr>
+        <p:spPr>
+          <a:xfrm>
+            <a:off x="1453415" y="6332434"/>
+            <a:ext cx="10738585" cy="525566"/>
+          </a:xfrm>
+          <a:prstGeom prst="rect">
+            <a:avLst/>
+          </a:prstGeom>
+          <a:solidFill>
+            <a:schemeClr val="bg1"/>
+          </a:solidFill>
+          <a:ln w="19050">
+            <a:solidFill>
+              <a:schemeClr val="bg1"/>
+            </a:solidFill>
+          </a:ln>
+        </p:spPr>
+        <p:style>
+          <a:lnRef idx="2">
+            <a:schemeClr val="accent1">
+              <a:shade val="50000"/>
+            </a:schemeClr>
+          </a:lnRef>
+          <a:fillRef idx="1">
+            <a:schemeClr val="accent1"/>
+          </a:fillRef>
+          <a:effectRef idx="0">
+            <a:schemeClr val="accent1"/>
+          </a:effectRef>
+          <a:fontRef idx="minor">
+            <a:schemeClr val="lt1"/>
+          </a:fontRef>
+        </p:style>
+        <p:txBody>
+          <a:bodyPr rtlCol="0" anchor="ctr"/>
+          <a:lstStyle/>
+          <a:p>
+            <a:pPr algn="ctr"/>
+            <a:r>
+              <a:rPr lang="zh-CN" altLang="en-US" sz="2500" dirty="0" smtClean="0">
+                <a:solidFill>
+                  <a:srgbClr val="ED7D31"/>
+                </a:solidFill>
+              </a:rPr>
+              <a:t>例   </a:t>
+            </a:r>
+            <a:r>
+              <a:rPr lang="en-US" altLang="zh-CN" sz="2500" dirty="0" smtClean="0">
+                <a:solidFill>
+                  <a:srgbClr val="ED7D31"/>
+                </a:solidFill>
+              </a:rPr>
+              <a:t>《CR》</a:t>
+            </a:r>
+            <a:r>
+              <a:rPr lang="zh-CN" altLang="en-US" sz="2500" dirty="0" smtClean="0">
+                <a:solidFill>
+                  <a:srgbClr val="ED7D31"/>
+                </a:solidFill>
+              </a:rPr>
+              <a:t>、</a:t>
+            </a:r>
+            <a:r>
+              <a:rPr lang="en-US" altLang="zh-CN" sz="2500" dirty="0" smtClean="0">
+                <a:solidFill>
+                  <a:srgbClr val="ED7D31"/>
+                </a:solidFill>
+              </a:rPr>
+              <a:t>《dota2》</a:t>
+            </a:r>
+            <a:endParaRPr lang="zh-CN" altLang="en-US" sz="2500" dirty="0">
+              <a:solidFill>
+                <a:srgbClr val="ED7D31"/>
+              </a:solidFill>
+            </a:endParaRPr>
+          </a:p>
+        </p:txBody>
+      </p:sp>
+      <p:pic>
+        <p:nvPicPr>
+          <p:cNvPr id="5" name="Picture 4"/>
+          <p:cNvPicPr>
+            <a:picLocks noChangeAspect="1"/>
+          </p:cNvPicPr>
+          <p:nvPr/>
+        </p:nvPicPr>
+        <p:blipFill>
+          <a:blip r:embed="rId2"/>
+          <a:stretch>
+            <a:fillRect/>
+          </a:stretch>
+        </p:blipFill>
+        <p:spPr>
+          <a:xfrm>
+            <a:off x="2661485" y="825710"/>
+            <a:ext cx="2598645" cy="4580017"/>
+          </a:xfrm>
+          <a:prstGeom prst="rect">
+            <a:avLst/>
+          </a:prstGeom>
+        </p:spPr>
+      </p:pic>
+      <p:pic>
+        <p:nvPicPr>
+          <p:cNvPr id="7" name="Picture 6"/>
+          <p:cNvPicPr>
+            <a:picLocks noChangeAspect="1"/>
+          </p:cNvPicPr>
+          <p:nvPr/>
+        </p:nvPicPr>
+        <p:blipFill>
+          <a:blip r:embed="rId3"/>
+          <a:stretch>
+            <a:fillRect/>
+          </a:stretch>
+        </p:blipFill>
+        <p:spPr>
+          <a:xfrm>
+            <a:off x="5633050" y="1393923"/>
+            <a:ext cx="6165248" cy="3460088"/>
+          </a:xfrm>
+          <a:prstGeom prst="rect">
+            <a:avLst/>
+          </a:prstGeom>
+        </p:spPr>
+      </p:pic>
+    </p:spTree>
+    <p:extLst>
+      <p:ext uri="{BB962C8B-B14F-4D97-AF65-F5344CB8AC3E}">
+        <p14:creationId xmlns:p14="http://schemas.microsoft.com/office/powerpoint/2010/main" val="3989241122"/>
+      </p:ext>
+    </p:extLst>
+  </p:cSld>
+  <p:clrMapOvr>
+    <a:masterClrMapping/>
+  </p:clrMapOvr>
+  <p:timing>
+    <p:tnLst>
+      <p:par>
+        <p:cTn id="1" dur="indefinite" restart="never" nodeType="tmRoot"/>
+      </p:par>
+    </p:tnLst>
+  </p:timing>
+</p:sld>
+</file>
+
+<file path=ppt/slides/slide52.xml><?xml version="1.0" encoding="utf-8"?>
+<p:sld xmlns:a="http://schemas.openxmlformats.org/drawingml/2006/main" xmlns:r="http://schemas.openxmlformats.org/officeDocument/2006/relationships" xmlns:p="http://schemas.openxmlformats.org/presentationml/2006/main">
+  <p:cSld>
+    <p:bg>
+      <p:bgPr>
+        <a:solidFill>
+          <a:schemeClr val="tx1">
+            <a:lumMod val="65000"/>
+            <a:lumOff val="35000"/>
+          </a:schemeClr>
+        </a:solidFill>
+        <a:effectLst/>
+      </p:bgPr>
+    </p:bg>
+    <p:spTree>
+      <p:nvGrpSpPr>
+        <p:cNvPr id="1" name=""/>
+        <p:cNvGrpSpPr/>
+        <p:nvPr/>
+      </p:nvGrpSpPr>
+      <p:grpSpPr>
+        <a:xfrm>
+          <a:off x="0" y="0"/>
+          <a:ext cx="0" cy="0"/>
+          <a:chOff x="0" y="0"/>
+          <a:chExt cx="0" cy="0"/>
+        </a:xfrm>
+      </p:grpSpPr>
+      <p:cxnSp>
+        <p:nvCxnSpPr>
+          <p:cNvPr id="11" name="Straight Connector 10"/>
+          <p:cNvCxnSpPr/>
+          <p:nvPr/>
+        </p:nvCxnSpPr>
+        <p:spPr>
+          <a:xfrm>
+            <a:off x="1453415" y="0"/>
+            <a:ext cx="0" cy="6858000"/>
+          </a:xfrm>
+          <a:prstGeom prst="line">
+            <a:avLst/>
+          </a:prstGeom>
+          <a:ln w="28575">
+            <a:solidFill>
+              <a:schemeClr val="bg1"/>
+            </a:solidFill>
+          </a:ln>
+        </p:spPr>
+        <p:style>
+          <a:lnRef idx="1">
+            <a:schemeClr val="accent1"/>
+          </a:lnRef>
+          <a:fillRef idx="0">
+            <a:schemeClr val="accent1"/>
+          </a:fillRef>
+          <a:effectRef idx="0">
+            <a:schemeClr val="accent1"/>
+          </a:effectRef>
+          <a:fontRef idx="minor">
+            <a:schemeClr val="tx1"/>
+          </a:fontRef>
+        </p:style>
+      </p:cxnSp>
+      <p:sp>
+        <p:nvSpPr>
+          <p:cNvPr id="2" name="TextBox 1"/>
+          <p:cNvSpPr txBox="1"/>
+          <p:nvPr/>
+        </p:nvSpPr>
+        <p:spPr>
+          <a:xfrm>
+            <a:off x="259882" y="1978999"/>
+            <a:ext cx="933650" cy="2554545"/>
+          </a:xfrm>
+          <a:prstGeom prst="rect">
+            <a:avLst/>
+          </a:prstGeom>
+          <a:noFill/>
+        </p:spPr>
+        <p:txBody>
+          <a:bodyPr wrap="square" rtlCol="0">
+            <a:spAutoFit/>
+          </a:bodyPr>
+          <a:lstStyle/>
+          <a:p>
+            <a:pPr algn="ctr"/>
+            <a:r>
+              <a:rPr lang="zh-CN" altLang="en-US" sz="4000" dirty="0" smtClean="0">
+                <a:solidFill>
+                  <a:prstClr val="white"/>
+                </a:solidFill>
+              </a:rPr>
+              <a:t>信息冗余</a:t>
+            </a:r>
+            <a:endParaRPr lang="en-US" altLang="zh-CN" sz="4000" dirty="0" smtClean="0">
+              <a:solidFill>
+                <a:prstClr val="white"/>
+              </a:solidFill>
+            </a:endParaRPr>
+          </a:p>
+        </p:txBody>
+      </p:sp>
+      <p:grpSp>
+        <p:nvGrpSpPr>
+          <p:cNvPr id="3" name="Group 2"/>
+          <p:cNvGrpSpPr/>
+          <p:nvPr/>
+        </p:nvGrpSpPr>
+        <p:grpSpPr>
+          <a:xfrm>
+            <a:off x="0" y="0"/>
+            <a:ext cx="1453415" cy="572703"/>
+            <a:chOff x="0" y="6285297"/>
+            <a:chExt cx="1453415" cy="572703"/>
+          </a:xfrm>
+        </p:grpSpPr>
+        <p:sp>
+          <p:nvSpPr>
+            <p:cNvPr id="13" name="Rectangle 12"/>
+            <p:cNvSpPr/>
+            <p:nvPr/>
+          </p:nvSpPr>
+          <p:spPr>
+            <a:xfrm>
+              <a:off x="0" y="6285297"/>
+              <a:ext cx="1453415" cy="572703"/>
+            </a:xfrm>
+            <a:prstGeom prst="rect">
+              <a:avLst/>
+            </a:prstGeom>
+            <a:solidFill>
+              <a:schemeClr val="bg1"/>
+            </a:solidFill>
+            <a:ln w="19050">
+              <a:solidFill>
+                <a:schemeClr val="bg1"/>
+              </a:solidFill>
+            </a:ln>
+          </p:spPr>
+          <p:style>
+            <a:lnRef idx="2">
+              <a:schemeClr val="accent1">
+                <a:shade val="50000"/>
+              </a:schemeClr>
+            </a:lnRef>
+            <a:fillRef idx="1">
+              <a:schemeClr val="accent1"/>
+            </a:fillRef>
+            <a:effectRef idx="0">
+              <a:schemeClr val="accent1"/>
+            </a:effectRef>
+            <a:fontRef idx="minor">
+              <a:schemeClr val="lt1"/>
+            </a:fontRef>
+          </p:style>
+          <p:txBody>
+            <a:bodyPr rtlCol="0" anchor="ctr"/>
+            <a:lstStyle/>
+            <a:p>
+              <a:pPr algn="ctr"/>
+              <a:endParaRPr lang="zh-CN" altLang="en-US" sz="3500" dirty="0">
+                <a:solidFill>
+                  <a:prstClr val="black">
+                    <a:lumMod val="65000"/>
+                    <a:lumOff val="35000"/>
+                  </a:prstClr>
+                </a:solidFill>
+              </a:endParaRPr>
+            </a:p>
+          </p:txBody>
+        </p:sp>
+        <p:sp>
+          <p:nvSpPr>
+            <p:cNvPr id="15" name="Diamond 14"/>
+            <p:cNvSpPr/>
+            <p:nvPr/>
+          </p:nvSpPr>
+          <p:spPr>
+            <a:xfrm>
+              <a:off x="456707" y="6304547"/>
+              <a:ext cx="540000" cy="540000"/>
+            </a:xfrm>
+            <a:prstGeom prst="diamond">
+              <a:avLst/>
+            </a:prstGeom>
+            <a:noFill/>
+            <a:ln w="28575">
+              <a:solidFill>
+                <a:schemeClr val="accent6">
+                  <a:lumMod val="75000"/>
+                </a:schemeClr>
+              </a:solidFill>
+            </a:ln>
+          </p:spPr>
+          <p:style>
+            <a:lnRef idx="2">
+              <a:schemeClr val="accent1">
+                <a:shade val="50000"/>
+              </a:schemeClr>
+            </a:lnRef>
+            <a:fillRef idx="1">
+              <a:schemeClr val="accent1"/>
+            </a:fillRef>
+            <a:effectRef idx="0">
+              <a:schemeClr val="accent1"/>
+            </a:effectRef>
+            <a:fontRef idx="minor">
+              <a:schemeClr val="lt1"/>
+            </a:fontRef>
+          </p:style>
+          <p:txBody>
+            <a:bodyPr rtlCol="0" anchor="ctr"/>
+            <a:lstStyle/>
+            <a:p>
+              <a:pPr algn="ctr"/>
+              <a:r>
+                <a:rPr lang="en-US" altLang="zh-CN" dirty="0">
+                  <a:solidFill>
+                    <a:srgbClr val="5B9BD5"/>
+                  </a:solidFill>
+                </a:rPr>
+                <a:t>6</a:t>
+              </a:r>
+              <a:endParaRPr lang="zh-CN" altLang="en-US" dirty="0">
+                <a:solidFill>
+                  <a:srgbClr val="5B9BD5"/>
+                </a:solidFill>
+              </a:endParaRPr>
+            </a:p>
+          </p:txBody>
+        </p:sp>
+      </p:grpSp>
+      <p:sp>
+        <p:nvSpPr>
+          <p:cNvPr id="8" name="TextBox 7"/>
+          <p:cNvSpPr txBox="1"/>
+          <p:nvPr/>
+        </p:nvSpPr>
+        <p:spPr>
+          <a:xfrm>
+            <a:off x="2368446" y="1262663"/>
+            <a:ext cx="6502089" cy="477054"/>
+          </a:xfrm>
+          <a:prstGeom prst="rect">
+            <a:avLst/>
+          </a:prstGeom>
+          <a:noFill/>
+        </p:spPr>
+        <p:txBody>
+          <a:bodyPr wrap="square" rtlCol="0">
+            <a:spAutoFit/>
+          </a:bodyPr>
+          <a:lstStyle/>
+          <a:p>
+            <a:pPr>
+              <a:lnSpc>
+                <a:spcPts val="3000"/>
+              </a:lnSpc>
+            </a:pPr>
+            <a:r>
+              <a:rPr lang="zh-CN" altLang="en-US" sz="2000" dirty="0">
+                <a:solidFill>
+                  <a:prstClr val="white"/>
+                </a:solidFill>
+              </a:rPr>
+              <a:t>为</a:t>
+            </a:r>
+            <a:r>
+              <a:rPr lang="zh-CN" altLang="en-US" sz="2000" dirty="0" smtClean="0">
+                <a:solidFill>
+                  <a:prstClr val="white"/>
+                </a:solidFill>
+              </a:rPr>
+              <a:t>了避免玩家错过重要信息，可采用信息冗余方法。</a:t>
+            </a:r>
+            <a:endParaRPr lang="zh-CN" altLang="en-US" sz="2000" dirty="0">
+              <a:solidFill>
+                <a:prstClr val="white"/>
+              </a:solidFill>
+            </a:endParaRPr>
+          </a:p>
+        </p:txBody>
+      </p:sp>
+      <p:sp>
+        <p:nvSpPr>
+          <p:cNvPr id="4" name="Rectangle 3"/>
+          <p:cNvSpPr/>
+          <p:nvPr/>
+        </p:nvSpPr>
+        <p:spPr>
+          <a:xfrm>
+            <a:off x="2479540" y="2412051"/>
+            <a:ext cx="1367327" cy="564022"/>
+          </a:xfrm>
+          <a:prstGeom prst="rect">
+            <a:avLst/>
+          </a:prstGeom>
+          <a:noFill/>
+          <a:ln w="19050">
+            <a:solidFill>
+              <a:schemeClr val="bg1"/>
+            </a:solidFill>
+          </a:ln>
+        </p:spPr>
+        <p:style>
+          <a:lnRef idx="2">
+            <a:schemeClr val="accent1">
+              <a:shade val="50000"/>
+            </a:schemeClr>
+          </a:lnRef>
+          <a:fillRef idx="1">
+            <a:schemeClr val="accent1"/>
+          </a:fillRef>
+          <a:effectRef idx="0">
+            <a:schemeClr val="accent1"/>
+          </a:effectRef>
+          <a:fontRef idx="minor">
+            <a:schemeClr val="lt1"/>
+          </a:fontRef>
+        </p:style>
+        <p:txBody>
+          <a:bodyPr rtlCol="0" anchor="ctr"/>
+          <a:lstStyle/>
+          <a:p>
+            <a:pPr algn="ctr"/>
+            <a:r>
+              <a:rPr lang="zh-CN" altLang="en-US" dirty="0" smtClean="0"/>
+              <a:t>同类冗余</a:t>
+            </a:r>
+            <a:endParaRPr lang="zh-CN" altLang="en-US" dirty="0"/>
+          </a:p>
+        </p:txBody>
+      </p:sp>
+      <p:sp>
+        <p:nvSpPr>
+          <p:cNvPr id="10" name="Rectangle 9"/>
+          <p:cNvSpPr/>
+          <p:nvPr/>
+        </p:nvSpPr>
+        <p:spPr>
+          <a:xfrm>
+            <a:off x="3846867" y="2412051"/>
+            <a:ext cx="4083630" cy="564022"/>
+          </a:xfrm>
+          <a:prstGeom prst="rect">
+            <a:avLst/>
+          </a:prstGeom>
+          <a:noFill/>
+          <a:ln w="19050">
+            <a:solidFill>
+              <a:schemeClr val="bg1"/>
+            </a:solidFill>
+          </a:ln>
+        </p:spPr>
+        <p:style>
+          <a:lnRef idx="2">
+            <a:schemeClr val="accent1">
+              <a:shade val="50000"/>
+            </a:schemeClr>
+          </a:lnRef>
+          <a:fillRef idx="1">
+            <a:schemeClr val="accent1"/>
+          </a:fillRef>
+          <a:effectRef idx="0">
+            <a:schemeClr val="accent1"/>
+          </a:effectRef>
+          <a:fontRef idx="minor">
+            <a:schemeClr val="lt1"/>
+          </a:fontRef>
+        </p:style>
+        <p:txBody>
+          <a:bodyPr rtlCol="0" anchor="ctr"/>
+          <a:lstStyle/>
+          <a:p>
+            <a:pPr algn="ctr"/>
+            <a:r>
+              <a:rPr lang="zh-CN" altLang="en-US" dirty="0" smtClean="0"/>
+              <a:t>同样的方式多次传递同样的信息</a:t>
+            </a:r>
+            <a:endParaRPr lang="zh-CN" altLang="en-US" dirty="0"/>
+          </a:p>
+        </p:txBody>
+      </p:sp>
+      <p:sp>
+        <p:nvSpPr>
+          <p:cNvPr id="14" name="Rectangle 13"/>
+          <p:cNvSpPr/>
+          <p:nvPr/>
+        </p:nvSpPr>
+        <p:spPr>
+          <a:xfrm>
+            <a:off x="7930497" y="2412051"/>
+            <a:ext cx="4083630" cy="564022"/>
+          </a:xfrm>
+          <a:prstGeom prst="rect">
+            <a:avLst/>
+          </a:prstGeom>
+          <a:noFill/>
+          <a:ln w="19050">
+            <a:solidFill>
+              <a:schemeClr val="bg1"/>
+            </a:solidFill>
+          </a:ln>
+        </p:spPr>
+        <p:style>
+          <a:lnRef idx="2">
+            <a:schemeClr val="accent1">
+              <a:shade val="50000"/>
+            </a:schemeClr>
+          </a:lnRef>
+          <a:fillRef idx="1">
+            <a:schemeClr val="accent1"/>
+          </a:fillRef>
+          <a:effectRef idx="0">
+            <a:schemeClr val="accent1"/>
+          </a:effectRef>
+          <a:fontRef idx="minor">
+            <a:schemeClr val="lt1"/>
+          </a:fontRef>
+        </p:style>
+        <p:txBody>
+          <a:bodyPr rtlCol="0" anchor="ctr"/>
+          <a:lstStyle/>
+          <a:p>
+            <a:pPr algn="ctr"/>
+            <a:r>
+              <a:rPr lang="zh-CN" altLang="en-US" sz="1400" dirty="0" smtClean="0"/>
+              <a:t>不同的地方放一样的提示，玩家只需看到其中一个，提示全部消失</a:t>
+            </a:r>
+            <a:endParaRPr lang="zh-CN" altLang="en-US" sz="1400" dirty="0"/>
+          </a:p>
+        </p:txBody>
+      </p:sp>
+      <p:sp>
+        <p:nvSpPr>
+          <p:cNvPr id="16" name="Rectangle 15"/>
+          <p:cNvSpPr/>
+          <p:nvPr/>
+        </p:nvSpPr>
+        <p:spPr>
+          <a:xfrm>
+            <a:off x="2479540" y="3504489"/>
+            <a:ext cx="1367327" cy="564022"/>
+          </a:xfrm>
+          <a:prstGeom prst="rect">
+            <a:avLst/>
+          </a:prstGeom>
+          <a:noFill/>
+          <a:ln w="19050">
+            <a:solidFill>
+              <a:schemeClr val="bg1"/>
+            </a:solidFill>
+          </a:ln>
+        </p:spPr>
+        <p:style>
+          <a:lnRef idx="2">
+            <a:schemeClr val="accent1">
+              <a:shade val="50000"/>
+            </a:schemeClr>
+          </a:lnRef>
+          <a:fillRef idx="1">
+            <a:schemeClr val="accent1"/>
+          </a:fillRef>
+          <a:effectRef idx="0">
+            <a:schemeClr val="accent1"/>
+          </a:effectRef>
+          <a:fontRef idx="minor">
+            <a:schemeClr val="lt1"/>
+          </a:fontRef>
+        </p:style>
+        <p:txBody>
+          <a:bodyPr rtlCol="0" anchor="ctr"/>
+          <a:lstStyle/>
+          <a:p>
+            <a:pPr algn="ctr"/>
+            <a:r>
+              <a:rPr lang="zh-CN" altLang="en-US" dirty="0" smtClean="0"/>
+              <a:t>可变冗余</a:t>
+            </a:r>
+            <a:endParaRPr lang="zh-CN" altLang="en-US" dirty="0"/>
+          </a:p>
+        </p:txBody>
+      </p:sp>
+      <p:sp>
+        <p:nvSpPr>
+          <p:cNvPr id="17" name="Rectangle 16"/>
+          <p:cNvSpPr/>
+          <p:nvPr/>
+        </p:nvSpPr>
+        <p:spPr>
+          <a:xfrm>
+            <a:off x="3846867" y="3504489"/>
+            <a:ext cx="4083630" cy="564022"/>
+          </a:xfrm>
+          <a:prstGeom prst="rect">
+            <a:avLst/>
+          </a:prstGeom>
+          <a:noFill/>
+          <a:ln w="19050">
+            <a:solidFill>
+              <a:schemeClr val="bg1"/>
+            </a:solidFill>
+          </a:ln>
+        </p:spPr>
+        <p:style>
+          <a:lnRef idx="2">
+            <a:schemeClr val="accent1">
+              <a:shade val="50000"/>
+            </a:schemeClr>
+          </a:lnRef>
+          <a:fillRef idx="1">
+            <a:schemeClr val="accent1"/>
+          </a:fillRef>
+          <a:effectRef idx="0">
+            <a:schemeClr val="accent1"/>
+          </a:effectRef>
+          <a:fontRef idx="minor">
+            <a:schemeClr val="lt1"/>
+          </a:fontRef>
+        </p:style>
+        <p:txBody>
+          <a:bodyPr rtlCol="0" anchor="ctr"/>
+          <a:lstStyle/>
+          <a:p>
+            <a:pPr algn="ctr"/>
+            <a:r>
+              <a:rPr lang="zh-CN" altLang="en-US" dirty="0"/>
+              <a:t>不同</a:t>
+            </a:r>
+            <a:r>
+              <a:rPr lang="zh-CN" altLang="en-US" dirty="0" smtClean="0"/>
+              <a:t>的方式多次传递同样的信息</a:t>
+            </a:r>
+            <a:endParaRPr lang="zh-CN" altLang="en-US" dirty="0"/>
+          </a:p>
+        </p:txBody>
+      </p:sp>
+      <p:sp>
+        <p:nvSpPr>
+          <p:cNvPr id="18" name="Rectangle 17"/>
+          <p:cNvSpPr/>
+          <p:nvPr/>
+        </p:nvSpPr>
+        <p:spPr>
+          <a:xfrm>
+            <a:off x="7930497" y="3504489"/>
+            <a:ext cx="4083630" cy="564022"/>
+          </a:xfrm>
+          <a:prstGeom prst="rect">
+            <a:avLst/>
+          </a:prstGeom>
+          <a:noFill/>
+          <a:ln w="19050">
+            <a:solidFill>
+              <a:schemeClr val="bg1"/>
+            </a:solidFill>
+          </a:ln>
+        </p:spPr>
+        <p:style>
+          <a:lnRef idx="2">
+            <a:schemeClr val="accent1">
+              <a:shade val="50000"/>
+            </a:schemeClr>
+          </a:lnRef>
+          <a:fillRef idx="1">
+            <a:schemeClr val="accent1"/>
+          </a:fillRef>
+          <a:effectRef idx="0">
+            <a:schemeClr val="accent1"/>
+          </a:effectRef>
+          <a:fontRef idx="minor">
+            <a:schemeClr val="lt1"/>
+          </a:fontRef>
+        </p:style>
+        <p:txBody>
+          <a:bodyPr rtlCol="0" anchor="ctr"/>
+          <a:lstStyle/>
+          <a:p>
+            <a:pPr algn="ctr"/>
+            <a:r>
+              <a:rPr lang="zh-CN" altLang="en-US" sz="1400" dirty="0" smtClean="0"/>
+              <a:t>喊叫、挥手、</a:t>
+            </a:r>
+            <a:r>
+              <a:rPr lang="en-US" altLang="zh-CN" sz="1400" dirty="0" smtClean="0"/>
+              <a:t>UI</a:t>
+            </a:r>
+            <a:r>
+              <a:rPr lang="zh-CN" altLang="en-US" sz="1400" dirty="0" smtClean="0"/>
+              <a:t>提示等同时提示一个信息</a:t>
+            </a:r>
+            <a:endParaRPr lang="zh-CN" altLang="en-US" sz="1400" dirty="0"/>
+          </a:p>
+        </p:txBody>
+      </p:sp>
+      <p:sp>
+        <p:nvSpPr>
+          <p:cNvPr id="19" name="Rectangle 18"/>
+          <p:cNvSpPr/>
+          <p:nvPr/>
+        </p:nvSpPr>
+        <p:spPr>
+          <a:xfrm>
+            <a:off x="2479540" y="4533544"/>
+            <a:ext cx="1367327" cy="564022"/>
+          </a:xfrm>
+          <a:prstGeom prst="rect">
+            <a:avLst/>
+          </a:prstGeom>
+          <a:noFill/>
+          <a:ln w="19050">
+            <a:solidFill>
+              <a:schemeClr val="bg1"/>
+            </a:solidFill>
+          </a:ln>
+        </p:spPr>
+        <p:style>
+          <a:lnRef idx="2">
+            <a:schemeClr val="accent1">
+              <a:shade val="50000"/>
+            </a:schemeClr>
+          </a:lnRef>
+          <a:fillRef idx="1">
+            <a:schemeClr val="accent1"/>
+          </a:fillRef>
+          <a:effectRef idx="0">
+            <a:schemeClr val="accent1"/>
+          </a:effectRef>
+          <a:fontRef idx="minor">
+            <a:schemeClr val="lt1"/>
+          </a:fontRef>
+        </p:style>
+        <p:txBody>
+          <a:bodyPr rtlCol="0" anchor="ctr"/>
+          <a:lstStyle/>
+          <a:p>
+            <a:pPr algn="ctr"/>
+            <a:r>
+              <a:rPr lang="zh-CN" altLang="en-US" dirty="0"/>
+              <a:t>被动</a:t>
+            </a:r>
+            <a:r>
+              <a:rPr lang="zh-CN" altLang="en-US" dirty="0" smtClean="0"/>
+              <a:t>冗余</a:t>
+            </a:r>
+            <a:endParaRPr lang="zh-CN" altLang="en-US" dirty="0"/>
+          </a:p>
+        </p:txBody>
+      </p:sp>
+      <p:sp>
+        <p:nvSpPr>
+          <p:cNvPr id="20" name="Rectangle 19"/>
+          <p:cNvSpPr/>
+          <p:nvPr/>
+        </p:nvSpPr>
+        <p:spPr>
+          <a:xfrm>
+            <a:off x="3846867" y="4533544"/>
+            <a:ext cx="4083630" cy="564022"/>
+          </a:xfrm>
+          <a:prstGeom prst="rect">
+            <a:avLst/>
+          </a:prstGeom>
+          <a:noFill/>
+          <a:ln w="19050">
+            <a:solidFill>
+              <a:schemeClr val="bg1"/>
+            </a:solidFill>
+          </a:ln>
+        </p:spPr>
+        <p:style>
+          <a:lnRef idx="2">
+            <a:schemeClr val="accent1">
+              <a:shade val="50000"/>
+            </a:schemeClr>
+          </a:lnRef>
+          <a:fillRef idx="1">
+            <a:schemeClr val="accent1"/>
+          </a:fillRef>
+          <a:effectRef idx="0">
+            <a:schemeClr val="accent1"/>
+          </a:effectRef>
+          <a:fontRef idx="minor">
+            <a:schemeClr val="lt1"/>
+          </a:fontRef>
+        </p:style>
+        <p:txBody>
+          <a:bodyPr rtlCol="0" anchor="ctr"/>
+          <a:lstStyle/>
+          <a:p>
+            <a:pPr algn="ctr"/>
+            <a:r>
+              <a:rPr lang="zh-CN" altLang="en-US" dirty="0"/>
+              <a:t>玩</a:t>
+            </a:r>
+            <a:r>
+              <a:rPr lang="zh-CN" altLang="en-US" dirty="0" smtClean="0"/>
+              <a:t>家错过首要提示，则显示次要提示</a:t>
+            </a:r>
+            <a:endParaRPr lang="zh-CN" altLang="en-US" dirty="0"/>
+          </a:p>
+        </p:txBody>
+      </p:sp>
+      <p:sp>
+        <p:nvSpPr>
+          <p:cNvPr id="21" name="Rectangle 20"/>
+          <p:cNvSpPr/>
+          <p:nvPr/>
+        </p:nvSpPr>
+        <p:spPr>
+          <a:xfrm>
+            <a:off x="7930497" y="4533544"/>
+            <a:ext cx="4083630" cy="564022"/>
+          </a:xfrm>
+          <a:prstGeom prst="rect">
+            <a:avLst/>
+          </a:prstGeom>
+          <a:noFill/>
+          <a:ln w="19050">
+            <a:solidFill>
+              <a:schemeClr val="bg1"/>
+            </a:solidFill>
+          </a:ln>
+        </p:spPr>
+        <p:style>
+          <a:lnRef idx="2">
+            <a:schemeClr val="accent1">
+              <a:shade val="50000"/>
+            </a:schemeClr>
+          </a:lnRef>
+          <a:fillRef idx="1">
+            <a:schemeClr val="accent1"/>
+          </a:fillRef>
+          <a:effectRef idx="0">
+            <a:schemeClr val="accent1"/>
+          </a:effectRef>
+          <a:fontRef idx="minor">
+            <a:schemeClr val="lt1"/>
+          </a:fontRef>
+        </p:style>
+        <p:txBody>
+          <a:bodyPr rtlCol="0" anchor="ctr"/>
+          <a:lstStyle/>
+          <a:p>
+            <a:pPr algn="ctr"/>
+            <a:r>
+              <a:rPr lang="zh-CN" altLang="en-US" sz="1400" dirty="0"/>
+              <a:t>错</a:t>
+            </a:r>
+            <a:r>
+              <a:rPr lang="zh-CN" altLang="en-US" sz="1400" dirty="0" smtClean="0"/>
+              <a:t>过喊叫，然后挥手，错过挥手然后</a:t>
+            </a:r>
+            <a:r>
+              <a:rPr lang="en-US" altLang="zh-CN" sz="1400" dirty="0" smtClean="0"/>
+              <a:t>UI……</a:t>
+            </a:r>
+            <a:endParaRPr lang="zh-CN" altLang="en-US" sz="1400" dirty="0"/>
+          </a:p>
+        </p:txBody>
+      </p:sp>
+    </p:spTree>
+    <p:extLst>
+      <p:ext uri="{BB962C8B-B14F-4D97-AF65-F5344CB8AC3E}">
+        <p14:creationId xmlns:p14="http://schemas.microsoft.com/office/powerpoint/2010/main" val="1523721380"/>
+      </p:ext>
+    </p:extLst>
+  </p:cSld>
+  <p:clrMapOvr>
+    <a:masterClrMapping/>
+  </p:clrMapOvr>
+  <p:timing>
+    <p:tnLst>
+      <p:par>
+        <p:cTn id="1" dur="indefinite" restart="never" nodeType="tmRoot"/>
+      </p:par>
+    </p:tnLst>
+  </p:timing>
+</p:sld>
+</file>
+
+<file path=ppt/slides/slide53.xml><?xml version="1.0" encoding="utf-8"?>
+<p:sld xmlns:a="http://schemas.openxmlformats.org/drawingml/2006/main" xmlns:r="http://schemas.openxmlformats.org/officeDocument/2006/relationships" xmlns:p="http://schemas.openxmlformats.org/presentationml/2006/main">
+  <p:cSld>
+    <p:bg>
+      <p:bgPr>
+        <a:solidFill>
+          <a:schemeClr val="tx1">
+            <a:lumMod val="65000"/>
+            <a:lumOff val="35000"/>
+          </a:schemeClr>
+        </a:solidFill>
+        <a:effectLst/>
+      </p:bgPr>
+    </p:bg>
+    <p:spTree>
+      <p:nvGrpSpPr>
+        <p:cNvPr id="1" name=""/>
+        <p:cNvGrpSpPr/>
+        <p:nvPr/>
+      </p:nvGrpSpPr>
+      <p:grpSpPr>
+        <a:xfrm>
+          <a:off x="0" y="0"/>
+          <a:ext cx="0" cy="0"/>
+          <a:chOff x="0" y="0"/>
+          <a:chExt cx="0" cy="0"/>
+        </a:xfrm>
+      </p:grpSpPr>
+      <p:cxnSp>
+        <p:nvCxnSpPr>
+          <p:cNvPr id="11" name="Straight Connector 10"/>
+          <p:cNvCxnSpPr/>
+          <p:nvPr/>
+        </p:nvCxnSpPr>
+        <p:spPr>
+          <a:xfrm>
+            <a:off x="1453415" y="0"/>
+            <a:ext cx="0" cy="6858000"/>
+          </a:xfrm>
+          <a:prstGeom prst="line">
+            <a:avLst/>
+          </a:prstGeom>
+          <a:ln w="28575">
+            <a:solidFill>
+              <a:schemeClr val="bg1"/>
+            </a:solidFill>
+          </a:ln>
+        </p:spPr>
+        <p:style>
+          <a:lnRef idx="1">
+            <a:schemeClr val="accent1"/>
+          </a:lnRef>
+          <a:fillRef idx="0">
+            <a:schemeClr val="accent1"/>
+          </a:fillRef>
+          <a:effectRef idx="0">
+            <a:schemeClr val="accent1"/>
+          </a:effectRef>
+          <a:fontRef idx="minor">
+            <a:schemeClr val="tx1"/>
+          </a:fontRef>
+        </p:style>
+      </p:cxnSp>
+      <p:sp>
+        <p:nvSpPr>
+          <p:cNvPr id="2" name="TextBox 1"/>
+          <p:cNvSpPr txBox="1"/>
+          <p:nvPr/>
+        </p:nvSpPr>
+        <p:spPr>
+          <a:xfrm>
+            <a:off x="259882" y="1978999"/>
+            <a:ext cx="933650" cy="2554545"/>
+          </a:xfrm>
+          <a:prstGeom prst="rect">
+            <a:avLst/>
+          </a:prstGeom>
+          <a:noFill/>
+        </p:spPr>
+        <p:txBody>
+          <a:bodyPr wrap="square" rtlCol="0">
+            <a:spAutoFit/>
+          </a:bodyPr>
+          <a:lstStyle/>
+          <a:p>
+            <a:pPr algn="ctr"/>
+            <a:r>
+              <a:rPr lang="zh-CN" altLang="en-US" sz="4000" dirty="0" smtClean="0">
+                <a:solidFill>
+                  <a:prstClr val="white"/>
+                </a:solidFill>
+              </a:rPr>
+              <a:t>间接控制</a:t>
+            </a:r>
+            <a:endParaRPr lang="en-US" altLang="zh-CN" sz="4000" dirty="0" smtClean="0">
+              <a:solidFill>
+                <a:prstClr val="white"/>
+              </a:solidFill>
+            </a:endParaRPr>
+          </a:p>
+        </p:txBody>
+      </p:sp>
+      <p:grpSp>
+        <p:nvGrpSpPr>
+          <p:cNvPr id="3" name="Group 2"/>
+          <p:cNvGrpSpPr/>
+          <p:nvPr/>
+        </p:nvGrpSpPr>
+        <p:grpSpPr>
+          <a:xfrm>
+            <a:off x="0" y="0"/>
+            <a:ext cx="1453415" cy="572703"/>
+            <a:chOff x="0" y="6285297"/>
+            <a:chExt cx="1453415" cy="572703"/>
+          </a:xfrm>
+        </p:grpSpPr>
+        <p:sp>
+          <p:nvSpPr>
+            <p:cNvPr id="13" name="Rectangle 12"/>
+            <p:cNvSpPr/>
+            <p:nvPr/>
+          </p:nvSpPr>
+          <p:spPr>
+            <a:xfrm>
+              <a:off x="0" y="6285297"/>
+              <a:ext cx="1453415" cy="572703"/>
+            </a:xfrm>
+            <a:prstGeom prst="rect">
+              <a:avLst/>
+            </a:prstGeom>
+            <a:solidFill>
+              <a:schemeClr val="bg1"/>
+            </a:solidFill>
+            <a:ln w="19050">
+              <a:solidFill>
+                <a:schemeClr val="bg1"/>
+              </a:solidFill>
+            </a:ln>
+          </p:spPr>
+          <p:style>
+            <a:lnRef idx="2">
+              <a:schemeClr val="accent1">
+                <a:shade val="50000"/>
+              </a:schemeClr>
+            </a:lnRef>
+            <a:fillRef idx="1">
+              <a:schemeClr val="accent1"/>
+            </a:fillRef>
+            <a:effectRef idx="0">
+              <a:schemeClr val="accent1"/>
+            </a:effectRef>
+            <a:fontRef idx="minor">
+              <a:schemeClr val="lt1"/>
+            </a:fontRef>
+          </p:style>
+          <p:txBody>
+            <a:bodyPr rtlCol="0" anchor="ctr"/>
+            <a:lstStyle/>
+            <a:p>
+              <a:pPr algn="ctr"/>
+              <a:endParaRPr lang="zh-CN" altLang="en-US" sz="3500" dirty="0">
+                <a:solidFill>
+                  <a:prstClr val="black">
+                    <a:lumMod val="65000"/>
+                    <a:lumOff val="35000"/>
+                  </a:prstClr>
+                </a:solidFill>
+              </a:endParaRPr>
+            </a:p>
+          </p:txBody>
+        </p:sp>
+        <p:sp>
+          <p:nvSpPr>
+            <p:cNvPr id="15" name="Diamond 14"/>
+            <p:cNvSpPr/>
+            <p:nvPr/>
+          </p:nvSpPr>
+          <p:spPr>
+            <a:xfrm>
+              <a:off x="456707" y="6304547"/>
+              <a:ext cx="540000" cy="540000"/>
+            </a:xfrm>
+            <a:prstGeom prst="diamond">
+              <a:avLst/>
+            </a:prstGeom>
+            <a:noFill/>
+            <a:ln w="28575">
+              <a:solidFill>
+                <a:schemeClr val="accent6">
+                  <a:lumMod val="75000"/>
+                </a:schemeClr>
+              </a:solidFill>
+            </a:ln>
+          </p:spPr>
+          <p:style>
+            <a:lnRef idx="2">
+              <a:schemeClr val="accent1">
+                <a:shade val="50000"/>
+              </a:schemeClr>
+            </a:lnRef>
+            <a:fillRef idx="1">
+              <a:schemeClr val="accent1"/>
+            </a:fillRef>
+            <a:effectRef idx="0">
+              <a:schemeClr val="accent1"/>
+            </a:effectRef>
+            <a:fontRef idx="minor">
+              <a:schemeClr val="lt1"/>
+            </a:fontRef>
+          </p:style>
+          <p:txBody>
+            <a:bodyPr rtlCol="0" anchor="ctr"/>
+            <a:lstStyle/>
+            <a:p>
+              <a:pPr algn="ctr"/>
+              <a:r>
+                <a:rPr lang="en-US" altLang="zh-CN" dirty="0" smtClean="0">
+                  <a:solidFill>
+                    <a:srgbClr val="5B9BD5"/>
+                  </a:solidFill>
+                </a:rPr>
+                <a:t>7</a:t>
+              </a:r>
+              <a:endParaRPr lang="zh-CN" altLang="en-US" dirty="0">
+                <a:solidFill>
+                  <a:srgbClr val="5B9BD5"/>
+                </a:solidFill>
+              </a:endParaRPr>
+            </a:p>
+          </p:txBody>
+        </p:sp>
+      </p:grpSp>
+      <p:sp>
+        <p:nvSpPr>
+          <p:cNvPr id="8" name="TextBox 7"/>
+          <p:cNvSpPr txBox="1"/>
+          <p:nvPr/>
+        </p:nvSpPr>
+        <p:spPr>
+          <a:xfrm>
+            <a:off x="4034876" y="1180399"/>
+            <a:ext cx="6502089" cy="477054"/>
+          </a:xfrm>
+          <a:prstGeom prst="rect">
+            <a:avLst/>
+          </a:prstGeom>
+          <a:noFill/>
+        </p:spPr>
+        <p:txBody>
+          <a:bodyPr wrap="square" rtlCol="0">
+            <a:spAutoFit/>
+          </a:bodyPr>
+          <a:lstStyle/>
+          <a:p>
+            <a:pPr>
+              <a:lnSpc>
+                <a:spcPts val="3000"/>
+              </a:lnSpc>
+            </a:pPr>
+            <a:r>
+              <a:rPr lang="zh-CN" altLang="en-US" sz="2000" dirty="0" smtClean="0">
+                <a:solidFill>
+                  <a:prstClr val="white"/>
+                </a:solidFill>
+              </a:rPr>
+              <a:t>在玩家不知情的情况下，对玩家进行引导。</a:t>
+            </a:r>
+            <a:endParaRPr lang="zh-CN" altLang="en-US" sz="2000" dirty="0">
+              <a:solidFill>
+                <a:prstClr val="white"/>
+              </a:solidFill>
+            </a:endParaRPr>
+          </a:p>
+        </p:txBody>
+      </p:sp>
+      <p:sp>
+        <p:nvSpPr>
+          <p:cNvPr id="22" name="Rectangle 21"/>
+          <p:cNvSpPr/>
+          <p:nvPr/>
+        </p:nvSpPr>
+        <p:spPr>
+          <a:xfrm>
+            <a:off x="3069200" y="2974260"/>
+            <a:ext cx="2007002" cy="751706"/>
+          </a:xfrm>
+          <a:prstGeom prst="rect">
+            <a:avLst/>
+          </a:prstGeom>
+          <a:noFill/>
+          <a:ln w="19050">
+            <a:solidFill>
+              <a:schemeClr val="bg1"/>
+            </a:solidFill>
+          </a:ln>
+        </p:spPr>
+        <p:style>
+          <a:lnRef idx="2">
+            <a:schemeClr val="accent1">
+              <a:shade val="50000"/>
+            </a:schemeClr>
+          </a:lnRef>
+          <a:fillRef idx="1">
+            <a:schemeClr val="accent1"/>
+          </a:fillRef>
+          <a:effectRef idx="0">
+            <a:schemeClr val="accent1"/>
+          </a:effectRef>
+          <a:fontRef idx="minor">
+            <a:schemeClr val="lt1"/>
+          </a:fontRef>
+        </p:style>
+        <p:txBody>
+          <a:bodyPr rtlCol="0" anchor="ctr"/>
+          <a:lstStyle/>
+          <a:p>
+            <a:pPr algn="ctr"/>
+            <a:r>
+              <a:rPr lang="zh-CN" altLang="en-US" dirty="0" smtClean="0"/>
+              <a:t>微影响</a:t>
+            </a:r>
+            <a:endParaRPr lang="zh-CN" altLang="en-US" dirty="0"/>
+          </a:p>
+        </p:txBody>
+      </p:sp>
+      <p:sp>
+        <p:nvSpPr>
+          <p:cNvPr id="23" name="Rectangle 22"/>
+          <p:cNvSpPr/>
+          <p:nvPr/>
+        </p:nvSpPr>
+        <p:spPr>
+          <a:xfrm>
+            <a:off x="5786763" y="2974260"/>
+            <a:ext cx="2007002" cy="751706"/>
+          </a:xfrm>
+          <a:prstGeom prst="rect">
+            <a:avLst/>
+          </a:prstGeom>
+          <a:noFill/>
+          <a:ln w="19050">
+            <a:solidFill>
+              <a:schemeClr val="bg1"/>
+            </a:solidFill>
+          </a:ln>
+        </p:spPr>
+        <p:style>
+          <a:lnRef idx="2">
+            <a:schemeClr val="accent1">
+              <a:shade val="50000"/>
+            </a:schemeClr>
+          </a:lnRef>
+          <a:fillRef idx="1">
+            <a:schemeClr val="accent1"/>
+          </a:fillRef>
+          <a:effectRef idx="0">
+            <a:schemeClr val="accent1"/>
+          </a:effectRef>
+          <a:fontRef idx="minor">
+            <a:schemeClr val="lt1"/>
+          </a:fontRef>
+        </p:style>
+        <p:txBody>
+          <a:bodyPr rtlCol="0" anchor="ctr"/>
+          <a:lstStyle/>
+          <a:p>
+            <a:pPr algn="ctr"/>
+            <a:r>
+              <a:rPr lang="zh-CN" altLang="en-US" dirty="0"/>
+              <a:t>灌输</a:t>
+            </a:r>
+          </a:p>
+        </p:txBody>
+      </p:sp>
+      <p:sp>
+        <p:nvSpPr>
+          <p:cNvPr id="24" name="Rectangle 23"/>
+          <p:cNvSpPr/>
+          <p:nvPr/>
+        </p:nvSpPr>
+        <p:spPr>
+          <a:xfrm>
+            <a:off x="8435959" y="2974260"/>
+            <a:ext cx="2007002" cy="751706"/>
+          </a:xfrm>
+          <a:prstGeom prst="rect">
+            <a:avLst/>
+          </a:prstGeom>
+          <a:noFill/>
+          <a:ln w="19050">
+            <a:solidFill>
+              <a:schemeClr val="bg1"/>
+            </a:solidFill>
+          </a:ln>
+        </p:spPr>
+        <p:style>
+          <a:lnRef idx="2">
+            <a:schemeClr val="accent1">
+              <a:shade val="50000"/>
+            </a:schemeClr>
+          </a:lnRef>
+          <a:fillRef idx="1">
+            <a:schemeClr val="accent1"/>
+          </a:fillRef>
+          <a:effectRef idx="0">
+            <a:schemeClr val="accent1"/>
+          </a:effectRef>
+          <a:fontRef idx="minor">
+            <a:schemeClr val="lt1"/>
+          </a:fontRef>
+        </p:style>
+        <p:txBody>
+          <a:bodyPr rtlCol="0" anchor="ctr"/>
+          <a:lstStyle/>
+          <a:p>
+            <a:pPr algn="ctr"/>
+            <a:r>
+              <a:rPr lang="zh-CN" altLang="en-US" dirty="0"/>
+              <a:t>社</a:t>
+            </a:r>
+            <a:r>
+              <a:rPr lang="zh-CN" altLang="en-US" dirty="0" smtClean="0"/>
+              <a:t>会模仿</a:t>
+            </a:r>
+            <a:endParaRPr lang="zh-CN" altLang="en-US" dirty="0"/>
+          </a:p>
+        </p:txBody>
+      </p:sp>
+      <p:sp>
+        <p:nvSpPr>
+          <p:cNvPr id="25" name="Rectangle 24"/>
+          <p:cNvSpPr/>
+          <p:nvPr/>
+        </p:nvSpPr>
+        <p:spPr>
+          <a:xfrm>
+            <a:off x="8435959" y="3729137"/>
+            <a:ext cx="2007002" cy="1526527"/>
+          </a:xfrm>
+          <a:prstGeom prst="rect">
+            <a:avLst/>
+          </a:prstGeom>
+          <a:noFill/>
+          <a:ln w="19050">
+            <a:solidFill>
+              <a:schemeClr val="bg1"/>
+            </a:solidFill>
+          </a:ln>
+        </p:spPr>
+        <p:style>
+          <a:lnRef idx="2">
+            <a:schemeClr val="accent1">
+              <a:shade val="50000"/>
+            </a:schemeClr>
+          </a:lnRef>
+          <a:fillRef idx="1">
+            <a:schemeClr val="accent1"/>
+          </a:fillRef>
+          <a:effectRef idx="0">
+            <a:schemeClr val="accent1"/>
+          </a:effectRef>
+          <a:fontRef idx="minor">
+            <a:schemeClr val="lt1"/>
+          </a:fontRef>
+        </p:style>
+        <p:txBody>
+          <a:bodyPr rtlCol="0" anchor="ctr"/>
+          <a:lstStyle/>
+          <a:p>
+            <a:pPr algn="ctr"/>
+            <a:r>
+              <a:rPr lang="zh-CN" altLang="en-US" dirty="0" smtClean="0"/>
+              <a:t>玩家很自然的会效仿其他人的行为。</a:t>
+            </a:r>
+            <a:endParaRPr lang="zh-CN" altLang="en-US" dirty="0"/>
+          </a:p>
+        </p:txBody>
+      </p:sp>
+      <p:sp>
+        <p:nvSpPr>
+          <p:cNvPr id="26" name="Rectangle 25"/>
+          <p:cNvSpPr/>
+          <p:nvPr/>
+        </p:nvSpPr>
+        <p:spPr>
+          <a:xfrm>
+            <a:off x="5786763" y="3725966"/>
+            <a:ext cx="2007002" cy="1526527"/>
+          </a:xfrm>
+          <a:prstGeom prst="rect">
+            <a:avLst/>
+          </a:prstGeom>
+          <a:noFill/>
+          <a:ln w="19050">
+            <a:solidFill>
+              <a:schemeClr val="bg1"/>
+            </a:solidFill>
+          </a:ln>
+        </p:spPr>
+        <p:style>
+          <a:lnRef idx="2">
+            <a:schemeClr val="accent1">
+              <a:shade val="50000"/>
+            </a:schemeClr>
+          </a:lnRef>
+          <a:fillRef idx="1">
+            <a:schemeClr val="accent1"/>
+          </a:fillRef>
+          <a:effectRef idx="0">
+            <a:schemeClr val="accent1"/>
+          </a:effectRef>
+          <a:fontRef idx="minor">
+            <a:schemeClr val="lt1"/>
+          </a:fontRef>
+        </p:style>
+        <p:txBody>
+          <a:bodyPr rtlCol="0" anchor="ctr"/>
+          <a:lstStyle/>
+          <a:p>
+            <a:pPr algn="ctr"/>
+            <a:r>
+              <a:rPr lang="zh-CN" altLang="en-US" dirty="0"/>
+              <a:t>激</a:t>
+            </a:r>
+            <a:r>
+              <a:rPr lang="zh-CN" altLang="en-US" dirty="0" smtClean="0"/>
+              <a:t>活玩家脑海中的某个概念而影响到他们后来的行为。</a:t>
+            </a:r>
+            <a:endParaRPr lang="zh-CN" altLang="en-US" dirty="0"/>
+          </a:p>
+        </p:txBody>
+      </p:sp>
+      <p:sp>
+        <p:nvSpPr>
+          <p:cNvPr id="27" name="Rectangle 26"/>
+          <p:cNvSpPr/>
+          <p:nvPr/>
+        </p:nvSpPr>
+        <p:spPr>
+          <a:xfrm>
+            <a:off x="3069200" y="3725966"/>
+            <a:ext cx="2007002" cy="1526527"/>
+          </a:xfrm>
+          <a:prstGeom prst="rect">
+            <a:avLst/>
+          </a:prstGeom>
+          <a:noFill/>
+          <a:ln w="19050">
+            <a:solidFill>
+              <a:schemeClr val="bg1"/>
+            </a:solidFill>
+          </a:ln>
+        </p:spPr>
+        <p:style>
+          <a:lnRef idx="2">
+            <a:schemeClr val="accent1">
+              <a:shade val="50000"/>
+            </a:schemeClr>
+          </a:lnRef>
+          <a:fillRef idx="1">
+            <a:schemeClr val="accent1"/>
+          </a:fillRef>
+          <a:effectRef idx="0">
+            <a:schemeClr val="accent1"/>
+          </a:effectRef>
+          <a:fontRef idx="minor">
+            <a:schemeClr val="lt1"/>
+          </a:fontRef>
+        </p:style>
+        <p:txBody>
+          <a:bodyPr rtlCol="0" anchor="ctr"/>
+          <a:lstStyle/>
+          <a:p>
+            <a:pPr algn="ctr"/>
+            <a:r>
+              <a:rPr lang="zh-CN" altLang="en-US" dirty="0" smtClean="0"/>
+              <a:t>不改变现有的选项，通过改变选项的呈现方式影响玩家的行为。</a:t>
+            </a:r>
+            <a:endParaRPr lang="zh-CN" altLang="en-US" dirty="0"/>
+          </a:p>
+        </p:txBody>
+      </p:sp>
+    </p:spTree>
+    <p:extLst>
+      <p:ext uri="{BB962C8B-B14F-4D97-AF65-F5344CB8AC3E}">
+        <p14:creationId xmlns:p14="http://schemas.microsoft.com/office/powerpoint/2010/main" val="1900143320"/>
+      </p:ext>
+    </p:extLst>
+  </p:cSld>
+  <p:clrMapOvr>
+    <a:masterClrMapping/>
+  </p:clrMapOvr>
+  <p:timing>
+    <p:tnLst>
+      <p:par>
+        <p:cTn id="1" dur="indefinite" restart="never" nodeType="tmRoot"/>
+      </p:par>
+    </p:tnLst>
+  </p:timing>
+</p:sld>
+</file>
+
+<file path=ppt/slides/slide54.xml><?xml version="1.0" encoding="utf-8"?>
+<p:sld xmlns:a="http://schemas.openxmlformats.org/drawingml/2006/main" xmlns:r="http://schemas.openxmlformats.org/officeDocument/2006/relationships" xmlns:p="http://schemas.openxmlformats.org/presentationml/2006/main">
+  <p:cSld>
+    <p:bg>
+      <p:bgPr>
+        <a:solidFill>
+          <a:schemeClr val="tx1">
+            <a:lumMod val="65000"/>
+            <a:lumOff val="35000"/>
+          </a:schemeClr>
+        </a:solidFill>
+        <a:effectLst/>
+      </p:bgPr>
+    </p:bg>
+    <p:spTree>
+      <p:nvGrpSpPr>
+        <p:cNvPr id="1" name=""/>
+        <p:cNvGrpSpPr/>
+        <p:nvPr/>
+      </p:nvGrpSpPr>
+      <p:grpSpPr>
+        <a:xfrm>
+          <a:off x="0" y="0"/>
+          <a:ext cx="0" cy="0"/>
+          <a:chOff x="0" y="0"/>
+          <a:chExt cx="0" cy="0"/>
+        </a:xfrm>
+      </p:grpSpPr>
+      <p:cxnSp>
+        <p:nvCxnSpPr>
+          <p:cNvPr id="11" name="Straight Connector 10"/>
+          <p:cNvCxnSpPr/>
+          <p:nvPr/>
+        </p:nvCxnSpPr>
+        <p:spPr>
+          <a:xfrm>
+            <a:off x="1453415" y="0"/>
+            <a:ext cx="0" cy="6858000"/>
+          </a:xfrm>
+          <a:prstGeom prst="line">
+            <a:avLst/>
+          </a:prstGeom>
+          <a:ln w="28575">
+            <a:solidFill>
+              <a:schemeClr val="bg1"/>
+            </a:solidFill>
+          </a:ln>
+        </p:spPr>
+        <p:style>
+          <a:lnRef idx="1">
+            <a:schemeClr val="accent1"/>
+          </a:lnRef>
+          <a:fillRef idx="0">
+            <a:schemeClr val="accent1"/>
+          </a:fillRef>
+          <a:effectRef idx="0">
+            <a:schemeClr val="accent1"/>
+          </a:effectRef>
+          <a:fontRef idx="minor">
+            <a:schemeClr val="tx1"/>
+          </a:fontRef>
+        </p:style>
+      </p:cxnSp>
+      <p:sp>
+        <p:nvSpPr>
+          <p:cNvPr id="2" name="TextBox 1"/>
+          <p:cNvSpPr txBox="1"/>
+          <p:nvPr/>
+        </p:nvSpPr>
+        <p:spPr>
+          <a:xfrm>
+            <a:off x="259882" y="1978999"/>
+            <a:ext cx="933650" cy="3785652"/>
+          </a:xfrm>
+          <a:prstGeom prst="rect">
+            <a:avLst/>
+          </a:prstGeom>
+          <a:noFill/>
+        </p:spPr>
+        <p:txBody>
+          <a:bodyPr wrap="square" rtlCol="0">
+            <a:spAutoFit/>
+          </a:bodyPr>
+          <a:lstStyle/>
+          <a:p>
+            <a:pPr algn="ctr"/>
+            <a:r>
+              <a:rPr lang="zh-CN" altLang="en-US" sz="4000" dirty="0" smtClean="0">
+                <a:solidFill>
+                  <a:prstClr val="white"/>
+                </a:solidFill>
+              </a:rPr>
+              <a:t>间接控</a:t>
+            </a:r>
+            <a:r>
+              <a:rPr lang="zh-CN" altLang="en-US" sz="4000" dirty="0" smtClean="0">
+                <a:solidFill>
+                  <a:prstClr val="white"/>
+                </a:solidFill>
+              </a:rPr>
+              <a:t>制</a:t>
+            </a:r>
+            <a:endParaRPr lang="en-US" altLang="zh-CN" sz="4000" dirty="0">
+              <a:solidFill>
+                <a:prstClr val="white"/>
+              </a:solidFill>
+            </a:endParaRPr>
+          </a:p>
+          <a:p>
+            <a:pPr algn="ctr"/>
+            <a:r>
+              <a:rPr lang="zh-CN" altLang="en-US" sz="4000" dirty="0">
+                <a:solidFill>
+                  <a:prstClr val="white"/>
+                </a:solidFill>
+              </a:rPr>
+              <a:t>实例</a:t>
+            </a:r>
+            <a:endParaRPr lang="en-US" altLang="zh-CN" sz="4000" dirty="0" smtClean="0">
+              <a:solidFill>
+                <a:prstClr val="white"/>
+              </a:solidFill>
+            </a:endParaRPr>
+          </a:p>
+        </p:txBody>
+      </p:sp>
+      <p:grpSp>
+        <p:nvGrpSpPr>
+          <p:cNvPr id="3" name="Group 2"/>
+          <p:cNvGrpSpPr/>
+          <p:nvPr/>
+        </p:nvGrpSpPr>
+        <p:grpSpPr>
+          <a:xfrm>
+            <a:off x="0" y="0"/>
+            <a:ext cx="1453415" cy="572703"/>
+            <a:chOff x="0" y="6285297"/>
+            <a:chExt cx="1453415" cy="572703"/>
+          </a:xfrm>
+        </p:grpSpPr>
+        <p:sp>
+          <p:nvSpPr>
+            <p:cNvPr id="13" name="Rectangle 12"/>
+            <p:cNvSpPr/>
+            <p:nvPr/>
+          </p:nvSpPr>
+          <p:spPr>
+            <a:xfrm>
+              <a:off x="0" y="6285297"/>
+              <a:ext cx="1453415" cy="572703"/>
+            </a:xfrm>
+            <a:prstGeom prst="rect">
+              <a:avLst/>
+            </a:prstGeom>
+            <a:solidFill>
+              <a:schemeClr val="bg1"/>
+            </a:solidFill>
+            <a:ln w="19050">
+              <a:solidFill>
+                <a:schemeClr val="bg1"/>
+              </a:solidFill>
+            </a:ln>
+          </p:spPr>
+          <p:style>
+            <a:lnRef idx="2">
+              <a:schemeClr val="accent1">
+                <a:shade val="50000"/>
+              </a:schemeClr>
+            </a:lnRef>
+            <a:fillRef idx="1">
+              <a:schemeClr val="accent1"/>
+            </a:fillRef>
+            <a:effectRef idx="0">
+              <a:schemeClr val="accent1"/>
+            </a:effectRef>
+            <a:fontRef idx="minor">
+              <a:schemeClr val="lt1"/>
+            </a:fontRef>
+          </p:style>
+          <p:txBody>
+            <a:bodyPr rtlCol="0" anchor="ctr"/>
+            <a:lstStyle/>
+            <a:p>
+              <a:pPr algn="ctr"/>
+              <a:endParaRPr lang="zh-CN" altLang="en-US" sz="3500" dirty="0">
+                <a:solidFill>
+                  <a:prstClr val="black">
+                    <a:lumMod val="65000"/>
+                    <a:lumOff val="35000"/>
+                  </a:prstClr>
+                </a:solidFill>
+              </a:endParaRPr>
+            </a:p>
+          </p:txBody>
+        </p:sp>
+        <p:sp>
+          <p:nvSpPr>
+            <p:cNvPr id="15" name="Diamond 14"/>
+            <p:cNvSpPr/>
+            <p:nvPr/>
+          </p:nvSpPr>
+          <p:spPr>
+            <a:xfrm>
+              <a:off x="456707" y="6304547"/>
+              <a:ext cx="540000" cy="540000"/>
+            </a:xfrm>
+            <a:prstGeom prst="diamond">
+              <a:avLst/>
+            </a:prstGeom>
+            <a:noFill/>
+            <a:ln w="28575">
+              <a:solidFill>
+                <a:schemeClr val="accent6">
+                  <a:lumMod val="75000"/>
+                </a:schemeClr>
+              </a:solidFill>
+            </a:ln>
+          </p:spPr>
+          <p:style>
+            <a:lnRef idx="2">
+              <a:schemeClr val="accent1">
+                <a:shade val="50000"/>
+              </a:schemeClr>
+            </a:lnRef>
+            <a:fillRef idx="1">
+              <a:schemeClr val="accent1"/>
+            </a:fillRef>
+            <a:effectRef idx="0">
+              <a:schemeClr val="accent1"/>
+            </a:effectRef>
+            <a:fontRef idx="minor">
+              <a:schemeClr val="lt1"/>
+            </a:fontRef>
+          </p:style>
+          <p:txBody>
+            <a:bodyPr rtlCol="0" anchor="ctr"/>
+            <a:lstStyle/>
+            <a:p>
+              <a:pPr algn="ctr"/>
+              <a:r>
+                <a:rPr lang="en-US" altLang="zh-CN" dirty="0">
+                  <a:solidFill>
+                    <a:srgbClr val="5B9BD5"/>
+                  </a:solidFill>
+                </a:rPr>
+                <a:t>8</a:t>
+              </a:r>
+              <a:endParaRPr lang="zh-CN" altLang="en-US" dirty="0">
+                <a:solidFill>
+                  <a:srgbClr val="5B9BD5"/>
+                </a:solidFill>
+              </a:endParaRPr>
+            </a:p>
+          </p:txBody>
+        </p:sp>
+      </p:grpSp>
+      <p:sp>
+        <p:nvSpPr>
+          <p:cNvPr id="8" name="TextBox 7"/>
+          <p:cNvSpPr txBox="1"/>
+          <p:nvPr/>
+        </p:nvSpPr>
+        <p:spPr>
+          <a:xfrm>
+            <a:off x="3590495" y="2286775"/>
+            <a:ext cx="6502089" cy="3170099"/>
+          </a:xfrm>
+          <a:prstGeom prst="rect">
+            <a:avLst/>
+          </a:prstGeom>
+          <a:noFill/>
+        </p:spPr>
+        <p:txBody>
+          <a:bodyPr wrap="square" rtlCol="0">
+            <a:spAutoFit/>
+          </a:bodyPr>
+          <a:lstStyle/>
+          <a:p>
+            <a:pPr>
+              <a:lnSpc>
+                <a:spcPts val="3000"/>
+              </a:lnSpc>
+            </a:pPr>
+            <a:r>
+              <a:rPr lang="zh-CN" altLang="en-US" sz="2000" b="1" dirty="0" smtClean="0">
+                <a:solidFill>
+                  <a:prstClr val="white"/>
+                </a:solidFill>
+              </a:rPr>
+              <a:t>微影响</a:t>
+            </a:r>
+            <a:endParaRPr lang="en-US" altLang="zh-CN" sz="2000" b="1" dirty="0" smtClean="0">
+              <a:solidFill>
+                <a:prstClr val="white"/>
+              </a:solidFill>
+            </a:endParaRPr>
+          </a:p>
+          <a:p>
+            <a:pPr>
+              <a:lnSpc>
+                <a:spcPts val="3000"/>
+              </a:lnSpc>
+            </a:pPr>
+            <a:r>
+              <a:rPr lang="zh-CN" altLang="en-US" sz="2000" dirty="0">
+                <a:solidFill>
+                  <a:prstClr val="white"/>
+                </a:solidFill>
+              </a:rPr>
+              <a:t>改</a:t>
+            </a:r>
+            <a:r>
+              <a:rPr lang="zh-CN" altLang="en-US" sz="2000" dirty="0" smtClean="0">
+                <a:solidFill>
+                  <a:prstClr val="white"/>
+                </a:solidFill>
+              </a:rPr>
+              <a:t>变路的宽度，门的形状等（老葛所说）</a:t>
+            </a:r>
+            <a:endParaRPr lang="en-US" altLang="zh-CN" sz="2000" dirty="0" smtClean="0">
+              <a:solidFill>
+                <a:prstClr val="white"/>
+              </a:solidFill>
+            </a:endParaRPr>
+          </a:p>
+          <a:p>
+            <a:pPr>
+              <a:lnSpc>
+                <a:spcPts val="3000"/>
+              </a:lnSpc>
+            </a:pPr>
+            <a:endParaRPr lang="en-US" altLang="zh-CN" sz="2000" dirty="0">
+              <a:solidFill>
+                <a:prstClr val="white"/>
+              </a:solidFill>
+            </a:endParaRPr>
+          </a:p>
+          <a:p>
+            <a:pPr>
+              <a:lnSpc>
+                <a:spcPts val="3000"/>
+              </a:lnSpc>
+            </a:pPr>
+            <a:r>
+              <a:rPr lang="zh-CN" altLang="en-US" sz="2000" b="1" dirty="0" smtClean="0">
+                <a:solidFill>
+                  <a:prstClr val="white"/>
+                </a:solidFill>
+              </a:rPr>
+              <a:t>灌输</a:t>
+            </a:r>
+            <a:endParaRPr lang="en-US" altLang="zh-CN" sz="2000" b="1" dirty="0" smtClean="0">
+              <a:solidFill>
+                <a:prstClr val="white"/>
+              </a:solidFill>
+            </a:endParaRPr>
+          </a:p>
+          <a:p>
+            <a:pPr>
+              <a:lnSpc>
+                <a:spcPts val="3000"/>
+              </a:lnSpc>
+            </a:pPr>
+            <a:r>
+              <a:rPr lang="zh-CN" altLang="en-US" sz="2000" dirty="0">
+                <a:solidFill>
+                  <a:prstClr val="white"/>
+                </a:solidFill>
+              </a:rPr>
+              <a:t>游</a:t>
+            </a:r>
+            <a:r>
+              <a:rPr lang="zh-CN" altLang="en-US" sz="2000" dirty="0" smtClean="0">
+                <a:solidFill>
+                  <a:prstClr val="white"/>
+                </a:solidFill>
+              </a:rPr>
+              <a:t>戏名字、封面、</a:t>
+            </a:r>
+            <a:r>
+              <a:rPr lang="en-US" altLang="zh-CN" sz="2000" dirty="0" smtClean="0">
+                <a:solidFill>
+                  <a:prstClr val="white"/>
+                </a:solidFill>
+              </a:rPr>
+              <a:t>FPS</a:t>
+            </a:r>
+            <a:r>
+              <a:rPr lang="zh-CN" altLang="en-US" sz="2000" dirty="0" smtClean="0">
+                <a:solidFill>
+                  <a:prstClr val="white"/>
+                </a:solidFill>
+              </a:rPr>
+              <a:t>游戏中与线人见面压低枪</a:t>
+            </a:r>
+            <a:endParaRPr lang="en-US" altLang="zh-CN" sz="2000" dirty="0" smtClean="0">
+              <a:solidFill>
+                <a:prstClr val="white"/>
+              </a:solidFill>
+            </a:endParaRPr>
+          </a:p>
+          <a:p>
+            <a:pPr>
+              <a:lnSpc>
+                <a:spcPts val="3000"/>
+              </a:lnSpc>
+            </a:pPr>
+            <a:endParaRPr lang="en-US" altLang="zh-CN" sz="2000" dirty="0">
+              <a:solidFill>
+                <a:prstClr val="white"/>
+              </a:solidFill>
+            </a:endParaRPr>
+          </a:p>
+          <a:p>
+            <a:pPr>
+              <a:lnSpc>
+                <a:spcPts val="3000"/>
+              </a:lnSpc>
+            </a:pPr>
+            <a:r>
+              <a:rPr lang="zh-CN" altLang="en-US" sz="2000" b="1" dirty="0" smtClean="0">
+                <a:solidFill>
+                  <a:prstClr val="white"/>
+                </a:solidFill>
+              </a:rPr>
+              <a:t>社会模仿</a:t>
+            </a:r>
+            <a:endParaRPr lang="en-US" altLang="zh-CN" sz="2000" b="1" dirty="0" smtClean="0">
+              <a:solidFill>
+                <a:prstClr val="white"/>
+              </a:solidFill>
+            </a:endParaRPr>
+          </a:p>
+          <a:p>
+            <a:pPr>
+              <a:lnSpc>
+                <a:spcPts val="3000"/>
+              </a:lnSpc>
+            </a:pPr>
+            <a:r>
+              <a:rPr lang="zh-CN" altLang="en-US" sz="2000" dirty="0" smtClean="0">
+                <a:solidFill>
+                  <a:prstClr val="white"/>
+                </a:solidFill>
+              </a:rPr>
+              <a:t>让</a:t>
+            </a:r>
+            <a:r>
+              <a:rPr lang="en-US" altLang="zh-CN" sz="2000" dirty="0" smtClean="0">
+                <a:solidFill>
+                  <a:prstClr val="white"/>
+                </a:solidFill>
+              </a:rPr>
+              <a:t>NPC</a:t>
+            </a:r>
+            <a:r>
+              <a:rPr lang="zh-CN" altLang="en-US" sz="2000" dirty="0" smtClean="0">
+                <a:solidFill>
+                  <a:prstClr val="white"/>
+                </a:solidFill>
+              </a:rPr>
+              <a:t>展示高超技巧，使玩家留意，玩家会自主学习</a:t>
+            </a:r>
+            <a:endParaRPr lang="en-US" altLang="zh-CN" sz="2000" dirty="0" smtClean="0">
+              <a:solidFill>
+                <a:prstClr val="white"/>
+              </a:solidFill>
+            </a:endParaRPr>
+          </a:p>
+        </p:txBody>
+      </p:sp>
+    </p:spTree>
+    <p:extLst>
+      <p:ext uri="{BB962C8B-B14F-4D97-AF65-F5344CB8AC3E}">
+        <p14:creationId xmlns:p14="http://schemas.microsoft.com/office/powerpoint/2010/main" val="2673674518"/>
       </p:ext>
     </p:extLst>
   </p:cSld>

--- a/Share/游戏设计理论.pptx
+++ b/Share/游戏设计理论.pptx
@@ -5,7 +5,7 @@
     <p:sldMasterId id="2147483648" r:id="rId1"/>
   </p:sldMasterIdLst>
   <p:notesMasterIdLst>
-    <p:notesMasterId r:id="rId56"/>
+    <p:notesMasterId r:id="rId65"/>
   </p:notesMasterIdLst>
   <p:sldIdLst>
     <p:sldId id="256" r:id="rId2"/>
@@ -62,6 +62,15 @@
     <p:sldId id="313" r:id="rId53"/>
     <p:sldId id="314" r:id="rId54"/>
     <p:sldId id="315" r:id="rId55"/>
+    <p:sldId id="319" r:id="rId56"/>
+    <p:sldId id="320" r:id="rId57"/>
+    <p:sldId id="321" r:id="rId58"/>
+    <p:sldId id="322" r:id="rId59"/>
+    <p:sldId id="323" r:id="rId60"/>
+    <p:sldId id="324" r:id="rId61"/>
+    <p:sldId id="316" r:id="rId62"/>
+    <p:sldId id="317" r:id="rId63"/>
+    <p:sldId id="318" r:id="rId64"/>
   </p:sldIdLst>
   <p:sldSz cx="12192000" cy="6858000"/>
   <p:notesSz cx="6858000" cy="9144000"/>
@@ -163,7 +172,7 @@
   <p:extLst>
     <p:ext uri="{521415D9-36F7-43E2-AB2F-B90AF26B5E84}">
       <p14:sectionLst xmlns:p14="http://schemas.microsoft.com/office/powerpoint/2010/main">
-        <p14:section name="主页" id="{4C1E73CA-8983-4CE9-A403-334A6E5623B3}">
+        <p14:section name="游戏设计理论" id="{4C1E73CA-8983-4CE9-A403-334A6E5623B3}">
           <p14:sldIdLst>
             <p14:sldId id="256"/>
           </p14:sldIdLst>
@@ -236,7 +245,7 @@
             <p14:sldId id="296"/>
           </p14:sldIdLst>
         </p14:section>
-        <p14:section name="界面（UI）" id="{2720F00C-A96F-464A-B291-AB6C018D1155}">
+        <p14:section name="信息传递" id="{2720F00C-A96F-464A-B291-AB6C018D1155}">
           <p14:sldIdLst>
             <p14:sldId id="307"/>
             <p14:sldId id="308"/>
@@ -247,6 +256,23 @@
             <p14:sldId id="313"/>
             <p14:sldId id="314"/>
             <p14:sldId id="315"/>
+          </p14:sldIdLst>
+        </p14:section>
+        <p14:section name="平衡性" id="{F5ECC8DE-9241-4B34-BB99-38EBC5B4323E}">
+          <p14:sldIdLst>
+            <p14:sldId id="319"/>
+            <p14:sldId id="320"/>
+            <p14:sldId id="321"/>
+            <p14:sldId id="322"/>
+            <p14:sldId id="323"/>
+            <p14:sldId id="324"/>
+          </p14:sldIdLst>
+        </p14:section>
+        <p14:section name="故事" id="{E7EC3CD0-B361-4DDF-BB54-D9EE93E478D0}">
+          <p14:sldIdLst>
+            <p14:sldId id="316"/>
+            <p14:sldId id="317"/>
+            <p14:sldId id="318"/>
           </p14:sldIdLst>
         </p14:section>
       </p14:sectionLst>
@@ -340,7 +366,7 @@
           <a:p>
             <a:fld id="{D2A48B96-639E-45A3-A0BA-2464DFDB1FAA}" type="datetimeFigureOut">
               <a:rPr lang="zh-CN" altLang="en-US" smtClean="0"/>
-              <a:t>2018/3/30</a:t>
+              <a:t>2018/4/2</a:t>
             </a:fld>
             <a:endParaRPr lang="zh-CN" altLang="en-US"/>
           </a:p>
@@ -739,7 +765,7 @@
           <a:p>
             <a:fld id="{D997B5FA-0921-464F-AAE1-844C04324D75}" type="datetimeFigureOut">
               <a:rPr lang="zh-CN" altLang="en-US" smtClean="0"/>
-              <a:t>2018/3/30</a:t>
+              <a:t>2018/4/2</a:t>
             </a:fld>
             <a:endParaRPr lang="zh-CN" altLang="en-US"/>
           </a:p>
@@ -908,7 +934,7 @@
           <a:p>
             <a:fld id="{D997B5FA-0921-464F-AAE1-844C04324D75}" type="datetimeFigureOut">
               <a:rPr lang="zh-CN" altLang="en-US" smtClean="0"/>
-              <a:t>2018/3/30</a:t>
+              <a:t>2018/4/2</a:t>
             </a:fld>
             <a:endParaRPr lang="zh-CN" altLang="en-US"/>
           </a:p>
@@ -1087,7 +1113,7 @@
           <a:p>
             <a:fld id="{D997B5FA-0921-464F-AAE1-844C04324D75}" type="datetimeFigureOut">
               <a:rPr lang="zh-CN" altLang="en-US" smtClean="0"/>
-              <a:t>2018/3/30</a:t>
+              <a:t>2018/4/2</a:t>
             </a:fld>
             <a:endParaRPr lang="zh-CN" altLang="en-US"/>
           </a:p>
@@ -1256,7 +1282,7 @@
           <a:p>
             <a:fld id="{D997B5FA-0921-464F-AAE1-844C04324D75}" type="datetimeFigureOut">
               <a:rPr lang="zh-CN" altLang="en-US" smtClean="0"/>
-              <a:t>2018/3/30</a:t>
+              <a:t>2018/4/2</a:t>
             </a:fld>
             <a:endParaRPr lang="zh-CN" altLang="en-US"/>
           </a:p>
@@ -1501,7 +1527,7 @@
           <a:p>
             <a:fld id="{D997B5FA-0921-464F-AAE1-844C04324D75}" type="datetimeFigureOut">
               <a:rPr lang="zh-CN" altLang="en-US" smtClean="0"/>
-              <a:t>2018/3/30</a:t>
+              <a:t>2018/4/2</a:t>
             </a:fld>
             <a:endParaRPr lang="zh-CN" altLang="en-US"/>
           </a:p>
@@ -1732,7 +1758,7 @@
           <a:p>
             <a:fld id="{D997B5FA-0921-464F-AAE1-844C04324D75}" type="datetimeFigureOut">
               <a:rPr lang="zh-CN" altLang="en-US" smtClean="0"/>
-              <a:t>2018/3/30</a:t>
+              <a:t>2018/4/2</a:t>
             </a:fld>
             <a:endParaRPr lang="zh-CN" altLang="en-US"/>
           </a:p>
@@ -2098,7 +2124,7 @@
           <a:p>
             <a:fld id="{D997B5FA-0921-464F-AAE1-844C04324D75}" type="datetimeFigureOut">
               <a:rPr lang="zh-CN" altLang="en-US" smtClean="0"/>
-              <a:t>2018/3/30</a:t>
+              <a:t>2018/4/2</a:t>
             </a:fld>
             <a:endParaRPr lang="zh-CN" altLang="en-US"/>
           </a:p>
@@ -2215,7 +2241,7 @@
           <a:p>
             <a:fld id="{D997B5FA-0921-464F-AAE1-844C04324D75}" type="datetimeFigureOut">
               <a:rPr lang="zh-CN" altLang="en-US" smtClean="0"/>
-              <a:t>2018/3/30</a:t>
+              <a:t>2018/4/2</a:t>
             </a:fld>
             <a:endParaRPr lang="zh-CN" altLang="en-US"/>
           </a:p>
@@ -2309,7 +2335,7 @@
           <a:p>
             <a:fld id="{D997B5FA-0921-464F-AAE1-844C04324D75}" type="datetimeFigureOut">
               <a:rPr lang="zh-CN" altLang="en-US" smtClean="0"/>
-              <a:t>2018/3/30</a:t>
+              <a:t>2018/4/2</a:t>
             </a:fld>
             <a:endParaRPr lang="zh-CN" altLang="en-US"/>
           </a:p>
@@ -2585,7 +2611,7 @@
           <a:p>
             <a:fld id="{D997B5FA-0921-464F-AAE1-844C04324D75}" type="datetimeFigureOut">
               <a:rPr lang="zh-CN" altLang="en-US" smtClean="0"/>
-              <a:t>2018/3/30</a:t>
+              <a:t>2018/4/2</a:t>
             </a:fld>
             <a:endParaRPr lang="zh-CN" altLang="en-US"/>
           </a:p>
@@ -2837,7 +2863,7 @@
           <a:p>
             <a:fld id="{D997B5FA-0921-464F-AAE1-844C04324D75}" type="datetimeFigureOut">
               <a:rPr lang="zh-CN" altLang="en-US" smtClean="0"/>
-              <a:t>2018/3/30</a:t>
+              <a:t>2018/4/2</a:t>
             </a:fld>
             <a:endParaRPr lang="zh-CN" altLang="en-US"/>
           </a:p>
@@ -3049,7 +3075,7 @@
           <a:p>
             <a:fld id="{D997B5FA-0921-464F-AAE1-844C04324D75}" type="datetimeFigureOut">
               <a:rPr lang="zh-CN" altLang="en-US" smtClean="0"/>
-              <a:t>2018/3/30</a:t>
+              <a:t>2018/4/2</a:t>
             </a:fld>
             <a:endParaRPr lang="zh-CN" altLang="en-US"/>
           </a:p>
@@ -20641,8 +20667,8 @@
         </p:blipFill>
         <p:spPr>
           <a:xfrm>
-            <a:off x="1863737" y="736095"/>
-            <a:ext cx="4695715" cy="3523252"/>
+            <a:off x="1838099" y="283616"/>
+            <a:ext cx="5212181" cy="3910763"/>
           </a:xfrm>
           <a:prstGeom prst="rect">
             <a:avLst/>
@@ -20665,8 +20691,8 @@
         </p:blipFill>
         <p:spPr>
           <a:xfrm>
-            <a:off x="5904748" y="2238998"/>
-            <a:ext cx="5556144" cy="3703831"/>
+            <a:off x="6168303" y="2162087"/>
+            <a:ext cx="5454959" cy="3636380"/>
           </a:xfrm>
           <a:prstGeom prst="rect">
             <a:avLst/>
@@ -21792,8 +21818,8 @@
         </p:blipFill>
         <p:spPr>
           <a:xfrm>
-            <a:off x="2661485" y="825710"/>
-            <a:ext cx="2598645" cy="4580017"/>
+            <a:off x="1646868" y="190166"/>
+            <a:ext cx="3402617" cy="5996989"/>
           </a:xfrm>
           <a:prstGeom prst="rect">
             <a:avLst/>
@@ -21816,8 +21842,8 @@
         </p:blipFill>
         <p:spPr>
           <a:xfrm>
-            <a:off x="5633050" y="1393923"/>
-            <a:ext cx="6165248" cy="3460088"/>
+            <a:off x="5708590" y="2096766"/>
+            <a:ext cx="5734209" cy="3218179"/>
           </a:xfrm>
           <a:prstGeom prst="rect">
             <a:avLst/>
@@ -23319,15 +23345,7 @@
                   <a:prstClr val="white"/>
                 </a:solidFill>
               </a:rPr>
-              <a:t>间接控</a:t>
-            </a:r>
-            <a:r>
-              <a:rPr lang="zh-CN" altLang="en-US" sz="4000" dirty="0" smtClean="0">
-                <a:solidFill>
-                  <a:prstClr val="white"/>
-                </a:solidFill>
-              </a:rPr>
-              <a:t>制</a:t>
+              <a:t>间接控制</a:t>
             </a:r>
             <a:endParaRPr lang="en-US" altLang="zh-CN" sz="4000" dirty="0">
               <a:solidFill>
@@ -23702,6 +23720,1841 @@
     <p:extLst>
       <p:ext uri="{BB962C8B-B14F-4D97-AF65-F5344CB8AC3E}">
         <p14:creationId xmlns:p14="http://schemas.microsoft.com/office/powerpoint/2010/main" val="2673674518"/>
+      </p:ext>
+    </p:extLst>
+  </p:cSld>
+  <p:clrMapOvr>
+    <a:masterClrMapping/>
+  </p:clrMapOvr>
+  <p:timing>
+    <p:tnLst>
+      <p:par>
+        <p:cTn id="1" dur="indefinite" restart="never" nodeType="tmRoot"/>
+      </p:par>
+    </p:tnLst>
+  </p:timing>
+</p:sld>
+</file>
+
+<file path=ppt/slides/slide55.xml><?xml version="1.0" encoding="utf-8"?>
+<p:sld xmlns:a="http://schemas.openxmlformats.org/drawingml/2006/main" xmlns:r="http://schemas.openxmlformats.org/officeDocument/2006/relationships" xmlns:p="http://schemas.openxmlformats.org/presentationml/2006/main">
+  <p:cSld>
+    <p:bg>
+      <p:bgPr>
+        <a:solidFill>
+          <a:schemeClr val="tx1">
+            <a:lumMod val="65000"/>
+            <a:lumOff val="35000"/>
+          </a:schemeClr>
+        </a:solidFill>
+        <a:effectLst/>
+      </p:bgPr>
+    </p:bg>
+    <p:spTree>
+      <p:nvGrpSpPr>
+        <p:cNvPr id="1" name=""/>
+        <p:cNvGrpSpPr/>
+        <p:nvPr/>
+      </p:nvGrpSpPr>
+      <p:grpSpPr>
+        <a:xfrm>
+          <a:off x="0" y="0"/>
+          <a:ext cx="0" cy="0"/>
+          <a:chOff x="0" y="0"/>
+          <a:chExt cx="0" cy="0"/>
+        </a:xfrm>
+      </p:grpSpPr>
+      <p:sp>
+        <p:nvSpPr>
+          <p:cNvPr id="5" name="Rectangle 4"/>
+          <p:cNvSpPr/>
+          <p:nvPr/>
+        </p:nvSpPr>
+        <p:spPr>
+          <a:xfrm>
+            <a:off x="4473723" y="2879933"/>
+            <a:ext cx="3623416" cy="1085316"/>
+          </a:xfrm>
+          <a:prstGeom prst="rect">
+            <a:avLst/>
+          </a:prstGeom>
+          <a:noFill/>
+          <a:ln w="19050">
+            <a:solidFill>
+              <a:schemeClr val="bg1"/>
+            </a:solidFill>
+          </a:ln>
+        </p:spPr>
+        <p:style>
+          <a:lnRef idx="2">
+            <a:schemeClr val="accent1">
+              <a:shade val="50000"/>
+            </a:schemeClr>
+          </a:lnRef>
+          <a:fillRef idx="1">
+            <a:schemeClr val="accent1"/>
+          </a:fillRef>
+          <a:effectRef idx="0">
+            <a:schemeClr val="accent1"/>
+          </a:effectRef>
+          <a:fontRef idx="minor">
+            <a:schemeClr val="lt1"/>
+          </a:fontRef>
+        </p:style>
+        <p:txBody>
+          <a:bodyPr rtlCol="0" anchor="ctr"/>
+          <a:lstStyle/>
+          <a:p>
+            <a:pPr algn="ctr"/>
+            <a:r>
+              <a:rPr lang="zh-CN" altLang="en-US" sz="5000" dirty="0" smtClean="0">
+                <a:solidFill>
+                  <a:prstClr val="white"/>
+                </a:solidFill>
+              </a:rPr>
+              <a:t>平衡性</a:t>
+            </a:r>
+            <a:endParaRPr lang="zh-CN" altLang="en-US" sz="5000" dirty="0">
+              <a:solidFill>
+                <a:prstClr val="white"/>
+              </a:solidFill>
+            </a:endParaRPr>
+          </a:p>
+        </p:txBody>
+      </p:sp>
+      <p:sp>
+        <p:nvSpPr>
+          <p:cNvPr id="10" name="Diamond 9"/>
+          <p:cNvSpPr/>
+          <p:nvPr/>
+        </p:nvSpPr>
+        <p:spPr>
+          <a:xfrm>
+            <a:off x="5835431" y="61978"/>
+            <a:ext cx="900000" cy="900000"/>
+          </a:xfrm>
+          <a:prstGeom prst="diamond">
+            <a:avLst/>
+          </a:prstGeom>
+          <a:noFill/>
+          <a:ln w="28575">
+            <a:solidFill>
+              <a:schemeClr val="bg1"/>
+            </a:solidFill>
+          </a:ln>
+        </p:spPr>
+        <p:style>
+          <a:lnRef idx="2">
+            <a:schemeClr val="accent1">
+              <a:shade val="50000"/>
+            </a:schemeClr>
+          </a:lnRef>
+          <a:fillRef idx="1">
+            <a:schemeClr val="accent1"/>
+          </a:fillRef>
+          <a:effectRef idx="0">
+            <a:schemeClr val="accent1"/>
+          </a:effectRef>
+          <a:fontRef idx="minor">
+            <a:schemeClr val="lt1"/>
+          </a:fontRef>
+        </p:style>
+        <p:txBody>
+          <a:bodyPr rtlCol="0" anchor="ctr"/>
+          <a:lstStyle/>
+          <a:p>
+            <a:pPr algn="ctr"/>
+            <a:r>
+              <a:rPr lang="zh-CN" altLang="en-US" dirty="0">
+                <a:solidFill>
+                  <a:prstClr val="white"/>
+                </a:solidFill>
+              </a:rPr>
+              <a:t>八</a:t>
+            </a:r>
+          </a:p>
+        </p:txBody>
+      </p:sp>
+    </p:spTree>
+    <p:extLst>
+      <p:ext uri="{BB962C8B-B14F-4D97-AF65-F5344CB8AC3E}">
+        <p14:creationId xmlns:p14="http://schemas.microsoft.com/office/powerpoint/2010/main" val="1566031310"/>
+      </p:ext>
+    </p:extLst>
+  </p:cSld>
+  <p:clrMapOvr>
+    <a:masterClrMapping/>
+  </p:clrMapOvr>
+  <p:timing>
+    <p:tnLst>
+      <p:par>
+        <p:cTn id="1" dur="indefinite" restart="never" nodeType="tmRoot"/>
+      </p:par>
+    </p:tnLst>
+  </p:timing>
+</p:sld>
+</file>
+
+<file path=ppt/slides/slide56.xml><?xml version="1.0" encoding="utf-8"?>
+<p:sld xmlns:a="http://schemas.openxmlformats.org/drawingml/2006/main" xmlns:r="http://schemas.openxmlformats.org/officeDocument/2006/relationships" xmlns:p="http://schemas.openxmlformats.org/presentationml/2006/main">
+  <p:cSld>
+    <p:bg>
+      <p:bgPr>
+        <a:solidFill>
+          <a:schemeClr val="tx1">
+            <a:lumMod val="65000"/>
+            <a:lumOff val="35000"/>
+          </a:schemeClr>
+        </a:solidFill>
+        <a:effectLst/>
+      </p:bgPr>
+    </p:bg>
+    <p:spTree>
+      <p:nvGrpSpPr>
+        <p:cNvPr id="1" name=""/>
+        <p:cNvGrpSpPr/>
+        <p:nvPr/>
+      </p:nvGrpSpPr>
+      <p:grpSpPr>
+        <a:xfrm>
+          <a:off x="0" y="0"/>
+          <a:ext cx="0" cy="0"/>
+          <a:chOff x="0" y="0"/>
+          <a:chExt cx="0" cy="0"/>
+        </a:xfrm>
+      </p:grpSpPr>
+      <p:cxnSp>
+        <p:nvCxnSpPr>
+          <p:cNvPr id="11" name="Straight Connector 10"/>
+          <p:cNvCxnSpPr/>
+          <p:nvPr/>
+        </p:nvCxnSpPr>
+        <p:spPr>
+          <a:xfrm>
+            <a:off x="1453415" y="0"/>
+            <a:ext cx="0" cy="6858000"/>
+          </a:xfrm>
+          <a:prstGeom prst="line">
+            <a:avLst/>
+          </a:prstGeom>
+          <a:ln w="28575">
+            <a:solidFill>
+              <a:schemeClr val="bg1"/>
+            </a:solidFill>
+          </a:ln>
+        </p:spPr>
+        <p:style>
+          <a:lnRef idx="1">
+            <a:schemeClr val="accent1"/>
+          </a:lnRef>
+          <a:fillRef idx="0">
+            <a:schemeClr val="accent1"/>
+          </a:fillRef>
+          <a:effectRef idx="0">
+            <a:schemeClr val="accent1"/>
+          </a:effectRef>
+          <a:fontRef idx="minor">
+            <a:schemeClr val="tx1"/>
+          </a:fontRef>
+        </p:style>
+      </p:cxnSp>
+      <p:sp>
+        <p:nvSpPr>
+          <p:cNvPr id="2" name="TextBox 1"/>
+          <p:cNvSpPr txBox="1"/>
+          <p:nvPr/>
+        </p:nvSpPr>
+        <p:spPr>
+          <a:xfrm>
+            <a:off x="256511" y="1759555"/>
+            <a:ext cx="933650" cy="3785652"/>
+          </a:xfrm>
+          <a:prstGeom prst="rect">
+            <a:avLst/>
+          </a:prstGeom>
+          <a:noFill/>
+        </p:spPr>
+        <p:txBody>
+          <a:bodyPr wrap="square" rtlCol="0">
+            <a:spAutoFit/>
+          </a:bodyPr>
+          <a:lstStyle/>
+          <a:p>
+            <a:pPr algn="ctr"/>
+            <a:r>
+              <a:rPr lang="zh-CN" altLang="en-US" sz="4000" dirty="0" smtClean="0">
+                <a:solidFill>
+                  <a:prstClr val="white"/>
+                </a:solidFill>
+              </a:rPr>
+              <a:t>平衡性的目的</a:t>
+            </a:r>
+            <a:endParaRPr lang="en-US" altLang="zh-CN" sz="4000" dirty="0" smtClean="0">
+              <a:solidFill>
+                <a:prstClr val="white"/>
+              </a:solidFill>
+            </a:endParaRPr>
+          </a:p>
+        </p:txBody>
+      </p:sp>
+      <p:grpSp>
+        <p:nvGrpSpPr>
+          <p:cNvPr id="3" name="Group 2"/>
+          <p:cNvGrpSpPr/>
+          <p:nvPr/>
+        </p:nvGrpSpPr>
+        <p:grpSpPr>
+          <a:xfrm>
+            <a:off x="0" y="0"/>
+            <a:ext cx="1453415" cy="572703"/>
+            <a:chOff x="0" y="6285297"/>
+            <a:chExt cx="1453415" cy="572703"/>
+          </a:xfrm>
+        </p:grpSpPr>
+        <p:sp>
+          <p:nvSpPr>
+            <p:cNvPr id="13" name="Rectangle 12"/>
+            <p:cNvSpPr/>
+            <p:nvPr/>
+          </p:nvSpPr>
+          <p:spPr>
+            <a:xfrm>
+              <a:off x="0" y="6285297"/>
+              <a:ext cx="1453415" cy="572703"/>
+            </a:xfrm>
+            <a:prstGeom prst="rect">
+              <a:avLst/>
+            </a:prstGeom>
+            <a:solidFill>
+              <a:schemeClr val="bg1"/>
+            </a:solidFill>
+            <a:ln w="19050">
+              <a:solidFill>
+                <a:schemeClr val="bg1"/>
+              </a:solidFill>
+            </a:ln>
+          </p:spPr>
+          <p:style>
+            <a:lnRef idx="2">
+              <a:schemeClr val="accent1">
+                <a:shade val="50000"/>
+              </a:schemeClr>
+            </a:lnRef>
+            <a:fillRef idx="1">
+              <a:schemeClr val="accent1"/>
+            </a:fillRef>
+            <a:effectRef idx="0">
+              <a:schemeClr val="accent1"/>
+            </a:effectRef>
+            <a:fontRef idx="minor">
+              <a:schemeClr val="lt1"/>
+            </a:fontRef>
+          </p:style>
+          <p:txBody>
+            <a:bodyPr rtlCol="0" anchor="ctr"/>
+            <a:lstStyle/>
+            <a:p>
+              <a:pPr algn="ctr"/>
+              <a:endParaRPr lang="zh-CN" altLang="en-US" sz="3500" dirty="0">
+                <a:solidFill>
+                  <a:prstClr val="black">
+                    <a:lumMod val="65000"/>
+                    <a:lumOff val="35000"/>
+                  </a:prstClr>
+                </a:solidFill>
+              </a:endParaRPr>
+            </a:p>
+          </p:txBody>
+        </p:sp>
+        <p:sp>
+          <p:nvSpPr>
+            <p:cNvPr id="15" name="Diamond 14"/>
+            <p:cNvSpPr/>
+            <p:nvPr/>
+          </p:nvSpPr>
+          <p:spPr>
+            <a:xfrm>
+              <a:off x="456707" y="6304547"/>
+              <a:ext cx="540000" cy="540000"/>
+            </a:xfrm>
+            <a:prstGeom prst="diamond">
+              <a:avLst/>
+            </a:prstGeom>
+            <a:noFill/>
+            <a:ln w="28575">
+              <a:solidFill>
+                <a:schemeClr val="tx2">
+                  <a:lumMod val="50000"/>
+                </a:schemeClr>
+              </a:solidFill>
+            </a:ln>
+          </p:spPr>
+          <p:style>
+            <a:lnRef idx="2">
+              <a:schemeClr val="accent1">
+                <a:shade val="50000"/>
+              </a:schemeClr>
+            </a:lnRef>
+            <a:fillRef idx="1">
+              <a:schemeClr val="accent1"/>
+            </a:fillRef>
+            <a:effectRef idx="0">
+              <a:schemeClr val="accent1"/>
+            </a:effectRef>
+            <a:fontRef idx="minor">
+              <a:schemeClr val="lt1"/>
+            </a:fontRef>
+          </p:style>
+          <p:txBody>
+            <a:bodyPr rtlCol="0" anchor="ctr"/>
+            <a:lstStyle/>
+            <a:p>
+              <a:pPr algn="ctr"/>
+              <a:r>
+                <a:rPr lang="en-US" altLang="zh-CN" dirty="0">
+                  <a:solidFill>
+                    <a:srgbClr val="5B9BD5"/>
+                  </a:solidFill>
+                </a:rPr>
+                <a:t>1</a:t>
+              </a:r>
+              <a:endParaRPr lang="zh-CN" altLang="en-US" dirty="0">
+                <a:solidFill>
+                  <a:srgbClr val="5B9BD5"/>
+                </a:solidFill>
+              </a:endParaRPr>
+            </a:p>
+          </p:txBody>
+        </p:sp>
+      </p:grpSp>
+      <p:sp>
+        <p:nvSpPr>
+          <p:cNvPr id="9" name="Rounded Rectangle 8"/>
+          <p:cNvSpPr/>
+          <p:nvPr/>
+        </p:nvSpPr>
+        <p:spPr>
+          <a:xfrm>
+            <a:off x="3719086" y="2893941"/>
+            <a:ext cx="4373780" cy="1040400"/>
+          </a:xfrm>
+          <a:prstGeom prst="roundRect">
+            <a:avLst>
+              <a:gd name="adj" fmla="val 12557"/>
+            </a:avLst>
+          </a:prstGeom>
+          <a:noFill/>
+          <a:ln w="19050">
+            <a:solidFill>
+              <a:schemeClr val="accent2"/>
+            </a:solidFill>
+          </a:ln>
+        </p:spPr>
+        <p:style>
+          <a:lnRef idx="2">
+            <a:schemeClr val="accent1">
+              <a:shade val="50000"/>
+            </a:schemeClr>
+          </a:lnRef>
+          <a:fillRef idx="1">
+            <a:schemeClr val="accent1"/>
+          </a:fillRef>
+          <a:effectRef idx="0">
+            <a:schemeClr val="accent1"/>
+          </a:effectRef>
+          <a:fontRef idx="minor">
+            <a:schemeClr val="lt1"/>
+          </a:fontRef>
+        </p:style>
+        <p:txBody>
+          <a:bodyPr rtlCol="0" anchor="ctr"/>
+          <a:lstStyle/>
+          <a:p>
+            <a:pPr algn="ctr"/>
+            <a:r>
+              <a:rPr lang="zh-CN" altLang="en-US" sz="3000" dirty="0" smtClean="0">
+                <a:solidFill>
+                  <a:prstClr val="white"/>
+                </a:solidFill>
+              </a:rPr>
+              <a:t>使游戏具有深度</a:t>
+            </a:r>
+            <a:endParaRPr lang="zh-CN" altLang="en-US" sz="3000" dirty="0">
+              <a:solidFill>
+                <a:prstClr val="white"/>
+              </a:solidFill>
+            </a:endParaRPr>
+          </a:p>
+        </p:txBody>
+      </p:sp>
+      <p:sp>
+        <p:nvSpPr>
+          <p:cNvPr id="12" name="Rounded Rectangle 11"/>
+          <p:cNvSpPr/>
+          <p:nvPr/>
+        </p:nvSpPr>
+        <p:spPr>
+          <a:xfrm>
+            <a:off x="3719085" y="1359173"/>
+            <a:ext cx="4373781" cy="1040400"/>
+          </a:xfrm>
+          <a:prstGeom prst="roundRect">
+            <a:avLst>
+              <a:gd name="adj" fmla="val 12557"/>
+            </a:avLst>
+          </a:prstGeom>
+          <a:noFill/>
+          <a:ln w="19050">
+            <a:solidFill>
+              <a:schemeClr val="bg1"/>
+            </a:solidFill>
+          </a:ln>
+        </p:spPr>
+        <p:style>
+          <a:lnRef idx="2">
+            <a:schemeClr val="accent1">
+              <a:shade val="50000"/>
+            </a:schemeClr>
+          </a:lnRef>
+          <a:fillRef idx="1">
+            <a:schemeClr val="accent1"/>
+          </a:fillRef>
+          <a:effectRef idx="0">
+            <a:schemeClr val="accent1"/>
+          </a:effectRef>
+          <a:fontRef idx="minor">
+            <a:schemeClr val="lt1"/>
+          </a:fontRef>
+        </p:style>
+        <p:txBody>
+          <a:bodyPr rtlCol="0" anchor="ctr"/>
+          <a:lstStyle/>
+          <a:p>
+            <a:pPr algn="ctr"/>
+            <a:r>
+              <a:rPr lang="zh-CN" altLang="en-US" sz="3000" dirty="0" smtClean="0">
+                <a:solidFill>
+                  <a:prstClr val="white"/>
+                </a:solidFill>
+              </a:rPr>
+              <a:t>使游戏公平</a:t>
+            </a:r>
+            <a:endParaRPr lang="zh-CN" altLang="en-US" sz="3000" dirty="0">
+              <a:solidFill>
+                <a:prstClr val="white"/>
+              </a:solidFill>
+            </a:endParaRPr>
+          </a:p>
+        </p:txBody>
+      </p:sp>
+      <p:sp>
+        <p:nvSpPr>
+          <p:cNvPr id="10" name="Rounded Rectangle 9"/>
+          <p:cNvSpPr/>
+          <p:nvPr/>
+        </p:nvSpPr>
+        <p:spPr>
+          <a:xfrm>
+            <a:off x="3719084" y="4428709"/>
+            <a:ext cx="4373781" cy="1040400"/>
+          </a:xfrm>
+          <a:prstGeom prst="roundRect">
+            <a:avLst>
+              <a:gd name="adj" fmla="val 12557"/>
+            </a:avLst>
+          </a:prstGeom>
+          <a:noFill/>
+          <a:ln w="19050">
+            <a:solidFill>
+              <a:schemeClr val="bg1"/>
+            </a:solidFill>
+          </a:ln>
+        </p:spPr>
+        <p:style>
+          <a:lnRef idx="2">
+            <a:schemeClr val="accent1">
+              <a:shade val="50000"/>
+            </a:schemeClr>
+          </a:lnRef>
+          <a:fillRef idx="1">
+            <a:schemeClr val="accent1"/>
+          </a:fillRef>
+          <a:effectRef idx="0">
+            <a:schemeClr val="accent1"/>
+          </a:effectRef>
+          <a:fontRef idx="minor">
+            <a:schemeClr val="lt1"/>
+          </a:fontRef>
+        </p:style>
+        <p:txBody>
+          <a:bodyPr rtlCol="0" anchor="ctr"/>
+          <a:lstStyle/>
+          <a:p>
+            <a:pPr algn="ctr"/>
+            <a:r>
+              <a:rPr lang="zh-CN" altLang="en-US" sz="3000" dirty="0" smtClean="0">
+                <a:solidFill>
+                  <a:prstClr val="white"/>
+                </a:solidFill>
+              </a:rPr>
+              <a:t>其他</a:t>
+            </a:r>
+            <a:endParaRPr lang="zh-CN" altLang="en-US" sz="3000" dirty="0">
+              <a:solidFill>
+                <a:prstClr val="white"/>
+              </a:solidFill>
+            </a:endParaRPr>
+          </a:p>
+        </p:txBody>
+      </p:sp>
+    </p:spTree>
+    <p:extLst>
+      <p:ext uri="{BB962C8B-B14F-4D97-AF65-F5344CB8AC3E}">
+        <p14:creationId xmlns:p14="http://schemas.microsoft.com/office/powerpoint/2010/main" val="4016615617"/>
+      </p:ext>
+    </p:extLst>
+  </p:cSld>
+  <p:clrMapOvr>
+    <a:masterClrMapping/>
+  </p:clrMapOvr>
+  <p:timing>
+    <p:tnLst>
+      <p:par>
+        <p:cTn id="1" dur="indefinite" restart="never" nodeType="tmRoot"/>
+      </p:par>
+    </p:tnLst>
+  </p:timing>
+</p:sld>
+</file>
+
+<file path=ppt/slides/slide57.xml><?xml version="1.0" encoding="utf-8"?>
+<p:sld xmlns:a="http://schemas.openxmlformats.org/drawingml/2006/main" xmlns:r="http://schemas.openxmlformats.org/officeDocument/2006/relationships" xmlns:p="http://schemas.openxmlformats.org/presentationml/2006/main">
+  <p:cSld>
+    <p:bg>
+      <p:bgPr>
+        <a:solidFill>
+          <a:schemeClr val="tx1">
+            <a:lumMod val="65000"/>
+            <a:lumOff val="35000"/>
+          </a:schemeClr>
+        </a:solidFill>
+        <a:effectLst/>
+      </p:bgPr>
+    </p:bg>
+    <p:spTree>
+      <p:nvGrpSpPr>
+        <p:cNvPr id="1" name=""/>
+        <p:cNvGrpSpPr/>
+        <p:nvPr/>
+      </p:nvGrpSpPr>
+      <p:grpSpPr>
+        <a:xfrm>
+          <a:off x="0" y="0"/>
+          <a:ext cx="0" cy="0"/>
+          <a:chOff x="0" y="0"/>
+          <a:chExt cx="0" cy="0"/>
+        </a:xfrm>
+      </p:grpSpPr>
+      <p:cxnSp>
+        <p:nvCxnSpPr>
+          <p:cNvPr id="11" name="Straight Connector 10"/>
+          <p:cNvCxnSpPr/>
+          <p:nvPr/>
+        </p:nvCxnSpPr>
+        <p:spPr>
+          <a:xfrm>
+            <a:off x="1453415" y="0"/>
+            <a:ext cx="0" cy="6858000"/>
+          </a:xfrm>
+          <a:prstGeom prst="line">
+            <a:avLst/>
+          </a:prstGeom>
+          <a:ln w="28575">
+            <a:solidFill>
+              <a:schemeClr val="bg1"/>
+            </a:solidFill>
+          </a:ln>
+        </p:spPr>
+        <p:style>
+          <a:lnRef idx="1">
+            <a:schemeClr val="accent1"/>
+          </a:lnRef>
+          <a:fillRef idx="0">
+            <a:schemeClr val="accent1"/>
+          </a:fillRef>
+          <a:effectRef idx="0">
+            <a:schemeClr val="accent1"/>
+          </a:effectRef>
+          <a:fontRef idx="minor">
+            <a:schemeClr val="tx1"/>
+          </a:fontRef>
+        </p:style>
+      </p:cxnSp>
+      <p:sp>
+        <p:nvSpPr>
+          <p:cNvPr id="2" name="TextBox 1"/>
+          <p:cNvSpPr txBox="1"/>
+          <p:nvPr/>
+        </p:nvSpPr>
+        <p:spPr>
+          <a:xfrm>
+            <a:off x="256511" y="1759555"/>
+            <a:ext cx="933650" cy="3170099"/>
+          </a:xfrm>
+          <a:prstGeom prst="rect">
+            <a:avLst/>
+          </a:prstGeom>
+          <a:noFill/>
+        </p:spPr>
+        <p:txBody>
+          <a:bodyPr wrap="square" rtlCol="0">
+            <a:spAutoFit/>
+          </a:bodyPr>
+          <a:lstStyle/>
+          <a:p>
+            <a:pPr algn="ctr"/>
+            <a:r>
+              <a:rPr lang="zh-CN" altLang="en-US" sz="4000" dirty="0" smtClean="0">
+                <a:solidFill>
+                  <a:prstClr val="white"/>
+                </a:solidFill>
+              </a:rPr>
+              <a:t>深度的平衡</a:t>
+            </a:r>
+            <a:endParaRPr lang="en-US" altLang="zh-CN" sz="4000" dirty="0" smtClean="0">
+              <a:solidFill>
+                <a:prstClr val="white"/>
+              </a:solidFill>
+            </a:endParaRPr>
+          </a:p>
+        </p:txBody>
+      </p:sp>
+      <p:grpSp>
+        <p:nvGrpSpPr>
+          <p:cNvPr id="3" name="Group 2"/>
+          <p:cNvGrpSpPr/>
+          <p:nvPr/>
+        </p:nvGrpSpPr>
+        <p:grpSpPr>
+          <a:xfrm>
+            <a:off x="0" y="0"/>
+            <a:ext cx="1453415" cy="572703"/>
+            <a:chOff x="0" y="6285297"/>
+            <a:chExt cx="1453415" cy="572703"/>
+          </a:xfrm>
+        </p:grpSpPr>
+        <p:sp>
+          <p:nvSpPr>
+            <p:cNvPr id="13" name="Rectangle 12"/>
+            <p:cNvSpPr/>
+            <p:nvPr/>
+          </p:nvSpPr>
+          <p:spPr>
+            <a:xfrm>
+              <a:off x="0" y="6285297"/>
+              <a:ext cx="1453415" cy="572703"/>
+            </a:xfrm>
+            <a:prstGeom prst="rect">
+              <a:avLst/>
+            </a:prstGeom>
+            <a:solidFill>
+              <a:schemeClr val="bg1"/>
+            </a:solidFill>
+            <a:ln w="19050">
+              <a:solidFill>
+                <a:schemeClr val="bg1"/>
+              </a:solidFill>
+            </a:ln>
+          </p:spPr>
+          <p:style>
+            <a:lnRef idx="2">
+              <a:schemeClr val="accent1">
+                <a:shade val="50000"/>
+              </a:schemeClr>
+            </a:lnRef>
+            <a:fillRef idx="1">
+              <a:schemeClr val="accent1"/>
+            </a:fillRef>
+            <a:effectRef idx="0">
+              <a:schemeClr val="accent1"/>
+            </a:effectRef>
+            <a:fontRef idx="minor">
+              <a:schemeClr val="lt1"/>
+            </a:fontRef>
+          </p:style>
+          <p:txBody>
+            <a:bodyPr rtlCol="0" anchor="ctr"/>
+            <a:lstStyle/>
+            <a:p>
+              <a:pPr algn="ctr"/>
+              <a:endParaRPr lang="zh-CN" altLang="en-US" sz="3500" dirty="0">
+                <a:solidFill>
+                  <a:prstClr val="black">
+                    <a:lumMod val="65000"/>
+                    <a:lumOff val="35000"/>
+                  </a:prstClr>
+                </a:solidFill>
+              </a:endParaRPr>
+            </a:p>
+          </p:txBody>
+        </p:sp>
+        <p:sp>
+          <p:nvSpPr>
+            <p:cNvPr id="15" name="Diamond 14"/>
+            <p:cNvSpPr/>
+            <p:nvPr/>
+          </p:nvSpPr>
+          <p:spPr>
+            <a:xfrm>
+              <a:off x="456707" y="6304547"/>
+              <a:ext cx="540000" cy="540000"/>
+            </a:xfrm>
+            <a:prstGeom prst="diamond">
+              <a:avLst/>
+            </a:prstGeom>
+            <a:noFill/>
+            <a:ln w="28575">
+              <a:solidFill>
+                <a:schemeClr val="tx2">
+                  <a:lumMod val="50000"/>
+                </a:schemeClr>
+              </a:solidFill>
+            </a:ln>
+          </p:spPr>
+          <p:style>
+            <a:lnRef idx="2">
+              <a:schemeClr val="accent1">
+                <a:shade val="50000"/>
+              </a:schemeClr>
+            </a:lnRef>
+            <a:fillRef idx="1">
+              <a:schemeClr val="accent1"/>
+            </a:fillRef>
+            <a:effectRef idx="0">
+              <a:schemeClr val="accent1"/>
+            </a:effectRef>
+            <a:fontRef idx="minor">
+              <a:schemeClr val="lt1"/>
+            </a:fontRef>
+          </p:style>
+          <p:txBody>
+            <a:bodyPr rtlCol="0" anchor="ctr"/>
+            <a:lstStyle/>
+            <a:p>
+              <a:pPr algn="ctr"/>
+              <a:r>
+                <a:rPr lang="en-US" altLang="zh-CN" dirty="0" smtClean="0">
+                  <a:solidFill>
+                    <a:srgbClr val="5B9BD5"/>
+                  </a:solidFill>
+                </a:rPr>
+                <a:t>2</a:t>
+              </a:r>
+              <a:endParaRPr lang="zh-CN" altLang="en-US" dirty="0">
+                <a:solidFill>
+                  <a:srgbClr val="5B9BD5"/>
+                </a:solidFill>
+              </a:endParaRPr>
+            </a:p>
+          </p:txBody>
+        </p:sp>
+      </p:grpSp>
+      <p:sp>
+        <p:nvSpPr>
+          <p:cNvPr id="4" name="TextBox 3"/>
+          <p:cNvSpPr txBox="1"/>
+          <p:nvPr/>
+        </p:nvSpPr>
+        <p:spPr>
+          <a:xfrm>
+            <a:off x="3264493" y="2036362"/>
+            <a:ext cx="5725683" cy="400110"/>
+          </a:xfrm>
+          <a:prstGeom prst="rect">
+            <a:avLst/>
+          </a:prstGeom>
+          <a:noFill/>
+        </p:spPr>
+        <p:txBody>
+          <a:bodyPr wrap="square" rtlCol="0">
+            <a:spAutoFit/>
+          </a:bodyPr>
+          <a:lstStyle/>
+          <a:p>
+            <a:r>
+              <a:rPr lang="zh-CN" altLang="en-US" sz="2000" dirty="0" smtClean="0">
+                <a:solidFill>
+                  <a:schemeClr val="bg1"/>
+                </a:solidFill>
+              </a:rPr>
+              <a:t>深度：平衡处于各种状态下的玩家所选择的策略</a:t>
+            </a:r>
+            <a:endParaRPr lang="zh-CN" altLang="en-US" sz="2000" dirty="0">
+              <a:solidFill>
+                <a:schemeClr val="bg1"/>
+              </a:solidFill>
+            </a:endParaRPr>
+          </a:p>
+        </p:txBody>
+      </p:sp>
+      <p:sp>
+        <p:nvSpPr>
+          <p:cNvPr id="14" name="TextBox 13"/>
+          <p:cNvSpPr txBox="1"/>
+          <p:nvPr/>
+        </p:nvSpPr>
+        <p:spPr>
+          <a:xfrm>
+            <a:off x="3264493" y="3051887"/>
+            <a:ext cx="5725683" cy="1015663"/>
+          </a:xfrm>
+          <a:prstGeom prst="rect">
+            <a:avLst/>
+          </a:prstGeom>
+          <a:noFill/>
+        </p:spPr>
+        <p:txBody>
+          <a:bodyPr wrap="square" rtlCol="0">
+            <a:spAutoFit/>
+          </a:bodyPr>
+          <a:lstStyle/>
+          <a:p>
+            <a:r>
+              <a:rPr lang="zh-CN" altLang="en-US" sz="2000" dirty="0" smtClean="0">
+                <a:solidFill>
+                  <a:schemeClr val="bg1"/>
+                </a:solidFill>
+              </a:rPr>
+              <a:t>策略：玩家为了追求某种目标所采用的具体行为的组合。如果寻找最佳策略的思维过程更加细致入微，游戏的决策也会更加丰富</a:t>
+            </a:r>
+            <a:endParaRPr lang="zh-CN" altLang="en-US" sz="2000" dirty="0">
+              <a:solidFill>
+                <a:schemeClr val="bg1"/>
+              </a:solidFill>
+            </a:endParaRPr>
+          </a:p>
+        </p:txBody>
+      </p:sp>
+      <p:sp>
+        <p:nvSpPr>
+          <p:cNvPr id="16" name="Rectangle 15"/>
+          <p:cNvSpPr/>
+          <p:nvPr/>
+        </p:nvSpPr>
+        <p:spPr>
+          <a:xfrm>
+            <a:off x="1453415" y="6332434"/>
+            <a:ext cx="10738585" cy="525566"/>
+          </a:xfrm>
+          <a:prstGeom prst="rect">
+            <a:avLst/>
+          </a:prstGeom>
+          <a:solidFill>
+            <a:schemeClr val="bg1"/>
+          </a:solidFill>
+          <a:ln w="19050">
+            <a:solidFill>
+              <a:schemeClr val="bg1"/>
+            </a:solidFill>
+          </a:ln>
+        </p:spPr>
+        <p:style>
+          <a:lnRef idx="2">
+            <a:schemeClr val="accent1">
+              <a:shade val="50000"/>
+            </a:schemeClr>
+          </a:lnRef>
+          <a:fillRef idx="1">
+            <a:schemeClr val="accent1"/>
+          </a:fillRef>
+          <a:effectRef idx="0">
+            <a:schemeClr val="accent1"/>
+          </a:effectRef>
+          <a:fontRef idx="minor">
+            <a:schemeClr val="lt1"/>
+          </a:fontRef>
+        </p:style>
+        <p:txBody>
+          <a:bodyPr rtlCol="0" anchor="ctr"/>
+          <a:lstStyle/>
+          <a:p>
+            <a:pPr algn="ctr"/>
+            <a:r>
+              <a:rPr lang="zh-CN" altLang="en-US" sz="2500" dirty="0" smtClean="0">
+                <a:solidFill>
+                  <a:srgbClr val="ED7D31"/>
+                </a:solidFill>
+              </a:rPr>
+              <a:t>例   </a:t>
+            </a:r>
+            <a:r>
+              <a:rPr lang="en-US" altLang="zh-CN" sz="2500" dirty="0" smtClean="0">
+                <a:solidFill>
+                  <a:srgbClr val="ED7D31"/>
+                </a:solidFill>
+              </a:rPr>
+              <a:t>《CR》</a:t>
+            </a:r>
+            <a:endParaRPr lang="zh-CN" altLang="en-US" sz="2500" dirty="0">
+              <a:solidFill>
+                <a:srgbClr val="ED7D31"/>
+              </a:solidFill>
+            </a:endParaRPr>
+          </a:p>
+        </p:txBody>
+      </p:sp>
+    </p:spTree>
+    <p:extLst>
+      <p:ext uri="{BB962C8B-B14F-4D97-AF65-F5344CB8AC3E}">
+        <p14:creationId xmlns:p14="http://schemas.microsoft.com/office/powerpoint/2010/main" val="3424817531"/>
+      </p:ext>
+    </p:extLst>
+  </p:cSld>
+  <p:clrMapOvr>
+    <a:masterClrMapping/>
+  </p:clrMapOvr>
+  <p:timing>
+    <p:tnLst>
+      <p:par>
+        <p:cTn id="1" dur="indefinite" restart="never" nodeType="tmRoot"/>
+      </p:par>
+    </p:tnLst>
+  </p:timing>
+</p:sld>
+</file>
+
+<file path=ppt/slides/slide58.xml><?xml version="1.0" encoding="utf-8"?>
+<p:sld xmlns:a="http://schemas.openxmlformats.org/drawingml/2006/main" xmlns:r="http://schemas.openxmlformats.org/officeDocument/2006/relationships" xmlns:p="http://schemas.openxmlformats.org/presentationml/2006/main">
+  <p:cSld>
+    <p:bg>
+      <p:bgPr>
+        <a:solidFill>
+          <a:schemeClr val="tx1">
+            <a:lumMod val="65000"/>
+            <a:lumOff val="35000"/>
+          </a:schemeClr>
+        </a:solidFill>
+        <a:effectLst/>
+      </p:bgPr>
+    </p:bg>
+    <p:spTree>
+      <p:nvGrpSpPr>
+        <p:cNvPr id="1" name=""/>
+        <p:cNvGrpSpPr/>
+        <p:nvPr/>
+      </p:nvGrpSpPr>
+      <p:grpSpPr>
+        <a:xfrm>
+          <a:off x="0" y="0"/>
+          <a:ext cx="0" cy="0"/>
+          <a:chOff x="0" y="0"/>
+          <a:chExt cx="0" cy="0"/>
+        </a:xfrm>
+      </p:grpSpPr>
+      <p:cxnSp>
+        <p:nvCxnSpPr>
+          <p:cNvPr id="11" name="Straight Connector 10"/>
+          <p:cNvCxnSpPr/>
+          <p:nvPr/>
+        </p:nvCxnSpPr>
+        <p:spPr>
+          <a:xfrm>
+            <a:off x="1453415" y="0"/>
+            <a:ext cx="0" cy="6858000"/>
+          </a:xfrm>
+          <a:prstGeom prst="line">
+            <a:avLst/>
+          </a:prstGeom>
+          <a:ln w="28575">
+            <a:solidFill>
+              <a:schemeClr val="bg1"/>
+            </a:solidFill>
+          </a:ln>
+        </p:spPr>
+        <p:style>
+          <a:lnRef idx="1">
+            <a:schemeClr val="accent1"/>
+          </a:lnRef>
+          <a:fillRef idx="0">
+            <a:schemeClr val="accent1"/>
+          </a:fillRef>
+          <a:effectRef idx="0">
+            <a:schemeClr val="accent1"/>
+          </a:effectRef>
+          <a:fontRef idx="minor">
+            <a:schemeClr val="tx1"/>
+          </a:fontRef>
+        </p:style>
+      </p:cxnSp>
+      <p:sp>
+        <p:nvSpPr>
+          <p:cNvPr id="2" name="TextBox 1"/>
+          <p:cNvSpPr txBox="1"/>
+          <p:nvPr/>
+        </p:nvSpPr>
+        <p:spPr>
+          <a:xfrm>
+            <a:off x="256511" y="1759555"/>
+            <a:ext cx="933650" cy="3785652"/>
+          </a:xfrm>
+          <a:prstGeom prst="rect">
+            <a:avLst/>
+          </a:prstGeom>
+          <a:noFill/>
+        </p:spPr>
+        <p:txBody>
+          <a:bodyPr wrap="square" rtlCol="0">
+            <a:spAutoFit/>
+          </a:bodyPr>
+          <a:lstStyle/>
+          <a:p>
+            <a:pPr algn="ctr"/>
+            <a:r>
+              <a:rPr lang="zh-CN" altLang="en-US" sz="4000" dirty="0">
+                <a:solidFill>
+                  <a:prstClr val="white"/>
+                </a:solidFill>
+              </a:rPr>
+              <a:t>防</a:t>
+            </a:r>
+            <a:r>
+              <a:rPr lang="zh-CN" altLang="en-US" sz="4000" dirty="0" smtClean="0">
+                <a:solidFill>
+                  <a:prstClr val="white"/>
+                </a:solidFill>
+              </a:rPr>
+              <a:t>止两种情况</a:t>
+            </a:r>
+            <a:endParaRPr lang="en-US" altLang="zh-CN" sz="4000" dirty="0" smtClean="0">
+              <a:solidFill>
+                <a:prstClr val="white"/>
+              </a:solidFill>
+            </a:endParaRPr>
+          </a:p>
+        </p:txBody>
+      </p:sp>
+      <p:grpSp>
+        <p:nvGrpSpPr>
+          <p:cNvPr id="3" name="Group 2"/>
+          <p:cNvGrpSpPr/>
+          <p:nvPr/>
+        </p:nvGrpSpPr>
+        <p:grpSpPr>
+          <a:xfrm>
+            <a:off x="0" y="0"/>
+            <a:ext cx="1453415" cy="572703"/>
+            <a:chOff x="0" y="6285297"/>
+            <a:chExt cx="1453415" cy="572703"/>
+          </a:xfrm>
+        </p:grpSpPr>
+        <p:sp>
+          <p:nvSpPr>
+            <p:cNvPr id="13" name="Rectangle 12"/>
+            <p:cNvSpPr/>
+            <p:nvPr/>
+          </p:nvSpPr>
+          <p:spPr>
+            <a:xfrm>
+              <a:off x="0" y="6285297"/>
+              <a:ext cx="1453415" cy="572703"/>
+            </a:xfrm>
+            <a:prstGeom prst="rect">
+              <a:avLst/>
+            </a:prstGeom>
+            <a:solidFill>
+              <a:schemeClr val="bg1"/>
+            </a:solidFill>
+            <a:ln w="19050">
+              <a:solidFill>
+                <a:schemeClr val="bg1"/>
+              </a:solidFill>
+            </a:ln>
+          </p:spPr>
+          <p:style>
+            <a:lnRef idx="2">
+              <a:schemeClr val="accent1">
+                <a:shade val="50000"/>
+              </a:schemeClr>
+            </a:lnRef>
+            <a:fillRef idx="1">
+              <a:schemeClr val="accent1"/>
+            </a:fillRef>
+            <a:effectRef idx="0">
+              <a:schemeClr val="accent1"/>
+            </a:effectRef>
+            <a:fontRef idx="minor">
+              <a:schemeClr val="lt1"/>
+            </a:fontRef>
+          </p:style>
+          <p:txBody>
+            <a:bodyPr rtlCol="0" anchor="ctr"/>
+            <a:lstStyle/>
+            <a:p>
+              <a:pPr algn="ctr"/>
+              <a:endParaRPr lang="zh-CN" altLang="en-US" sz="3500" dirty="0">
+                <a:solidFill>
+                  <a:prstClr val="black">
+                    <a:lumMod val="65000"/>
+                    <a:lumOff val="35000"/>
+                  </a:prstClr>
+                </a:solidFill>
+              </a:endParaRPr>
+            </a:p>
+          </p:txBody>
+        </p:sp>
+        <p:sp>
+          <p:nvSpPr>
+            <p:cNvPr id="15" name="Diamond 14"/>
+            <p:cNvSpPr/>
+            <p:nvPr/>
+          </p:nvSpPr>
+          <p:spPr>
+            <a:xfrm>
+              <a:off x="456707" y="6304547"/>
+              <a:ext cx="540000" cy="540000"/>
+            </a:xfrm>
+            <a:prstGeom prst="diamond">
+              <a:avLst/>
+            </a:prstGeom>
+            <a:noFill/>
+            <a:ln w="28575">
+              <a:solidFill>
+                <a:schemeClr val="tx2">
+                  <a:lumMod val="50000"/>
+                </a:schemeClr>
+              </a:solidFill>
+            </a:ln>
+          </p:spPr>
+          <p:style>
+            <a:lnRef idx="2">
+              <a:schemeClr val="accent1">
+                <a:shade val="50000"/>
+              </a:schemeClr>
+            </a:lnRef>
+            <a:fillRef idx="1">
+              <a:schemeClr val="accent1"/>
+            </a:fillRef>
+            <a:effectRef idx="0">
+              <a:schemeClr val="accent1"/>
+            </a:effectRef>
+            <a:fontRef idx="minor">
+              <a:schemeClr val="lt1"/>
+            </a:fontRef>
+          </p:style>
+          <p:txBody>
+            <a:bodyPr rtlCol="0" anchor="ctr"/>
+            <a:lstStyle/>
+            <a:p>
+              <a:pPr algn="ctr"/>
+              <a:r>
+                <a:rPr lang="en-US" altLang="zh-CN" dirty="0">
+                  <a:solidFill>
+                    <a:srgbClr val="5B9BD5"/>
+                  </a:solidFill>
+                </a:rPr>
+                <a:t>3</a:t>
+              </a:r>
+              <a:endParaRPr lang="zh-CN" altLang="en-US" dirty="0">
+                <a:solidFill>
+                  <a:srgbClr val="5B9BD5"/>
+                </a:solidFill>
+              </a:endParaRPr>
+            </a:p>
+          </p:txBody>
+        </p:sp>
+      </p:grpSp>
+      <p:sp>
+        <p:nvSpPr>
+          <p:cNvPr id="4" name="TextBox 3"/>
+          <p:cNvSpPr txBox="1"/>
+          <p:nvPr/>
+        </p:nvSpPr>
+        <p:spPr>
+          <a:xfrm>
+            <a:off x="3696611" y="2636961"/>
+            <a:ext cx="5725683" cy="1631216"/>
+          </a:xfrm>
+          <a:prstGeom prst="rect">
+            <a:avLst/>
+          </a:prstGeom>
+          <a:noFill/>
+        </p:spPr>
+        <p:txBody>
+          <a:bodyPr wrap="square" rtlCol="0">
+            <a:spAutoFit/>
+          </a:bodyPr>
+          <a:lstStyle/>
+          <a:p>
+            <a:r>
+              <a:rPr lang="zh-CN" altLang="en-US" sz="2000" dirty="0" smtClean="0">
+                <a:solidFill>
+                  <a:prstClr val="white"/>
+                </a:solidFill>
+              </a:rPr>
+              <a:t>策略退化：</a:t>
+            </a:r>
+            <a:endParaRPr lang="en-US" altLang="zh-CN" sz="2000" dirty="0" smtClean="0">
+              <a:solidFill>
+                <a:prstClr val="white"/>
+              </a:solidFill>
+            </a:endParaRPr>
+          </a:p>
+          <a:p>
+            <a:r>
+              <a:rPr lang="zh-CN" altLang="en-US" sz="2000" dirty="0">
+                <a:solidFill>
+                  <a:prstClr val="white"/>
+                </a:solidFill>
+              </a:rPr>
+              <a:t>一</a:t>
+            </a:r>
+            <a:r>
+              <a:rPr lang="zh-CN" altLang="en-US" sz="2000" dirty="0" smtClean="0">
+                <a:solidFill>
+                  <a:prstClr val="white"/>
+                </a:solidFill>
+              </a:rPr>
+              <a:t>个策略很明显的成为了当前最好的选择</a:t>
+            </a:r>
+            <a:endParaRPr lang="en-US" altLang="zh-CN" sz="2000" dirty="0" smtClean="0">
+              <a:solidFill>
+                <a:prstClr val="white"/>
+              </a:solidFill>
+            </a:endParaRPr>
+          </a:p>
+          <a:p>
+            <a:endParaRPr lang="en-US" altLang="zh-CN" sz="2000" dirty="0">
+              <a:solidFill>
+                <a:prstClr val="white"/>
+              </a:solidFill>
+            </a:endParaRPr>
+          </a:p>
+          <a:p>
+            <a:r>
+              <a:rPr lang="zh-CN" altLang="en-US" sz="2000" dirty="0" smtClean="0">
+                <a:solidFill>
+                  <a:prstClr val="white"/>
+                </a:solidFill>
+              </a:rPr>
+              <a:t>可选策略数量误区：</a:t>
+            </a:r>
+            <a:endParaRPr lang="en-US" altLang="zh-CN" sz="2000" dirty="0" smtClean="0">
+              <a:solidFill>
+                <a:prstClr val="white"/>
+              </a:solidFill>
+            </a:endParaRPr>
+          </a:p>
+          <a:p>
+            <a:r>
+              <a:rPr lang="zh-CN" altLang="en-US" sz="2000" dirty="0">
+                <a:solidFill>
+                  <a:prstClr val="white"/>
+                </a:solidFill>
+              </a:rPr>
+              <a:t>并</a:t>
+            </a:r>
+            <a:r>
+              <a:rPr lang="zh-CN" altLang="en-US" sz="2000" dirty="0" smtClean="0">
+                <a:solidFill>
+                  <a:prstClr val="white"/>
+                </a:solidFill>
+              </a:rPr>
+              <a:t>非可选策略越多越好，</a:t>
+            </a:r>
+            <a:r>
+              <a:rPr lang="en-US" altLang="zh-CN" sz="2000" dirty="0" smtClean="0">
+                <a:solidFill>
+                  <a:prstClr val="white"/>
+                </a:solidFill>
+              </a:rPr>
+              <a:t>3-4</a:t>
+            </a:r>
+            <a:r>
+              <a:rPr lang="zh-CN" altLang="en-US" sz="2000" dirty="0" smtClean="0">
+                <a:solidFill>
+                  <a:prstClr val="white"/>
+                </a:solidFill>
+              </a:rPr>
+              <a:t>种最佳</a:t>
+            </a:r>
+            <a:endParaRPr lang="zh-CN" altLang="en-US" sz="2000" dirty="0">
+              <a:solidFill>
+                <a:prstClr val="white"/>
+              </a:solidFill>
+            </a:endParaRPr>
+          </a:p>
+        </p:txBody>
+      </p:sp>
+      <p:sp>
+        <p:nvSpPr>
+          <p:cNvPr id="16" name="Rectangle 15"/>
+          <p:cNvSpPr/>
+          <p:nvPr/>
+        </p:nvSpPr>
+        <p:spPr>
+          <a:xfrm>
+            <a:off x="1453415" y="6332434"/>
+            <a:ext cx="10738585" cy="525566"/>
+          </a:xfrm>
+          <a:prstGeom prst="rect">
+            <a:avLst/>
+          </a:prstGeom>
+          <a:solidFill>
+            <a:schemeClr val="bg1"/>
+          </a:solidFill>
+          <a:ln w="19050">
+            <a:solidFill>
+              <a:schemeClr val="bg1"/>
+            </a:solidFill>
+          </a:ln>
+        </p:spPr>
+        <p:style>
+          <a:lnRef idx="2">
+            <a:schemeClr val="accent1">
+              <a:shade val="50000"/>
+            </a:schemeClr>
+          </a:lnRef>
+          <a:fillRef idx="1">
+            <a:schemeClr val="accent1"/>
+          </a:fillRef>
+          <a:effectRef idx="0">
+            <a:schemeClr val="accent1"/>
+          </a:effectRef>
+          <a:fontRef idx="minor">
+            <a:schemeClr val="lt1"/>
+          </a:fontRef>
+        </p:style>
+        <p:txBody>
+          <a:bodyPr rtlCol="0" anchor="ctr"/>
+          <a:lstStyle/>
+          <a:p>
+            <a:pPr algn="ctr"/>
+            <a:r>
+              <a:rPr lang="zh-CN" altLang="en-US" sz="2500" dirty="0" smtClean="0">
+                <a:solidFill>
+                  <a:srgbClr val="ED7D31"/>
+                </a:solidFill>
+              </a:rPr>
+              <a:t>例   </a:t>
+            </a:r>
+            <a:r>
+              <a:rPr lang="en-US" altLang="zh-CN" sz="2500" dirty="0" smtClean="0">
+                <a:solidFill>
+                  <a:srgbClr val="ED7D31"/>
+                </a:solidFill>
+              </a:rPr>
+              <a:t>《CR》</a:t>
+            </a:r>
+            <a:endParaRPr lang="zh-CN" altLang="en-US" sz="2500" dirty="0">
+              <a:solidFill>
+                <a:srgbClr val="ED7D31"/>
+              </a:solidFill>
+            </a:endParaRPr>
+          </a:p>
+        </p:txBody>
+      </p:sp>
+    </p:spTree>
+    <p:extLst>
+      <p:ext uri="{BB962C8B-B14F-4D97-AF65-F5344CB8AC3E}">
+        <p14:creationId xmlns:p14="http://schemas.microsoft.com/office/powerpoint/2010/main" val="1833600918"/>
+      </p:ext>
+    </p:extLst>
+  </p:cSld>
+  <p:clrMapOvr>
+    <a:masterClrMapping/>
+  </p:clrMapOvr>
+  <p:timing>
+    <p:tnLst>
+      <p:par>
+        <p:cTn id="1" dur="indefinite" restart="never" nodeType="tmRoot"/>
+      </p:par>
+    </p:tnLst>
+  </p:timing>
+</p:sld>
+</file>
+
+<file path=ppt/slides/slide59.xml><?xml version="1.0" encoding="utf-8"?>
+<p:sld xmlns:a="http://schemas.openxmlformats.org/drawingml/2006/main" xmlns:r="http://schemas.openxmlformats.org/officeDocument/2006/relationships" xmlns:p="http://schemas.openxmlformats.org/presentationml/2006/main">
+  <p:cSld>
+    <p:bg>
+      <p:bgPr>
+        <a:solidFill>
+          <a:schemeClr val="tx1">
+            <a:lumMod val="65000"/>
+            <a:lumOff val="35000"/>
+          </a:schemeClr>
+        </a:solidFill>
+        <a:effectLst/>
+      </p:bgPr>
+    </p:bg>
+    <p:spTree>
+      <p:nvGrpSpPr>
+        <p:cNvPr id="1" name=""/>
+        <p:cNvGrpSpPr/>
+        <p:nvPr/>
+      </p:nvGrpSpPr>
+      <p:grpSpPr>
+        <a:xfrm>
+          <a:off x="0" y="0"/>
+          <a:ext cx="0" cy="0"/>
+          <a:chOff x="0" y="0"/>
+          <a:chExt cx="0" cy="0"/>
+        </a:xfrm>
+      </p:grpSpPr>
+      <p:cxnSp>
+        <p:nvCxnSpPr>
+          <p:cNvPr id="11" name="Straight Connector 10"/>
+          <p:cNvCxnSpPr/>
+          <p:nvPr/>
+        </p:nvCxnSpPr>
+        <p:spPr>
+          <a:xfrm>
+            <a:off x="1453415" y="0"/>
+            <a:ext cx="0" cy="6858000"/>
+          </a:xfrm>
+          <a:prstGeom prst="line">
+            <a:avLst/>
+          </a:prstGeom>
+          <a:ln w="28575">
+            <a:solidFill>
+              <a:schemeClr val="bg1"/>
+            </a:solidFill>
+          </a:ln>
+        </p:spPr>
+        <p:style>
+          <a:lnRef idx="1">
+            <a:schemeClr val="accent1"/>
+          </a:lnRef>
+          <a:fillRef idx="0">
+            <a:schemeClr val="accent1"/>
+          </a:fillRef>
+          <a:effectRef idx="0">
+            <a:schemeClr val="accent1"/>
+          </a:effectRef>
+          <a:fontRef idx="minor">
+            <a:schemeClr val="tx1"/>
+          </a:fontRef>
+        </p:style>
+      </p:cxnSp>
+      <p:sp>
+        <p:nvSpPr>
+          <p:cNvPr id="2" name="TextBox 1"/>
+          <p:cNvSpPr txBox="1"/>
+          <p:nvPr/>
+        </p:nvSpPr>
+        <p:spPr>
+          <a:xfrm>
+            <a:off x="259883" y="1251966"/>
+            <a:ext cx="933650" cy="4401205"/>
+          </a:xfrm>
+          <a:prstGeom prst="rect">
+            <a:avLst/>
+          </a:prstGeom>
+          <a:noFill/>
+        </p:spPr>
+        <p:txBody>
+          <a:bodyPr wrap="square" rtlCol="0">
+            <a:spAutoFit/>
+          </a:bodyPr>
+          <a:lstStyle/>
+          <a:p>
+            <a:pPr algn="ctr"/>
+            <a:r>
+              <a:rPr lang="zh-CN" altLang="en-US" sz="4000" dirty="0" smtClean="0">
+                <a:solidFill>
+                  <a:prstClr val="white"/>
+                </a:solidFill>
+              </a:rPr>
+              <a:t>如何调整平衡性</a:t>
+            </a:r>
+            <a:endParaRPr lang="en-US" altLang="zh-CN" sz="4000" dirty="0" smtClean="0">
+              <a:solidFill>
+                <a:prstClr val="white"/>
+              </a:solidFill>
+            </a:endParaRPr>
+          </a:p>
+        </p:txBody>
+      </p:sp>
+      <p:grpSp>
+        <p:nvGrpSpPr>
+          <p:cNvPr id="3" name="Group 2"/>
+          <p:cNvGrpSpPr/>
+          <p:nvPr/>
+        </p:nvGrpSpPr>
+        <p:grpSpPr>
+          <a:xfrm>
+            <a:off x="0" y="0"/>
+            <a:ext cx="1453415" cy="572703"/>
+            <a:chOff x="0" y="6285297"/>
+            <a:chExt cx="1453415" cy="572703"/>
+          </a:xfrm>
+        </p:grpSpPr>
+        <p:sp>
+          <p:nvSpPr>
+            <p:cNvPr id="13" name="Rectangle 12"/>
+            <p:cNvSpPr/>
+            <p:nvPr/>
+          </p:nvSpPr>
+          <p:spPr>
+            <a:xfrm>
+              <a:off x="0" y="6285297"/>
+              <a:ext cx="1453415" cy="572703"/>
+            </a:xfrm>
+            <a:prstGeom prst="rect">
+              <a:avLst/>
+            </a:prstGeom>
+            <a:solidFill>
+              <a:schemeClr val="bg1"/>
+            </a:solidFill>
+            <a:ln w="19050">
+              <a:solidFill>
+                <a:schemeClr val="bg1"/>
+              </a:solidFill>
+            </a:ln>
+          </p:spPr>
+          <p:style>
+            <a:lnRef idx="2">
+              <a:schemeClr val="accent1">
+                <a:shade val="50000"/>
+              </a:schemeClr>
+            </a:lnRef>
+            <a:fillRef idx="1">
+              <a:schemeClr val="accent1"/>
+            </a:fillRef>
+            <a:effectRef idx="0">
+              <a:schemeClr val="accent1"/>
+            </a:effectRef>
+            <a:fontRef idx="minor">
+              <a:schemeClr val="lt1"/>
+            </a:fontRef>
+          </p:style>
+          <p:txBody>
+            <a:bodyPr rtlCol="0" anchor="ctr"/>
+            <a:lstStyle/>
+            <a:p>
+              <a:pPr algn="ctr"/>
+              <a:endParaRPr lang="zh-CN" altLang="en-US" sz="3500" dirty="0">
+                <a:solidFill>
+                  <a:prstClr val="black">
+                    <a:lumMod val="65000"/>
+                    <a:lumOff val="35000"/>
+                  </a:prstClr>
+                </a:solidFill>
+              </a:endParaRPr>
+            </a:p>
+          </p:txBody>
+        </p:sp>
+        <p:sp>
+          <p:nvSpPr>
+            <p:cNvPr id="15" name="Diamond 14"/>
+            <p:cNvSpPr/>
+            <p:nvPr/>
+          </p:nvSpPr>
+          <p:spPr>
+            <a:xfrm>
+              <a:off x="456707" y="6304547"/>
+              <a:ext cx="540000" cy="540000"/>
+            </a:xfrm>
+            <a:prstGeom prst="diamond">
+              <a:avLst/>
+            </a:prstGeom>
+            <a:noFill/>
+            <a:ln w="28575">
+              <a:solidFill>
+                <a:schemeClr val="tx2">
+                  <a:lumMod val="50000"/>
+                </a:schemeClr>
+              </a:solidFill>
+            </a:ln>
+          </p:spPr>
+          <p:style>
+            <a:lnRef idx="2">
+              <a:schemeClr val="accent1">
+                <a:shade val="50000"/>
+              </a:schemeClr>
+            </a:lnRef>
+            <a:fillRef idx="1">
+              <a:schemeClr val="accent1"/>
+            </a:fillRef>
+            <a:effectRef idx="0">
+              <a:schemeClr val="accent1"/>
+            </a:effectRef>
+            <a:fontRef idx="minor">
+              <a:schemeClr val="lt1"/>
+            </a:fontRef>
+          </p:style>
+          <p:txBody>
+            <a:bodyPr rtlCol="0" anchor="ctr"/>
+            <a:lstStyle/>
+            <a:p>
+              <a:pPr algn="ctr"/>
+              <a:r>
+                <a:rPr lang="en-US" altLang="zh-CN" dirty="0" smtClean="0">
+                  <a:solidFill>
+                    <a:srgbClr val="5B9BD5"/>
+                  </a:solidFill>
+                </a:rPr>
+                <a:t>4</a:t>
+              </a:r>
+              <a:endParaRPr lang="zh-CN" altLang="en-US" dirty="0">
+                <a:solidFill>
+                  <a:srgbClr val="5B9BD5"/>
+                </a:solidFill>
+              </a:endParaRPr>
+            </a:p>
+          </p:txBody>
+        </p:sp>
+      </p:grpSp>
+      <p:sp>
+        <p:nvSpPr>
+          <p:cNvPr id="4" name="TextBox 3"/>
+          <p:cNvSpPr txBox="1"/>
+          <p:nvPr/>
+        </p:nvSpPr>
+        <p:spPr>
+          <a:xfrm>
+            <a:off x="3585516" y="2718916"/>
+            <a:ext cx="6917266" cy="1015663"/>
+          </a:xfrm>
+          <a:prstGeom prst="rect">
+            <a:avLst/>
+          </a:prstGeom>
+          <a:noFill/>
+        </p:spPr>
+        <p:txBody>
+          <a:bodyPr wrap="square" rtlCol="0">
+            <a:spAutoFit/>
+          </a:bodyPr>
+          <a:lstStyle/>
+          <a:p>
+            <a:r>
+              <a:rPr lang="zh-CN" altLang="en-US" sz="2000" dirty="0" smtClean="0">
+                <a:solidFill>
+                  <a:schemeClr val="accent2"/>
+                </a:solidFill>
+              </a:rPr>
+              <a:t>找出一个道具的基础作用和特性。尽可能地最大化这些特性，并且把他们固定在最大化的位置。然后通过调整其他特征来解决平衡性问题。</a:t>
+            </a:r>
+            <a:endParaRPr lang="zh-CN" altLang="en-US" sz="2000" dirty="0">
+              <a:solidFill>
+                <a:schemeClr val="accent2"/>
+              </a:solidFill>
+            </a:endParaRPr>
+          </a:p>
+        </p:txBody>
+      </p:sp>
+      <p:sp>
+        <p:nvSpPr>
+          <p:cNvPr id="16" name="Rectangle 15"/>
+          <p:cNvSpPr/>
+          <p:nvPr/>
+        </p:nvSpPr>
+        <p:spPr>
+          <a:xfrm>
+            <a:off x="1453415" y="6332434"/>
+            <a:ext cx="10738585" cy="525566"/>
+          </a:xfrm>
+          <a:prstGeom prst="rect">
+            <a:avLst/>
+          </a:prstGeom>
+          <a:solidFill>
+            <a:schemeClr val="bg1"/>
+          </a:solidFill>
+          <a:ln w="19050">
+            <a:solidFill>
+              <a:schemeClr val="bg1"/>
+            </a:solidFill>
+          </a:ln>
+        </p:spPr>
+        <p:style>
+          <a:lnRef idx="2">
+            <a:schemeClr val="accent1">
+              <a:shade val="50000"/>
+            </a:schemeClr>
+          </a:lnRef>
+          <a:fillRef idx="1">
+            <a:schemeClr val="accent1"/>
+          </a:fillRef>
+          <a:effectRef idx="0">
+            <a:schemeClr val="accent1"/>
+          </a:effectRef>
+          <a:fontRef idx="minor">
+            <a:schemeClr val="lt1"/>
+          </a:fontRef>
+        </p:style>
+        <p:txBody>
+          <a:bodyPr rtlCol="0" anchor="ctr"/>
+          <a:lstStyle/>
+          <a:p>
+            <a:pPr algn="ctr"/>
+            <a:r>
+              <a:rPr lang="zh-CN" altLang="en-US" sz="2500" dirty="0" smtClean="0">
+                <a:solidFill>
+                  <a:srgbClr val="ED7D31"/>
+                </a:solidFill>
+              </a:rPr>
+              <a:t>例   </a:t>
+            </a:r>
+            <a:r>
+              <a:rPr lang="en-US" altLang="zh-CN" sz="2500" dirty="0" smtClean="0">
+                <a:solidFill>
+                  <a:srgbClr val="ED7D31"/>
+                </a:solidFill>
+              </a:rPr>
+              <a:t>《CR</a:t>
+            </a:r>
+            <a:r>
+              <a:rPr lang="en-US" altLang="zh-CN" sz="2500" dirty="0" smtClean="0">
+                <a:solidFill>
+                  <a:srgbClr val="ED7D31"/>
+                </a:solidFill>
+              </a:rPr>
+              <a:t>》</a:t>
+            </a:r>
+            <a:r>
+              <a:rPr lang="zh-CN" altLang="en-US" sz="2500" dirty="0" smtClean="0">
+                <a:solidFill>
+                  <a:srgbClr val="ED7D31"/>
+                </a:solidFill>
+              </a:rPr>
+              <a:t>、</a:t>
+            </a:r>
+            <a:r>
+              <a:rPr lang="en-US" altLang="zh-CN" sz="2500" dirty="0" smtClean="0">
+                <a:solidFill>
+                  <a:srgbClr val="ED7D31"/>
+                </a:solidFill>
+              </a:rPr>
+              <a:t>《</a:t>
+            </a:r>
+            <a:r>
+              <a:rPr lang="zh-CN" altLang="en-US" sz="2500" dirty="0" smtClean="0">
+                <a:solidFill>
+                  <a:srgbClr val="ED7D31"/>
+                </a:solidFill>
+              </a:rPr>
+              <a:t>王者荣耀</a:t>
+            </a:r>
+            <a:r>
+              <a:rPr lang="en-US" altLang="zh-CN" sz="2500" dirty="0" smtClean="0">
+                <a:solidFill>
+                  <a:srgbClr val="ED7D31"/>
+                </a:solidFill>
+              </a:rPr>
+              <a:t>》</a:t>
+            </a:r>
+            <a:endParaRPr lang="zh-CN" altLang="en-US" sz="2500" dirty="0">
+              <a:solidFill>
+                <a:srgbClr val="ED7D31"/>
+              </a:solidFill>
+            </a:endParaRPr>
+          </a:p>
+        </p:txBody>
+      </p:sp>
+    </p:spTree>
+    <p:extLst>
+      <p:ext uri="{BB962C8B-B14F-4D97-AF65-F5344CB8AC3E}">
+        <p14:creationId xmlns:p14="http://schemas.microsoft.com/office/powerpoint/2010/main" val="3657051929"/>
       </p:ext>
     </p:extLst>
   </p:cSld>
@@ -24123,6 +25976,1362 @@
     <p:extLst>
       <p:ext uri="{BB962C8B-B14F-4D97-AF65-F5344CB8AC3E}">
         <p14:creationId xmlns:p14="http://schemas.microsoft.com/office/powerpoint/2010/main" val="1157087893"/>
+      </p:ext>
+    </p:extLst>
+  </p:cSld>
+  <p:clrMapOvr>
+    <a:masterClrMapping/>
+  </p:clrMapOvr>
+  <p:timing>
+    <p:tnLst>
+      <p:par>
+        <p:cTn id="1" dur="indefinite" restart="never" nodeType="tmRoot"/>
+      </p:par>
+    </p:tnLst>
+  </p:timing>
+</p:sld>
+</file>
+
+<file path=ppt/slides/slide60.xml><?xml version="1.0" encoding="utf-8"?>
+<p:sld xmlns:a="http://schemas.openxmlformats.org/drawingml/2006/main" xmlns:r="http://schemas.openxmlformats.org/officeDocument/2006/relationships" xmlns:p="http://schemas.openxmlformats.org/presentationml/2006/main">
+  <p:cSld>
+    <p:bg>
+      <p:bgPr>
+        <a:solidFill>
+          <a:schemeClr val="tx1">
+            <a:lumMod val="65000"/>
+            <a:lumOff val="35000"/>
+          </a:schemeClr>
+        </a:solidFill>
+        <a:effectLst/>
+      </p:bgPr>
+    </p:bg>
+    <p:spTree>
+      <p:nvGrpSpPr>
+        <p:cNvPr id="1" name=""/>
+        <p:cNvGrpSpPr/>
+        <p:nvPr/>
+      </p:nvGrpSpPr>
+      <p:grpSpPr>
+        <a:xfrm>
+          <a:off x="0" y="0"/>
+          <a:ext cx="0" cy="0"/>
+          <a:chOff x="0" y="0"/>
+          <a:chExt cx="0" cy="0"/>
+        </a:xfrm>
+      </p:grpSpPr>
+      <p:cxnSp>
+        <p:nvCxnSpPr>
+          <p:cNvPr id="11" name="Straight Connector 10"/>
+          <p:cNvCxnSpPr/>
+          <p:nvPr/>
+        </p:nvCxnSpPr>
+        <p:spPr>
+          <a:xfrm>
+            <a:off x="1453415" y="0"/>
+            <a:ext cx="0" cy="6858000"/>
+          </a:xfrm>
+          <a:prstGeom prst="line">
+            <a:avLst/>
+          </a:prstGeom>
+          <a:ln w="28575">
+            <a:solidFill>
+              <a:schemeClr val="bg1"/>
+            </a:solidFill>
+          </a:ln>
+        </p:spPr>
+        <p:style>
+          <a:lnRef idx="1">
+            <a:schemeClr val="accent1"/>
+          </a:lnRef>
+          <a:fillRef idx="0">
+            <a:schemeClr val="accent1"/>
+          </a:fillRef>
+          <a:effectRef idx="0">
+            <a:schemeClr val="accent1"/>
+          </a:effectRef>
+          <a:fontRef idx="minor">
+            <a:schemeClr val="tx1"/>
+          </a:fontRef>
+        </p:style>
+      </p:cxnSp>
+      <p:sp>
+        <p:nvSpPr>
+          <p:cNvPr id="2" name="TextBox 1"/>
+          <p:cNvSpPr txBox="1"/>
+          <p:nvPr/>
+        </p:nvSpPr>
+        <p:spPr>
+          <a:xfrm>
+            <a:off x="308007" y="1687801"/>
+            <a:ext cx="933650" cy="3785652"/>
+          </a:xfrm>
+          <a:prstGeom prst="rect">
+            <a:avLst/>
+          </a:prstGeom>
+          <a:noFill/>
+        </p:spPr>
+        <p:txBody>
+          <a:bodyPr wrap="square" rtlCol="0">
+            <a:spAutoFit/>
+          </a:bodyPr>
+          <a:lstStyle/>
+          <a:p>
+            <a:pPr algn="ctr"/>
+            <a:r>
+              <a:rPr lang="zh-CN" altLang="en-US" sz="4000" dirty="0" smtClean="0">
+                <a:solidFill>
+                  <a:prstClr val="white"/>
+                </a:solidFill>
+              </a:rPr>
+              <a:t>是否需要平衡</a:t>
+            </a:r>
+            <a:endParaRPr lang="en-US" altLang="zh-CN" sz="4000" dirty="0" smtClean="0">
+              <a:solidFill>
+                <a:prstClr val="white"/>
+              </a:solidFill>
+            </a:endParaRPr>
+          </a:p>
+        </p:txBody>
+      </p:sp>
+      <p:grpSp>
+        <p:nvGrpSpPr>
+          <p:cNvPr id="3" name="Group 2"/>
+          <p:cNvGrpSpPr/>
+          <p:nvPr/>
+        </p:nvGrpSpPr>
+        <p:grpSpPr>
+          <a:xfrm>
+            <a:off x="0" y="0"/>
+            <a:ext cx="1453415" cy="572703"/>
+            <a:chOff x="0" y="6285297"/>
+            <a:chExt cx="1453415" cy="572703"/>
+          </a:xfrm>
+        </p:grpSpPr>
+        <p:sp>
+          <p:nvSpPr>
+            <p:cNvPr id="13" name="Rectangle 12"/>
+            <p:cNvSpPr/>
+            <p:nvPr/>
+          </p:nvSpPr>
+          <p:spPr>
+            <a:xfrm>
+              <a:off x="0" y="6285297"/>
+              <a:ext cx="1453415" cy="572703"/>
+            </a:xfrm>
+            <a:prstGeom prst="rect">
+              <a:avLst/>
+            </a:prstGeom>
+            <a:solidFill>
+              <a:schemeClr val="bg1"/>
+            </a:solidFill>
+            <a:ln w="19050">
+              <a:solidFill>
+                <a:schemeClr val="bg1"/>
+              </a:solidFill>
+            </a:ln>
+          </p:spPr>
+          <p:style>
+            <a:lnRef idx="2">
+              <a:schemeClr val="accent1">
+                <a:shade val="50000"/>
+              </a:schemeClr>
+            </a:lnRef>
+            <a:fillRef idx="1">
+              <a:schemeClr val="accent1"/>
+            </a:fillRef>
+            <a:effectRef idx="0">
+              <a:schemeClr val="accent1"/>
+            </a:effectRef>
+            <a:fontRef idx="minor">
+              <a:schemeClr val="lt1"/>
+            </a:fontRef>
+          </p:style>
+          <p:txBody>
+            <a:bodyPr rtlCol="0" anchor="ctr"/>
+            <a:lstStyle/>
+            <a:p>
+              <a:pPr algn="ctr"/>
+              <a:endParaRPr lang="zh-CN" altLang="en-US" sz="3500" dirty="0">
+                <a:solidFill>
+                  <a:prstClr val="black">
+                    <a:lumMod val="65000"/>
+                    <a:lumOff val="35000"/>
+                  </a:prstClr>
+                </a:solidFill>
+              </a:endParaRPr>
+            </a:p>
+          </p:txBody>
+        </p:sp>
+        <p:sp>
+          <p:nvSpPr>
+            <p:cNvPr id="15" name="Diamond 14"/>
+            <p:cNvSpPr/>
+            <p:nvPr/>
+          </p:nvSpPr>
+          <p:spPr>
+            <a:xfrm>
+              <a:off x="456707" y="6304547"/>
+              <a:ext cx="540000" cy="540000"/>
+            </a:xfrm>
+            <a:prstGeom prst="diamond">
+              <a:avLst/>
+            </a:prstGeom>
+            <a:noFill/>
+            <a:ln w="28575">
+              <a:solidFill>
+                <a:schemeClr val="tx2">
+                  <a:lumMod val="50000"/>
+                </a:schemeClr>
+              </a:solidFill>
+            </a:ln>
+          </p:spPr>
+          <p:style>
+            <a:lnRef idx="2">
+              <a:schemeClr val="accent1">
+                <a:shade val="50000"/>
+              </a:schemeClr>
+            </a:lnRef>
+            <a:fillRef idx="1">
+              <a:schemeClr val="accent1"/>
+            </a:fillRef>
+            <a:effectRef idx="0">
+              <a:schemeClr val="accent1"/>
+            </a:effectRef>
+            <a:fontRef idx="minor">
+              <a:schemeClr val="lt1"/>
+            </a:fontRef>
+          </p:style>
+          <p:txBody>
+            <a:bodyPr rtlCol="0" anchor="ctr"/>
+            <a:lstStyle/>
+            <a:p>
+              <a:pPr algn="ctr"/>
+              <a:r>
+                <a:rPr lang="en-US" altLang="zh-CN" dirty="0">
+                  <a:solidFill>
+                    <a:srgbClr val="5B9BD5"/>
+                  </a:solidFill>
+                </a:rPr>
+                <a:t>5</a:t>
+              </a:r>
+              <a:endParaRPr lang="zh-CN" altLang="en-US" dirty="0">
+                <a:solidFill>
+                  <a:srgbClr val="5B9BD5"/>
+                </a:solidFill>
+              </a:endParaRPr>
+            </a:p>
+          </p:txBody>
+        </p:sp>
+      </p:grpSp>
+      <p:sp>
+        <p:nvSpPr>
+          <p:cNvPr id="4" name="TextBox 3"/>
+          <p:cNvSpPr txBox="1"/>
+          <p:nvPr/>
+        </p:nvSpPr>
+        <p:spPr>
+          <a:xfrm>
+            <a:off x="3398257" y="2852404"/>
+            <a:ext cx="7702729" cy="400110"/>
+          </a:xfrm>
+          <a:prstGeom prst="rect">
+            <a:avLst/>
+          </a:prstGeom>
+          <a:noFill/>
+        </p:spPr>
+        <p:txBody>
+          <a:bodyPr wrap="square" rtlCol="0">
+            <a:spAutoFit/>
+          </a:bodyPr>
+          <a:lstStyle/>
+          <a:p>
+            <a:r>
+              <a:rPr lang="zh-CN" altLang="en-US" sz="2000" dirty="0" smtClean="0">
+                <a:solidFill>
+                  <a:srgbClr val="ED7D31"/>
+                </a:solidFill>
+              </a:rPr>
+              <a:t>不是所有的游戏都是平衡的，首先要判断你的游戏是否需要平衡</a:t>
+            </a:r>
+            <a:endParaRPr lang="zh-CN" altLang="en-US" sz="2000" dirty="0">
+              <a:solidFill>
+                <a:srgbClr val="ED7D31"/>
+              </a:solidFill>
+            </a:endParaRPr>
+          </a:p>
+        </p:txBody>
+      </p:sp>
+      <p:sp>
+        <p:nvSpPr>
+          <p:cNvPr id="16" name="Rectangle 15"/>
+          <p:cNvSpPr/>
+          <p:nvPr/>
+        </p:nvSpPr>
+        <p:spPr>
+          <a:xfrm>
+            <a:off x="1453415" y="6332434"/>
+            <a:ext cx="10738585" cy="525566"/>
+          </a:xfrm>
+          <a:prstGeom prst="rect">
+            <a:avLst/>
+          </a:prstGeom>
+          <a:solidFill>
+            <a:schemeClr val="bg1"/>
+          </a:solidFill>
+          <a:ln w="19050">
+            <a:solidFill>
+              <a:schemeClr val="bg1"/>
+            </a:solidFill>
+          </a:ln>
+        </p:spPr>
+        <p:style>
+          <a:lnRef idx="2">
+            <a:schemeClr val="accent1">
+              <a:shade val="50000"/>
+            </a:schemeClr>
+          </a:lnRef>
+          <a:fillRef idx="1">
+            <a:schemeClr val="accent1"/>
+          </a:fillRef>
+          <a:effectRef idx="0">
+            <a:schemeClr val="accent1"/>
+          </a:effectRef>
+          <a:fontRef idx="minor">
+            <a:schemeClr val="lt1"/>
+          </a:fontRef>
+        </p:style>
+        <p:txBody>
+          <a:bodyPr rtlCol="0" anchor="ctr"/>
+          <a:lstStyle/>
+          <a:p>
+            <a:pPr algn="ctr"/>
+            <a:r>
+              <a:rPr lang="zh-CN" altLang="en-US" sz="2500" dirty="0" smtClean="0">
+                <a:solidFill>
+                  <a:srgbClr val="ED7D31"/>
+                </a:solidFill>
+              </a:rPr>
+              <a:t>例   </a:t>
+            </a:r>
+            <a:r>
+              <a:rPr lang="en-US" altLang="zh-CN" sz="2500" dirty="0" smtClean="0">
+                <a:solidFill>
+                  <a:srgbClr val="ED7D31"/>
+                </a:solidFill>
+              </a:rPr>
+              <a:t>《</a:t>
+            </a:r>
+            <a:r>
+              <a:rPr lang="zh-CN" altLang="en-US" sz="2500" dirty="0">
+                <a:solidFill>
+                  <a:srgbClr val="ED7D31"/>
+                </a:solidFill>
+              </a:rPr>
+              <a:t>黎</a:t>
+            </a:r>
+            <a:r>
+              <a:rPr lang="zh-CN" altLang="en-US" sz="2500" dirty="0" smtClean="0">
+                <a:solidFill>
+                  <a:srgbClr val="ED7D31"/>
+                </a:solidFill>
+              </a:rPr>
+              <a:t>明</a:t>
+            </a:r>
+            <a:r>
+              <a:rPr lang="zh-CN" altLang="en-US" sz="2500" dirty="0">
+                <a:solidFill>
+                  <a:srgbClr val="ED7D31"/>
+                </a:solidFill>
+              </a:rPr>
+              <a:t>杀机</a:t>
+            </a:r>
+            <a:r>
+              <a:rPr lang="en-US" altLang="zh-CN" sz="2500" dirty="0" smtClean="0">
+                <a:solidFill>
+                  <a:srgbClr val="ED7D31"/>
+                </a:solidFill>
+              </a:rPr>
+              <a:t>》……</a:t>
+            </a:r>
+            <a:endParaRPr lang="zh-CN" altLang="en-US" sz="2500" dirty="0">
+              <a:solidFill>
+                <a:srgbClr val="ED7D31"/>
+              </a:solidFill>
+            </a:endParaRPr>
+          </a:p>
+        </p:txBody>
+      </p:sp>
+    </p:spTree>
+    <p:extLst>
+      <p:ext uri="{BB962C8B-B14F-4D97-AF65-F5344CB8AC3E}">
+        <p14:creationId xmlns:p14="http://schemas.microsoft.com/office/powerpoint/2010/main" val="1804165986"/>
+      </p:ext>
+    </p:extLst>
+  </p:cSld>
+  <p:clrMapOvr>
+    <a:masterClrMapping/>
+  </p:clrMapOvr>
+  <p:timing>
+    <p:tnLst>
+      <p:par>
+        <p:cTn id="1" dur="indefinite" restart="never" nodeType="tmRoot"/>
+      </p:par>
+    </p:tnLst>
+  </p:timing>
+</p:sld>
+</file>
+
+<file path=ppt/slides/slide61.xml><?xml version="1.0" encoding="utf-8"?>
+<p:sld xmlns:a="http://schemas.openxmlformats.org/drawingml/2006/main" xmlns:r="http://schemas.openxmlformats.org/officeDocument/2006/relationships" xmlns:p="http://schemas.openxmlformats.org/presentationml/2006/main">
+  <p:cSld>
+    <p:bg>
+      <p:bgPr>
+        <a:solidFill>
+          <a:schemeClr val="tx1">
+            <a:lumMod val="65000"/>
+            <a:lumOff val="35000"/>
+          </a:schemeClr>
+        </a:solidFill>
+        <a:effectLst/>
+      </p:bgPr>
+    </p:bg>
+    <p:spTree>
+      <p:nvGrpSpPr>
+        <p:cNvPr id="1" name=""/>
+        <p:cNvGrpSpPr/>
+        <p:nvPr/>
+      </p:nvGrpSpPr>
+      <p:grpSpPr>
+        <a:xfrm>
+          <a:off x="0" y="0"/>
+          <a:ext cx="0" cy="0"/>
+          <a:chOff x="0" y="0"/>
+          <a:chExt cx="0" cy="0"/>
+        </a:xfrm>
+      </p:grpSpPr>
+      <p:sp>
+        <p:nvSpPr>
+          <p:cNvPr id="5" name="Rectangle 4"/>
+          <p:cNvSpPr/>
+          <p:nvPr/>
+        </p:nvSpPr>
+        <p:spPr>
+          <a:xfrm>
+            <a:off x="4473723" y="2879933"/>
+            <a:ext cx="3623416" cy="1085316"/>
+          </a:xfrm>
+          <a:prstGeom prst="rect">
+            <a:avLst/>
+          </a:prstGeom>
+          <a:noFill/>
+          <a:ln w="19050">
+            <a:solidFill>
+              <a:schemeClr val="bg1"/>
+            </a:solidFill>
+          </a:ln>
+        </p:spPr>
+        <p:style>
+          <a:lnRef idx="2">
+            <a:schemeClr val="accent1">
+              <a:shade val="50000"/>
+            </a:schemeClr>
+          </a:lnRef>
+          <a:fillRef idx="1">
+            <a:schemeClr val="accent1"/>
+          </a:fillRef>
+          <a:effectRef idx="0">
+            <a:schemeClr val="accent1"/>
+          </a:effectRef>
+          <a:fontRef idx="minor">
+            <a:schemeClr val="lt1"/>
+          </a:fontRef>
+        </p:style>
+        <p:txBody>
+          <a:bodyPr rtlCol="0" anchor="ctr"/>
+          <a:lstStyle/>
+          <a:p>
+            <a:pPr algn="ctr"/>
+            <a:r>
+              <a:rPr lang="zh-CN" altLang="en-US" sz="5000" dirty="0" smtClean="0">
+                <a:solidFill>
+                  <a:prstClr val="white"/>
+                </a:solidFill>
+              </a:rPr>
+              <a:t>故事</a:t>
+            </a:r>
+            <a:endParaRPr lang="zh-CN" altLang="en-US" sz="5000" dirty="0">
+              <a:solidFill>
+                <a:prstClr val="white"/>
+              </a:solidFill>
+            </a:endParaRPr>
+          </a:p>
+        </p:txBody>
+      </p:sp>
+      <p:sp>
+        <p:nvSpPr>
+          <p:cNvPr id="10" name="Diamond 9"/>
+          <p:cNvSpPr/>
+          <p:nvPr/>
+        </p:nvSpPr>
+        <p:spPr>
+          <a:xfrm>
+            <a:off x="5835431" y="61978"/>
+            <a:ext cx="900000" cy="900000"/>
+          </a:xfrm>
+          <a:prstGeom prst="diamond">
+            <a:avLst/>
+          </a:prstGeom>
+          <a:noFill/>
+          <a:ln w="28575">
+            <a:solidFill>
+              <a:schemeClr val="bg1"/>
+            </a:solidFill>
+          </a:ln>
+        </p:spPr>
+        <p:style>
+          <a:lnRef idx="2">
+            <a:schemeClr val="accent1">
+              <a:shade val="50000"/>
+            </a:schemeClr>
+          </a:lnRef>
+          <a:fillRef idx="1">
+            <a:schemeClr val="accent1"/>
+          </a:fillRef>
+          <a:effectRef idx="0">
+            <a:schemeClr val="accent1"/>
+          </a:effectRef>
+          <a:fontRef idx="minor">
+            <a:schemeClr val="lt1"/>
+          </a:fontRef>
+        </p:style>
+        <p:txBody>
+          <a:bodyPr rtlCol="0" anchor="ctr"/>
+          <a:lstStyle/>
+          <a:p>
+            <a:pPr algn="ctr"/>
+            <a:r>
+              <a:rPr lang="zh-CN" altLang="en-US" dirty="0" smtClean="0">
+                <a:solidFill>
+                  <a:prstClr val="white"/>
+                </a:solidFill>
+              </a:rPr>
+              <a:t>九</a:t>
+            </a:r>
+            <a:endParaRPr lang="zh-CN" altLang="en-US" dirty="0">
+              <a:solidFill>
+                <a:prstClr val="white"/>
+              </a:solidFill>
+            </a:endParaRPr>
+          </a:p>
+        </p:txBody>
+      </p:sp>
+    </p:spTree>
+    <p:extLst>
+      <p:ext uri="{BB962C8B-B14F-4D97-AF65-F5344CB8AC3E}">
+        <p14:creationId xmlns:p14="http://schemas.microsoft.com/office/powerpoint/2010/main" val="2058496319"/>
+      </p:ext>
+    </p:extLst>
+  </p:cSld>
+  <p:clrMapOvr>
+    <a:masterClrMapping/>
+  </p:clrMapOvr>
+  <p:timing>
+    <p:tnLst>
+      <p:par>
+        <p:cTn id="1" dur="indefinite" restart="never" nodeType="tmRoot"/>
+      </p:par>
+    </p:tnLst>
+  </p:timing>
+</p:sld>
+</file>
+
+<file path=ppt/slides/slide62.xml><?xml version="1.0" encoding="utf-8"?>
+<p:sld xmlns:a="http://schemas.openxmlformats.org/drawingml/2006/main" xmlns:r="http://schemas.openxmlformats.org/officeDocument/2006/relationships" xmlns:p="http://schemas.openxmlformats.org/presentationml/2006/main">
+  <p:cSld>
+    <p:bg>
+      <p:bgPr>
+        <a:solidFill>
+          <a:schemeClr val="tx1">
+            <a:lumMod val="65000"/>
+            <a:lumOff val="35000"/>
+          </a:schemeClr>
+        </a:solidFill>
+        <a:effectLst/>
+      </p:bgPr>
+    </p:bg>
+    <p:spTree>
+      <p:nvGrpSpPr>
+        <p:cNvPr id="1" name=""/>
+        <p:cNvGrpSpPr/>
+        <p:nvPr/>
+      </p:nvGrpSpPr>
+      <p:grpSpPr>
+        <a:xfrm>
+          <a:off x="0" y="0"/>
+          <a:ext cx="0" cy="0"/>
+          <a:chOff x="0" y="0"/>
+          <a:chExt cx="0" cy="0"/>
+        </a:xfrm>
+      </p:grpSpPr>
+      <p:cxnSp>
+        <p:nvCxnSpPr>
+          <p:cNvPr id="11" name="Straight Connector 10"/>
+          <p:cNvCxnSpPr/>
+          <p:nvPr/>
+        </p:nvCxnSpPr>
+        <p:spPr>
+          <a:xfrm>
+            <a:off x="1453415" y="0"/>
+            <a:ext cx="0" cy="6858000"/>
+          </a:xfrm>
+          <a:prstGeom prst="line">
+            <a:avLst/>
+          </a:prstGeom>
+          <a:ln w="28575">
+            <a:solidFill>
+              <a:schemeClr val="bg1"/>
+            </a:solidFill>
+          </a:ln>
+        </p:spPr>
+        <p:style>
+          <a:lnRef idx="1">
+            <a:schemeClr val="accent1"/>
+          </a:lnRef>
+          <a:fillRef idx="0">
+            <a:schemeClr val="accent1"/>
+          </a:fillRef>
+          <a:effectRef idx="0">
+            <a:schemeClr val="accent1"/>
+          </a:effectRef>
+          <a:fontRef idx="minor">
+            <a:schemeClr val="tx1"/>
+          </a:fontRef>
+        </p:style>
+      </p:cxnSp>
+      <p:sp>
+        <p:nvSpPr>
+          <p:cNvPr id="2" name="TextBox 1"/>
+          <p:cNvSpPr txBox="1"/>
+          <p:nvPr/>
+        </p:nvSpPr>
+        <p:spPr>
+          <a:xfrm>
+            <a:off x="256511" y="1759555"/>
+            <a:ext cx="933650" cy="3785652"/>
+          </a:xfrm>
+          <a:prstGeom prst="rect">
+            <a:avLst/>
+          </a:prstGeom>
+          <a:noFill/>
+        </p:spPr>
+        <p:txBody>
+          <a:bodyPr wrap="square" rtlCol="0">
+            <a:spAutoFit/>
+          </a:bodyPr>
+          <a:lstStyle/>
+          <a:p>
+            <a:pPr algn="ctr"/>
+            <a:r>
+              <a:rPr lang="zh-CN" altLang="en-US" sz="4000" dirty="0">
+                <a:solidFill>
+                  <a:prstClr val="white"/>
+                </a:solidFill>
+              </a:rPr>
+              <a:t>游</a:t>
+            </a:r>
+            <a:r>
+              <a:rPr lang="zh-CN" altLang="en-US" sz="4000" dirty="0" smtClean="0">
+                <a:solidFill>
+                  <a:prstClr val="white"/>
+                </a:solidFill>
+              </a:rPr>
+              <a:t>戏的故事性</a:t>
+            </a:r>
+            <a:endParaRPr lang="en-US" altLang="zh-CN" sz="4000" dirty="0" smtClean="0">
+              <a:solidFill>
+                <a:prstClr val="white"/>
+              </a:solidFill>
+            </a:endParaRPr>
+          </a:p>
+        </p:txBody>
+      </p:sp>
+      <p:grpSp>
+        <p:nvGrpSpPr>
+          <p:cNvPr id="3" name="Group 2"/>
+          <p:cNvGrpSpPr/>
+          <p:nvPr/>
+        </p:nvGrpSpPr>
+        <p:grpSpPr>
+          <a:xfrm>
+            <a:off x="0" y="0"/>
+            <a:ext cx="1453415" cy="572703"/>
+            <a:chOff x="0" y="6285297"/>
+            <a:chExt cx="1453415" cy="572703"/>
+          </a:xfrm>
+        </p:grpSpPr>
+        <p:sp>
+          <p:nvSpPr>
+            <p:cNvPr id="13" name="Rectangle 12"/>
+            <p:cNvSpPr/>
+            <p:nvPr/>
+          </p:nvSpPr>
+          <p:spPr>
+            <a:xfrm>
+              <a:off x="0" y="6285297"/>
+              <a:ext cx="1453415" cy="572703"/>
+            </a:xfrm>
+            <a:prstGeom prst="rect">
+              <a:avLst/>
+            </a:prstGeom>
+            <a:solidFill>
+              <a:schemeClr val="bg1"/>
+            </a:solidFill>
+            <a:ln w="19050">
+              <a:solidFill>
+                <a:schemeClr val="bg1"/>
+              </a:solidFill>
+            </a:ln>
+          </p:spPr>
+          <p:style>
+            <a:lnRef idx="2">
+              <a:schemeClr val="accent1">
+                <a:shade val="50000"/>
+              </a:schemeClr>
+            </a:lnRef>
+            <a:fillRef idx="1">
+              <a:schemeClr val="accent1"/>
+            </a:fillRef>
+            <a:effectRef idx="0">
+              <a:schemeClr val="accent1"/>
+            </a:effectRef>
+            <a:fontRef idx="minor">
+              <a:schemeClr val="lt1"/>
+            </a:fontRef>
+          </p:style>
+          <p:txBody>
+            <a:bodyPr rtlCol="0" anchor="ctr"/>
+            <a:lstStyle/>
+            <a:p>
+              <a:pPr algn="ctr"/>
+              <a:endParaRPr lang="zh-CN" altLang="en-US" sz="3500" dirty="0">
+                <a:solidFill>
+                  <a:prstClr val="black">
+                    <a:lumMod val="65000"/>
+                    <a:lumOff val="35000"/>
+                  </a:prstClr>
+                </a:solidFill>
+              </a:endParaRPr>
+            </a:p>
+          </p:txBody>
+        </p:sp>
+        <p:sp>
+          <p:nvSpPr>
+            <p:cNvPr id="15" name="Diamond 14"/>
+            <p:cNvSpPr/>
+            <p:nvPr/>
+          </p:nvSpPr>
+          <p:spPr>
+            <a:xfrm>
+              <a:off x="456707" y="6304547"/>
+              <a:ext cx="540000" cy="540000"/>
+            </a:xfrm>
+            <a:prstGeom prst="diamond">
+              <a:avLst/>
+            </a:prstGeom>
+            <a:noFill/>
+            <a:ln w="28575">
+              <a:solidFill>
+                <a:schemeClr val="accent2"/>
+              </a:solidFill>
+            </a:ln>
+          </p:spPr>
+          <p:style>
+            <a:lnRef idx="2">
+              <a:schemeClr val="accent1">
+                <a:shade val="50000"/>
+              </a:schemeClr>
+            </a:lnRef>
+            <a:fillRef idx="1">
+              <a:schemeClr val="accent1"/>
+            </a:fillRef>
+            <a:effectRef idx="0">
+              <a:schemeClr val="accent1"/>
+            </a:effectRef>
+            <a:fontRef idx="minor">
+              <a:schemeClr val="lt1"/>
+            </a:fontRef>
+          </p:style>
+          <p:txBody>
+            <a:bodyPr rtlCol="0" anchor="ctr"/>
+            <a:lstStyle/>
+            <a:p>
+              <a:pPr algn="ctr"/>
+              <a:r>
+                <a:rPr lang="en-US" altLang="zh-CN" dirty="0">
+                  <a:solidFill>
+                    <a:srgbClr val="5B9BD5"/>
+                  </a:solidFill>
+                </a:rPr>
+                <a:t>1</a:t>
+              </a:r>
+              <a:endParaRPr lang="zh-CN" altLang="en-US" dirty="0">
+                <a:solidFill>
+                  <a:srgbClr val="5B9BD5"/>
+                </a:solidFill>
+              </a:endParaRPr>
+            </a:p>
+          </p:txBody>
+        </p:sp>
+      </p:grpSp>
+      <p:sp>
+        <p:nvSpPr>
+          <p:cNvPr id="9" name="Rounded Rectangle 8"/>
+          <p:cNvSpPr/>
+          <p:nvPr/>
+        </p:nvSpPr>
+        <p:spPr>
+          <a:xfrm>
+            <a:off x="3710540" y="2965783"/>
+            <a:ext cx="2376000" cy="1040400"/>
+          </a:xfrm>
+          <a:prstGeom prst="roundRect">
+            <a:avLst>
+              <a:gd name="adj" fmla="val 12557"/>
+            </a:avLst>
+          </a:prstGeom>
+          <a:noFill/>
+          <a:ln w="19050">
+            <a:solidFill>
+              <a:schemeClr val="accent2"/>
+            </a:solidFill>
+          </a:ln>
+        </p:spPr>
+        <p:style>
+          <a:lnRef idx="2">
+            <a:schemeClr val="accent1">
+              <a:shade val="50000"/>
+            </a:schemeClr>
+          </a:lnRef>
+          <a:fillRef idx="1">
+            <a:schemeClr val="accent1"/>
+          </a:fillRef>
+          <a:effectRef idx="0">
+            <a:schemeClr val="accent1"/>
+          </a:effectRef>
+          <a:fontRef idx="minor">
+            <a:schemeClr val="lt1"/>
+          </a:fontRef>
+        </p:style>
+        <p:txBody>
+          <a:bodyPr rtlCol="0" anchor="ctr"/>
+          <a:lstStyle/>
+          <a:p>
+            <a:pPr algn="ctr"/>
+            <a:r>
+              <a:rPr lang="zh-CN" altLang="en-US" sz="3000" dirty="0" smtClean="0"/>
+              <a:t>故事性</a:t>
+            </a:r>
+            <a:endParaRPr lang="en-US" altLang="zh-CN" sz="3000" dirty="0" smtClean="0"/>
+          </a:p>
+          <a:p>
+            <a:pPr algn="ctr"/>
+            <a:r>
+              <a:rPr lang="zh-CN" altLang="en-US" dirty="0" smtClean="0"/>
+              <a:t>（</a:t>
+            </a:r>
+            <a:r>
+              <a:rPr lang="en-US" altLang="zh-CN" dirty="0" smtClean="0"/>
+              <a:t>0%-99%</a:t>
+            </a:r>
+            <a:r>
+              <a:rPr lang="zh-CN" altLang="en-US" dirty="0" smtClean="0"/>
+              <a:t>）</a:t>
+            </a:r>
+            <a:endParaRPr lang="zh-CN" altLang="en-US" dirty="0"/>
+          </a:p>
+        </p:txBody>
+      </p:sp>
+      <p:sp>
+        <p:nvSpPr>
+          <p:cNvPr id="12" name="Rounded Rectangle 11"/>
+          <p:cNvSpPr/>
+          <p:nvPr/>
+        </p:nvSpPr>
+        <p:spPr>
+          <a:xfrm>
+            <a:off x="8022658" y="2965783"/>
+            <a:ext cx="2376000" cy="1040400"/>
+          </a:xfrm>
+          <a:prstGeom prst="roundRect">
+            <a:avLst>
+              <a:gd name="adj" fmla="val 12557"/>
+            </a:avLst>
+          </a:prstGeom>
+          <a:noFill/>
+          <a:ln w="19050">
+            <a:solidFill>
+              <a:schemeClr val="bg1"/>
+            </a:solidFill>
+          </a:ln>
+        </p:spPr>
+        <p:style>
+          <a:lnRef idx="2">
+            <a:schemeClr val="accent1">
+              <a:shade val="50000"/>
+            </a:schemeClr>
+          </a:lnRef>
+          <a:fillRef idx="1">
+            <a:schemeClr val="accent1"/>
+          </a:fillRef>
+          <a:effectRef idx="0">
+            <a:schemeClr val="accent1"/>
+          </a:effectRef>
+          <a:fontRef idx="minor">
+            <a:schemeClr val="lt1"/>
+          </a:fontRef>
+        </p:style>
+        <p:txBody>
+          <a:bodyPr rtlCol="0" anchor="ctr"/>
+          <a:lstStyle/>
+          <a:p>
+            <a:pPr algn="ctr"/>
+            <a:r>
+              <a:rPr lang="zh-CN" altLang="en-US" sz="3000" dirty="0" smtClean="0"/>
+              <a:t>游戏性</a:t>
+            </a:r>
+            <a:endParaRPr lang="en-US" altLang="zh-CN" sz="3000" dirty="0" smtClean="0"/>
+          </a:p>
+          <a:p>
+            <a:pPr algn="ctr"/>
+            <a:r>
+              <a:rPr lang="zh-CN" altLang="en-US" dirty="0" smtClean="0"/>
+              <a:t>（</a:t>
+            </a:r>
+            <a:r>
+              <a:rPr lang="en-US" altLang="zh-CN" dirty="0" smtClean="0"/>
+              <a:t>1%-100%</a:t>
+            </a:r>
+            <a:r>
+              <a:rPr lang="zh-CN" altLang="en-US" dirty="0" smtClean="0"/>
+              <a:t>）</a:t>
+            </a:r>
+            <a:endParaRPr lang="zh-CN" altLang="en-US" dirty="0"/>
+          </a:p>
+        </p:txBody>
+      </p:sp>
+      <p:sp>
+        <p:nvSpPr>
+          <p:cNvPr id="14" name="Diamond 13"/>
+          <p:cNvSpPr/>
+          <p:nvPr/>
+        </p:nvSpPr>
+        <p:spPr>
+          <a:xfrm>
+            <a:off x="6154599" y="2585983"/>
+            <a:ext cx="1800000" cy="1800000"/>
+          </a:xfrm>
+          <a:prstGeom prst="diamond">
+            <a:avLst/>
+          </a:prstGeom>
+          <a:noFill/>
+          <a:ln w="28575">
+            <a:solidFill>
+              <a:schemeClr val="bg1"/>
+            </a:solidFill>
+          </a:ln>
+        </p:spPr>
+        <p:style>
+          <a:lnRef idx="2">
+            <a:schemeClr val="accent1">
+              <a:shade val="50000"/>
+            </a:schemeClr>
+          </a:lnRef>
+          <a:fillRef idx="1">
+            <a:schemeClr val="accent1"/>
+          </a:fillRef>
+          <a:effectRef idx="0">
+            <a:schemeClr val="accent1"/>
+          </a:effectRef>
+          <a:fontRef idx="minor">
+            <a:schemeClr val="lt1"/>
+          </a:fontRef>
+        </p:style>
+        <p:txBody>
+          <a:bodyPr rtlCol="0" anchor="ctr"/>
+          <a:lstStyle/>
+          <a:p>
+            <a:pPr algn="ctr"/>
+            <a:r>
+              <a:rPr lang="zh-CN" altLang="en-US" sz="3000" dirty="0" smtClean="0">
+                <a:solidFill>
+                  <a:schemeClr val="bg1"/>
+                </a:solidFill>
+              </a:rPr>
+              <a:t>游戏</a:t>
+            </a:r>
+            <a:r>
+              <a:rPr lang="en-US" altLang="zh-CN" sz="3000" dirty="0" smtClean="0">
+                <a:solidFill>
+                  <a:schemeClr val="bg1"/>
+                </a:solidFill>
+              </a:rPr>
+              <a:t> </a:t>
+            </a:r>
+            <a:endParaRPr lang="zh-CN" altLang="en-US" sz="3000" dirty="0">
+              <a:solidFill>
+                <a:schemeClr val="bg1"/>
+              </a:solidFill>
+            </a:endParaRPr>
+          </a:p>
+        </p:txBody>
+      </p:sp>
+    </p:spTree>
+    <p:extLst>
+      <p:ext uri="{BB962C8B-B14F-4D97-AF65-F5344CB8AC3E}">
+        <p14:creationId xmlns:p14="http://schemas.microsoft.com/office/powerpoint/2010/main" val="2498831421"/>
+      </p:ext>
+    </p:extLst>
+  </p:cSld>
+  <p:clrMapOvr>
+    <a:masterClrMapping/>
+  </p:clrMapOvr>
+  <p:timing>
+    <p:tnLst>
+      <p:par>
+        <p:cTn id="1" dur="indefinite" restart="never" nodeType="tmRoot"/>
+      </p:par>
+    </p:tnLst>
+  </p:timing>
+</p:sld>
+</file>
+
+<file path=ppt/slides/slide63.xml><?xml version="1.0" encoding="utf-8"?>
+<p:sld xmlns:a="http://schemas.openxmlformats.org/drawingml/2006/main" xmlns:r="http://schemas.openxmlformats.org/officeDocument/2006/relationships" xmlns:p="http://schemas.openxmlformats.org/presentationml/2006/main">
+  <p:cSld>
+    <p:bg>
+      <p:bgPr>
+        <a:solidFill>
+          <a:schemeClr val="tx1">
+            <a:lumMod val="65000"/>
+            <a:lumOff val="35000"/>
+          </a:schemeClr>
+        </a:solidFill>
+        <a:effectLst/>
+      </p:bgPr>
+    </p:bg>
+    <p:spTree>
+      <p:nvGrpSpPr>
+        <p:cNvPr id="1" name=""/>
+        <p:cNvGrpSpPr/>
+        <p:nvPr/>
+      </p:nvGrpSpPr>
+      <p:grpSpPr>
+        <a:xfrm>
+          <a:off x="0" y="0"/>
+          <a:ext cx="0" cy="0"/>
+          <a:chOff x="0" y="0"/>
+          <a:chExt cx="0" cy="0"/>
+        </a:xfrm>
+      </p:grpSpPr>
+      <p:cxnSp>
+        <p:nvCxnSpPr>
+          <p:cNvPr id="11" name="Straight Connector 10"/>
+          <p:cNvCxnSpPr/>
+          <p:nvPr/>
+        </p:nvCxnSpPr>
+        <p:spPr>
+          <a:xfrm>
+            <a:off x="1453415" y="0"/>
+            <a:ext cx="0" cy="6858000"/>
+          </a:xfrm>
+          <a:prstGeom prst="line">
+            <a:avLst/>
+          </a:prstGeom>
+          <a:ln w="28575">
+            <a:solidFill>
+              <a:schemeClr val="bg1"/>
+            </a:solidFill>
+          </a:ln>
+        </p:spPr>
+        <p:style>
+          <a:lnRef idx="1">
+            <a:schemeClr val="accent1"/>
+          </a:lnRef>
+          <a:fillRef idx="0">
+            <a:schemeClr val="accent1"/>
+          </a:fillRef>
+          <a:effectRef idx="0">
+            <a:schemeClr val="accent1"/>
+          </a:effectRef>
+          <a:fontRef idx="minor">
+            <a:schemeClr val="tx1"/>
+          </a:fontRef>
+        </p:style>
+      </p:cxnSp>
+      <p:sp>
+        <p:nvSpPr>
+          <p:cNvPr id="2" name="TextBox 1"/>
+          <p:cNvSpPr txBox="1"/>
+          <p:nvPr/>
+        </p:nvSpPr>
+        <p:spPr>
+          <a:xfrm>
+            <a:off x="256511" y="1759555"/>
+            <a:ext cx="933650" cy="3785652"/>
+          </a:xfrm>
+          <a:prstGeom prst="rect">
+            <a:avLst/>
+          </a:prstGeom>
+          <a:noFill/>
+        </p:spPr>
+        <p:txBody>
+          <a:bodyPr wrap="square" rtlCol="0">
+            <a:spAutoFit/>
+          </a:bodyPr>
+          <a:lstStyle/>
+          <a:p>
+            <a:pPr algn="ctr"/>
+            <a:r>
+              <a:rPr lang="zh-CN" altLang="en-US" sz="4000" dirty="0">
+                <a:solidFill>
+                  <a:prstClr val="white"/>
+                </a:solidFill>
+              </a:rPr>
+              <a:t>游</a:t>
+            </a:r>
+            <a:r>
+              <a:rPr lang="zh-CN" altLang="en-US" sz="4000" dirty="0" smtClean="0">
+                <a:solidFill>
+                  <a:prstClr val="white"/>
+                </a:solidFill>
+              </a:rPr>
+              <a:t>戏的故事性</a:t>
+            </a:r>
+            <a:endParaRPr lang="en-US" altLang="zh-CN" sz="4000" dirty="0" smtClean="0">
+              <a:solidFill>
+                <a:prstClr val="white"/>
+              </a:solidFill>
+            </a:endParaRPr>
+          </a:p>
+        </p:txBody>
+      </p:sp>
+      <p:grpSp>
+        <p:nvGrpSpPr>
+          <p:cNvPr id="3" name="Group 2"/>
+          <p:cNvGrpSpPr/>
+          <p:nvPr/>
+        </p:nvGrpSpPr>
+        <p:grpSpPr>
+          <a:xfrm>
+            <a:off x="0" y="0"/>
+            <a:ext cx="1453415" cy="572703"/>
+            <a:chOff x="0" y="6285297"/>
+            <a:chExt cx="1453415" cy="572703"/>
+          </a:xfrm>
+        </p:grpSpPr>
+        <p:sp>
+          <p:nvSpPr>
+            <p:cNvPr id="13" name="Rectangle 12"/>
+            <p:cNvSpPr/>
+            <p:nvPr/>
+          </p:nvSpPr>
+          <p:spPr>
+            <a:xfrm>
+              <a:off x="0" y="6285297"/>
+              <a:ext cx="1453415" cy="572703"/>
+            </a:xfrm>
+            <a:prstGeom prst="rect">
+              <a:avLst/>
+            </a:prstGeom>
+            <a:solidFill>
+              <a:schemeClr val="bg1"/>
+            </a:solidFill>
+            <a:ln w="19050">
+              <a:solidFill>
+                <a:schemeClr val="bg1"/>
+              </a:solidFill>
+            </a:ln>
+          </p:spPr>
+          <p:style>
+            <a:lnRef idx="2">
+              <a:schemeClr val="accent1">
+                <a:shade val="50000"/>
+              </a:schemeClr>
+            </a:lnRef>
+            <a:fillRef idx="1">
+              <a:schemeClr val="accent1"/>
+            </a:fillRef>
+            <a:effectRef idx="0">
+              <a:schemeClr val="accent1"/>
+            </a:effectRef>
+            <a:fontRef idx="minor">
+              <a:schemeClr val="lt1"/>
+            </a:fontRef>
+          </p:style>
+          <p:txBody>
+            <a:bodyPr rtlCol="0" anchor="ctr"/>
+            <a:lstStyle/>
+            <a:p>
+              <a:pPr algn="ctr"/>
+              <a:endParaRPr lang="zh-CN" altLang="en-US" sz="3500" dirty="0">
+                <a:solidFill>
+                  <a:prstClr val="black">
+                    <a:lumMod val="65000"/>
+                    <a:lumOff val="35000"/>
+                  </a:prstClr>
+                </a:solidFill>
+              </a:endParaRPr>
+            </a:p>
+          </p:txBody>
+        </p:sp>
+        <p:sp>
+          <p:nvSpPr>
+            <p:cNvPr id="15" name="Diamond 14"/>
+            <p:cNvSpPr/>
+            <p:nvPr/>
+          </p:nvSpPr>
+          <p:spPr>
+            <a:xfrm>
+              <a:off x="456707" y="6304547"/>
+              <a:ext cx="540000" cy="540000"/>
+            </a:xfrm>
+            <a:prstGeom prst="diamond">
+              <a:avLst/>
+            </a:prstGeom>
+            <a:noFill/>
+            <a:ln w="28575">
+              <a:solidFill>
+                <a:schemeClr val="accent2"/>
+              </a:solidFill>
+            </a:ln>
+          </p:spPr>
+          <p:style>
+            <a:lnRef idx="2">
+              <a:schemeClr val="accent1">
+                <a:shade val="50000"/>
+              </a:schemeClr>
+            </a:lnRef>
+            <a:fillRef idx="1">
+              <a:schemeClr val="accent1"/>
+            </a:fillRef>
+            <a:effectRef idx="0">
+              <a:schemeClr val="accent1"/>
+            </a:effectRef>
+            <a:fontRef idx="minor">
+              <a:schemeClr val="lt1"/>
+            </a:fontRef>
+          </p:style>
+          <p:txBody>
+            <a:bodyPr rtlCol="0" anchor="ctr"/>
+            <a:lstStyle/>
+            <a:p>
+              <a:pPr algn="ctr"/>
+              <a:r>
+                <a:rPr lang="en-US" altLang="zh-CN" dirty="0">
+                  <a:solidFill>
+                    <a:srgbClr val="5B9BD5"/>
+                  </a:solidFill>
+                </a:rPr>
+                <a:t>1</a:t>
+              </a:r>
+              <a:endParaRPr lang="zh-CN" altLang="en-US" dirty="0">
+                <a:solidFill>
+                  <a:srgbClr val="5B9BD5"/>
+                </a:solidFill>
+              </a:endParaRPr>
+            </a:p>
+          </p:txBody>
+        </p:sp>
+      </p:grpSp>
+      <p:sp>
+        <p:nvSpPr>
+          <p:cNvPr id="10" name="Rectangle 9"/>
+          <p:cNvSpPr/>
+          <p:nvPr/>
+        </p:nvSpPr>
+        <p:spPr>
+          <a:xfrm>
+            <a:off x="1453415" y="6332434"/>
+            <a:ext cx="10738585" cy="525566"/>
+          </a:xfrm>
+          <a:prstGeom prst="rect">
+            <a:avLst/>
+          </a:prstGeom>
+          <a:solidFill>
+            <a:schemeClr val="bg1"/>
+          </a:solidFill>
+          <a:ln w="19050">
+            <a:solidFill>
+              <a:schemeClr val="bg1"/>
+            </a:solidFill>
+          </a:ln>
+        </p:spPr>
+        <p:style>
+          <a:lnRef idx="2">
+            <a:schemeClr val="accent1">
+              <a:shade val="50000"/>
+            </a:schemeClr>
+          </a:lnRef>
+          <a:fillRef idx="1">
+            <a:schemeClr val="accent1"/>
+          </a:fillRef>
+          <a:effectRef idx="0">
+            <a:schemeClr val="accent1"/>
+          </a:effectRef>
+          <a:fontRef idx="minor">
+            <a:schemeClr val="lt1"/>
+          </a:fontRef>
+        </p:style>
+        <p:txBody>
+          <a:bodyPr rtlCol="0" anchor="ctr"/>
+          <a:lstStyle/>
+          <a:p>
+            <a:pPr algn="ctr"/>
+            <a:r>
+              <a:rPr lang="zh-CN" altLang="en-US" sz="2500" dirty="0" smtClean="0">
+                <a:solidFill>
+                  <a:srgbClr val="ED7D31"/>
+                </a:solidFill>
+              </a:rPr>
+              <a:t>例   </a:t>
+            </a:r>
+            <a:r>
+              <a:rPr lang="en-US" altLang="zh-CN" sz="2500" dirty="0" smtClean="0">
+                <a:solidFill>
+                  <a:srgbClr val="ED7D31"/>
+                </a:solidFill>
+              </a:rPr>
+              <a:t>《</a:t>
+            </a:r>
+            <a:r>
+              <a:rPr lang="zh-CN" altLang="en-US" sz="2500" dirty="0">
+                <a:solidFill>
+                  <a:srgbClr val="ED7D31"/>
+                </a:solidFill>
+              </a:rPr>
+              <a:t>饥荒</a:t>
+            </a:r>
+            <a:r>
+              <a:rPr lang="en-US" altLang="zh-CN" sz="2500" dirty="0" smtClean="0">
+                <a:solidFill>
+                  <a:srgbClr val="ED7D31"/>
+                </a:solidFill>
+              </a:rPr>
+              <a:t>》</a:t>
+            </a:r>
+            <a:endParaRPr lang="zh-CN" altLang="en-US" sz="2500" dirty="0">
+              <a:solidFill>
+                <a:srgbClr val="ED7D31"/>
+              </a:solidFill>
+            </a:endParaRPr>
+          </a:p>
+        </p:txBody>
+      </p:sp>
+    </p:spTree>
+    <p:extLst>
+      <p:ext uri="{BB962C8B-B14F-4D97-AF65-F5344CB8AC3E}">
+        <p14:creationId xmlns:p14="http://schemas.microsoft.com/office/powerpoint/2010/main" val="905277010"/>
       </p:ext>
     </p:extLst>
   </p:cSld>

--- a/Share/游戏设计理论.pptx
+++ b/Share/游戏设计理论.pptx
@@ -366,7 +366,7 @@
           <a:p>
             <a:fld id="{D2A48B96-639E-45A3-A0BA-2464DFDB1FAA}" type="datetimeFigureOut">
               <a:rPr lang="zh-CN" altLang="en-US" smtClean="0"/>
-              <a:t>2018/4/2</a:t>
+              <a:t>2018/4/5</a:t>
             </a:fld>
             <a:endParaRPr lang="zh-CN" altLang="en-US"/>
           </a:p>
@@ -765,7 +765,7 @@
           <a:p>
             <a:fld id="{D997B5FA-0921-464F-AAE1-844C04324D75}" type="datetimeFigureOut">
               <a:rPr lang="zh-CN" altLang="en-US" smtClean="0"/>
-              <a:t>2018/4/2</a:t>
+              <a:t>2018/4/5</a:t>
             </a:fld>
             <a:endParaRPr lang="zh-CN" altLang="en-US"/>
           </a:p>
@@ -934,7 +934,7 @@
           <a:p>
             <a:fld id="{D997B5FA-0921-464F-AAE1-844C04324D75}" type="datetimeFigureOut">
               <a:rPr lang="zh-CN" altLang="en-US" smtClean="0"/>
-              <a:t>2018/4/2</a:t>
+              <a:t>2018/4/5</a:t>
             </a:fld>
             <a:endParaRPr lang="zh-CN" altLang="en-US"/>
           </a:p>
@@ -1113,7 +1113,7 @@
           <a:p>
             <a:fld id="{D997B5FA-0921-464F-AAE1-844C04324D75}" type="datetimeFigureOut">
               <a:rPr lang="zh-CN" altLang="en-US" smtClean="0"/>
-              <a:t>2018/4/2</a:t>
+              <a:t>2018/4/5</a:t>
             </a:fld>
             <a:endParaRPr lang="zh-CN" altLang="en-US"/>
           </a:p>
@@ -1282,7 +1282,7 @@
           <a:p>
             <a:fld id="{D997B5FA-0921-464F-AAE1-844C04324D75}" type="datetimeFigureOut">
               <a:rPr lang="zh-CN" altLang="en-US" smtClean="0"/>
-              <a:t>2018/4/2</a:t>
+              <a:t>2018/4/5</a:t>
             </a:fld>
             <a:endParaRPr lang="zh-CN" altLang="en-US"/>
           </a:p>
@@ -1527,7 +1527,7 @@
           <a:p>
             <a:fld id="{D997B5FA-0921-464F-AAE1-844C04324D75}" type="datetimeFigureOut">
               <a:rPr lang="zh-CN" altLang="en-US" smtClean="0"/>
-              <a:t>2018/4/2</a:t>
+              <a:t>2018/4/5</a:t>
             </a:fld>
             <a:endParaRPr lang="zh-CN" altLang="en-US"/>
           </a:p>
@@ -1758,7 +1758,7 @@
           <a:p>
             <a:fld id="{D997B5FA-0921-464F-AAE1-844C04324D75}" type="datetimeFigureOut">
               <a:rPr lang="zh-CN" altLang="en-US" smtClean="0"/>
-              <a:t>2018/4/2</a:t>
+              <a:t>2018/4/5</a:t>
             </a:fld>
             <a:endParaRPr lang="zh-CN" altLang="en-US"/>
           </a:p>
@@ -2124,7 +2124,7 @@
           <a:p>
             <a:fld id="{D997B5FA-0921-464F-AAE1-844C04324D75}" type="datetimeFigureOut">
               <a:rPr lang="zh-CN" altLang="en-US" smtClean="0"/>
-              <a:t>2018/4/2</a:t>
+              <a:t>2018/4/5</a:t>
             </a:fld>
             <a:endParaRPr lang="zh-CN" altLang="en-US"/>
           </a:p>
@@ -2241,7 +2241,7 @@
           <a:p>
             <a:fld id="{D997B5FA-0921-464F-AAE1-844C04324D75}" type="datetimeFigureOut">
               <a:rPr lang="zh-CN" altLang="en-US" smtClean="0"/>
-              <a:t>2018/4/2</a:t>
+              <a:t>2018/4/5</a:t>
             </a:fld>
             <a:endParaRPr lang="zh-CN" altLang="en-US"/>
           </a:p>
@@ -2335,7 +2335,7 @@
           <a:p>
             <a:fld id="{D997B5FA-0921-464F-AAE1-844C04324D75}" type="datetimeFigureOut">
               <a:rPr lang="zh-CN" altLang="en-US" smtClean="0"/>
-              <a:t>2018/4/2</a:t>
+              <a:t>2018/4/5</a:t>
             </a:fld>
             <a:endParaRPr lang="zh-CN" altLang="en-US"/>
           </a:p>
@@ -2611,7 +2611,7 @@
           <a:p>
             <a:fld id="{D997B5FA-0921-464F-AAE1-844C04324D75}" type="datetimeFigureOut">
               <a:rPr lang="zh-CN" altLang="en-US" smtClean="0"/>
-              <a:t>2018/4/2</a:t>
+              <a:t>2018/4/5</a:t>
             </a:fld>
             <a:endParaRPr lang="zh-CN" altLang="en-US"/>
           </a:p>
@@ -2863,7 +2863,7 @@
           <a:p>
             <a:fld id="{D997B5FA-0921-464F-AAE1-844C04324D75}" type="datetimeFigureOut">
               <a:rPr lang="zh-CN" altLang="en-US" smtClean="0"/>
-              <a:t>2018/4/2</a:t>
+              <a:t>2018/4/5</a:t>
             </a:fld>
             <a:endParaRPr lang="zh-CN" altLang="en-US"/>
           </a:p>
@@ -3075,7 +3075,7 @@
           <a:p>
             <a:fld id="{D997B5FA-0921-464F-AAE1-844C04324D75}" type="datetimeFigureOut">
               <a:rPr lang="zh-CN" altLang="en-US" smtClean="0"/>
-              <a:t>2018/4/2</a:t>
+              <a:t>2018/4/5</a:t>
             </a:fld>
             <a:endParaRPr lang="zh-CN" altLang="en-US"/>
           </a:p>
@@ -24971,7 +24971,7 @@
         </p:nvSpPr>
         <p:spPr>
           <a:xfrm>
-            <a:off x="3696611" y="2636961"/>
+            <a:off x="3833343" y="2457499"/>
             <a:ext cx="5725683" cy="1631216"/>
           </a:xfrm>
           <a:prstGeom prst="rect">
@@ -25413,8 +25413,8 @@
         </p:nvSpPr>
         <p:spPr>
           <a:xfrm>
-            <a:off x="3585516" y="2718916"/>
-            <a:ext cx="6917266" cy="1015663"/>
+            <a:off x="3628244" y="1872884"/>
+            <a:ext cx="6917266" cy="3477875"/>
           </a:xfrm>
           <a:prstGeom prst="rect">
             <a:avLst/>
@@ -25433,7 +25433,126 @@
                   <a:schemeClr val="accent2"/>
                 </a:solidFill>
               </a:rPr>
-              <a:t>找出一个道具的基础作用和特性。尽可能地最大化这些特性，并且把他们固定在最大化的位置。然后通过调整其他特征来解决平衡性问题。</a:t>
+              <a:t>找出一个道具的基础作用和特性。尽可能地最大化这些特性，并且把他们固定在最大化的位置。然后通过调整其他特征来解决平衡性问题</a:t>
+            </a:r>
+            <a:r>
+              <a:rPr lang="zh-CN" altLang="en-US" sz="2000" dirty="0" smtClean="0">
+                <a:solidFill>
+                  <a:schemeClr val="accent2"/>
+                </a:solidFill>
+              </a:rPr>
+              <a:t>。</a:t>
+            </a:r>
+            <a:endParaRPr lang="en-US" altLang="zh-CN" sz="2000" dirty="0" smtClean="0">
+              <a:solidFill>
+                <a:schemeClr val="accent2"/>
+              </a:solidFill>
+            </a:endParaRPr>
+          </a:p>
+          <a:p>
+            <a:endParaRPr lang="en-US" altLang="zh-CN" sz="2000" dirty="0">
+              <a:solidFill>
+                <a:schemeClr val="accent2"/>
+              </a:solidFill>
+            </a:endParaRPr>
+          </a:p>
+          <a:p>
+            <a:r>
+              <a:rPr lang="en-US" altLang="zh-CN" sz="2000" dirty="0" smtClean="0">
+                <a:solidFill>
+                  <a:schemeClr val="accent2"/>
+                </a:solidFill>
+              </a:rPr>
+              <a:t>5</a:t>
+            </a:r>
+            <a:r>
+              <a:rPr lang="zh-CN" altLang="en-US" sz="2000" dirty="0" smtClean="0">
+                <a:solidFill>
+                  <a:schemeClr val="accent2"/>
+                </a:solidFill>
+              </a:rPr>
+              <a:t>个  总分</a:t>
+            </a:r>
+            <a:r>
+              <a:rPr lang="en-US" altLang="zh-CN" sz="2000" dirty="0" smtClean="0">
+                <a:solidFill>
+                  <a:schemeClr val="accent2"/>
+                </a:solidFill>
+              </a:rPr>
+              <a:t>100</a:t>
+            </a:r>
+          </a:p>
+          <a:p>
+            <a:endParaRPr lang="en-US" altLang="zh-CN" sz="2000" dirty="0">
+              <a:solidFill>
+                <a:schemeClr val="accent2"/>
+              </a:solidFill>
+            </a:endParaRPr>
+          </a:p>
+          <a:p>
+            <a:r>
+              <a:rPr lang="en-US" altLang="zh-CN" sz="2000" dirty="0" smtClean="0">
+                <a:solidFill>
+                  <a:schemeClr val="accent2"/>
+                </a:solidFill>
+              </a:rPr>
+              <a:t>1</a:t>
+            </a:r>
+            <a:r>
+              <a:rPr lang="en-US" altLang="zh-CN" sz="2000" dirty="0" smtClean="0">
+                <a:solidFill>
+                  <a:schemeClr val="accent2"/>
+                </a:solidFill>
+              </a:rPr>
+              <a:t>-1</a:t>
+            </a:r>
+          </a:p>
+          <a:p>
+            <a:r>
+              <a:rPr lang="en-US" altLang="zh-CN" sz="2000" dirty="0" smtClean="0">
+                <a:solidFill>
+                  <a:schemeClr val="accent2"/>
+                </a:solidFill>
+              </a:rPr>
+              <a:t>2-4,</a:t>
+            </a:r>
+          </a:p>
+          <a:p>
+            <a:r>
+              <a:rPr lang="en-US" altLang="zh-CN" sz="2000" dirty="0" smtClean="0">
+                <a:solidFill>
+                  <a:schemeClr val="accent2"/>
+                </a:solidFill>
+              </a:rPr>
+              <a:t>3-3,</a:t>
+            </a:r>
+          </a:p>
+          <a:p>
+            <a:r>
+              <a:rPr lang="en-US" altLang="zh-CN" sz="2000" dirty="0" smtClean="0">
+                <a:solidFill>
+                  <a:schemeClr val="accent2"/>
+                </a:solidFill>
+              </a:rPr>
+              <a:t>4-2,</a:t>
+            </a:r>
+          </a:p>
+          <a:p>
+            <a:r>
+              <a:rPr lang="en-US" altLang="zh-CN" sz="2000" dirty="0" smtClean="0">
+                <a:solidFill>
+                  <a:schemeClr val="accent2"/>
+                </a:solidFill>
+              </a:rPr>
+              <a:t>5-90</a:t>
+            </a:r>
+            <a:r>
+              <a:rPr lang="zh-CN" altLang="en-US" sz="2000" dirty="0" smtClean="0">
+                <a:solidFill>
+                  <a:schemeClr val="accent2"/>
+                </a:solidFill>
+              </a:rPr>
+              <a:t>，</a:t>
             </a:r>
             <a:endParaRPr lang="zh-CN" altLang="en-US" sz="2000" dirty="0">
               <a:solidFill>
@@ -25501,15 +25620,7 @@
                   <a:srgbClr val="ED7D31"/>
                 </a:solidFill>
               </a:rPr>
-              <a:t>《CR</a:t>
-            </a:r>
-            <a:r>
-              <a:rPr lang="en-US" altLang="zh-CN" sz="2500" dirty="0" smtClean="0">
-                <a:solidFill>
-                  <a:srgbClr val="ED7D31"/>
-                </a:solidFill>
-              </a:rPr>
-              <a:t>》</a:t>
+              <a:t>《CR》</a:t>
             </a:r>
             <a:r>
               <a:rPr lang="zh-CN" altLang="en-US" sz="2500" dirty="0" smtClean="0">
@@ -26232,8 +26343,8 @@
         </p:nvSpPr>
         <p:spPr>
           <a:xfrm>
-            <a:off x="3398257" y="2852404"/>
-            <a:ext cx="7702729" cy="400110"/>
+            <a:off x="3529413" y="2812274"/>
+            <a:ext cx="7093008" cy="707886"/>
           </a:xfrm>
           <a:prstGeom prst="rect">
             <a:avLst/>

--- a/Share/游戏设计理论.pptx
+++ b/Share/游戏设计理论.pptx
@@ -5,7 +5,7 @@
     <p:sldMasterId id="2147483648" r:id="rId1"/>
   </p:sldMasterIdLst>
   <p:notesMasterIdLst>
-    <p:notesMasterId r:id="rId65"/>
+    <p:notesMasterId r:id="rId67"/>
   </p:notesMasterIdLst>
   <p:sldIdLst>
     <p:sldId id="256" r:id="rId2"/>
@@ -71,6 +71,8 @@
     <p:sldId id="316" r:id="rId62"/>
     <p:sldId id="317" r:id="rId63"/>
     <p:sldId id="318" r:id="rId64"/>
+    <p:sldId id="325" r:id="rId65"/>
+    <p:sldId id="326" r:id="rId66"/>
   </p:sldIdLst>
   <p:sldSz cx="12192000" cy="6858000"/>
   <p:notesSz cx="6858000" cy="9144000"/>
@@ -273,6 +275,8 @@
             <p14:sldId id="316"/>
             <p14:sldId id="317"/>
             <p14:sldId id="318"/>
+            <p14:sldId id="325"/>
+            <p14:sldId id="326"/>
           </p14:sldIdLst>
         </p14:section>
       </p14:sectionLst>
@@ -366,7 +370,7 @@
           <a:p>
             <a:fld id="{D2A48B96-639E-45A3-A0BA-2464DFDB1FAA}" type="datetimeFigureOut">
               <a:rPr lang="zh-CN" altLang="en-US" smtClean="0"/>
-              <a:t>2018/4/5</a:t>
+              <a:t>2018/4/10</a:t>
             </a:fld>
             <a:endParaRPr lang="zh-CN" altLang="en-US"/>
           </a:p>
@@ -765,7 +769,7 @@
           <a:p>
             <a:fld id="{D997B5FA-0921-464F-AAE1-844C04324D75}" type="datetimeFigureOut">
               <a:rPr lang="zh-CN" altLang="en-US" smtClean="0"/>
-              <a:t>2018/4/5</a:t>
+              <a:t>2018/4/10</a:t>
             </a:fld>
             <a:endParaRPr lang="zh-CN" altLang="en-US"/>
           </a:p>
@@ -934,7 +938,7 @@
           <a:p>
             <a:fld id="{D997B5FA-0921-464F-AAE1-844C04324D75}" type="datetimeFigureOut">
               <a:rPr lang="zh-CN" altLang="en-US" smtClean="0"/>
-              <a:t>2018/4/5</a:t>
+              <a:t>2018/4/10</a:t>
             </a:fld>
             <a:endParaRPr lang="zh-CN" altLang="en-US"/>
           </a:p>
@@ -1113,7 +1117,7 @@
           <a:p>
             <a:fld id="{D997B5FA-0921-464F-AAE1-844C04324D75}" type="datetimeFigureOut">
               <a:rPr lang="zh-CN" altLang="en-US" smtClean="0"/>
-              <a:t>2018/4/5</a:t>
+              <a:t>2018/4/10</a:t>
             </a:fld>
             <a:endParaRPr lang="zh-CN" altLang="en-US"/>
           </a:p>
@@ -1282,7 +1286,7 @@
           <a:p>
             <a:fld id="{D997B5FA-0921-464F-AAE1-844C04324D75}" type="datetimeFigureOut">
               <a:rPr lang="zh-CN" altLang="en-US" smtClean="0"/>
-              <a:t>2018/4/5</a:t>
+              <a:t>2018/4/10</a:t>
             </a:fld>
             <a:endParaRPr lang="zh-CN" altLang="en-US"/>
           </a:p>
@@ -1527,7 +1531,7 @@
           <a:p>
             <a:fld id="{D997B5FA-0921-464F-AAE1-844C04324D75}" type="datetimeFigureOut">
               <a:rPr lang="zh-CN" altLang="en-US" smtClean="0"/>
-              <a:t>2018/4/5</a:t>
+              <a:t>2018/4/10</a:t>
             </a:fld>
             <a:endParaRPr lang="zh-CN" altLang="en-US"/>
           </a:p>
@@ -1758,7 +1762,7 @@
           <a:p>
             <a:fld id="{D997B5FA-0921-464F-AAE1-844C04324D75}" type="datetimeFigureOut">
               <a:rPr lang="zh-CN" altLang="en-US" smtClean="0"/>
-              <a:t>2018/4/5</a:t>
+              <a:t>2018/4/10</a:t>
             </a:fld>
             <a:endParaRPr lang="zh-CN" altLang="en-US"/>
           </a:p>
@@ -2124,7 +2128,7 @@
           <a:p>
             <a:fld id="{D997B5FA-0921-464F-AAE1-844C04324D75}" type="datetimeFigureOut">
               <a:rPr lang="zh-CN" altLang="en-US" smtClean="0"/>
-              <a:t>2018/4/5</a:t>
+              <a:t>2018/4/10</a:t>
             </a:fld>
             <a:endParaRPr lang="zh-CN" altLang="en-US"/>
           </a:p>
@@ -2241,7 +2245,7 @@
           <a:p>
             <a:fld id="{D997B5FA-0921-464F-AAE1-844C04324D75}" type="datetimeFigureOut">
               <a:rPr lang="zh-CN" altLang="en-US" smtClean="0"/>
-              <a:t>2018/4/5</a:t>
+              <a:t>2018/4/10</a:t>
             </a:fld>
             <a:endParaRPr lang="zh-CN" altLang="en-US"/>
           </a:p>
@@ -2335,7 +2339,7 @@
           <a:p>
             <a:fld id="{D997B5FA-0921-464F-AAE1-844C04324D75}" type="datetimeFigureOut">
               <a:rPr lang="zh-CN" altLang="en-US" smtClean="0"/>
-              <a:t>2018/4/5</a:t>
+              <a:t>2018/4/10</a:t>
             </a:fld>
             <a:endParaRPr lang="zh-CN" altLang="en-US"/>
           </a:p>
@@ -2611,7 +2615,7 @@
           <a:p>
             <a:fld id="{D997B5FA-0921-464F-AAE1-844C04324D75}" type="datetimeFigureOut">
               <a:rPr lang="zh-CN" altLang="en-US" smtClean="0"/>
-              <a:t>2018/4/5</a:t>
+              <a:t>2018/4/10</a:t>
             </a:fld>
             <a:endParaRPr lang="zh-CN" altLang="en-US"/>
           </a:p>
@@ -2863,7 +2867,7 @@
           <a:p>
             <a:fld id="{D997B5FA-0921-464F-AAE1-844C04324D75}" type="datetimeFigureOut">
               <a:rPr lang="zh-CN" altLang="en-US" smtClean="0"/>
-              <a:t>2018/4/5</a:t>
+              <a:t>2018/4/10</a:t>
             </a:fld>
             <a:endParaRPr lang="zh-CN" altLang="en-US"/>
           </a:p>
@@ -3075,7 +3079,7 @@
           <a:p>
             <a:fld id="{D997B5FA-0921-464F-AAE1-844C04324D75}" type="datetimeFigureOut">
               <a:rPr lang="zh-CN" altLang="en-US" smtClean="0"/>
-              <a:t>2018/4/5</a:t>
+              <a:t>2018/4/10</a:t>
             </a:fld>
             <a:endParaRPr lang="zh-CN" altLang="en-US"/>
           </a:p>
@@ -25433,7 +25437,29 @@
                   <a:schemeClr val="accent2"/>
                 </a:solidFill>
               </a:rPr>
-              <a:t>找出一个道具的基础作用和特性。尽可能地最大化这些特性，并且把他们固定在最大化的位置。然后通过调整其他特征来解决平衡性问题</a:t>
+              <a:t>找出一个道具的基础作用和特性。尽可能地最大化这些特性，并且把他们固定在最大化的位置。然后通过调整其他特征来解决平衡性问题。</a:t>
+            </a:r>
+            <a:endParaRPr lang="en-US" altLang="zh-CN" sz="2000" dirty="0" smtClean="0">
+              <a:solidFill>
+                <a:schemeClr val="accent2"/>
+              </a:solidFill>
+            </a:endParaRPr>
+          </a:p>
+          <a:p>
+            <a:endParaRPr lang="en-US" altLang="zh-CN" sz="2000" dirty="0">
+              <a:solidFill>
+                <a:schemeClr val="accent2"/>
+              </a:solidFill>
+            </a:endParaRPr>
+          </a:p>
+          <a:p>
+            <a:r>
+              <a:rPr lang="en-US" altLang="zh-CN" sz="2000" dirty="0" smtClean="0">
+                <a:solidFill>
+                  <a:schemeClr val="accent2"/>
+                </a:solidFill>
+              </a:rPr>
+              <a:t>5</a:t>
             </a:r>
             <a:r>
               <a:rPr lang="zh-CN" altLang="en-US" sz="2000" dirty="0" smtClean="0">
@@ -25441,70 +25467,32 @@
                   <a:schemeClr val="accent2"/>
                 </a:solidFill>
               </a:rPr>
-              <a:t>。</a:t>
-            </a:r>
-            <a:endParaRPr lang="en-US" altLang="zh-CN" sz="2000" dirty="0" smtClean="0">
+              <a:t>个  总分</a:t>
+            </a:r>
+            <a:r>
+              <a:rPr lang="en-US" altLang="zh-CN" sz="2000" dirty="0" smtClean="0">
+                <a:solidFill>
+                  <a:schemeClr val="accent2"/>
+                </a:solidFill>
+              </a:rPr>
+              <a:t>100</a:t>
+            </a:r>
+          </a:p>
+          <a:p>
+            <a:endParaRPr lang="en-US" altLang="zh-CN" sz="2000" dirty="0">
               <a:solidFill>
                 <a:schemeClr val="accent2"/>
               </a:solidFill>
             </a:endParaRPr>
           </a:p>
           <a:p>
-            <a:endParaRPr lang="en-US" altLang="zh-CN" sz="2000" dirty="0">
-              <a:solidFill>
-                <a:schemeClr val="accent2"/>
-              </a:solidFill>
-            </a:endParaRPr>
-          </a:p>
-          <a:p>
             <a:r>
               <a:rPr lang="en-US" altLang="zh-CN" sz="2000" dirty="0" smtClean="0">
                 <a:solidFill>
                   <a:schemeClr val="accent2"/>
                 </a:solidFill>
               </a:rPr>
-              <a:t>5</a:t>
-            </a:r>
-            <a:r>
-              <a:rPr lang="zh-CN" altLang="en-US" sz="2000" dirty="0" smtClean="0">
-                <a:solidFill>
-                  <a:schemeClr val="accent2"/>
-                </a:solidFill>
-              </a:rPr>
-              <a:t>个  总分</a:t>
-            </a:r>
-            <a:r>
-              <a:rPr lang="en-US" altLang="zh-CN" sz="2000" dirty="0" smtClean="0">
-                <a:solidFill>
-                  <a:schemeClr val="accent2"/>
-                </a:solidFill>
-              </a:rPr>
-              <a:t>100</a:t>
-            </a:r>
-          </a:p>
-          <a:p>
-            <a:endParaRPr lang="en-US" altLang="zh-CN" sz="2000" dirty="0">
-              <a:solidFill>
-                <a:schemeClr val="accent2"/>
-              </a:solidFill>
-            </a:endParaRPr>
-          </a:p>
-          <a:p>
-            <a:r>
-              <a:rPr lang="en-US" altLang="zh-CN" sz="2000" dirty="0" smtClean="0">
-                <a:solidFill>
-                  <a:schemeClr val="accent2"/>
-                </a:solidFill>
-              </a:rPr>
-              <a:t>1</a:t>
-            </a:r>
-            <a:r>
-              <a:rPr lang="en-US" altLang="zh-CN" sz="2000" dirty="0" smtClean="0">
-                <a:solidFill>
-                  <a:schemeClr val="accent2"/>
-                </a:solidFill>
-              </a:rPr>
-              <a:t>-1</a:t>
+              <a:t>1-1</a:t>
             </a:r>
           </a:p>
           <a:p>
@@ -27204,20 +27192,495 @@
           <a:p>
             <a:pPr algn="ctr"/>
             <a:r>
-              <a:rPr lang="zh-CN" altLang="en-US" sz="4000" dirty="0">
+              <a:rPr lang="zh-CN" altLang="en-US" sz="4000" dirty="0" smtClean="0">
                 <a:solidFill>
                   <a:prstClr val="white"/>
                 </a:solidFill>
               </a:rPr>
-              <a:t>游</a:t>
-            </a:r>
+              <a:t>故事叙述方法</a:t>
+            </a:r>
+            <a:endParaRPr lang="en-US" altLang="zh-CN" sz="4000" dirty="0" smtClean="0">
+              <a:solidFill>
+                <a:prstClr val="white"/>
+              </a:solidFill>
+            </a:endParaRPr>
+          </a:p>
+        </p:txBody>
+      </p:sp>
+      <p:grpSp>
+        <p:nvGrpSpPr>
+          <p:cNvPr id="3" name="Group 2"/>
+          <p:cNvGrpSpPr/>
+          <p:nvPr/>
+        </p:nvGrpSpPr>
+        <p:grpSpPr>
+          <a:xfrm>
+            <a:off x="0" y="0"/>
+            <a:ext cx="1453415" cy="572703"/>
+            <a:chOff x="0" y="6285297"/>
+            <a:chExt cx="1453415" cy="572703"/>
+          </a:xfrm>
+        </p:grpSpPr>
+        <p:sp>
+          <p:nvSpPr>
+            <p:cNvPr id="13" name="Rectangle 12"/>
+            <p:cNvSpPr/>
+            <p:nvPr/>
+          </p:nvSpPr>
+          <p:spPr>
+            <a:xfrm>
+              <a:off x="0" y="6285297"/>
+              <a:ext cx="1453415" cy="572703"/>
+            </a:xfrm>
+            <a:prstGeom prst="rect">
+              <a:avLst/>
+            </a:prstGeom>
+            <a:solidFill>
+              <a:schemeClr val="bg1"/>
+            </a:solidFill>
+            <a:ln w="19050">
+              <a:solidFill>
+                <a:schemeClr val="bg1"/>
+              </a:solidFill>
+            </a:ln>
+          </p:spPr>
+          <p:style>
+            <a:lnRef idx="2">
+              <a:schemeClr val="accent1">
+                <a:shade val="50000"/>
+              </a:schemeClr>
+            </a:lnRef>
+            <a:fillRef idx="1">
+              <a:schemeClr val="accent1"/>
+            </a:fillRef>
+            <a:effectRef idx="0">
+              <a:schemeClr val="accent1"/>
+            </a:effectRef>
+            <a:fontRef idx="minor">
+              <a:schemeClr val="lt1"/>
+            </a:fontRef>
+          </p:style>
+          <p:txBody>
+            <a:bodyPr rtlCol="0" anchor="ctr"/>
+            <a:lstStyle/>
+            <a:p>
+              <a:pPr algn="ctr"/>
+              <a:endParaRPr lang="zh-CN" altLang="en-US" sz="3500" dirty="0">
+                <a:solidFill>
+                  <a:prstClr val="black">
+                    <a:lumMod val="65000"/>
+                    <a:lumOff val="35000"/>
+                  </a:prstClr>
+                </a:solidFill>
+              </a:endParaRPr>
+            </a:p>
+          </p:txBody>
+        </p:sp>
+        <p:sp>
+          <p:nvSpPr>
+            <p:cNvPr id="15" name="Diamond 14"/>
+            <p:cNvSpPr/>
+            <p:nvPr/>
+          </p:nvSpPr>
+          <p:spPr>
+            <a:xfrm>
+              <a:off x="456707" y="6304547"/>
+              <a:ext cx="540000" cy="540000"/>
+            </a:xfrm>
+            <a:prstGeom prst="diamond">
+              <a:avLst/>
+            </a:prstGeom>
+            <a:noFill/>
+            <a:ln w="28575">
+              <a:solidFill>
+                <a:schemeClr val="accent2"/>
+              </a:solidFill>
+            </a:ln>
+          </p:spPr>
+          <p:style>
+            <a:lnRef idx="2">
+              <a:schemeClr val="accent1">
+                <a:shade val="50000"/>
+              </a:schemeClr>
+            </a:lnRef>
+            <a:fillRef idx="1">
+              <a:schemeClr val="accent1"/>
+            </a:fillRef>
+            <a:effectRef idx="0">
+              <a:schemeClr val="accent1"/>
+            </a:effectRef>
+            <a:fontRef idx="minor">
+              <a:schemeClr val="lt1"/>
+            </a:fontRef>
+          </p:style>
+          <p:txBody>
+            <a:bodyPr rtlCol="0" anchor="ctr"/>
+            <a:lstStyle/>
+            <a:p>
+              <a:pPr algn="ctr"/>
+              <a:r>
+                <a:rPr lang="en-US" altLang="zh-CN" dirty="0" smtClean="0">
+                  <a:solidFill>
+                    <a:srgbClr val="5B9BD5"/>
+                  </a:solidFill>
+                </a:rPr>
+                <a:t>2</a:t>
+              </a:r>
+              <a:endParaRPr lang="zh-CN" altLang="en-US" dirty="0">
+                <a:solidFill>
+                  <a:srgbClr val="5B9BD5"/>
+                </a:solidFill>
+              </a:endParaRPr>
+            </a:p>
+          </p:txBody>
+        </p:sp>
+      </p:grpSp>
+      <p:sp>
+        <p:nvSpPr>
+          <p:cNvPr id="4" name="TextBox 3"/>
+          <p:cNvSpPr txBox="1"/>
+          <p:nvPr/>
+        </p:nvSpPr>
+        <p:spPr>
+          <a:xfrm>
+            <a:off x="3213218" y="769120"/>
+            <a:ext cx="7554483" cy="1246495"/>
+          </a:xfrm>
+          <a:prstGeom prst="rect">
+            <a:avLst/>
+          </a:prstGeom>
+          <a:noFill/>
+        </p:spPr>
+        <p:txBody>
+          <a:bodyPr wrap="square" rtlCol="0">
+            <a:spAutoFit/>
+          </a:bodyPr>
+          <a:lstStyle/>
+          <a:p>
+            <a:pPr>
+              <a:lnSpc>
+                <a:spcPts val="3000"/>
+              </a:lnSpc>
+            </a:pPr>
+            <a:r>
+              <a:rPr lang="zh-CN" altLang="en-US" sz="2000" b="1" dirty="0" smtClean="0">
+                <a:solidFill>
+                  <a:schemeClr val="bg1"/>
+                </a:solidFill>
+              </a:rPr>
+              <a:t>脚本故事</a:t>
+            </a:r>
+            <a:endParaRPr lang="en-US" altLang="zh-CN" sz="2000" b="1" dirty="0" smtClean="0">
+              <a:solidFill>
+                <a:schemeClr val="bg1"/>
+              </a:solidFill>
+            </a:endParaRPr>
+          </a:p>
+          <a:p>
+            <a:pPr marL="342900" indent="-342900">
+              <a:lnSpc>
+                <a:spcPts val="3000"/>
+              </a:lnSpc>
+              <a:buFont typeface="Wingdings" panose="05000000000000000000" pitchFamily="2" charset="2"/>
+              <a:buChar char="Ø"/>
+            </a:pPr>
+            <a:r>
+              <a:rPr lang="zh-CN" altLang="en-US" sz="2000" dirty="0" smtClean="0">
+                <a:solidFill>
+                  <a:schemeClr val="bg1"/>
+                </a:solidFill>
+              </a:rPr>
+              <a:t>直接嵌入游戏的事件，并且他们总是以相同的方式展现</a:t>
+            </a:r>
+            <a:endParaRPr lang="en-US" altLang="zh-CN" sz="2000" dirty="0" smtClean="0">
+              <a:solidFill>
+                <a:schemeClr val="bg1"/>
+              </a:solidFill>
+            </a:endParaRPr>
+          </a:p>
+          <a:p>
+            <a:pPr marL="342900" indent="-342900">
+              <a:lnSpc>
+                <a:spcPts val="3000"/>
+              </a:lnSpc>
+              <a:buFont typeface="Wingdings" panose="05000000000000000000" pitchFamily="2" charset="2"/>
+              <a:buChar char="Ø"/>
+            </a:pPr>
+            <a:r>
+              <a:rPr lang="zh-CN" altLang="en-US" sz="2000" dirty="0" smtClean="0">
+                <a:solidFill>
+                  <a:schemeClr val="bg1"/>
+                </a:solidFill>
+              </a:rPr>
+              <a:t>与</a:t>
+            </a:r>
+            <a:r>
+              <a:rPr lang="zh-CN" altLang="en-US" sz="2000" dirty="0">
+                <a:solidFill>
+                  <a:schemeClr val="bg1"/>
+                </a:solidFill>
+              </a:rPr>
+              <a:t>电影、小说等最为接</a:t>
+            </a:r>
+            <a:r>
+              <a:rPr lang="zh-CN" altLang="en-US" sz="2000" dirty="0" smtClean="0">
+                <a:solidFill>
+                  <a:schemeClr val="bg1"/>
+                </a:solidFill>
+              </a:rPr>
+              <a:t>近</a:t>
+            </a:r>
+            <a:endParaRPr lang="en-US" altLang="zh-CN" sz="2000" dirty="0">
+              <a:solidFill>
+                <a:schemeClr val="bg1"/>
+              </a:solidFill>
+            </a:endParaRPr>
+          </a:p>
+        </p:txBody>
+      </p:sp>
+      <p:sp>
+        <p:nvSpPr>
+          <p:cNvPr id="9" name="TextBox 8"/>
+          <p:cNvSpPr txBox="1"/>
+          <p:nvPr/>
+        </p:nvSpPr>
+        <p:spPr>
+          <a:xfrm>
+            <a:off x="3213217" y="2405886"/>
+            <a:ext cx="7554483" cy="1246495"/>
+          </a:xfrm>
+          <a:prstGeom prst="rect">
+            <a:avLst/>
+          </a:prstGeom>
+          <a:noFill/>
+        </p:spPr>
+        <p:txBody>
+          <a:bodyPr wrap="square" rtlCol="0">
+            <a:spAutoFit/>
+          </a:bodyPr>
+          <a:lstStyle/>
+          <a:p>
+            <a:pPr>
+              <a:lnSpc>
+                <a:spcPts val="3000"/>
+              </a:lnSpc>
+            </a:pPr>
+            <a:r>
+              <a:rPr lang="zh-CN" altLang="en-US" sz="2000" b="1" dirty="0" smtClean="0">
+                <a:solidFill>
+                  <a:schemeClr val="bg1"/>
+                </a:solidFill>
+              </a:rPr>
+              <a:t>世界性故事</a:t>
+            </a:r>
+            <a:endParaRPr lang="en-US" altLang="zh-CN" sz="2000" b="1" dirty="0" smtClean="0">
+              <a:solidFill>
+                <a:schemeClr val="bg1"/>
+              </a:solidFill>
+            </a:endParaRPr>
+          </a:p>
+          <a:p>
+            <a:pPr marL="342900" indent="-342900">
+              <a:lnSpc>
+                <a:spcPts val="3000"/>
+              </a:lnSpc>
+              <a:buFont typeface="Wingdings" panose="05000000000000000000" pitchFamily="2" charset="2"/>
+              <a:buChar char="Ø"/>
+            </a:pPr>
+            <a:r>
+              <a:rPr lang="zh-CN" altLang="en-US" sz="2000" dirty="0" smtClean="0">
+                <a:solidFill>
+                  <a:schemeClr val="bg1"/>
+                </a:solidFill>
+              </a:rPr>
+              <a:t>指一个地方发生过的故事，包括它的过去以及相关联的。这些故事是通过建筑物，以及身在其中的事物来进行叙述的</a:t>
+            </a:r>
+            <a:endParaRPr lang="en-US" altLang="zh-CN" sz="2000" dirty="0">
+              <a:solidFill>
+                <a:schemeClr val="bg1"/>
+              </a:solidFill>
+            </a:endParaRPr>
+          </a:p>
+        </p:txBody>
+      </p:sp>
+      <p:sp>
+        <p:nvSpPr>
+          <p:cNvPr id="12" name="TextBox 11"/>
+          <p:cNvSpPr txBox="1"/>
+          <p:nvPr/>
+        </p:nvSpPr>
+        <p:spPr>
+          <a:xfrm>
+            <a:off x="3213216" y="4042652"/>
+            <a:ext cx="7554483" cy="861774"/>
+          </a:xfrm>
+          <a:prstGeom prst="rect">
+            <a:avLst/>
+          </a:prstGeom>
+          <a:noFill/>
+        </p:spPr>
+        <p:txBody>
+          <a:bodyPr wrap="square" rtlCol="0">
+            <a:spAutoFit/>
+          </a:bodyPr>
+          <a:lstStyle/>
+          <a:p>
+            <a:pPr>
+              <a:lnSpc>
+                <a:spcPts val="3000"/>
+              </a:lnSpc>
+            </a:pPr>
+            <a:r>
+              <a:rPr lang="zh-CN" altLang="en-US" sz="2000" b="1" dirty="0" smtClean="0">
+                <a:solidFill>
+                  <a:schemeClr val="bg1"/>
+                </a:solidFill>
+              </a:rPr>
+              <a:t>浮现的故事</a:t>
+            </a:r>
+            <a:endParaRPr lang="en-US" altLang="zh-CN" sz="2000" b="1" dirty="0" smtClean="0">
+              <a:solidFill>
+                <a:schemeClr val="bg1"/>
+              </a:solidFill>
+            </a:endParaRPr>
+          </a:p>
+          <a:p>
+            <a:pPr marL="342900" indent="-342900">
+              <a:lnSpc>
+                <a:spcPts val="3000"/>
+              </a:lnSpc>
+              <a:buFont typeface="Wingdings" panose="05000000000000000000" pitchFamily="2" charset="2"/>
+              <a:buChar char="Ø"/>
+            </a:pPr>
+            <a:r>
+              <a:rPr lang="zh-CN" altLang="en-US" sz="2000" dirty="0" smtClean="0">
+                <a:solidFill>
+                  <a:schemeClr val="bg1"/>
+                </a:solidFill>
+              </a:rPr>
+              <a:t>在游戏过程中，通过游戏机制和玩家的交互产生的故事</a:t>
+            </a:r>
+            <a:endParaRPr lang="en-US" altLang="zh-CN" sz="2000" dirty="0">
+              <a:solidFill>
+                <a:schemeClr val="bg1"/>
+              </a:solidFill>
+            </a:endParaRPr>
+          </a:p>
+        </p:txBody>
+      </p:sp>
+    </p:spTree>
+    <p:extLst>
+      <p:ext uri="{BB962C8B-B14F-4D97-AF65-F5344CB8AC3E}">
+        <p14:creationId xmlns:p14="http://schemas.microsoft.com/office/powerpoint/2010/main" val="905277010"/>
+      </p:ext>
+    </p:extLst>
+  </p:cSld>
+  <p:clrMapOvr>
+    <a:masterClrMapping/>
+  </p:clrMapOvr>
+  <p:timing>
+    <p:tnLst>
+      <p:par>
+        <p:cTn id="1" dur="indefinite" restart="never" nodeType="tmRoot"/>
+      </p:par>
+    </p:tnLst>
+  </p:timing>
+</p:sld>
+</file>
+
+<file path=ppt/slides/slide64.xml><?xml version="1.0" encoding="utf-8"?>
+<p:sld xmlns:a="http://schemas.openxmlformats.org/drawingml/2006/main" xmlns:r="http://schemas.openxmlformats.org/officeDocument/2006/relationships" xmlns:p="http://schemas.openxmlformats.org/presentationml/2006/main">
+  <p:cSld>
+    <p:bg>
+      <p:bgPr>
+        <a:solidFill>
+          <a:schemeClr val="tx1">
+            <a:lumMod val="65000"/>
+            <a:lumOff val="35000"/>
+          </a:schemeClr>
+        </a:solidFill>
+        <a:effectLst/>
+      </p:bgPr>
+    </p:bg>
+    <p:spTree>
+      <p:nvGrpSpPr>
+        <p:cNvPr id="1" name=""/>
+        <p:cNvGrpSpPr/>
+        <p:nvPr/>
+      </p:nvGrpSpPr>
+      <p:grpSpPr>
+        <a:xfrm>
+          <a:off x="0" y="0"/>
+          <a:ext cx="0" cy="0"/>
+          <a:chOff x="0" y="0"/>
+          <a:chExt cx="0" cy="0"/>
+        </a:xfrm>
+      </p:grpSpPr>
+      <p:cxnSp>
+        <p:nvCxnSpPr>
+          <p:cNvPr id="11" name="Straight Connector 10"/>
+          <p:cNvCxnSpPr/>
+          <p:nvPr/>
+        </p:nvCxnSpPr>
+        <p:spPr>
+          <a:xfrm>
+            <a:off x="1453415" y="0"/>
+            <a:ext cx="0" cy="6858000"/>
+          </a:xfrm>
+          <a:prstGeom prst="line">
+            <a:avLst/>
+          </a:prstGeom>
+          <a:ln w="28575">
+            <a:solidFill>
+              <a:schemeClr val="bg1"/>
+            </a:solidFill>
+          </a:ln>
+        </p:spPr>
+        <p:style>
+          <a:lnRef idx="1">
+            <a:schemeClr val="accent1"/>
+          </a:lnRef>
+          <a:fillRef idx="0">
+            <a:schemeClr val="accent1"/>
+          </a:fillRef>
+          <a:effectRef idx="0">
+            <a:schemeClr val="accent1"/>
+          </a:effectRef>
+          <a:fontRef idx="minor">
+            <a:schemeClr val="tx1"/>
+          </a:fontRef>
+        </p:style>
+      </p:cxnSp>
+      <p:sp>
+        <p:nvSpPr>
+          <p:cNvPr id="2" name="TextBox 1"/>
+          <p:cNvSpPr txBox="1"/>
+          <p:nvPr/>
+        </p:nvSpPr>
+        <p:spPr>
+          <a:xfrm>
+            <a:off x="290915" y="2375108"/>
+            <a:ext cx="933650" cy="2554545"/>
+          </a:xfrm>
+          <a:prstGeom prst="rect">
+            <a:avLst/>
+          </a:prstGeom>
+          <a:noFill/>
+        </p:spPr>
+        <p:txBody>
+          <a:bodyPr wrap="square" rtlCol="0">
+            <a:spAutoFit/>
+          </a:bodyPr>
+          <a:lstStyle/>
+          <a:p>
+            <a:pPr algn="ctr"/>
             <a:r>
               <a:rPr lang="zh-CN" altLang="en-US" sz="4000" dirty="0" smtClean="0">
                 <a:solidFill>
                   <a:prstClr val="white"/>
                 </a:solidFill>
               </a:rPr>
-              <a:t>戏的故事性</a:t>
+              <a:t>故事顺序</a:t>
             </a:r>
             <a:endParaRPr lang="en-US" altLang="zh-CN" sz="4000" dirty="0" smtClean="0">
               <a:solidFill>
@@ -27344,7 +27807,7 @@
                     <a:srgbClr val="5B9BD5"/>
                   </a:solidFill>
                 </a:rPr>
-                <a:t>1</a:t>
+                <a:t>3</a:t>
               </a:r>
               <a:endParaRPr lang="zh-CN" altLang="en-US" dirty="0">
                 <a:solidFill>
@@ -27357,21 +27820,421 @@
       </p:grpSp>
       <p:sp>
         <p:nvSpPr>
-          <p:cNvPr id="10" name="Rectangle 9"/>
+          <p:cNvPr id="4" name="TextBox 3"/>
+          <p:cNvSpPr txBox="1"/>
+          <p:nvPr/>
+        </p:nvSpPr>
+        <p:spPr>
+          <a:xfrm>
+            <a:off x="6708449" y="746037"/>
+            <a:ext cx="4325898" cy="861774"/>
+          </a:xfrm>
+          <a:prstGeom prst="rect">
+            <a:avLst/>
+          </a:prstGeom>
+          <a:noFill/>
+        </p:spPr>
+        <p:txBody>
+          <a:bodyPr wrap="square" rtlCol="0">
+            <a:spAutoFit/>
+          </a:bodyPr>
+          <a:lstStyle/>
+          <a:p>
+            <a:pPr>
+              <a:lnSpc>
+                <a:spcPts val="3000"/>
+              </a:lnSpc>
+            </a:pPr>
+            <a:r>
+              <a:rPr lang="zh-CN" altLang="en-US" sz="2000" b="1" dirty="0" smtClean="0">
+                <a:solidFill>
+                  <a:prstClr val="white"/>
+                </a:solidFill>
+              </a:rPr>
+              <a:t>游戏关卡</a:t>
+            </a:r>
+            <a:endParaRPr lang="en-US" altLang="zh-CN" sz="2000" b="1" dirty="0" smtClean="0">
+              <a:solidFill>
+                <a:prstClr val="white"/>
+              </a:solidFill>
+            </a:endParaRPr>
+          </a:p>
+          <a:p>
+            <a:pPr marL="342900" indent="-342900">
+              <a:lnSpc>
+                <a:spcPts val="3000"/>
+              </a:lnSpc>
+              <a:buFont typeface="Wingdings" panose="05000000000000000000" pitchFamily="2" charset="2"/>
+              <a:buChar char="Ø"/>
+            </a:pPr>
+            <a:r>
+              <a:rPr lang="zh-CN" altLang="en-US" sz="2000" dirty="0" smtClean="0">
+                <a:solidFill>
+                  <a:prstClr val="white"/>
+                </a:solidFill>
+              </a:rPr>
+              <a:t>一关过后下一关</a:t>
+            </a:r>
+            <a:endParaRPr lang="en-US" altLang="zh-CN" sz="2000" dirty="0">
+              <a:solidFill>
+                <a:prstClr val="white"/>
+              </a:solidFill>
+            </a:endParaRPr>
+          </a:p>
+        </p:txBody>
+      </p:sp>
+      <p:sp>
+        <p:nvSpPr>
+          <p:cNvPr id="9" name="TextBox 8"/>
+          <p:cNvSpPr txBox="1"/>
+          <p:nvPr/>
+        </p:nvSpPr>
+        <p:spPr>
+          <a:xfrm>
+            <a:off x="6708445" y="1705978"/>
+            <a:ext cx="4765517" cy="861774"/>
+          </a:xfrm>
+          <a:prstGeom prst="rect">
+            <a:avLst/>
+          </a:prstGeom>
+          <a:noFill/>
+        </p:spPr>
+        <p:txBody>
+          <a:bodyPr wrap="square" rtlCol="0">
+            <a:spAutoFit/>
+          </a:bodyPr>
+          <a:lstStyle/>
+          <a:p>
+            <a:pPr>
+              <a:lnSpc>
+                <a:spcPts val="3000"/>
+              </a:lnSpc>
+            </a:pPr>
+            <a:r>
+              <a:rPr lang="zh-CN" altLang="en-US" sz="2000" b="1" dirty="0" smtClean="0">
+                <a:solidFill>
+                  <a:prstClr val="white"/>
+                </a:solidFill>
+              </a:rPr>
+              <a:t>任</a:t>
+            </a:r>
+            <a:r>
+              <a:rPr lang="zh-CN" altLang="en-US" sz="2000" b="1" dirty="0">
+                <a:solidFill>
+                  <a:prstClr val="white"/>
+                </a:solidFill>
+              </a:rPr>
+              <a:t>务</a:t>
+            </a:r>
+            <a:endParaRPr lang="en-US" altLang="zh-CN" sz="2000" b="1" dirty="0" smtClean="0">
+              <a:solidFill>
+                <a:prstClr val="white"/>
+              </a:solidFill>
+            </a:endParaRPr>
+          </a:p>
+          <a:p>
+            <a:pPr marL="342900" indent="-342900">
+              <a:lnSpc>
+                <a:spcPts val="3000"/>
+              </a:lnSpc>
+              <a:buFont typeface="Wingdings" panose="05000000000000000000" pitchFamily="2" charset="2"/>
+              <a:buChar char="Ø"/>
+            </a:pPr>
+            <a:r>
+              <a:rPr lang="zh-CN" altLang="en-US" sz="2000" dirty="0">
+                <a:solidFill>
+                  <a:prstClr val="white"/>
+                </a:solidFill>
+              </a:rPr>
+              <a:t>任</a:t>
+            </a:r>
+            <a:r>
+              <a:rPr lang="zh-CN" altLang="en-US" sz="2000" dirty="0" smtClean="0">
+                <a:solidFill>
+                  <a:prstClr val="white"/>
+                </a:solidFill>
+              </a:rPr>
+              <a:t>务过后下一个任务</a:t>
+            </a:r>
+            <a:endParaRPr lang="en-US" altLang="zh-CN" sz="2000" dirty="0">
+              <a:solidFill>
+                <a:prstClr val="white"/>
+              </a:solidFill>
+            </a:endParaRPr>
+          </a:p>
+        </p:txBody>
+      </p:sp>
+      <p:sp>
+        <p:nvSpPr>
+          <p:cNvPr id="12" name="TextBox 11"/>
+          <p:cNvSpPr txBox="1"/>
+          <p:nvPr/>
+        </p:nvSpPr>
+        <p:spPr>
+          <a:xfrm>
+            <a:off x="6708445" y="2665920"/>
+            <a:ext cx="4765517" cy="861774"/>
+          </a:xfrm>
+          <a:prstGeom prst="rect">
+            <a:avLst/>
+          </a:prstGeom>
+          <a:noFill/>
+        </p:spPr>
+        <p:txBody>
+          <a:bodyPr wrap="square" rtlCol="0">
+            <a:spAutoFit/>
+          </a:bodyPr>
+          <a:lstStyle/>
+          <a:p>
+            <a:pPr>
+              <a:lnSpc>
+                <a:spcPts val="3000"/>
+              </a:lnSpc>
+            </a:pPr>
+            <a:r>
+              <a:rPr lang="zh-CN" altLang="en-US" sz="2000" b="1" dirty="0" smtClean="0">
+                <a:solidFill>
+                  <a:prstClr val="white"/>
+                </a:solidFill>
+              </a:rPr>
+              <a:t>障碍</a:t>
+            </a:r>
+            <a:endParaRPr lang="en-US" altLang="zh-CN" sz="2000" b="1" dirty="0" smtClean="0">
+              <a:solidFill>
+                <a:prstClr val="white"/>
+              </a:solidFill>
+            </a:endParaRPr>
+          </a:p>
+          <a:p>
+            <a:pPr marL="342900" indent="-342900">
+              <a:lnSpc>
+                <a:spcPts val="3000"/>
+              </a:lnSpc>
+              <a:buFont typeface="Wingdings" panose="05000000000000000000" pitchFamily="2" charset="2"/>
+              <a:buChar char="Ø"/>
+            </a:pPr>
+            <a:r>
+              <a:rPr lang="zh-CN" altLang="en-US" sz="2000" dirty="0" smtClean="0">
+                <a:solidFill>
+                  <a:prstClr val="white"/>
+                </a:solidFill>
+              </a:rPr>
+              <a:t>设置关闭的门</a:t>
+            </a:r>
+            <a:endParaRPr lang="en-US" altLang="zh-CN" sz="2000" dirty="0">
+              <a:solidFill>
+                <a:prstClr val="white"/>
+              </a:solidFill>
+            </a:endParaRPr>
+          </a:p>
+        </p:txBody>
+      </p:sp>
+      <p:sp>
+        <p:nvSpPr>
+          <p:cNvPr id="14" name="TextBox 13"/>
+          <p:cNvSpPr txBox="1"/>
+          <p:nvPr/>
+        </p:nvSpPr>
+        <p:spPr>
+          <a:xfrm>
+            <a:off x="6708445" y="3576778"/>
+            <a:ext cx="4765517" cy="861774"/>
+          </a:xfrm>
+          <a:prstGeom prst="rect">
+            <a:avLst/>
+          </a:prstGeom>
+          <a:noFill/>
+        </p:spPr>
+        <p:txBody>
+          <a:bodyPr wrap="square" rtlCol="0">
+            <a:spAutoFit/>
+          </a:bodyPr>
+          <a:lstStyle/>
+          <a:p>
+            <a:pPr>
+              <a:lnSpc>
+                <a:spcPts val="3000"/>
+              </a:lnSpc>
+            </a:pPr>
+            <a:r>
+              <a:rPr lang="zh-CN" altLang="en-US" sz="2000" b="1" dirty="0" smtClean="0">
+                <a:solidFill>
+                  <a:prstClr val="white"/>
+                </a:solidFill>
+              </a:rPr>
+              <a:t>技巧门槛</a:t>
+            </a:r>
+            <a:endParaRPr lang="en-US" altLang="zh-CN" sz="2000" b="1" dirty="0" smtClean="0">
+              <a:solidFill>
+                <a:prstClr val="white"/>
+              </a:solidFill>
+            </a:endParaRPr>
+          </a:p>
+          <a:p>
+            <a:pPr marL="342900" indent="-342900">
+              <a:lnSpc>
+                <a:spcPts val="3000"/>
+              </a:lnSpc>
+              <a:buFont typeface="Wingdings" panose="05000000000000000000" pitchFamily="2" charset="2"/>
+              <a:buChar char="Ø"/>
+            </a:pPr>
+            <a:r>
+              <a:rPr lang="zh-CN" altLang="en-US" sz="2000" dirty="0">
+                <a:solidFill>
+                  <a:prstClr val="white"/>
+                </a:solidFill>
+              </a:rPr>
+              <a:t>击</a:t>
+            </a:r>
+            <a:r>
+              <a:rPr lang="zh-CN" altLang="en-US" sz="2000" dirty="0" smtClean="0">
+                <a:solidFill>
+                  <a:prstClr val="white"/>
+                </a:solidFill>
+              </a:rPr>
+              <a:t>败某个角色才能继续</a:t>
+            </a:r>
+            <a:endParaRPr lang="en-US" altLang="zh-CN" sz="2000" dirty="0">
+              <a:solidFill>
+                <a:prstClr val="white"/>
+              </a:solidFill>
+            </a:endParaRPr>
+          </a:p>
+        </p:txBody>
+      </p:sp>
+      <p:sp>
+        <p:nvSpPr>
+          <p:cNvPr id="16" name="TextBox 15"/>
+          <p:cNvSpPr txBox="1"/>
+          <p:nvPr/>
+        </p:nvSpPr>
+        <p:spPr>
+          <a:xfrm>
+            <a:off x="6708446" y="4536719"/>
+            <a:ext cx="4624840" cy="861774"/>
+          </a:xfrm>
+          <a:prstGeom prst="rect">
+            <a:avLst/>
+          </a:prstGeom>
+          <a:noFill/>
+        </p:spPr>
+        <p:txBody>
+          <a:bodyPr wrap="square" rtlCol="0">
+            <a:spAutoFit/>
+          </a:bodyPr>
+          <a:lstStyle/>
+          <a:p>
+            <a:pPr>
+              <a:lnSpc>
+                <a:spcPts val="3000"/>
+              </a:lnSpc>
+            </a:pPr>
+            <a:r>
+              <a:rPr lang="zh-CN" altLang="en-US" sz="2000" b="1" dirty="0" smtClean="0">
+                <a:solidFill>
+                  <a:prstClr val="white"/>
+                </a:solidFill>
+              </a:rPr>
+              <a:t>时间机制</a:t>
+            </a:r>
+            <a:endParaRPr lang="en-US" altLang="zh-CN" sz="2000" b="1" dirty="0" smtClean="0">
+              <a:solidFill>
+                <a:prstClr val="white"/>
+              </a:solidFill>
+            </a:endParaRPr>
+          </a:p>
+          <a:p>
+            <a:pPr marL="342900" indent="-342900">
+              <a:lnSpc>
+                <a:spcPts val="3000"/>
+              </a:lnSpc>
+              <a:buFont typeface="Wingdings" panose="05000000000000000000" pitchFamily="2" charset="2"/>
+              <a:buChar char="Ø"/>
+            </a:pPr>
+            <a:r>
+              <a:rPr lang="zh-CN" altLang="en-US" sz="2000" dirty="0">
+                <a:solidFill>
+                  <a:prstClr val="white"/>
+                </a:solidFill>
+              </a:rPr>
+              <a:t>固</a:t>
+            </a:r>
+            <a:r>
+              <a:rPr lang="zh-CN" altLang="en-US" sz="2000" dirty="0" smtClean="0">
+                <a:solidFill>
+                  <a:prstClr val="white"/>
+                </a:solidFill>
+              </a:rPr>
+              <a:t>定时间触发</a:t>
+            </a:r>
+            <a:endParaRPr lang="en-US" altLang="zh-CN" sz="2000" dirty="0">
+              <a:solidFill>
+                <a:prstClr val="white"/>
+              </a:solidFill>
+            </a:endParaRPr>
+          </a:p>
+        </p:txBody>
+      </p:sp>
+      <p:sp>
+        <p:nvSpPr>
+          <p:cNvPr id="17" name="TextBox 16"/>
+          <p:cNvSpPr txBox="1"/>
+          <p:nvPr/>
+        </p:nvSpPr>
+        <p:spPr>
+          <a:xfrm>
+            <a:off x="6768267" y="5496660"/>
+            <a:ext cx="4705696" cy="477054"/>
+          </a:xfrm>
+          <a:prstGeom prst="rect">
+            <a:avLst/>
+          </a:prstGeom>
+          <a:noFill/>
+        </p:spPr>
+        <p:txBody>
+          <a:bodyPr wrap="square" rtlCol="0">
+            <a:spAutoFit/>
+          </a:bodyPr>
+          <a:lstStyle/>
+          <a:p>
+            <a:pPr>
+              <a:lnSpc>
+                <a:spcPts val="3000"/>
+              </a:lnSpc>
+            </a:pPr>
+            <a:r>
+              <a:rPr lang="zh-CN" altLang="en-US" sz="2000" b="1" dirty="0" smtClean="0">
+                <a:solidFill>
+                  <a:prstClr val="white"/>
+                </a:solidFill>
+              </a:rPr>
+              <a:t>等等</a:t>
+            </a:r>
+            <a:endParaRPr lang="en-US" altLang="zh-CN" sz="2000" dirty="0">
+              <a:solidFill>
+                <a:prstClr val="white"/>
+              </a:solidFill>
+            </a:endParaRPr>
+          </a:p>
+        </p:txBody>
+      </p:sp>
+      <p:sp>
+        <p:nvSpPr>
+          <p:cNvPr id="18" name="Rounded Rectangle 17"/>
           <p:cNvSpPr/>
           <p:nvPr/>
         </p:nvSpPr>
         <p:spPr>
           <a:xfrm>
-            <a:off x="1453415" y="6332434"/>
-            <a:ext cx="10738585" cy="525566"/>
-          </a:xfrm>
-          <a:prstGeom prst="rect">
-            <a:avLst/>
-          </a:prstGeom>
-          <a:solidFill>
-            <a:schemeClr val="bg1"/>
-          </a:solidFill>
+            <a:off x="2906831" y="2839528"/>
+            <a:ext cx="2918210" cy="737250"/>
+          </a:xfrm>
+          <a:prstGeom prst="roundRect">
+            <a:avLst>
+              <a:gd name="adj" fmla="val 12557"/>
+            </a:avLst>
+          </a:prstGeom>
+          <a:noFill/>
           <a:ln w="19050">
             <a:solidFill>
               <a:schemeClr val="bg1"/>
@@ -27400,49 +28263,3060 @@
           <a:p>
             <a:pPr algn="ctr"/>
             <a:r>
-              <a:rPr lang="zh-CN" altLang="en-US" sz="2500" dirty="0" smtClean="0">
-                <a:solidFill>
-                  <a:srgbClr val="ED7D31"/>
-                </a:solidFill>
-              </a:rPr>
-              <a:t>例   </a:t>
-            </a:r>
-            <a:r>
-              <a:rPr lang="en-US" altLang="zh-CN" sz="2500" dirty="0" smtClean="0">
-                <a:solidFill>
-                  <a:srgbClr val="ED7D31"/>
-                </a:solidFill>
-              </a:rPr>
-              <a:t>《</a:t>
-            </a:r>
-            <a:r>
-              <a:rPr lang="zh-CN" altLang="en-US" sz="2500" dirty="0">
-                <a:solidFill>
-                  <a:srgbClr val="ED7D31"/>
-                </a:solidFill>
-              </a:rPr>
-              <a:t>饥荒</a:t>
-            </a:r>
-            <a:r>
-              <a:rPr lang="en-US" altLang="zh-CN" sz="2500" dirty="0" smtClean="0">
-                <a:solidFill>
-                  <a:srgbClr val="ED7D31"/>
-                </a:solidFill>
-              </a:rPr>
-              <a:t>》</a:t>
-            </a:r>
-            <a:endParaRPr lang="zh-CN" altLang="en-US" sz="2500" dirty="0">
-              <a:solidFill>
-                <a:srgbClr val="ED7D31"/>
-              </a:solidFill>
-            </a:endParaRPr>
+              <a:rPr lang="zh-CN" altLang="en-US" sz="2500" dirty="0" smtClean="0"/>
+              <a:t>改变故事顺序方法</a:t>
+            </a:r>
+            <a:endParaRPr lang="zh-CN" altLang="en-US" sz="2500" dirty="0"/>
           </a:p>
         </p:txBody>
       </p:sp>
     </p:spTree>
     <p:extLst>
       <p:ext uri="{BB962C8B-B14F-4D97-AF65-F5344CB8AC3E}">
-        <p14:creationId xmlns:p14="http://schemas.microsoft.com/office/powerpoint/2010/main" val="905277010"/>
+        <p14:creationId xmlns:p14="http://schemas.microsoft.com/office/powerpoint/2010/main" val="189585367"/>
+      </p:ext>
+    </p:extLst>
+  </p:cSld>
+  <p:clrMapOvr>
+    <a:masterClrMapping/>
+  </p:clrMapOvr>
+  <p:timing>
+    <p:tnLst>
+      <p:par>
+        <p:cTn id="1" dur="indefinite" restart="never" nodeType="tmRoot"/>
+      </p:par>
+    </p:tnLst>
+  </p:timing>
+</p:sld>
+</file>
+
+<file path=ppt/slides/slide65.xml><?xml version="1.0" encoding="utf-8"?>
+<p:sld xmlns:a="http://schemas.openxmlformats.org/drawingml/2006/main" xmlns:r="http://schemas.openxmlformats.org/officeDocument/2006/relationships" xmlns:p="http://schemas.openxmlformats.org/presentationml/2006/main">
+  <p:cSld>
+    <p:bg>
+      <p:bgPr>
+        <a:solidFill>
+          <a:schemeClr val="tx1">
+            <a:lumMod val="65000"/>
+            <a:lumOff val="35000"/>
+          </a:schemeClr>
+        </a:solidFill>
+        <a:effectLst/>
+      </p:bgPr>
+    </p:bg>
+    <p:spTree>
+      <p:nvGrpSpPr>
+        <p:cNvPr id="1" name=""/>
+        <p:cNvGrpSpPr/>
+        <p:nvPr/>
+      </p:nvGrpSpPr>
+      <p:grpSpPr>
+        <a:xfrm>
+          <a:off x="0" y="0"/>
+          <a:ext cx="0" cy="0"/>
+          <a:chOff x="0" y="0"/>
+          <a:chExt cx="0" cy="0"/>
+        </a:xfrm>
+      </p:grpSpPr>
+      <p:cxnSp>
+        <p:nvCxnSpPr>
+          <p:cNvPr id="11" name="Straight Connector 10"/>
+          <p:cNvCxnSpPr/>
+          <p:nvPr/>
+        </p:nvCxnSpPr>
+        <p:spPr>
+          <a:xfrm>
+            <a:off x="1453415" y="0"/>
+            <a:ext cx="0" cy="6858000"/>
+          </a:xfrm>
+          <a:prstGeom prst="line">
+            <a:avLst/>
+          </a:prstGeom>
+          <a:ln w="28575">
+            <a:solidFill>
+              <a:schemeClr val="bg1"/>
+            </a:solidFill>
+          </a:ln>
+        </p:spPr>
+        <p:style>
+          <a:lnRef idx="1">
+            <a:schemeClr val="accent1"/>
+          </a:lnRef>
+          <a:fillRef idx="0">
+            <a:schemeClr val="accent1"/>
+          </a:fillRef>
+          <a:effectRef idx="0">
+            <a:schemeClr val="accent1"/>
+          </a:effectRef>
+          <a:fontRef idx="minor">
+            <a:schemeClr val="tx1"/>
+          </a:fontRef>
+        </p:style>
+      </p:cxnSp>
+      <p:sp>
+        <p:nvSpPr>
+          <p:cNvPr id="2" name="TextBox 1"/>
+          <p:cNvSpPr txBox="1"/>
+          <p:nvPr/>
+        </p:nvSpPr>
+        <p:spPr>
+          <a:xfrm>
+            <a:off x="290915" y="2375108"/>
+            <a:ext cx="933650" cy="2554545"/>
+          </a:xfrm>
+          <a:prstGeom prst="rect">
+            <a:avLst/>
+          </a:prstGeom>
+          <a:noFill/>
+        </p:spPr>
+        <p:txBody>
+          <a:bodyPr wrap="square" rtlCol="0">
+            <a:spAutoFit/>
+          </a:bodyPr>
+          <a:lstStyle/>
+          <a:p>
+            <a:pPr algn="ctr"/>
+            <a:r>
+              <a:rPr lang="zh-CN" altLang="en-US" sz="4000" dirty="0" smtClean="0">
+                <a:solidFill>
+                  <a:prstClr val="white"/>
+                </a:solidFill>
+              </a:rPr>
+              <a:t>故事顺序</a:t>
+            </a:r>
+            <a:endParaRPr lang="en-US" altLang="zh-CN" sz="4000" dirty="0" smtClean="0">
+              <a:solidFill>
+                <a:prstClr val="white"/>
+              </a:solidFill>
+            </a:endParaRPr>
+          </a:p>
+        </p:txBody>
+      </p:sp>
+      <p:grpSp>
+        <p:nvGrpSpPr>
+          <p:cNvPr id="3" name="Group 2"/>
+          <p:cNvGrpSpPr/>
+          <p:nvPr/>
+        </p:nvGrpSpPr>
+        <p:grpSpPr>
+          <a:xfrm>
+            <a:off x="0" y="0"/>
+            <a:ext cx="1453415" cy="572703"/>
+            <a:chOff x="0" y="6285297"/>
+            <a:chExt cx="1453415" cy="572703"/>
+          </a:xfrm>
+        </p:grpSpPr>
+        <p:sp>
+          <p:nvSpPr>
+            <p:cNvPr id="13" name="Rectangle 12"/>
+            <p:cNvSpPr/>
+            <p:nvPr/>
+          </p:nvSpPr>
+          <p:spPr>
+            <a:xfrm>
+              <a:off x="0" y="6285297"/>
+              <a:ext cx="1453415" cy="572703"/>
+            </a:xfrm>
+            <a:prstGeom prst="rect">
+              <a:avLst/>
+            </a:prstGeom>
+            <a:solidFill>
+              <a:schemeClr val="bg1"/>
+            </a:solidFill>
+            <a:ln w="19050">
+              <a:solidFill>
+                <a:schemeClr val="bg1"/>
+              </a:solidFill>
+            </a:ln>
+          </p:spPr>
+          <p:style>
+            <a:lnRef idx="2">
+              <a:schemeClr val="accent1">
+                <a:shade val="50000"/>
+              </a:schemeClr>
+            </a:lnRef>
+            <a:fillRef idx="1">
+              <a:schemeClr val="accent1"/>
+            </a:fillRef>
+            <a:effectRef idx="0">
+              <a:schemeClr val="accent1"/>
+            </a:effectRef>
+            <a:fontRef idx="minor">
+              <a:schemeClr val="lt1"/>
+            </a:fontRef>
+          </p:style>
+          <p:txBody>
+            <a:bodyPr rtlCol="0" anchor="ctr"/>
+            <a:lstStyle/>
+            <a:p>
+              <a:pPr algn="ctr"/>
+              <a:endParaRPr lang="zh-CN" altLang="en-US" sz="3500" dirty="0">
+                <a:solidFill>
+                  <a:prstClr val="black">
+                    <a:lumMod val="65000"/>
+                    <a:lumOff val="35000"/>
+                  </a:prstClr>
+                </a:solidFill>
+              </a:endParaRPr>
+            </a:p>
+          </p:txBody>
+        </p:sp>
+        <p:sp>
+          <p:nvSpPr>
+            <p:cNvPr id="15" name="Diamond 14"/>
+            <p:cNvSpPr/>
+            <p:nvPr/>
+          </p:nvSpPr>
+          <p:spPr>
+            <a:xfrm>
+              <a:off x="456707" y="6304547"/>
+              <a:ext cx="540000" cy="540000"/>
+            </a:xfrm>
+            <a:prstGeom prst="diamond">
+              <a:avLst/>
+            </a:prstGeom>
+            <a:noFill/>
+            <a:ln w="28575">
+              <a:solidFill>
+                <a:schemeClr val="accent2"/>
+              </a:solidFill>
+            </a:ln>
+          </p:spPr>
+          <p:style>
+            <a:lnRef idx="2">
+              <a:schemeClr val="accent1">
+                <a:shade val="50000"/>
+              </a:schemeClr>
+            </a:lnRef>
+            <a:fillRef idx="1">
+              <a:schemeClr val="accent1"/>
+            </a:fillRef>
+            <a:effectRef idx="0">
+              <a:schemeClr val="accent1"/>
+            </a:effectRef>
+            <a:fontRef idx="minor">
+              <a:schemeClr val="lt1"/>
+            </a:fontRef>
+          </p:style>
+          <p:txBody>
+            <a:bodyPr rtlCol="0" anchor="ctr"/>
+            <a:lstStyle/>
+            <a:p>
+              <a:pPr algn="ctr"/>
+              <a:r>
+                <a:rPr lang="en-US" altLang="zh-CN" dirty="0" smtClean="0">
+                  <a:solidFill>
+                    <a:srgbClr val="5B9BD5"/>
+                  </a:solidFill>
+                </a:rPr>
+                <a:t>4</a:t>
+              </a:r>
+              <a:endParaRPr lang="zh-CN" altLang="en-US" dirty="0">
+                <a:solidFill>
+                  <a:srgbClr val="5B9BD5"/>
+                </a:solidFill>
+              </a:endParaRPr>
+            </a:p>
+          </p:txBody>
+        </p:sp>
+      </p:grpSp>
+      <p:sp>
+        <p:nvSpPr>
+          <p:cNvPr id="18" name="Rounded Rectangle 17"/>
+          <p:cNvSpPr/>
+          <p:nvPr/>
+        </p:nvSpPr>
+        <p:spPr>
+          <a:xfrm>
+            <a:off x="2342809" y="3159069"/>
+            <a:ext cx="1759173" cy="737250"/>
+          </a:xfrm>
+          <a:prstGeom prst="roundRect">
+            <a:avLst>
+              <a:gd name="adj" fmla="val 12557"/>
+            </a:avLst>
+          </a:prstGeom>
+          <a:noFill/>
+          <a:ln w="19050">
+            <a:solidFill>
+              <a:schemeClr val="bg1"/>
+            </a:solidFill>
+          </a:ln>
+        </p:spPr>
+        <p:style>
+          <a:lnRef idx="2">
+            <a:schemeClr val="accent1">
+              <a:shade val="50000"/>
+            </a:schemeClr>
+          </a:lnRef>
+          <a:fillRef idx="1">
+            <a:schemeClr val="accent1"/>
+          </a:fillRef>
+          <a:effectRef idx="0">
+            <a:schemeClr val="accent1"/>
+          </a:effectRef>
+          <a:fontRef idx="minor">
+            <a:schemeClr val="lt1"/>
+          </a:fontRef>
+        </p:style>
+        <p:txBody>
+          <a:bodyPr rtlCol="0" anchor="ctr"/>
+          <a:lstStyle/>
+          <a:p>
+            <a:pPr algn="ctr"/>
+            <a:r>
+              <a:rPr lang="zh-CN" altLang="en-US" sz="2500" dirty="0" smtClean="0">
+                <a:solidFill>
+                  <a:prstClr val="white"/>
+                </a:solidFill>
+              </a:rPr>
+              <a:t>故事结构</a:t>
+            </a:r>
+            <a:endParaRPr lang="zh-CN" altLang="en-US" sz="2500" dirty="0">
+              <a:solidFill>
+                <a:prstClr val="white"/>
+              </a:solidFill>
+            </a:endParaRPr>
+          </a:p>
+        </p:txBody>
+      </p:sp>
+      <p:grpSp>
+        <p:nvGrpSpPr>
+          <p:cNvPr id="8" name="Group 7"/>
+          <p:cNvGrpSpPr/>
+          <p:nvPr/>
+        </p:nvGrpSpPr>
+        <p:grpSpPr>
+          <a:xfrm>
+            <a:off x="2409913" y="1162228"/>
+            <a:ext cx="701386" cy="316194"/>
+            <a:chOff x="2521009" y="1136591"/>
+            <a:chExt cx="701386" cy="316194"/>
+          </a:xfrm>
+        </p:grpSpPr>
+        <p:sp>
+          <p:nvSpPr>
+            <p:cNvPr id="5" name="Oval 4"/>
+            <p:cNvSpPr/>
+            <p:nvPr/>
+          </p:nvSpPr>
+          <p:spPr>
+            <a:xfrm>
+              <a:off x="2521009" y="1136591"/>
+              <a:ext cx="316194" cy="316194"/>
+            </a:xfrm>
+            <a:prstGeom prst="ellipse">
+              <a:avLst/>
+            </a:prstGeom>
+            <a:noFill/>
+            <a:ln>
+              <a:solidFill>
+                <a:schemeClr val="bg1"/>
+              </a:solidFill>
+            </a:ln>
+          </p:spPr>
+          <p:style>
+            <a:lnRef idx="2">
+              <a:schemeClr val="accent1">
+                <a:shade val="50000"/>
+              </a:schemeClr>
+            </a:lnRef>
+            <a:fillRef idx="1">
+              <a:schemeClr val="accent1"/>
+            </a:fillRef>
+            <a:effectRef idx="0">
+              <a:schemeClr val="accent1"/>
+            </a:effectRef>
+            <a:fontRef idx="minor">
+              <a:schemeClr val="lt1"/>
+            </a:fontRef>
+          </p:style>
+          <p:txBody>
+            <a:bodyPr rtlCol="0" anchor="ctr"/>
+            <a:lstStyle/>
+            <a:p>
+              <a:pPr algn="ctr"/>
+              <a:endParaRPr lang="zh-CN" altLang="en-US"/>
+            </a:p>
+          </p:txBody>
+        </p:sp>
+        <p:cxnSp>
+          <p:nvCxnSpPr>
+            <p:cNvPr id="7" name="Straight Arrow Connector 6"/>
+            <p:cNvCxnSpPr>
+              <a:stCxn id="5" idx="6"/>
+            </p:cNvCxnSpPr>
+            <p:nvPr/>
+          </p:nvCxnSpPr>
+          <p:spPr>
+            <a:xfrm>
+              <a:off x="2837203" y="1294688"/>
+              <a:ext cx="385192" cy="4273"/>
+            </a:xfrm>
+            <a:prstGeom prst="straightConnector1">
+              <a:avLst/>
+            </a:prstGeom>
+            <a:ln>
+              <a:solidFill>
+                <a:schemeClr val="bg1"/>
+              </a:solidFill>
+              <a:tailEnd type="triangle"/>
+            </a:ln>
+          </p:spPr>
+          <p:style>
+            <a:lnRef idx="1">
+              <a:schemeClr val="accent1"/>
+            </a:lnRef>
+            <a:fillRef idx="0">
+              <a:schemeClr val="accent1"/>
+            </a:fillRef>
+            <a:effectRef idx="0">
+              <a:schemeClr val="accent1"/>
+            </a:effectRef>
+            <a:fontRef idx="minor">
+              <a:schemeClr val="tx1"/>
+            </a:fontRef>
+          </p:style>
+        </p:cxnSp>
+      </p:grpSp>
+      <p:grpSp>
+        <p:nvGrpSpPr>
+          <p:cNvPr id="19" name="Group 18"/>
+          <p:cNvGrpSpPr/>
+          <p:nvPr/>
+        </p:nvGrpSpPr>
+        <p:grpSpPr>
+          <a:xfrm>
+            <a:off x="3092314" y="1162228"/>
+            <a:ext cx="701386" cy="316194"/>
+            <a:chOff x="2521009" y="1136591"/>
+            <a:chExt cx="701386" cy="316194"/>
+          </a:xfrm>
+        </p:grpSpPr>
+        <p:sp>
+          <p:nvSpPr>
+            <p:cNvPr id="20" name="Oval 19"/>
+            <p:cNvSpPr/>
+            <p:nvPr/>
+          </p:nvSpPr>
+          <p:spPr>
+            <a:xfrm>
+              <a:off x="2521009" y="1136591"/>
+              <a:ext cx="316194" cy="316194"/>
+            </a:xfrm>
+            <a:prstGeom prst="ellipse">
+              <a:avLst/>
+            </a:prstGeom>
+            <a:noFill/>
+            <a:ln>
+              <a:solidFill>
+                <a:schemeClr val="bg1"/>
+              </a:solidFill>
+            </a:ln>
+          </p:spPr>
+          <p:style>
+            <a:lnRef idx="2">
+              <a:schemeClr val="accent1">
+                <a:shade val="50000"/>
+              </a:schemeClr>
+            </a:lnRef>
+            <a:fillRef idx="1">
+              <a:schemeClr val="accent1"/>
+            </a:fillRef>
+            <a:effectRef idx="0">
+              <a:schemeClr val="accent1"/>
+            </a:effectRef>
+            <a:fontRef idx="minor">
+              <a:schemeClr val="lt1"/>
+            </a:fontRef>
+          </p:style>
+          <p:txBody>
+            <a:bodyPr rtlCol="0" anchor="ctr"/>
+            <a:lstStyle/>
+            <a:p>
+              <a:pPr algn="ctr"/>
+              <a:endParaRPr lang="zh-CN" altLang="en-US"/>
+            </a:p>
+          </p:txBody>
+        </p:sp>
+        <p:cxnSp>
+          <p:nvCxnSpPr>
+            <p:cNvPr id="21" name="Straight Arrow Connector 20"/>
+            <p:cNvCxnSpPr>
+              <a:stCxn id="20" idx="6"/>
+            </p:cNvCxnSpPr>
+            <p:nvPr/>
+          </p:nvCxnSpPr>
+          <p:spPr>
+            <a:xfrm>
+              <a:off x="2837203" y="1294688"/>
+              <a:ext cx="385192" cy="4273"/>
+            </a:xfrm>
+            <a:prstGeom prst="straightConnector1">
+              <a:avLst/>
+            </a:prstGeom>
+            <a:ln>
+              <a:solidFill>
+                <a:schemeClr val="bg1"/>
+              </a:solidFill>
+              <a:tailEnd type="triangle"/>
+            </a:ln>
+          </p:spPr>
+          <p:style>
+            <a:lnRef idx="1">
+              <a:schemeClr val="accent1"/>
+            </a:lnRef>
+            <a:fillRef idx="0">
+              <a:schemeClr val="accent1"/>
+            </a:fillRef>
+            <a:effectRef idx="0">
+              <a:schemeClr val="accent1"/>
+            </a:effectRef>
+            <a:fontRef idx="minor">
+              <a:schemeClr val="tx1"/>
+            </a:fontRef>
+          </p:style>
+        </p:cxnSp>
+      </p:grpSp>
+      <p:grpSp>
+        <p:nvGrpSpPr>
+          <p:cNvPr id="22" name="Group 21"/>
+          <p:cNvGrpSpPr/>
+          <p:nvPr/>
+        </p:nvGrpSpPr>
+        <p:grpSpPr>
+          <a:xfrm>
+            <a:off x="3774715" y="1162228"/>
+            <a:ext cx="701386" cy="316194"/>
+            <a:chOff x="2521009" y="1136591"/>
+            <a:chExt cx="701386" cy="316194"/>
+          </a:xfrm>
+        </p:grpSpPr>
+        <p:sp>
+          <p:nvSpPr>
+            <p:cNvPr id="23" name="Oval 22"/>
+            <p:cNvSpPr/>
+            <p:nvPr/>
+          </p:nvSpPr>
+          <p:spPr>
+            <a:xfrm>
+              <a:off x="2521009" y="1136591"/>
+              <a:ext cx="316194" cy="316194"/>
+            </a:xfrm>
+            <a:prstGeom prst="ellipse">
+              <a:avLst/>
+            </a:prstGeom>
+            <a:noFill/>
+            <a:ln>
+              <a:solidFill>
+                <a:schemeClr val="bg1"/>
+              </a:solidFill>
+            </a:ln>
+          </p:spPr>
+          <p:style>
+            <a:lnRef idx="2">
+              <a:schemeClr val="accent1">
+                <a:shade val="50000"/>
+              </a:schemeClr>
+            </a:lnRef>
+            <a:fillRef idx="1">
+              <a:schemeClr val="accent1"/>
+            </a:fillRef>
+            <a:effectRef idx="0">
+              <a:schemeClr val="accent1"/>
+            </a:effectRef>
+            <a:fontRef idx="minor">
+              <a:schemeClr val="lt1"/>
+            </a:fontRef>
+          </p:style>
+          <p:txBody>
+            <a:bodyPr rtlCol="0" anchor="ctr"/>
+            <a:lstStyle/>
+            <a:p>
+              <a:pPr algn="ctr"/>
+              <a:endParaRPr lang="zh-CN" altLang="en-US"/>
+            </a:p>
+          </p:txBody>
+        </p:sp>
+        <p:cxnSp>
+          <p:nvCxnSpPr>
+            <p:cNvPr id="24" name="Straight Arrow Connector 23"/>
+            <p:cNvCxnSpPr>
+              <a:stCxn id="23" idx="6"/>
+            </p:cNvCxnSpPr>
+            <p:nvPr/>
+          </p:nvCxnSpPr>
+          <p:spPr>
+            <a:xfrm>
+              <a:off x="2837203" y="1294688"/>
+              <a:ext cx="385192" cy="4273"/>
+            </a:xfrm>
+            <a:prstGeom prst="straightConnector1">
+              <a:avLst/>
+            </a:prstGeom>
+            <a:ln>
+              <a:solidFill>
+                <a:schemeClr val="bg1"/>
+              </a:solidFill>
+              <a:tailEnd type="triangle"/>
+            </a:ln>
+          </p:spPr>
+          <p:style>
+            <a:lnRef idx="1">
+              <a:schemeClr val="accent1"/>
+            </a:lnRef>
+            <a:fillRef idx="0">
+              <a:schemeClr val="accent1"/>
+            </a:fillRef>
+            <a:effectRef idx="0">
+              <a:schemeClr val="accent1"/>
+            </a:effectRef>
+            <a:fontRef idx="minor">
+              <a:schemeClr val="tx1"/>
+            </a:fontRef>
+          </p:style>
+        </p:cxnSp>
+      </p:grpSp>
+      <p:sp>
+        <p:nvSpPr>
+          <p:cNvPr id="26" name="Oval 25"/>
+          <p:cNvSpPr/>
+          <p:nvPr/>
+        </p:nvSpPr>
+        <p:spPr>
+          <a:xfrm>
+            <a:off x="4461712" y="1165077"/>
+            <a:ext cx="316194" cy="316194"/>
+          </a:xfrm>
+          <a:prstGeom prst="ellipse">
+            <a:avLst/>
+          </a:prstGeom>
+          <a:noFill/>
+          <a:ln>
+            <a:solidFill>
+              <a:schemeClr val="bg1"/>
+            </a:solidFill>
+          </a:ln>
+        </p:spPr>
+        <p:style>
+          <a:lnRef idx="2">
+            <a:schemeClr val="accent1">
+              <a:shade val="50000"/>
+            </a:schemeClr>
+          </a:lnRef>
+          <a:fillRef idx="1">
+            <a:schemeClr val="accent1"/>
+          </a:fillRef>
+          <a:effectRef idx="0">
+            <a:schemeClr val="accent1"/>
+          </a:effectRef>
+          <a:fontRef idx="minor">
+            <a:schemeClr val="lt1"/>
+          </a:fontRef>
+        </p:style>
+        <p:txBody>
+          <a:bodyPr rtlCol="0" anchor="ctr"/>
+          <a:lstStyle/>
+          <a:p>
+            <a:pPr algn="ctr"/>
+            <a:endParaRPr lang="zh-CN" altLang="en-US"/>
+          </a:p>
+        </p:txBody>
+      </p:sp>
+      <p:sp>
+        <p:nvSpPr>
+          <p:cNvPr id="28" name="Oval 27"/>
+          <p:cNvSpPr/>
+          <p:nvPr/>
+        </p:nvSpPr>
+        <p:spPr>
+          <a:xfrm>
+            <a:off x="6855341" y="1210031"/>
+            <a:ext cx="487728" cy="485686"/>
+          </a:xfrm>
+          <a:prstGeom prst="ellipse">
+            <a:avLst/>
+          </a:prstGeom>
+          <a:noFill/>
+          <a:ln>
+            <a:solidFill>
+              <a:schemeClr val="bg1"/>
+            </a:solidFill>
+          </a:ln>
+        </p:spPr>
+        <p:style>
+          <a:lnRef idx="2">
+            <a:schemeClr val="accent1">
+              <a:shade val="50000"/>
+            </a:schemeClr>
+          </a:lnRef>
+          <a:fillRef idx="1">
+            <a:schemeClr val="accent1"/>
+          </a:fillRef>
+          <a:effectRef idx="0">
+            <a:schemeClr val="accent1"/>
+          </a:effectRef>
+          <a:fontRef idx="minor">
+            <a:schemeClr val="lt1"/>
+          </a:fontRef>
+        </p:style>
+        <p:txBody>
+          <a:bodyPr rtlCol="0" anchor="ctr"/>
+          <a:lstStyle/>
+          <a:p>
+            <a:pPr algn="ctr"/>
+            <a:endParaRPr lang="zh-CN" altLang="en-US"/>
+          </a:p>
+        </p:txBody>
+      </p:sp>
+      <p:sp>
+        <p:nvSpPr>
+          <p:cNvPr id="29" name="Oval 28"/>
+          <p:cNvSpPr/>
+          <p:nvPr/>
+        </p:nvSpPr>
+        <p:spPr>
+          <a:xfrm>
+            <a:off x="6941108" y="554142"/>
+            <a:ext cx="316194" cy="316194"/>
+          </a:xfrm>
+          <a:prstGeom prst="ellipse">
+            <a:avLst/>
+          </a:prstGeom>
+          <a:noFill/>
+          <a:ln>
+            <a:solidFill>
+              <a:schemeClr val="bg1"/>
+            </a:solidFill>
+          </a:ln>
+        </p:spPr>
+        <p:style>
+          <a:lnRef idx="2">
+            <a:schemeClr val="accent1">
+              <a:shade val="50000"/>
+            </a:schemeClr>
+          </a:lnRef>
+          <a:fillRef idx="1">
+            <a:schemeClr val="accent1"/>
+          </a:fillRef>
+          <a:effectRef idx="0">
+            <a:schemeClr val="accent1"/>
+          </a:effectRef>
+          <a:fontRef idx="minor">
+            <a:schemeClr val="lt1"/>
+          </a:fontRef>
+        </p:style>
+        <p:txBody>
+          <a:bodyPr rtlCol="0" anchor="ctr"/>
+          <a:lstStyle/>
+          <a:p>
+            <a:pPr algn="ctr"/>
+            <a:endParaRPr lang="zh-CN" altLang="en-US"/>
+          </a:p>
+        </p:txBody>
+      </p:sp>
+      <p:sp>
+        <p:nvSpPr>
+          <p:cNvPr id="30" name="Oval 29"/>
+          <p:cNvSpPr/>
+          <p:nvPr/>
+        </p:nvSpPr>
+        <p:spPr>
+          <a:xfrm>
+            <a:off x="6941108" y="2058914"/>
+            <a:ext cx="316194" cy="316194"/>
+          </a:xfrm>
+          <a:prstGeom prst="ellipse">
+            <a:avLst/>
+          </a:prstGeom>
+          <a:noFill/>
+          <a:ln>
+            <a:solidFill>
+              <a:schemeClr val="bg1"/>
+            </a:solidFill>
+          </a:ln>
+        </p:spPr>
+        <p:style>
+          <a:lnRef idx="2">
+            <a:schemeClr val="accent1">
+              <a:shade val="50000"/>
+            </a:schemeClr>
+          </a:lnRef>
+          <a:fillRef idx="1">
+            <a:schemeClr val="accent1"/>
+          </a:fillRef>
+          <a:effectRef idx="0">
+            <a:schemeClr val="accent1"/>
+          </a:effectRef>
+          <a:fontRef idx="minor">
+            <a:schemeClr val="lt1"/>
+          </a:fontRef>
+        </p:style>
+        <p:txBody>
+          <a:bodyPr rtlCol="0" anchor="ctr"/>
+          <a:lstStyle/>
+          <a:p>
+            <a:pPr algn="ctr"/>
+            <a:endParaRPr lang="zh-CN" altLang="en-US"/>
+          </a:p>
+        </p:txBody>
+      </p:sp>
+      <p:sp>
+        <p:nvSpPr>
+          <p:cNvPr id="31" name="Oval 30"/>
+          <p:cNvSpPr/>
+          <p:nvPr/>
+        </p:nvSpPr>
+        <p:spPr>
+          <a:xfrm>
+            <a:off x="7717351" y="1294777"/>
+            <a:ext cx="316194" cy="316194"/>
+          </a:xfrm>
+          <a:prstGeom prst="ellipse">
+            <a:avLst/>
+          </a:prstGeom>
+          <a:noFill/>
+          <a:ln>
+            <a:solidFill>
+              <a:schemeClr val="bg1"/>
+            </a:solidFill>
+          </a:ln>
+        </p:spPr>
+        <p:style>
+          <a:lnRef idx="2">
+            <a:schemeClr val="accent1">
+              <a:shade val="50000"/>
+            </a:schemeClr>
+          </a:lnRef>
+          <a:fillRef idx="1">
+            <a:schemeClr val="accent1"/>
+          </a:fillRef>
+          <a:effectRef idx="0">
+            <a:schemeClr val="accent1"/>
+          </a:effectRef>
+          <a:fontRef idx="minor">
+            <a:schemeClr val="lt1"/>
+          </a:fontRef>
+        </p:style>
+        <p:txBody>
+          <a:bodyPr rtlCol="0" anchor="ctr"/>
+          <a:lstStyle/>
+          <a:p>
+            <a:pPr algn="ctr"/>
+            <a:endParaRPr lang="zh-CN" altLang="en-US"/>
+          </a:p>
+        </p:txBody>
+      </p:sp>
+      <p:sp>
+        <p:nvSpPr>
+          <p:cNvPr id="32" name="Oval 31"/>
+          <p:cNvSpPr/>
+          <p:nvPr/>
+        </p:nvSpPr>
+        <p:spPr>
+          <a:xfrm>
+            <a:off x="6164865" y="1379523"/>
+            <a:ext cx="316194" cy="316194"/>
+          </a:xfrm>
+          <a:prstGeom prst="ellipse">
+            <a:avLst/>
+          </a:prstGeom>
+          <a:noFill/>
+          <a:ln>
+            <a:solidFill>
+              <a:schemeClr val="bg1"/>
+            </a:solidFill>
+          </a:ln>
+        </p:spPr>
+        <p:style>
+          <a:lnRef idx="2">
+            <a:schemeClr val="accent1">
+              <a:shade val="50000"/>
+            </a:schemeClr>
+          </a:lnRef>
+          <a:fillRef idx="1">
+            <a:schemeClr val="accent1"/>
+          </a:fillRef>
+          <a:effectRef idx="0">
+            <a:schemeClr val="accent1"/>
+          </a:effectRef>
+          <a:fontRef idx="minor">
+            <a:schemeClr val="lt1"/>
+          </a:fontRef>
+        </p:style>
+        <p:txBody>
+          <a:bodyPr rtlCol="0" anchor="ctr"/>
+          <a:lstStyle/>
+          <a:p>
+            <a:pPr algn="ctr"/>
+            <a:endParaRPr lang="zh-CN" altLang="en-US"/>
+          </a:p>
+        </p:txBody>
+      </p:sp>
+      <p:sp>
+        <p:nvSpPr>
+          <p:cNvPr id="33" name="Oval 32"/>
+          <p:cNvSpPr/>
+          <p:nvPr/>
+        </p:nvSpPr>
+        <p:spPr>
+          <a:xfrm>
+            <a:off x="6468489" y="1814735"/>
+            <a:ext cx="316194" cy="316194"/>
+          </a:xfrm>
+          <a:prstGeom prst="ellipse">
+            <a:avLst/>
+          </a:prstGeom>
+          <a:noFill/>
+          <a:ln>
+            <a:solidFill>
+              <a:schemeClr val="bg1"/>
+            </a:solidFill>
+          </a:ln>
+        </p:spPr>
+        <p:style>
+          <a:lnRef idx="2">
+            <a:schemeClr val="accent1">
+              <a:shade val="50000"/>
+            </a:schemeClr>
+          </a:lnRef>
+          <a:fillRef idx="1">
+            <a:schemeClr val="accent1"/>
+          </a:fillRef>
+          <a:effectRef idx="0">
+            <a:schemeClr val="accent1"/>
+          </a:effectRef>
+          <a:fontRef idx="minor">
+            <a:schemeClr val="lt1"/>
+          </a:fontRef>
+        </p:style>
+        <p:txBody>
+          <a:bodyPr rtlCol="0" anchor="ctr"/>
+          <a:lstStyle/>
+          <a:p>
+            <a:pPr algn="ctr"/>
+            <a:endParaRPr lang="zh-CN" altLang="en-US"/>
+          </a:p>
+        </p:txBody>
+      </p:sp>
+      <p:sp>
+        <p:nvSpPr>
+          <p:cNvPr id="34" name="Oval 33"/>
+          <p:cNvSpPr/>
+          <p:nvPr/>
+        </p:nvSpPr>
+        <p:spPr>
+          <a:xfrm>
+            <a:off x="7456147" y="1814735"/>
+            <a:ext cx="316194" cy="316194"/>
+          </a:xfrm>
+          <a:prstGeom prst="ellipse">
+            <a:avLst/>
+          </a:prstGeom>
+          <a:noFill/>
+          <a:ln>
+            <a:solidFill>
+              <a:schemeClr val="bg1"/>
+            </a:solidFill>
+          </a:ln>
+        </p:spPr>
+        <p:style>
+          <a:lnRef idx="2">
+            <a:schemeClr val="accent1">
+              <a:shade val="50000"/>
+            </a:schemeClr>
+          </a:lnRef>
+          <a:fillRef idx="1">
+            <a:schemeClr val="accent1"/>
+          </a:fillRef>
+          <a:effectRef idx="0">
+            <a:schemeClr val="accent1"/>
+          </a:effectRef>
+          <a:fontRef idx="minor">
+            <a:schemeClr val="lt1"/>
+          </a:fontRef>
+        </p:style>
+        <p:txBody>
+          <a:bodyPr rtlCol="0" anchor="ctr"/>
+          <a:lstStyle/>
+          <a:p>
+            <a:pPr algn="ctr"/>
+            <a:endParaRPr lang="zh-CN" altLang="en-US"/>
+          </a:p>
+        </p:txBody>
+      </p:sp>
+      <p:sp>
+        <p:nvSpPr>
+          <p:cNvPr id="35" name="Oval 34"/>
+          <p:cNvSpPr/>
+          <p:nvPr/>
+        </p:nvSpPr>
+        <p:spPr>
+          <a:xfrm>
+            <a:off x="7531884" y="796532"/>
+            <a:ext cx="316194" cy="316194"/>
+          </a:xfrm>
+          <a:prstGeom prst="ellipse">
+            <a:avLst/>
+          </a:prstGeom>
+          <a:noFill/>
+          <a:ln>
+            <a:solidFill>
+              <a:schemeClr val="bg1"/>
+            </a:solidFill>
+          </a:ln>
+        </p:spPr>
+        <p:style>
+          <a:lnRef idx="2">
+            <a:schemeClr val="accent1">
+              <a:shade val="50000"/>
+            </a:schemeClr>
+          </a:lnRef>
+          <a:fillRef idx="1">
+            <a:schemeClr val="accent1"/>
+          </a:fillRef>
+          <a:effectRef idx="0">
+            <a:schemeClr val="accent1"/>
+          </a:effectRef>
+          <a:fontRef idx="minor">
+            <a:schemeClr val="lt1"/>
+          </a:fontRef>
+        </p:style>
+        <p:txBody>
+          <a:bodyPr rtlCol="0" anchor="ctr"/>
+          <a:lstStyle/>
+          <a:p>
+            <a:pPr algn="ctr"/>
+            <a:endParaRPr lang="zh-CN" altLang="en-US"/>
+          </a:p>
+        </p:txBody>
+      </p:sp>
+      <p:sp>
+        <p:nvSpPr>
+          <p:cNvPr id="36" name="Oval 35"/>
+          <p:cNvSpPr/>
+          <p:nvPr/>
+        </p:nvSpPr>
+        <p:spPr>
+          <a:xfrm>
+            <a:off x="6310392" y="766675"/>
+            <a:ext cx="316194" cy="316194"/>
+          </a:xfrm>
+          <a:prstGeom prst="ellipse">
+            <a:avLst/>
+          </a:prstGeom>
+          <a:noFill/>
+          <a:ln>
+            <a:solidFill>
+              <a:schemeClr val="bg1"/>
+            </a:solidFill>
+          </a:ln>
+        </p:spPr>
+        <p:style>
+          <a:lnRef idx="2">
+            <a:schemeClr val="accent1">
+              <a:shade val="50000"/>
+            </a:schemeClr>
+          </a:lnRef>
+          <a:fillRef idx="1">
+            <a:schemeClr val="accent1"/>
+          </a:fillRef>
+          <a:effectRef idx="0">
+            <a:schemeClr val="accent1"/>
+          </a:effectRef>
+          <a:fontRef idx="minor">
+            <a:schemeClr val="lt1"/>
+          </a:fontRef>
+        </p:style>
+        <p:txBody>
+          <a:bodyPr rtlCol="0" anchor="ctr"/>
+          <a:lstStyle/>
+          <a:p>
+            <a:pPr algn="ctr"/>
+            <a:endParaRPr lang="zh-CN" altLang="en-US"/>
+          </a:p>
+        </p:txBody>
+      </p:sp>
+      <p:cxnSp>
+        <p:nvCxnSpPr>
+          <p:cNvPr id="43" name="Straight Arrow Connector 42"/>
+          <p:cNvCxnSpPr>
+            <a:stCxn id="32" idx="6"/>
+            <a:endCxn id="28" idx="2"/>
+          </p:cNvCxnSpPr>
+          <p:nvPr/>
+        </p:nvCxnSpPr>
+        <p:spPr>
+          <a:xfrm flipV="1">
+            <a:off x="6481059" y="1452874"/>
+            <a:ext cx="374282" cy="84746"/>
+          </a:xfrm>
+          <a:prstGeom prst="straightConnector1">
+            <a:avLst/>
+          </a:prstGeom>
+          <a:ln>
+            <a:solidFill>
+              <a:schemeClr val="bg1"/>
+            </a:solidFill>
+            <a:headEnd type="triangle"/>
+            <a:tailEnd type="triangle"/>
+          </a:ln>
+        </p:spPr>
+        <p:style>
+          <a:lnRef idx="1">
+            <a:schemeClr val="accent1"/>
+          </a:lnRef>
+          <a:fillRef idx="0">
+            <a:schemeClr val="accent1"/>
+          </a:fillRef>
+          <a:effectRef idx="0">
+            <a:schemeClr val="accent1"/>
+          </a:effectRef>
+          <a:fontRef idx="minor">
+            <a:schemeClr val="tx1"/>
+          </a:fontRef>
+        </p:style>
+      </p:cxnSp>
+      <p:cxnSp>
+        <p:nvCxnSpPr>
+          <p:cNvPr id="44" name="Straight Arrow Connector 43"/>
+          <p:cNvCxnSpPr>
+            <a:endCxn id="28" idx="3"/>
+          </p:cNvCxnSpPr>
+          <p:nvPr/>
+        </p:nvCxnSpPr>
+        <p:spPr>
+          <a:xfrm flipV="1">
+            <a:off x="6783258" y="1624590"/>
+            <a:ext cx="143509" cy="270886"/>
+          </a:xfrm>
+          <a:prstGeom prst="straightConnector1">
+            <a:avLst/>
+          </a:prstGeom>
+          <a:ln>
+            <a:solidFill>
+              <a:schemeClr val="bg1"/>
+            </a:solidFill>
+            <a:headEnd type="triangle"/>
+            <a:tailEnd type="triangle"/>
+          </a:ln>
+        </p:spPr>
+        <p:style>
+          <a:lnRef idx="1">
+            <a:schemeClr val="accent1"/>
+          </a:lnRef>
+          <a:fillRef idx="0">
+            <a:schemeClr val="accent1"/>
+          </a:fillRef>
+          <a:effectRef idx="0">
+            <a:schemeClr val="accent1"/>
+          </a:effectRef>
+          <a:fontRef idx="minor">
+            <a:schemeClr val="tx1"/>
+          </a:fontRef>
+        </p:style>
+      </p:cxnSp>
+      <p:cxnSp>
+        <p:nvCxnSpPr>
+          <p:cNvPr id="46" name="Straight Arrow Connector 45"/>
+          <p:cNvCxnSpPr>
+            <a:endCxn id="28" idx="4"/>
+          </p:cNvCxnSpPr>
+          <p:nvPr/>
+        </p:nvCxnSpPr>
+        <p:spPr>
+          <a:xfrm flipH="1" flipV="1">
+            <a:off x="7099205" y="1695717"/>
+            <a:ext cx="21785" cy="368982"/>
+          </a:xfrm>
+          <a:prstGeom prst="straightConnector1">
+            <a:avLst/>
+          </a:prstGeom>
+          <a:ln>
+            <a:solidFill>
+              <a:schemeClr val="bg1"/>
+            </a:solidFill>
+            <a:headEnd type="triangle"/>
+            <a:tailEnd type="triangle"/>
+          </a:ln>
+        </p:spPr>
+        <p:style>
+          <a:lnRef idx="1">
+            <a:schemeClr val="accent1"/>
+          </a:lnRef>
+          <a:fillRef idx="0">
+            <a:schemeClr val="accent1"/>
+          </a:fillRef>
+          <a:effectRef idx="0">
+            <a:schemeClr val="accent1"/>
+          </a:effectRef>
+          <a:fontRef idx="minor">
+            <a:schemeClr val="tx1"/>
+          </a:fontRef>
+        </p:style>
+      </p:cxnSp>
+      <p:cxnSp>
+        <p:nvCxnSpPr>
+          <p:cNvPr id="48" name="Straight Arrow Connector 47"/>
+          <p:cNvCxnSpPr>
+            <a:stCxn id="34" idx="1"/>
+            <a:endCxn id="28" idx="5"/>
+          </p:cNvCxnSpPr>
+          <p:nvPr/>
+        </p:nvCxnSpPr>
+        <p:spPr>
+          <a:xfrm flipH="1" flipV="1">
+            <a:off x="7271643" y="1624590"/>
+            <a:ext cx="230810" cy="236451"/>
+          </a:xfrm>
+          <a:prstGeom prst="straightConnector1">
+            <a:avLst/>
+          </a:prstGeom>
+          <a:ln>
+            <a:solidFill>
+              <a:schemeClr val="bg1"/>
+            </a:solidFill>
+            <a:headEnd type="triangle"/>
+            <a:tailEnd type="triangle"/>
+          </a:ln>
+        </p:spPr>
+        <p:style>
+          <a:lnRef idx="1">
+            <a:schemeClr val="accent1"/>
+          </a:lnRef>
+          <a:fillRef idx="0">
+            <a:schemeClr val="accent1"/>
+          </a:fillRef>
+          <a:effectRef idx="0">
+            <a:schemeClr val="accent1"/>
+          </a:effectRef>
+          <a:fontRef idx="minor">
+            <a:schemeClr val="tx1"/>
+          </a:fontRef>
+        </p:style>
+      </p:cxnSp>
+      <p:cxnSp>
+        <p:nvCxnSpPr>
+          <p:cNvPr id="51" name="Straight Arrow Connector 50"/>
+          <p:cNvCxnSpPr>
+            <a:stCxn id="31" idx="2"/>
+          </p:cNvCxnSpPr>
+          <p:nvPr/>
+        </p:nvCxnSpPr>
+        <p:spPr>
+          <a:xfrm flipH="1" flipV="1">
+            <a:off x="7354331" y="1419395"/>
+            <a:ext cx="363020" cy="33479"/>
+          </a:xfrm>
+          <a:prstGeom prst="straightConnector1">
+            <a:avLst/>
+          </a:prstGeom>
+          <a:ln>
+            <a:solidFill>
+              <a:schemeClr val="bg1"/>
+            </a:solidFill>
+            <a:headEnd type="triangle"/>
+            <a:tailEnd type="triangle"/>
+          </a:ln>
+        </p:spPr>
+        <p:style>
+          <a:lnRef idx="1">
+            <a:schemeClr val="accent1"/>
+          </a:lnRef>
+          <a:fillRef idx="0">
+            <a:schemeClr val="accent1"/>
+          </a:fillRef>
+          <a:effectRef idx="0">
+            <a:schemeClr val="accent1"/>
+          </a:effectRef>
+          <a:fontRef idx="minor">
+            <a:schemeClr val="tx1"/>
+          </a:fontRef>
+        </p:style>
+      </p:cxnSp>
+      <p:cxnSp>
+        <p:nvCxnSpPr>
+          <p:cNvPr id="53" name="Straight Arrow Connector 52"/>
+          <p:cNvCxnSpPr>
+            <a:stCxn id="35" idx="3"/>
+            <a:endCxn id="28" idx="7"/>
+          </p:cNvCxnSpPr>
+          <p:nvPr/>
+        </p:nvCxnSpPr>
+        <p:spPr>
+          <a:xfrm flipH="1">
+            <a:off x="7271643" y="1066420"/>
+            <a:ext cx="306547" cy="214738"/>
+          </a:xfrm>
+          <a:prstGeom prst="straightConnector1">
+            <a:avLst/>
+          </a:prstGeom>
+          <a:ln>
+            <a:solidFill>
+              <a:schemeClr val="bg1"/>
+            </a:solidFill>
+            <a:headEnd type="triangle"/>
+            <a:tailEnd type="triangle"/>
+          </a:ln>
+        </p:spPr>
+        <p:style>
+          <a:lnRef idx="1">
+            <a:schemeClr val="accent1"/>
+          </a:lnRef>
+          <a:fillRef idx="0">
+            <a:schemeClr val="accent1"/>
+          </a:fillRef>
+          <a:effectRef idx="0">
+            <a:schemeClr val="accent1"/>
+          </a:effectRef>
+          <a:fontRef idx="minor">
+            <a:schemeClr val="tx1"/>
+          </a:fontRef>
+        </p:style>
+      </p:cxnSp>
+      <p:cxnSp>
+        <p:nvCxnSpPr>
+          <p:cNvPr id="57" name="Straight Arrow Connector 56"/>
+          <p:cNvCxnSpPr>
+            <a:stCxn id="28" idx="0"/>
+            <a:endCxn id="29" idx="4"/>
+          </p:cNvCxnSpPr>
+          <p:nvPr/>
+        </p:nvCxnSpPr>
+        <p:spPr>
+          <a:xfrm flipV="1">
+            <a:off x="7099205" y="870336"/>
+            <a:ext cx="0" cy="339695"/>
+          </a:xfrm>
+          <a:prstGeom prst="straightConnector1">
+            <a:avLst/>
+          </a:prstGeom>
+          <a:ln>
+            <a:solidFill>
+              <a:schemeClr val="bg1"/>
+            </a:solidFill>
+            <a:headEnd type="triangle"/>
+            <a:tailEnd type="triangle"/>
+          </a:ln>
+        </p:spPr>
+        <p:style>
+          <a:lnRef idx="1">
+            <a:schemeClr val="accent1"/>
+          </a:lnRef>
+          <a:fillRef idx="0">
+            <a:schemeClr val="accent1"/>
+          </a:fillRef>
+          <a:effectRef idx="0">
+            <a:schemeClr val="accent1"/>
+          </a:effectRef>
+          <a:fontRef idx="minor">
+            <a:schemeClr val="tx1"/>
+          </a:fontRef>
+        </p:style>
+      </p:cxnSp>
+      <p:cxnSp>
+        <p:nvCxnSpPr>
+          <p:cNvPr id="60" name="Straight Arrow Connector 59"/>
+          <p:cNvCxnSpPr>
+            <a:stCxn id="28" idx="1"/>
+            <a:endCxn id="36" idx="5"/>
+          </p:cNvCxnSpPr>
+          <p:nvPr/>
+        </p:nvCxnSpPr>
+        <p:spPr>
+          <a:xfrm flipH="1" flipV="1">
+            <a:off x="6580280" y="1036563"/>
+            <a:ext cx="346487" cy="244595"/>
+          </a:xfrm>
+          <a:prstGeom prst="straightConnector1">
+            <a:avLst/>
+          </a:prstGeom>
+          <a:ln>
+            <a:solidFill>
+              <a:schemeClr val="bg1"/>
+            </a:solidFill>
+            <a:headEnd type="triangle"/>
+            <a:tailEnd type="triangle"/>
+          </a:ln>
+        </p:spPr>
+        <p:style>
+          <a:lnRef idx="1">
+            <a:schemeClr val="accent1"/>
+          </a:lnRef>
+          <a:fillRef idx="0">
+            <a:schemeClr val="accent1"/>
+          </a:fillRef>
+          <a:effectRef idx="0">
+            <a:schemeClr val="accent1"/>
+          </a:effectRef>
+          <a:fontRef idx="minor">
+            <a:schemeClr val="tx1"/>
+          </a:fontRef>
+        </p:style>
+      </p:cxnSp>
+      <p:sp>
+        <p:nvSpPr>
+          <p:cNvPr id="64" name="Oval 63"/>
+          <p:cNvSpPr/>
+          <p:nvPr/>
+        </p:nvSpPr>
+        <p:spPr>
+          <a:xfrm>
+            <a:off x="2324146" y="5091280"/>
+            <a:ext cx="487728" cy="485686"/>
+          </a:xfrm>
+          <a:prstGeom prst="ellipse">
+            <a:avLst/>
+          </a:prstGeom>
+          <a:noFill/>
+          <a:ln>
+            <a:solidFill>
+              <a:schemeClr val="bg1"/>
+            </a:solidFill>
+          </a:ln>
+        </p:spPr>
+        <p:style>
+          <a:lnRef idx="2">
+            <a:schemeClr val="accent1">
+              <a:shade val="50000"/>
+            </a:schemeClr>
+          </a:lnRef>
+          <a:fillRef idx="1">
+            <a:schemeClr val="accent1"/>
+          </a:fillRef>
+          <a:effectRef idx="0">
+            <a:schemeClr val="accent1"/>
+          </a:effectRef>
+          <a:fontRef idx="minor">
+            <a:schemeClr val="lt1"/>
+          </a:fontRef>
+        </p:style>
+        <p:txBody>
+          <a:bodyPr rtlCol="0" anchor="ctr"/>
+          <a:lstStyle/>
+          <a:p>
+            <a:pPr algn="ctr"/>
+            <a:endParaRPr lang="zh-CN" altLang="en-US"/>
+          </a:p>
+        </p:txBody>
+      </p:sp>
+      <p:sp>
+        <p:nvSpPr>
+          <p:cNvPr id="65" name="Oval 64"/>
+          <p:cNvSpPr/>
+          <p:nvPr/>
+        </p:nvSpPr>
+        <p:spPr>
+          <a:xfrm>
+            <a:off x="3222395" y="4599275"/>
+            <a:ext cx="316194" cy="316194"/>
+          </a:xfrm>
+          <a:prstGeom prst="ellipse">
+            <a:avLst/>
+          </a:prstGeom>
+          <a:noFill/>
+          <a:ln>
+            <a:solidFill>
+              <a:schemeClr val="bg1"/>
+            </a:solidFill>
+          </a:ln>
+        </p:spPr>
+        <p:style>
+          <a:lnRef idx="2">
+            <a:schemeClr val="accent1">
+              <a:shade val="50000"/>
+            </a:schemeClr>
+          </a:lnRef>
+          <a:fillRef idx="1">
+            <a:schemeClr val="accent1"/>
+          </a:fillRef>
+          <a:effectRef idx="0">
+            <a:schemeClr val="accent1"/>
+          </a:effectRef>
+          <a:fontRef idx="minor">
+            <a:schemeClr val="lt1"/>
+          </a:fontRef>
+        </p:style>
+        <p:txBody>
+          <a:bodyPr rtlCol="0" anchor="ctr"/>
+          <a:lstStyle/>
+          <a:p>
+            <a:pPr algn="ctr"/>
+            <a:endParaRPr lang="zh-CN" altLang="en-US"/>
+          </a:p>
+        </p:txBody>
+      </p:sp>
+      <p:sp>
+        <p:nvSpPr>
+          <p:cNvPr id="66" name="Oval 65"/>
+          <p:cNvSpPr/>
+          <p:nvPr/>
+        </p:nvSpPr>
+        <p:spPr>
+          <a:xfrm>
+            <a:off x="3222395" y="5618425"/>
+            <a:ext cx="316194" cy="316194"/>
+          </a:xfrm>
+          <a:prstGeom prst="ellipse">
+            <a:avLst/>
+          </a:prstGeom>
+          <a:noFill/>
+          <a:ln>
+            <a:solidFill>
+              <a:schemeClr val="bg1"/>
+            </a:solidFill>
+          </a:ln>
+        </p:spPr>
+        <p:style>
+          <a:lnRef idx="2">
+            <a:schemeClr val="accent1">
+              <a:shade val="50000"/>
+            </a:schemeClr>
+          </a:lnRef>
+          <a:fillRef idx="1">
+            <a:schemeClr val="accent1"/>
+          </a:fillRef>
+          <a:effectRef idx="0">
+            <a:schemeClr val="accent1"/>
+          </a:effectRef>
+          <a:fontRef idx="minor">
+            <a:schemeClr val="lt1"/>
+          </a:fontRef>
+        </p:style>
+        <p:txBody>
+          <a:bodyPr rtlCol="0" anchor="ctr"/>
+          <a:lstStyle/>
+          <a:p>
+            <a:pPr algn="ctr"/>
+            <a:endParaRPr lang="zh-CN" altLang="en-US"/>
+          </a:p>
+        </p:txBody>
+      </p:sp>
+      <p:sp>
+        <p:nvSpPr>
+          <p:cNvPr id="67" name="Oval 66"/>
+          <p:cNvSpPr/>
+          <p:nvPr/>
+        </p:nvSpPr>
+        <p:spPr>
+          <a:xfrm>
+            <a:off x="3967311" y="4177605"/>
+            <a:ext cx="316194" cy="316194"/>
+          </a:xfrm>
+          <a:prstGeom prst="ellipse">
+            <a:avLst/>
+          </a:prstGeom>
+          <a:noFill/>
+          <a:ln>
+            <a:solidFill>
+              <a:schemeClr val="bg1"/>
+            </a:solidFill>
+          </a:ln>
+        </p:spPr>
+        <p:style>
+          <a:lnRef idx="2">
+            <a:schemeClr val="accent1">
+              <a:shade val="50000"/>
+            </a:schemeClr>
+          </a:lnRef>
+          <a:fillRef idx="1">
+            <a:schemeClr val="accent1"/>
+          </a:fillRef>
+          <a:effectRef idx="0">
+            <a:schemeClr val="accent1"/>
+          </a:effectRef>
+          <a:fontRef idx="minor">
+            <a:schemeClr val="lt1"/>
+          </a:fontRef>
+        </p:style>
+        <p:txBody>
+          <a:bodyPr rtlCol="0" anchor="ctr"/>
+          <a:lstStyle/>
+          <a:p>
+            <a:pPr algn="ctr"/>
+            <a:endParaRPr lang="zh-CN" altLang="en-US"/>
+          </a:p>
+        </p:txBody>
+      </p:sp>
+      <p:sp>
+        <p:nvSpPr>
+          <p:cNvPr id="68" name="Oval 67"/>
+          <p:cNvSpPr/>
+          <p:nvPr/>
+        </p:nvSpPr>
+        <p:spPr>
+          <a:xfrm>
+            <a:off x="3943885" y="4775086"/>
+            <a:ext cx="316194" cy="316194"/>
+          </a:xfrm>
+          <a:prstGeom prst="ellipse">
+            <a:avLst/>
+          </a:prstGeom>
+          <a:noFill/>
+          <a:ln>
+            <a:solidFill>
+              <a:schemeClr val="bg1"/>
+            </a:solidFill>
+          </a:ln>
+        </p:spPr>
+        <p:style>
+          <a:lnRef idx="2">
+            <a:schemeClr val="accent1">
+              <a:shade val="50000"/>
+            </a:schemeClr>
+          </a:lnRef>
+          <a:fillRef idx="1">
+            <a:schemeClr val="accent1"/>
+          </a:fillRef>
+          <a:effectRef idx="0">
+            <a:schemeClr val="accent1"/>
+          </a:effectRef>
+          <a:fontRef idx="minor">
+            <a:schemeClr val="lt1"/>
+          </a:fontRef>
+        </p:style>
+        <p:txBody>
+          <a:bodyPr rtlCol="0" anchor="ctr"/>
+          <a:lstStyle/>
+          <a:p>
+            <a:pPr algn="ctr"/>
+            <a:endParaRPr lang="zh-CN" altLang="en-US"/>
+          </a:p>
+        </p:txBody>
+      </p:sp>
+      <p:sp>
+        <p:nvSpPr>
+          <p:cNvPr id="69" name="Oval 68"/>
+          <p:cNvSpPr/>
+          <p:nvPr/>
+        </p:nvSpPr>
+        <p:spPr>
+          <a:xfrm>
+            <a:off x="3932812" y="5372566"/>
+            <a:ext cx="316194" cy="316194"/>
+          </a:xfrm>
+          <a:prstGeom prst="ellipse">
+            <a:avLst/>
+          </a:prstGeom>
+          <a:noFill/>
+          <a:ln>
+            <a:solidFill>
+              <a:schemeClr val="bg1"/>
+            </a:solidFill>
+          </a:ln>
+        </p:spPr>
+        <p:style>
+          <a:lnRef idx="2">
+            <a:schemeClr val="accent1">
+              <a:shade val="50000"/>
+            </a:schemeClr>
+          </a:lnRef>
+          <a:fillRef idx="1">
+            <a:schemeClr val="accent1"/>
+          </a:fillRef>
+          <a:effectRef idx="0">
+            <a:schemeClr val="accent1"/>
+          </a:effectRef>
+          <a:fontRef idx="minor">
+            <a:schemeClr val="lt1"/>
+          </a:fontRef>
+        </p:style>
+        <p:txBody>
+          <a:bodyPr rtlCol="0" anchor="ctr"/>
+          <a:lstStyle/>
+          <a:p>
+            <a:pPr algn="ctr"/>
+            <a:endParaRPr lang="zh-CN" altLang="en-US"/>
+          </a:p>
+        </p:txBody>
+      </p:sp>
+      <p:sp>
+        <p:nvSpPr>
+          <p:cNvPr id="70" name="Oval 69"/>
+          <p:cNvSpPr/>
+          <p:nvPr/>
+        </p:nvSpPr>
+        <p:spPr>
+          <a:xfrm>
+            <a:off x="3909386" y="5970047"/>
+            <a:ext cx="316194" cy="316194"/>
+          </a:xfrm>
+          <a:prstGeom prst="ellipse">
+            <a:avLst/>
+          </a:prstGeom>
+          <a:noFill/>
+          <a:ln>
+            <a:solidFill>
+              <a:schemeClr val="bg1"/>
+            </a:solidFill>
+          </a:ln>
+        </p:spPr>
+        <p:style>
+          <a:lnRef idx="2">
+            <a:schemeClr val="accent1">
+              <a:shade val="50000"/>
+            </a:schemeClr>
+          </a:lnRef>
+          <a:fillRef idx="1">
+            <a:schemeClr val="accent1"/>
+          </a:fillRef>
+          <a:effectRef idx="0">
+            <a:schemeClr val="accent1"/>
+          </a:effectRef>
+          <a:fontRef idx="minor">
+            <a:schemeClr val="lt1"/>
+          </a:fontRef>
+        </p:style>
+        <p:txBody>
+          <a:bodyPr rtlCol="0" anchor="ctr"/>
+          <a:lstStyle/>
+          <a:p>
+            <a:pPr algn="ctr"/>
+            <a:endParaRPr lang="zh-CN" altLang="en-US"/>
+          </a:p>
+        </p:txBody>
+      </p:sp>
+      <p:cxnSp>
+        <p:nvCxnSpPr>
+          <p:cNvPr id="72" name="Straight Arrow Connector 71"/>
+          <p:cNvCxnSpPr>
+            <a:stCxn id="64" idx="6"/>
+            <a:endCxn id="65" idx="3"/>
+          </p:cNvCxnSpPr>
+          <p:nvPr/>
+        </p:nvCxnSpPr>
+        <p:spPr>
+          <a:xfrm flipV="1">
+            <a:off x="2811874" y="4869163"/>
+            <a:ext cx="456827" cy="464960"/>
+          </a:xfrm>
+          <a:prstGeom prst="straightConnector1">
+            <a:avLst/>
+          </a:prstGeom>
+          <a:ln>
+            <a:solidFill>
+              <a:schemeClr val="bg1"/>
+            </a:solidFill>
+            <a:tailEnd type="triangle"/>
+          </a:ln>
+        </p:spPr>
+        <p:style>
+          <a:lnRef idx="1">
+            <a:schemeClr val="accent1"/>
+          </a:lnRef>
+          <a:fillRef idx="0">
+            <a:schemeClr val="accent1"/>
+          </a:fillRef>
+          <a:effectRef idx="0">
+            <a:schemeClr val="accent1"/>
+          </a:effectRef>
+          <a:fontRef idx="minor">
+            <a:schemeClr val="tx1"/>
+          </a:fontRef>
+        </p:style>
+      </p:cxnSp>
+      <p:cxnSp>
+        <p:nvCxnSpPr>
+          <p:cNvPr id="74" name="Straight Arrow Connector 73"/>
+          <p:cNvCxnSpPr>
+            <a:stCxn id="64" idx="6"/>
+            <a:endCxn id="66" idx="1"/>
+          </p:cNvCxnSpPr>
+          <p:nvPr/>
+        </p:nvCxnSpPr>
+        <p:spPr>
+          <a:xfrm>
+            <a:off x="2811874" y="5334123"/>
+            <a:ext cx="456827" cy="330608"/>
+          </a:xfrm>
+          <a:prstGeom prst="straightConnector1">
+            <a:avLst/>
+          </a:prstGeom>
+          <a:ln>
+            <a:solidFill>
+              <a:schemeClr val="bg1"/>
+            </a:solidFill>
+            <a:tailEnd type="triangle"/>
+          </a:ln>
+        </p:spPr>
+        <p:style>
+          <a:lnRef idx="1">
+            <a:schemeClr val="accent1"/>
+          </a:lnRef>
+          <a:fillRef idx="0">
+            <a:schemeClr val="accent1"/>
+          </a:fillRef>
+          <a:effectRef idx="0">
+            <a:schemeClr val="accent1"/>
+          </a:effectRef>
+          <a:fontRef idx="minor">
+            <a:schemeClr val="tx1"/>
+          </a:fontRef>
+        </p:style>
+      </p:cxnSp>
+      <p:cxnSp>
+        <p:nvCxnSpPr>
+          <p:cNvPr id="76" name="Straight Arrow Connector 75"/>
+          <p:cNvCxnSpPr>
+            <a:stCxn id="65" idx="7"/>
+            <a:endCxn id="67" idx="2"/>
+          </p:cNvCxnSpPr>
+          <p:nvPr/>
+        </p:nvCxnSpPr>
+        <p:spPr>
+          <a:xfrm flipV="1">
+            <a:off x="3492283" y="4335702"/>
+            <a:ext cx="475028" cy="309879"/>
+          </a:xfrm>
+          <a:prstGeom prst="straightConnector1">
+            <a:avLst/>
+          </a:prstGeom>
+          <a:ln>
+            <a:solidFill>
+              <a:schemeClr val="bg1"/>
+            </a:solidFill>
+            <a:tailEnd type="triangle"/>
+          </a:ln>
+        </p:spPr>
+        <p:style>
+          <a:lnRef idx="1">
+            <a:schemeClr val="accent1"/>
+          </a:lnRef>
+          <a:fillRef idx="0">
+            <a:schemeClr val="accent1"/>
+          </a:fillRef>
+          <a:effectRef idx="0">
+            <a:schemeClr val="accent1"/>
+          </a:effectRef>
+          <a:fontRef idx="minor">
+            <a:schemeClr val="tx1"/>
+          </a:fontRef>
+        </p:style>
+      </p:cxnSp>
+      <p:cxnSp>
+        <p:nvCxnSpPr>
+          <p:cNvPr id="79" name="Straight Arrow Connector 78"/>
+          <p:cNvCxnSpPr>
+            <a:stCxn id="65" idx="6"/>
+            <a:endCxn id="68" idx="2"/>
+          </p:cNvCxnSpPr>
+          <p:nvPr/>
+        </p:nvCxnSpPr>
+        <p:spPr>
+          <a:xfrm>
+            <a:off x="3538589" y="4757372"/>
+            <a:ext cx="405296" cy="175811"/>
+          </a:xfrm>
+          <a:prstGeom prst="straightConnector1">
+            <a:avLst/>
+          </a:prstGeom>
+          <a:ln>
+            <a:solidFill>
+              <a:schemeClr val="bg1"/>
+            </a:solidFill>
+            <a:tailEnd type="triangle"/>
+          </a:ln>
+        </p:spPr>
+        <p:style>
+          <a:lnRef idx="1">
+            <a:schemeClr val="accent1"/>
+          </a:lnRef>
+          <a:fillRef idx="0">
+            <a:schemeClr val="accent1"/>
+          </a:fillRef>
+          <a:effectRef idx="0">
+            <a:schemeClr val="accent1"/>
+          </a:effectRef>
+          <a:fontRef idx="minor">
+            <a:schemeClr val="tx1"/>
+          </a:fontRef>
+        </p:style>
+      </p:cxnSp>
+      <p:cxnSp>
+        <p:nvCxnSpPr>
+          <p:cNvPr id="81" name="Straight Arrow Connector 80"/>
+          <p:cNvCxnSpPr>
+            <a:stCxn id="66" idx="6"/>
+            <a:endCxn id="69" idx="3"/>
+          </p:cNvCxnSpPr>
+          <p:nvPr/>
+        </p:nvCxnSpPr>
+        <p:spPr>
+          <a:xfrm flipV="1">
+            <a:off x="3538589" y="5642454"/>
+            <a:ext cx="440529" cy="134068"/>
+          </a:xfrm>
+          <a:prstGeom prst="straightConnector1">
+            <a:avLst/>
+          </a:prstGeom>
+          <a:ln>
+            <a:solidFill>
+              <a:schemeClr val="bg1"/>
+            </a:solidFill>
+            <a:tailEnd type="triangle"/>
+          </a:ln>
+        </p:spPr>
+        <p:style>
+          <a:lnRef idx="1">
+            <a:schemeClr val="accent1"/>
+          </a:lnRef>
+          <a:fillRef idx="0">
+            <a:schemeClr val="accent1"/>
+          </a:fillRef>
+          <a:effectRef idx="0">
+            <a:schemeClr val="accent1"/>
+          </a:effectRef>
+          <a:fontRef idx="minor">
+            <a:schemeClr val="tx1"/>
+          </a:fontRef>
+        </p:style>
+      </p:cxnSp>
+      <p:cxnSp>
+        <p:nvCxnSpPr>
+          <p:cNvPr id="83" name="Straight Arrow Connector 82"/>
+          <p:cNvCxnSpPr>
+            <a:stCxn id="66" idx="5"/>
+            <a:endCxn id="70" idx="2"/>
+          </p:cNvCxnSpPr>
+          <p:nvPr/>
+        </p:nvCxnSpPr>
+        <p:spPr>
+          <a:xfrm>
+            <a:off x="3492283" y="5888313"/>
+            <a:ext cx="417103" cy="239831"/>
+          </a:xfrm>
+          <a:prstGeom prst="straightConnector1">
+            <a:avLst/>
+          </a:prstGeom>
+          <a:ln>
+            <a:solidFill>
+              <a:schemeClr val="bg1"/>
+            </a:solidFill>
+            <a:tailEnd type="triangle"/>
+          </a:ln>
+        </p:spPr>
+        <p:style>
+          <a:lnRef idx="1">
+            <a:schemeClr val="accent1"/>
+          </a:lnRef>
+          <a:fillRef idx="0">
+            <a:schemeClr val="accent1"/>
+          </a:fillRef>
+          <a:effectRef idx="0">
+            <a:schemeClr val="accent1"/>
+          </a:effectRef>
+          <a:fontRef idx="minor">
+            <a:schemeClr val="tx1"/>
+          </a:fontRef>
+        </p:style>
+      </p:cxnSp>
+      <p:grpSp>
+        <p:nvGrpSpPr>
+          <p:cNvPr id="84" name="Group 83"/>
+          <p:cNvGrpSpPr/>
+          <p:nvPr/>
+        </p:nvGrpSpPr>
+        <p:grpSpPr>
+          <a:xfrm>
+            <a:off x="9104323" y="1305547"/>
+            <a:ext cx="701386" cy="316194"/>
+            <a:chOff x="2521009" y="1136591"/>
+            <a:chExt cx="701386" cy="316194"/>
+          </a:xfrm>
+        </p:grpSpPr>
+        <p:sp>
+          <p:nvSpPr>
+            <p:cNvPr id="85" name="Oval 84"/>
+            <p:cNvSpPr/>
+            <p:nvPr/>
+          </p:nvSpPr>
+          <p:spPr>
+            <a:xfrm>
+              <a:off x="2521009" y="1136591"/>
+              <a:ext cx="316194" cy="316194"/>
+            </a:xfrm>
+            <a:prstGeom prst="ellipse">
+              <a:avLst/>
+            </a:prstGeom>
+            <a:noFill/>
+            <a:ln>
+              <a:solidFill>
+                <a:schemeClr val="bg1"/>
+              </a:solidFill>
+            </a:ln>
+          </p:spPr>
+          <p:style>
+            <a:lnRef idx="2">
+              <a:schemeClr val="accent1">
+                <a:shade val="50000"/>
+              </a:schemeClr>
+            </a:lnRef>
+            <a:fillRef idx="1">
+              <a:schemeClr val="accent1"/>
+            </a:fillRef>
+            <a:effectRef idx="0">
+              <a:schemeClr val="accent1"/>
+            </a:effectRef>
+            <a:fontRef idx="minor">
+              <a:schemeClr val="lt1"/>
+            </a:fontRef>
+          </p:style>
+          <p:txBody>
+            <a:bodyPr rtlCol="0" anchor="ctr"/>
+            <a:lstStyle/>
+            <a:p>
+              <a:pPr algn="ctr"/>
+              <a:endParaRPr lang="zh-CN" altLang="en-US"/>
+            </a:p>
+          </p:txBody>
+        </p:sp>
+        <p:cxnSp>
+          <p:nvCxnSpPr>
+            <p:cNvPr id="86" name="Straight Arrow Connector 85"/>
+            <p:cNvCxnSpPr>
+              <a:stCxn id="85" idx="6"/>
+            </p:cNvCxnSpPr>
+            <p:nvPr/>
+          </p:nvCxnSpPr>
+          <p:spPr>
+            <a:xfrm>
+              <a:off x="2837203" y="1294688"/>
+              <a:ext cx="385192" cy="4273"/>
+            </a:xfrm>
+            <a:prstGeom prst="straightConnector1">
+              <a:avLst/>
+            </a:prstGeom>
+            <a:ln>
+              <a:solidFill>
+                <a:schemeClr val="bg1"/>
+              </a:solidFill>
+              <a:tailEnd type="triangle"/>
+            </a:ln>
+          </p:spPr>
+          <p:style>
+            <a:lnRef idx="1">
+              <a:schemeClr val="accent1"/>
+            </a:lnRef>
+            <a:fillRef idx="0">
+              <a:schemeClr val="accent1"/>
+            </a:fillRef>
+            <a:effectRef idx="0">
+              <a:schemeClr val="accent1"/>
+            </a:effectRef>
+            <a:fontRef idx="minor">
+              <a:schemeClr val="tx1"/>
+            </a:fontRef>
+          </p:style>
+        </p:cxnSp>
+      </p:grpSp>
+      <p:grpSp>
+        <p:nvGrpSpPr>
+          <p:cNvPr id="87" name="Group 86"/>
+          <p:cNvGrpSpPr/>
+          <p:nvPr/>
+        </p:nvGrpSpPr>
+        <p:grpSpPr>
+          <a:xfrm>
+            <a:off x="9786724" y="1305547"/>
+            <a:ext cx="701386" cy="316194"/>
+            <a:chOff x="2521009" y="1136591"/>
+            <a:chExt cx="701386" cy="316194"/>
+          </a:xfrm>
+        </p:grpSpPr>
+        <p:sp>
+          <p:nvSpPr>
+            <p:cNvPr id="88" name="Oval 87"/>
+            <p:cNvSpPr/>
+            <p:nvPr/>
+          </p:nvSpPr>
+          <p:spPr>
+            <a:xfrm>
+              <a:off x="2521009" y="1136591"/>
+              <a:ext cx="316194" cy="316194"/>
+            </a:xfrm>
+            <a:prstGeom prst="ellipse">
+              <a:avLst/>
+            </a:prstGeom>
+            <a:noFill/>
+            <a:ln>
+              <a:solidFill>
+                <a:schemeClr val="bg1"/>
+              </a:solidFill>
+            </a:ln>
+          </p:spPr>
+          <p:style>
+            <a:lnRef idx="2">
+              <a:schemeClr val="accent1">
+                <a:shade val="50000"/>
+              </a:schemeClr>
+            </a:lnRef>
+            <a:fillRef idx="1">
+              <a:schemeClr val="accent1"/>
+            </a:fillRef>
+            <a:effectRef idx="0">
+              <a:schemeClr val="accent1"/>
+            </a:effectRef>
+            <a:fontRef idx="minor">
+              <a:schemeClr val="lt1"/>
+            </a:fontRef>
+          </p:style>
+          <p:txBody>
+            <a:bodyPr rtlCol="0" anchor="ctr"/>
+            <a:lstStyle/>
+            <a:p>
+              <a:pPr algn="ctr"/>
+              <a:endParaRPr lang="zh-CN" altLang="en-US"/>
+            </a:p>
+          </p:txBody>
+        </p:sp>
+        <p:cxnSp>
+          <p:nvCxnSpPr>
+            <p:cNvPr id="89" name="Straight Arrow Connector 88"/>
+            <p:cNvCxnSpPr>
+              <a:stCxn id="88" idx="6"/>
+            </p:cNvCxnSpPr>
+            <p:nvPr/>
+          </p:nvCxnSpPr>
+          <p:spPr>
+            <a:xfrm>
+              <a:off x="2837203" y="1294688"/>
+              <a:ext cx="385192" cy="4273"/>
+            </a:xfrm>
+            <a:prstGeom prst="straightConnector1">
+              <a:avLst/>
+            </a:prstGeom>
+            <a:ln>
+              <a:solidFill>
+                <a:schemeClr val="bg1"/>
+              </a:solidFill>
+              <a:tailEnd type="triangle"/>
+            </a:ln>
+          </p:spPr>
+          <p:style>
+            <a:lnRef idx="1">
+              <a:schemeClr val="accent1"/>
+            </a:lnRef>
+            <a:fillRef idx="0">
+              <a:schemeClr val="accent1"/>
+            </a:fillRef>
+            <a:effectRef idx="0">
+              <a:schemeClr val="accent1"/>
+            </a:effectRef>
+            <a:fontRef idx="minor">
+              <a:schemeClr val="tx1"/>
+            </a:fontRef>
+          </p:style>
+        </p:cxnSp>
+      </p:grpSp>
+      <p:grpSp>
+        <p:nvGrpSpPr>
+          <p:cNvPr id="90" name="Group 89"/>
+          <p:cNvGrpSpPr/>
+          <p:nvPr/>
+        </p:nvGrpSpPr>
+        <p:grpSpPr>
+          <a:xfrm>
+            <a:off x="10469125" y="1305547"/>
+            <a:ext cx="701386" cy="316194"/>
+            <a:chOff x="2521009" y="1136591"/>
+            <a:chExt cx="701386" cy="316194"/>
+          </a:xfrm>
+        </p:grpSpPr>
+        <p:sp>
+          <p:nvSpPr>
+            <p:cNvPr id="91" name="Oval 90"/>
+            <p:cNvSpPr/>
+            <p:nvPr/>
+          </p:nvSpPr>
+          <p:spPr>
+            <a:xfrm>
+              <a:off x="2521009" y="1136591"/>
+              <a:ext cx="316194" cy="316194"/>
+            </a:xfrm>
+            <a:prstGeom prst="ellipse">
+              <a:avLst/>
+            </a:prstGeom>
+            <a:noFill/>
+            <a:ln>
+              <a:solidFill>
+                <a:schemeClr val="bg1"/>
+              </a:solidFill>
+            </a:ln>
+          </p:spPr>
+          <p:style>
+            <a:lnRef idx="2">
+              <a:schemeClr val="accent1">
+                <a:shade val="50000"/>
+              </a:schemeClr>
+            </a:lnRef>
+            <a:fillRef idx="1">
+              <a:schemeClr val="accent1"/>
+            </a:fillRef>
+            <a:effectRef idx="0">
+              <a:schemeClr val="accent1"/>
+            </a:effectRef>
+            <a:fontRef idx="minor">
+              <a:schemeClr val="lt1"/>
+            </a:fontRef>
+          </p:style>
+          <p:txBody>
+            <a:bodyPr rtlCol="0" anchor="ctr"/>
+            <a:lstStyle/>
+            <a:p>
+              <a:pPr algn="ctr"/>
+              <a:endParaRPr lang="zh-CN" altLang="en-US"/>
+            </a:p>
+          </p:txBody>
+        </p:sp>
+        <p:cxnSp>
+          <p:nvCxnSpPr>
+            <p:cNvPr id="92" name="Straight Arrow Connector 91"/>
+            <p:cNvCxnSpPr>
+              <a:stCxn id="91" idx="6"/>
+            </p:cNvCxnSpPr>
+            <p:nvPr/>
+          </p:nvCxnSpPr>
+          <p:spPr>
+            <a:xfrm>
+              <a:off x="2837203" y="1294688"/>
+              <a:ext cx="385192" cy="4273"/>
+            </a:xfrm>
+            <a:prstGeom prst="straightConnector1">
+              <a:avLst/>
+            </a:prstGeom>
+            <a:ln>
+              <a:solidFill>
+                <a:schemeClr val="bg1"/>
+              </a:solidFill>
+              <a:tailEnd type="triangle"/>
+            </a:ln>
+          </p:spPr>
+          <p:style>
+            <a:lnRef idx="1">
+              <a:schemeClr val="accent1"/>
+            </a:lnRef>
+            <a:fillRef idx="0">
+              <a:schemeClr val="accent1"/>
+            </a:fillRef>
+            <a:effectRef idx="0">
+              <a:schemeClr val="accent1"/>
+            </a:effectRef>
+            <a:fontRef idx="minor">
+              <a:schemeClr val="tx1"/>
+            </a:fontRef>
+          </p:style>
+        </p:cxnSp>
+      </p:grpSp>
+      <p:sp>
+        <p:nvSpPr>
+          <p:cNvPr id="93" name="Oval 92"/>
+          <p:cNvSpPr/>
+          <p:nvPr/>
+        </p:nvSpPr>
+        <p:spPr>
+          <a:xfrm>
+            <a:off x="11156122" y="1308396"/>
+            <a:ext cx="316194" cy="316194"/>
+          </a:xfrm>
+          <a:prstGeom prst="ellipse">
+            <a:avLst/>
+          </a:prstGeom>
+          <a:noFill/>
+          <a:ln>
+            <a:solidFill>
+              <a:schemeClr val="bg1"/>
+            </a:solidFill>
+          </a:ln>
+        </p:spPr>
+        <p:style>
+          <a:lnRef idx="2">
+            <a:schemeClr val="accent1">
+              <a:shade val="50000"/>
+            </a:schemeClr>
+          </a:lnRef>
+          <a:fillRef idx="1">
+            <a:schemeClr val="accent1"/>
+          </a:fillRef>
+          <a:effectRef idx="0">
+            <a:schemeClr val="accent1"/>
+          </a:effectRef>
+          <a:fontRef idx="minor">
+            <a:schemeClr val="lt1"/>
+          </a:fontRef>
+        </p:style>
+        <p:txBody>
+          <a:bodyPr rtlCol="0" anchor="ctr"/>
+          <a:lstStyle/>
+          <a:p>
+            <a:pPr algn="ctr"/>
+            <a:endParaRPr lang="zh-CN" altLang="en-US"/>
+          </a:p>
+        </p:txBody>
+      </p:sp>
+      <p:sp>
+        <p:nvSpPr>
+          <p:cNvPr id="94" name="Oval 93"/>
+          <p:cNvSpPr/>
+          <p:nvPr/>
+        </p:nvSpPr>
+        <p:spPr>
+          <a:xfrm>
+            <a:off x="9482164" y="750226"/>
+            <a:ext cx="316194" cy="316194"/>
+          </a:xfrm>
+          <a:prstGeom prst="ellipse">
+            <a:avLst/>
+          </a:prstGeom>
+          <a:noFill/>
+          <a:ln>
+            <a:solidFill>
+              <a:schemeClr val="bg1"/>
+            </a:solidFill>
+          </a:ln>
+        </p:spPr>
+        <p:style>
+          <a:lnRef idx="2">
+            <a:schemeClr val="accent1">
+              <a:shade val="50000"/>
+            </a:schemeClr>
+          </a:lnRef>
+          <a:fillRef idx="1">
+            <a:schemeClr val="accent1"/>
+          </a:fillRef>
+          <a:effectRef idx="0">
+            <a:schemeClr val="accent1"/>
+          </a:effectRef>
+          <a:fontRef idx="minor">
+            <a:schemeClr val="lt1"/>
+          </a:fontRef>
+        </p:style>
+        <p:txBody>
+          <a:bodyPr rtlCol="0" anchor="ctr"/>
+          <a:lstStyle/>
+          <a:p>
+            <a:pPr algn="ctr"/>
+            <a:endParaRPr lang="zh-CN" altLang="en-US"/>
+          </a:p>
+        </p:txBody>
+      </p:sp>
+      <p:sp>
+        <p:nvSpPr>
+          <p:cNvPr id="95" name="Oval 94"/>
+          <p:cNvSpPr/>
+          <p:nvPr/>
+        </p:nvSpPr>
+        <p:spPr>
+          <a:xfrm>
+            <a:off x="10108034" y="742811"/>
+            <a:ext cx="316194" cy="316194"/>
+          </a:xfrm>
+          <a:prstGeom prst="ellipse">
+            <a:avLst/>
+          </a:prstGeom>
+          <a:noFill/>
+          <a:ln>
+            <a:solidFill>
+              <a:schemeClr val="bg1"/>
+            </a:solidFill>
+          </a:ln>
+        </p:spPr>
+        <p:style>
+          <a:lnRef idx="2">
+            <a:schemeClr val="accent1">
+              <a:shade val="50000"/>
+            </a:schemeClr>
+          </a:lnRef>
+          <a:fillRef idx="1">
+            <a:schemeClr val="accent1"/>
+          </a:fillRef>
+          <a:effectRef idx="0">
+            <a:schemeClr val="accent1"/>
+          </a:effectRef>
+          <a:fontRef idx="minor">
+            <a:schemeClr val="lt1"/>
+          </a:fontRef>
+        </p:style>
+        <p:txBody>
+          <a:bodyPr rtlCol="0" anchor="ctr"/>
+          <a:lstStyle/>
+          <a:p>
+            <a:pPr algn="ctr"/>
+            <a:endParaRPr lang="zh-CN" altLang="en-US"/>
+          </a:p>
+        </p:txBody>
+      </p:sp>
+      <p:sp>
+        <p:nvSpPr>
+          <p:cNvPr id="96" name="Oval 95"/>
+          <p:cNvSpPr/>
+          <p:nvPr/>
+        </p:nvSpPr>
+        <p:spPr>
+          <a:xfrm>
+            <a:off x="9786724" y="272793"/>
+            <a:ext cx="316194" cy="316194"/>
+          </a:xfrm>
+          <a:prstGeom prst="ellipse">
+            <a:avLst/>
+          </a:prstGeom>
+          <a:noFill/>
+          <a:ln>
+            <a:solidFill>
+              <a:schemeClr val="bg1"/>
+            </a:solidFill>
+          </a:ln>
+        </p:spPr>
+        <p:style>
+          <a:lnRef idx="2">
+            <a:schemeClr val="accent1">
+              <a:shade val="50000"/>
+            </a:schemeClr>
+          </a:lnRef>
+          <a:fillRef idx="1">
+            <a:schemeClr val="accent1"/>
+          </a:fillRef>
+          <a:effectRef idx="0">
+            <a:schemeClr val="accent1"/>
+          </a:effectRef>
+          <a:fontRef idx="minor">
+            <a:schemeClr val="lt1"/>
+          </a:fontRef>
+        </p:style>
+        <p:txBody>
+          <a:bodyPr rtlCol="0" anchor="ctr"/>
+          <a:lstStyle/>
+          <a:p>
+            <a:pPr algn="ctr"/>
+            <a:endParaRPr lang="zh-CN" altLang="en-US"/>
+          </a:p>
+        </p:txBody>
+      </p:sp>
+      <p:cxnSp>
+        <p:nvCxnSpPr>
+          <p:cNvPr id="98" name="Straight Arrow Connector 97"/>
+          <p:cNvCxnSpPr>
+            <a:stCxn id="88" idx="1"/>
+            <a:endCxn id="94" idx="5"/>
+          </p:cNvCxnSpPr>
+          <p:nvPr/>
+        </p:nvCxnSpPr>
+        <p:spPr>
+          <a:xfrm flipH="1" flipV="1">
+            <a:off x="9752052" y="1020114"/>
+            <a:ext cx="80978" cy="331739"/>
+          </a:xfrm>
+          <a:prstGeom prst="straightConnector1">
+            <a:avLst/>
+          </a:prstGeom>
+          <a:ln>
+            <a:solidFill>
+              <a:schemeClr val="bg1"/>
+            </a:solidFill>
+            <a:tailEnd type="triangle"/>
+          </a:ln>
+        </p:spPr>
+        <p:style>
+          <a:lnRef idx="1">
+            <a:schemeClr val="accent1"/>
+          </a:lnRef>
+          <a:fillRef idx="0">
+            <a:schemeClr val="accent1"/>
+          </a:fillRef>
+          <a:effectRef idx="0">
+            <a:schemeClr val="accent1"/>
+          </a:effectRef>
+          <a:fontRef idx="minor">
+            <a:schemeClr val="tx1"/>
+          </a:fontRef>
+        </p:style>
+      </p:cxnSp>
+      <p:cxnSp>
+        <p:nvCxnSpPr>
+          <p:cNvPr id="100" name="Straight Arrow Connector 99"/>
+          <p:cNvCxnSpPr>
+            <a:stCxn id="94" idx="7"/>
+            <a:endCxn id="96" idx="4"/>
+          </p:cNvCxnSpPr>
+          <p:nvPr/>
+        </p:nvCxnSpPr>
+        <p:spPr>
+          <a:xfrm flipV="1">
+            <a:off x="9752052" y="588987"/>
+            <a:ext cx="192769" cy="207545"/>
+          </a:xfrm>
+          <a:prstGeom prst="straightConnector1">
+            <a:avLst/>
+          </a:prstGeom>
+          <a:ln>
+            <a:solidFill>
+              <a:schemeClr val="bg1"/>
+            </a:solidFill>
+            <a:tailEnd type="triangle"/>
+          </a:ln>
+        </p:spPr>
+        <p:style>
+          <a:lnRef idx="1">
+            <a:schemeClr val="accent1"/>
+          </a:lnRef>
+          <a:fillRef idx="0">
+            <a:schemeClr val="accent1"/>
+          </a:fillRef>
+          <a:effectRef idx="0">
+            <a:schemeClr val="accent1"/>
+          </a:effectRef>
+          <a:fontRef idx="minor">
+            <a:schemeClr val="tx1"/>
+          </a:fontRef>
+        </p:style>
+      </p:cxnSp>
+      <p:cxnSp>
+        <p:nvCxnSpPr>
+          <p:cNvPr id="102" name="Straight Arrow Connector 101"/>
+          <p:cNvCxnSpPr>
+            <a:stCxn id="96" idx="5"/>
+            <a:endCxn id="95" idx="0"/>
+          </p:cNvCxnSpPr>
+          <p:nvPr/>
+        </p:nvCxnSpPr>
+        <p:spPr>
+          <a:xfrm>
+            <a:off x="10056612" y="542681"/>
+            <a:ext cx="209519" cy="200130"/>
+          </a:xfrm>
+          <a:prstGeom prst="straightConnector1">
+            <a:avLst/>
+          </a:prstGeom>
+          <a:ln>
+            <a:solidFill>
+              <a:schemeClr val="bg1"/>
+            </a:solidFill>
+            <a:tailEnd type="triangle"/>
+          </a:ln>
+        </p:spPr>
+        <p:style>
+          <a:lnRef idx="1">
+            <a:schemeClr val="accent1"/>
+          </a:lnRef>
+          <a:fillRef idx="0">
+            <a:schemeClr val="accent1"/>
+          </a:fillRef>
+          <a:effectRef idx="0">
+            <a:schemeClr val="accent1"/>
+          </a:effectRef>
+          <a:fontRef idx="minor">
+            <a:schemeClr val="tx1"/>
+          </a:fontRef>
+        </p:style>
+      </p:cxnSp>
+      <p:cxnSp>
+        <p:nvCxnSpPr>
+          <p:cNvPr id="104" name="Straight Arrow Connector 103"/>
+          <p:cNvCxnSpPr>
+            <a:stCxn id="95" idx="4"/>
+            <a:endCxn id="88" idx="7"/>
+          </p:cNvCxnSpPr>
+          <p:nvPr/>
+        </p:nvCxnSpPr>
+        <p:spPr>
+          <a:xfrm flipH="1">
+            <a:off x="10056612" y="1059005"/>
+            <a:ext cx="209519" cy="292848"/>
+          </a:xfrm>
+          <a:prstGeom prst="straightConnector1">
+            <a:avLst/>
+          </a:prstGeom>
+          <a:ln>
+            <a:solidFill>
+              <a:schemeClr val="bg1"/>
+            </a:solidFill>
+            <a:tailEnd type="triangle"/>
+          </a:ln>
+        </p:spPr>
+        <p:style>
+          <a:lnRef idx="1">
+            <a:schemeClr val="accent1"/>
+          </a:lnRef>
+          <a:fillRef idx="0">
+            <a:schemeClr val="accent1"/>
+          </a:fillRef>
+          <a:effectRef idx="0">
+            <a:schemeClr val="accent1"/>
+          </a:effectRef>
+          <a:fontRef idx="minor">
+            <a:schemeClr val="tx1"/>
+          </a:fontRef>
+        </p:style>
+      </p:cxnSp>
+      <p:grpSp>
+        <p:nvGrpSpPr>
+          <p:cNvPr id="105" name="Group 104"/>
+          <p:cNvGrpSpPr/>
+          <p:nvPr/>
+        </p:nvGrpSpPr>
+        <p:grpSpPr>
+          <a:xfrm>
+            <a:off x="5720542" y="4868540"/>
+            <a:ext cx="701386" cy="316194"/>
+            <a:chOff x="2521009" y="1136591"/>
+            <a:chExt cx="701386" cy="316194"/>
+          </a:xfrm>
+        </p:grpSpPr>
+        <p:sp>
+          <p:nvSpPr>
+            <p:cNvPr id="106" name="Oval 105"/>
+            <p:cNvSpPr/>
+            <p:nvPr/>
+          </p:nvSpPr>
+          <p:spPr>
+            <a:xfrm>
+              <a:off x="2521009" y="1136591"/>
+              <a:ext cx="316194" cy="316194"/>
+            </a:xfrm>
+            <a:prstGeom prst="ellipse">
+              <a:avLst/>
+            </a:prstGeom>
+            <a:noFill/>
+            <a:ln>
+              <a:solidFill>
+                <a:schemeClr val="bg1"/>
+              </a:solidFill>
+            </a:ln>
+          </p:spPr>
+          <p:style>
+            <a:lnRef idx="2">
+              <a:schemeClr val="accent1">
+                <a:shade val="50000"/>
+              </a:schemeClr>
+            </a:lnRef>
+            <a:fillRef idx="1">
+              <a:schemeClr val="accent1"/>
+            </a:fillRef>
+            <a:effectRef idx="0">
+              <a:schemeClr val="accent1"/>
+            </a:effectRef>
+            <a:fontRef idx="minor">
+              <a:schemeClr val="lt1"/>
+            </a:fontRef>
+          </p:style>
+          <p:txBody>
+            <a:bodyPr rtlCol="0" anchor="ctr"/>
+            <a:lstStyle/>
+            <a:p>
+              <a:pPr algn="ctr"/>
+              <a:endParaRPr lang="zh-CN" altLang="en-US"/>
+            </a:p>
+          </p:txBody>
+        </p:sp>
+        <p:cxnSp>
+          <p:nvCxnSpPr>
+            <p:cNvPr id="107" name="Straight Arrow Connector 106"/>
+            <p:cNvCxnSpPr>
+              <a:stCxn id="106" idx="6"/>
+            </p:cNvCxnSpPr>
+            <p:nvPr/>
+          </p:nvCxnSpPr>
+          <p:spPr>
+            <a:xfrm>
+              <a:off x="2837203" y="1294688"/>
+              <a:ext cx="385192" cy="4273"/>
+            </a:xfrm>
+            <a:prstGeom prst="straightConnector1">
+              <a:avLst/>
+            </a:prstGeom>
+            <a:ln>
+              <a:solidFill>
+                <a:schemeClr val="bg1"/>
+              </a:solidFill>
+              <a:tailEnd type="triangle"/>
+            </a:ln>
+          </p:spPr>
+          <p:style>
+            <a:lnRef idx="1">
+              <a:schemeClr val="accent1"/>
+            </a:lnRef>
+            <a:fillRef idx="0">
+              <a:schemeClr val="accent1"/>
+            </a:fillRef>
+            <a:effectRef idx="0">
+              <a:schemeClr val="accent1"/>
+            </a:effectRef>
+            <a:fontRef idx="minor">
+              <a:schemeClr val="tx1"/>
+            </a:fontRef>
+          </p:style>
+        </p:cxnSp>
+      </p:grpSp>
+      <p:grpSp>
+        <p:nvGrpSpPr>
+          <p:cNvPr id="108" name="Group 107"/>
+          <p:cNvGrpSpPr/>
+          <p:nvPr/>
+        </p:nvGrpSpPr>
+        <p:grpSpPr>
+          <a:xfrm>
+            <a:off x="6402943" y="4868540"/>
+            <a:ext cx="701386" cy="316194"/>
+            <a:chOff x="2521009" y="1136591"/>
+            <a:chExt cx="701386" cy="316194"/>
+          </a:xfrm>
+        </p:grpSpPr>
+        <p:sp>
+          <p:nvSpPr>
+            <p:cNvPr id="109" name="Oval 108"/>
+            <p:cNvSpPr/>
+            <p:nvPr/>
+          </p:nvSpPr>
+          <p:spPr>
+            <a:xfrm>
+              <a:off x="2521009" y="1136591"/>
+              <a:ext cx="316194" cy="316194"/>
+            </a:xfrm>
+            <a:prstGeom prst="ellipse">
+              <a:avLst/>
+            </a:prstGeom>
+            <a:noFill/>
+            <a:ln>
+              <a:solidFill>
+                <a:schemeClr val="bg1"/>
+              </a:solidFill>
+            </a:ln>
+          </p:spPr>
+          <p:style>
+            <a:lnRef idx="2">
+              <a:schemeClr val="accent1">
+                <a:shade val="50000"/>
+              </a:schemeClr>
+            </a:lnRef>
+            <a:fillRef idx="1">
+              <a:schemeClr val="accent1"/>
+            </a:fillRef>
+            <a:effectRef idx="0">
+              <a:schemeClr val="accent1"/>
+            </a:effectRef>
+            <a:fontRef idx="minor">
+              <a:schemeClr val="lt1"/>
+            </a:fontRef>
+          </p:style>
+          <p:txBody>
+            <a:bodyPr rtlCol="0" anchor="ctr"/>
+            <a:lstStyle/>
+            <a:p>
+              <a:pPr algn="ctr"/>
+              <a:endParaRPr lang="zh-CN" altLang="en-US"/>
+            </a:p>
+          </p:txBody>
+        </p:sp>
+        <p:cxnSp>
+          <p:nvCxnSpPr>
+            <p:cNvPr id="110" name="Straight Arrow Connector 109"/>
+            <p:cNvCxnSpPr>
+              <a:stCxn id="109" idx="6"/>
+            </p:cNvCxnSpPr>
+            <p:nvPr/>
+          </p:nvCxnSpPr>
+          <p:spPr>
+            <a:xfrm>
+              <a:off x="2837203" y="1294688"/>
+              <a:ext cx="385192" cy="4273"/>
+            </a:xfrm>
+            <a:prstGeom prst="straightConnector1">
+              <a:avLst/>
+            </a:prstGeom>
+            <a:ln>
+              <a:solidFill>
+                <a:schemeClr val="bg1"/>
+              </a:solidFill>
+              <a:tailEnd type="triangle"/>
+            </a:ln>
+          </p:spPr>
+          <p:style>
+            <a:lnRef idx="1">
+              <a:schemeClr val="accent1"/>
+            </a:lnRef>
+            <a:fillRef idx="0">
+              <a:schemeClr val="accent1"/>
+            </a:fillRef>
+            <a:effectRef idx="0">
+              <a:schemeClr val="accent1"/>
+            </a:effectRef>
+            <a:fontRef idx="minor">
+              <a:schemeClr val="tx1"/>
+            </a:fontRef>
+          </p:style>
+        </p:cxnSp>
+      </p:grpSp>
+      <p:grpSp>
+        <p:nvGrpSpPr>
+          <p:cNvPr id="111" name="Group 110"/>
+          <p:cNvGrpSpPr/>
+          <p:nvPr/>
+        </p:nvGrpSpPr>
+        <p:grpSpPr>
+          <a:xfrm>
+            <a:off x="9915438" y="4868540"/>
+            <a:ext cx="701386" cy="316194"/>
+            <a:chOff x="2521009" y="1136591"/>
+            <a:chExt cx="701386" cy="316194"/>
+          </a:xfrm>
+        </p:grpSpPr>
+        <p:sp>
+          <p:nvSpPr>
+            <p:cNvPr id="112" name="Oval 111"/>
+            <p:cNvSpPr/>
+            <p:nvPr/>
+          </p:nvSpPr>
+          <p:spPr>
+            <a:xfrm>
+              <a:off x="2521009" y="1136591"/>
+              <a:ext cx="316194" cy="316194"/>
+            </a:xfrm>
+            <a:prstGeom prst="ellipse">
+              <a:avLst/>
+            </a:prstGeom>
+            <a:noFill/>
+            <a:ln>
+              <a:solidFill>
+                <a:schemeClr val="bg1"/>
+              </a:solidFill>
+            </a:ln>
+          </p:spPr>
+          <p:style>
+            <a:lnRef idx="2">
+              <a:schemeClr val="accent1">
+                <a:shade val="50000"/>
+              </a:schemeClr>
+            </a:lnRef>
+            <a:fillRef idx="1">
+              <a:schemeClr val="accent1"/>
+            </a:fillRef>
+            <a:effectRef idx="0">
+              <a:schemeClr val="accent1"/>
+            </a:effectRef>
+            <a:fontRef idx="minor">
+              <a:schemeClr val="lt1"/>
+            </a:fontRef>
+          </p:style>
+          <p:txBody>
+            <a:bodyPr rtlCol="0" anchor="ctr"/>
+            <a:lstStyle/>
+            <a:p>
+              <a:pPr algn="ctr"/>
+              <a:endParaRPr lang="zh-CN" altLang="en-US"/>
+            </a:p>
+          </p:txBody>
+        </p:sp>
+        <p:cxnSp>
+          <p:nvCxnSpPr>
+            <p:cNvPr id="113" name="Straight Arrow Connector 112"/>
+            <p:cNvCxnSpPr>
+              <a:stCxn id="112" idx="6"/>
+            </p:cNvCxnSpPr>
+            <p:nvPr/>
+          </p:nvCxnSpPr>
+          <p:spPr>
+            <a:xfrm>
+              <a:off x="2837203" y="1294688"/>
+              <a:ext cx="385192" cy="4273"/>
+            </a:xfrm>
+            <a:prstGeom prst="straightConnector1">
+              <a:avLst/>
+            </a:prstGeom>
+            <a:ln>
+              <a:solidFill>
+                <a:schemeClr val="bg1"/>
+              </a:solidFill>
+              <a:tailEnd type="triangle"/>
+            </a:ln>
+          </p:spPr>
+          <p:style>
+            <a:lnRef idx="1">
+              <a:schemeClr val="accent1"/>
+            </a:lnRef>
+            <a:fillRef idx="0">
+              <a:schemeClr val="accent1"/>
+            </a:fillRef>
+            <a:effectRef idx="0">
+              <a:schemeClr val="accent1"/>
+            </a:effectRef>
+            <a:fontRef idx="minor">
+              <a:schemeClr val="tx1"/>
+            </a:fontRef>
+          </p:style>
+        </p:cxnSp>
+      </p:grpSp>
+      <p:sp>
+        <p:nvSpPr>
+          <p:cNvPr id="114" name="Oval 113"/>
+          <p:cNvSpPr/>
+          <p:nvPr/>
+        </p:nvSpPr>
+        <p:spPr>
+          <a:xfrm>
+            <a:off x="10602435" y="4871389"/>
+            <a:ext cx="316194" cy="316194"/>
+          </a:xfrm>
+          <a:prstGeom prst="ellipse">
+            <a:avLst/>
+          </a:prstGeom>
+          <a:noFill/>
+          <a:ln>
+            <a:solidFill>
+              <a:schemeClr val="bg1"/>
+            </a:solidFill>
+          </a:ln>
+        </p:spPr>
+        <p:style>
+          <a:lnRef idx="2">
+            <a:schemeClr val="accent1">
+              <a:shade val="50000"/>
+            </a:schemeClr>
+          </a:lnRef>
+          <a:fillRef idx="1">
+            <a:schemeClr val="accent1"/>
+          </a:fillRef>
+          <a:effectRef idx="0">
+            <a:schemeClr val="accent1"/>
+          </a:effectRef>
+          <a:fontRef idx="minor">
+            <a:schemeClr val="lt1"/>
+          </a:fontRef>
+        </p:style>
+        <p:txBody>
+          <a:bodyPr rtlCol="0" anchor="ctr"/>
+          <a:lstStyle/>
+          <a:p>
+            <a:pPr algn="ctr"/>
+            <a:endParaRPr lang="zh-CN" altLang="en-US"/>
+          </a:p>
+        </p:txBody>
+      </p:sp>
+      <p:sp>
+        <p:nvSpPr>
+          <p:cNvPr id="115" name="Oval 114"/>
+          <p:cNvSpPr/>
+          <p:nvPr/>
+        </p:nvSpPr>
+        <p:spPr>
+          <a:xfrm>
+            <a:off x="7120868" y="3800034"/>
+            <a:ext cx="2422769" cy="2453206"/>
+          </a:xfrm>
+          <a:prstGeom prst="ellipse">
+            <a:avLst/>
+          </a:prstGeom>
+          <a:noFill/>
+          <a:ln>
+            <a:solidFill>
+              <a:schemeClr val="bg1"/>
+            </a:solidFill>
+          </a:ln>
+        </p:spPr>
+        <p:style>
+          <a:lnRef idx="2">
+            <a:schemeClr val="accent1">
+              <a:shade val="50000"/>
+            </a:schemeClr>
+          </a:lnRef>
+          <a:fillRef idx="1">
+            <a:schemeClr val="accent1"/>
+          </a:fillRef>
+          <a:effectRef idx="0">
+            <a:schemeClr val="accent1"/>
+          </a:effectRef>
+          <a:fontRef idx="minor">
+            <a:schemeClr val="lt1"/>
+          </a:fontRef>
+        </p:style>
+        <p:txBody>
+          <a:bodyPr rtlCol="0" anchor="ctr"/>
+          <a:lstStyle/>
+          <a:p>
+            <a:pPr algn="ctr"/>
+            <a:endParaRPr lang="zh-CN" altLang="en-US"/>
+          </a:p>
+        </p:txBody>
+      </p:sp>
+      <p:cxnSp>
+        <p:nvCxnSpPr>
+          <p:cNvPr id="117" name="Straight Arrow Connector 116"/>
+          <p:cNvCxnSpPr>
+            <a:stCxn id="115" idx="6"/>
+            <a:endCxn id="112" idx="2"/>
+          </p:cNvCxnSpPr>
+          <p:nvPr/>
+        </p:nvCxnSpPr>
+        <p:spPr>
+          <a:xfrm>
+            <a:off x="9543637" y="5026637"/>
+            <a:ext cx="371801" cy="0"/>
+          </a:xfrm>
+          <a:prstGeom prst="straightConnector1">
+            <a:avLst/>
+          </a:prstGeom>
+          <a:ln>
+            <a:solidFill>
+              <a:schemeClr val="bg1"/>
+            </a:solidFill>
+            <a:tailEnd type="triangle"/>
+          </a:ln>
+        </p:spPr>
+        <p:style>
+          <a:lnRef idx="1">
+            <a:schemeClr val="accent1"/>
+          </a:lnRef>
+          <a:fillRef idx="0">
+            <a:schemeClr val="accent1"/>
+          </a:fillRef>
+          <a:effectRef idx="0">
+            <a:schemeClr val="accent1"/>
+          </a:effectRef>
+          <a:fontRef idx="minor">
+            <a:schemeClr val="tx1"/>
+          </a:fontRef>
+        </p:style>
+      </p:cxnSp>
+      <p:sp>
+        <p:nvSpPr>
+          <p:cNvPr id="118" name="TextBox 117"/>
+          <p:cNvSpPr txBox="1"/>
+          <p:nvPr/>
+        </p:nvSpPr>
+        <p:spPr>
+          <a:xfrm>
+            <a:off x="8078972" y="4757372"/>
+            <a:ext cx="692209" cy="646331"/>
+          </a:xfrm>
+          <a:prstGeom prst="rect">
+            <a:avLst/>
+          </a:prstGeom>
+          <a:noFill/>
+        </p:spPr>
+        <p:txBody>
+          <a:bodyPr wrap="square" rtlCol="0">
+            <a:spAutoFit/>
+          </a:bodyPr>
+          <a:lstStyle/>
+          <a:p>
+            <a:r>
+              <a:rPr lang="zh-CN" altLang="en-US" dirty="0" smtClean="0">
+                <a:solidFill>
+                  <a:schemeClr val="bg1"/>
+                </a:solidFill>
+              </a:rPr>
+              <a:t>各种结构</a:t>
+            </a:r>
+            <a:endParaRPr lang="zh-CN" altLang="en-US" dirty="0">
+              <a:solidFill>
+                <a:schemeClr val="bg1"/>
+              </a:solidFill>
+            </a:endParaRPr>
+          </a:p>
+        </p:txBody>
+      </p:sp>
+    </p:spTree>
+    <p:extLst>
+      <p:ext uri="{BB962C8B-B14F-4D97-AF65-F5344CB8AC3E}">
+        <p14:creationId xmlns:p14="http://schemas.microsoft.com/office/powerpoint/2010/main" val="1681752626"/>
       </p:ext>
     </p:extLst>
   </p:cSld>

--- a/Share/游戏设计理论.pptx
+++ b/Share/游戏设计理论.pptx
@@ -370,7 +370,7 @@
           <a:p>
             <a:fld id="{D2A48B96-639E-45A3-A0BA-2464DFDB1FAA}" type="datetimeFigureOut">
               <a:rPr lang="zh-CN" altLang="en-US" smtClean="0"/>
-              <a:t>2018/4/10</a:t>
+              <a:t>2018/4/11</a:t>
             </a:fld>
             <a:endParaRPr lang="zh-CN" altLang="en-US"/>
           </a:p>
@@ -769,7 +769,7 @@
           <a:p>
             <a:fld id="{D997B5FA-0921-464F-AAE1-844C04324D75}" type="datetimeFigureOut">
               <a:rPr lang="zh-CN" altLang="en-US" smtClean="0"/>
-              <a:t>2018/4/10</a:t>
+              <a:t>2018/4/11</a:t>
             </a:fld>
             <a:endParaRPr lang="zh-CN" altLang="en-US"/>
           </a:p>
@@ -938,7 +938,7 @@
           <a:p>
             <a:fld id="{D997B5FA-0921-464F-AAE1-844C04324D75}" type="datetimeFigureOut">
               <a:rPr lang="zh-CN" altLang="en-US" smtClean="0"/>
-              <a:t>2018/4/10</a:t>
+              <a:t>2018/4/11</a:t>
             </a:fld>
             <a:endParaRPr lang="zh-CN" altLang="en-US"/>
           </a:p>
@@ -1117,7 +1117,7 @@
           <a:p>
             <a:fld id="{D997B5FA-0921-464F-AAE1-844C04324D75}" type="datetimeFigureOut">
               <a:rPr lang="zh-CN" altLang="en-US" smtClean="0"/>
-              <a:t>2018/4/10</a:t>
+              <a:t>2018/4/11</a:t>
             </a:fld>
             <a:endParaRPr lang="zh-CN" altLang="en-US"/>
           </a:p>
@@ -1286,7 +1286,7 @@
           <a:p>
             <a:fld id="{D997B5FA-0921-464F-AAE1-844C04324D75}" type="datetimeFigureOut">
               <a:rPr lang="zh-CN" altLang="en-US" smtClean="0"/>
-              <a:t>2018/4/10</a:t>
+              <a:t>2018/4/11</a:t>
             </a:fld>
             <a:endParaRPr lang="zh-CN" altLang="en-US"/>
           </a:p>
@@ -1531,7 +1531,7 @@
           <a:p>
             <a:fld id="{D997B5FA-0921-464F-AAE1-844C04324D75}" type="datetimeFigureOut">
               <a:rPr lang="zh-CN" altLang="en-US" smtClean="0"/>
-              <a:t>2018/4/10</a:t>
+              <a:t>2018/4/11</a:t>
             </a:fld>
             <a:endParaRPr lang="zh-CN" altLang="en-US"/>
           </a:p>
@@ -1762,7 +1762,7 @@
           <a:p>
             <a:fld id="{D997B5FA-0921-464F-AAE1-844C04324D75}" type="datetimeFigureOut">
               <a:rPr lang="zh-CN" altLang="en-US" smtClean="0"/>
-              <a:t>2018/4/10</a:t>
+              <a:t>2018/4/11</a:t>
             </a:fld>
             <a:endParaRPr lang="zh-CN" altLang="en-US"/>
           </a:p>
@@ -2128,7 +2128,7 @@
           <a:p>
             <a:fld id="{D997B5FA-0921-464F-AAE1-844C04324D75}" type="datetimeFigureOut">
               <a:rPr lang="zh-CN" altLang="en-US" smtClean="0"/>
-              <a:t>2018/4/10</a:t>
+              <a:t>2018/4/11</a:t>
             </a:fld>
             <a:endParaRPr lang="zh-CN" altLang="en-US"/>
           </a:p>
@@ -2245,7 +2245,7 @@
           <a:p>
             <a:fld id="{D997B5FA-0921-464F-AAE1-844C04324D75}" type="datetimeFigureOut">
               <a:rPr lang="zh-CN" altLang="en-US" smtClean="0"/>
-              <a:t>2018/4/10</a:t>
+              <a:t>2018/4/11</a:t>
             </a:fld>
             <a:endParaRPr lang="zh-CN" altLang="en-US"/>
           </a:p>
@@ -2339,7 +2339,7 @@
           <a:p>
             <a:fld id="{D997B5FA-0921-464F-AAE1-844C04324D75}" type="datetimeFigureOut">
               <a:rPr lang="zh-CN" altLang="en-US" smtClean="0"/>
-              <a:t>2018/4/10</a:t>
+              <a:t>2018/4/11</a:t>
             </a:fld>
             <a:endParaRPr lang="zh-CN" altLang="en-US"/>
           </a:p>
@@ -2615,7 +2615,7 @@
           <a:p>
             <a:fld id="{D997B5FA-0921-464F-AAE1-844C04324D75}" type="datetimeFigureOut">
               <a:rPr lang="zh-CN" altLang="en-US" smtClean="0"/>
-              <a:t>2018/4/10</a:t>
+              <a:t>2018/4/11</a:t>
             </a:fld>
             <a:endParaRPr lang="zh-CN" altLang="en-US"/>
           </a:p>
@@ -2867,7 +2867,7 @@
           <a:p>
             <a:fld id="{D997B5FA-0921-464F-AAE1-844C04324D75}" type="datetimeFigureOut">
               <a:rPr lang="zh-CN" altLang="en-US" smtClean="0"/>
-              <a:t>2018/4/10</a:t>
+              <a:t>2018/4/11</a:t>
             </a:fld>
             <a:endParaRPr lang="zh-CN" altLang="en-US"/>
           </a:p>
@@ -3079,7 +3079,7 @@
           <a:p>
             <a:fld id="{D997B5FA-0921-464F-AAE1-844C04324D75}" type="datetimeFigureOut">
               <a:rPr lang="zh-CN" altLang="en-US" smtClean="0"/>
-              <a:t>2018/4/10</a:t>
+              <a:t>2018/4/11</a:t>
             </a:fld>
             <a:endParaRPr lang="zh-CN" altLang="en-US"/>
           </a:p>
